--- a/Slides.pptx
+++ b/Slides.pptx
@@ -11,6 +11,11 @@
     <p:sldId id="259" r:id="rId5"/>
     <p:sldId id="260" r:id="rId6"/>
     <p:sldId id="261" r:id="rId7"/>
+    <p:sldId id="262" r:id="rId8"/>
+    <p:sldId id="263" r:id="rId9"/>
+    <p:sldId id="266" r:id="rId10"/>
+    <p:sldId id="265" r:id="rId11"/>
+    <p:sldId id="264" r:id="rId12"/>
   </p:sldIdLst>
   <p:sldSz cx="12192000" cy="6858000"/>
   <p:notesSz cx="6858000" cy="9144000"/>
@@ -109,6 +114,11 @@
       </a:defRPr>
     </a:lvl9pPr>
   </p:defaultTextStyle>
+  <p:extLst>
+    <p:ext uri="{EFAFB233-063F-42B5-8137-9DF3F51BA10A}">
+      <p15:sldGuideLst xmlns:p15="http://schemas.microsoft.com/office/powerpoint/2012/main"/>
+    </p:ext>
+  </p:extLst>
 </p:presentation>
 </file>
 
@@ -10855,7 +10865,7 @@
           <a:p>
             <a:fld id="{B3FBE7C8-F44F-46A4-ADFD-275A97E64713}" type="datetimeFigureOut">
               <a:rPr lang="it-IT" smtClean="0"/>
-              <a:t>22/08/2024</a:t>
+              <a:t>25/08/2024</a:t>
             </a:fld>
             <a:endParaRPr lang="it-IT"/>
           </a:p>
@@ -10909,7 +10919,7 @@
           <a:p>
             <a:fld id="{FD32C36A-C476-4D87-9FEE-A75765A1B5AE}" type="slidenum">
               <a:rPr lang="it-IT" smtClean="0"/>
-              <a:t>‹N›</a:t>
+              <a:t>‹#›</a:t>
             </a:fld>
             <a:endParaRPr lang="it-IT"/>
           </a:p>
@@ -11053,7 +11063,7 @@
           <a:p>
             <a:fld id="{B3FBE7C8-F44F-46A4-ADFD-275A97E64713}" type="datetimeFigureOut">
               <a:rPr lang="it-IT" smtClean="0"/>
-              <a:t>22/08/2024</a:t>
+              <a:t>25/08/2024</a:t>
             </a:fld>
             <a:endParaRPr lang="it-IT"/>
           </a:p>
@@ -11107,7 +11117,7 @@
           <a:p>
             <a:fld id="{FD32C36A-C476-4D87-9FEE-A75765A1B5AE}" type="slidenum">
               <a:rPr lang="it-IT" smtClean="0"/>
-              <a:t>‹N›</a:t>
+              <a:t>‹#›</a:t>
             </a:fld>
             <a:endParaRPr lang="it-IT"/>
           </a:p>
@@ -11261,7 +11271,7 @@
           <a:p>
             <a:fld id="{B3FBE7C8-F44F-46A4-ADFD-275A97E64713}" type="datetimeFigureOut">
               <a:rPr lang="it-IT" smtClean="0"/>
-              <a:t>22/08/2024</a:t>
+              <a:t>25/08/2024</a:t>
             </a:fld>
             <a:endParaRPr lang="it-IT"/>
           </a:p>
@@ -11315,7 +11325,7 @@
           <a:p>
             <a:fld id="{FD32C36A-C476-4D87-9FEE-A75765A1B5AE}" type="slidenum">
               <a:rPr lang="it-IT" smtClean="0"/>
-              <a:t>‹N›</a:t>
+              <a:t>‹#›</a:t>
             </a:fld>
             <a:endParaRPr lang="it-IT"/>
           </a:p>
@@ -11459,7 +11469,7 @@
           <a:p>
             <a:fld id="{B3FBE7C8-F44F-46A4-ADFD-275A97E64713}" type="datetimeFigureOut">
               <a:rPr lang="it-IT" smtClean="0"/>
-              <a:t>22/08/2024</a:t>
+              <a:t>25/08/2024</a:t>
             </a:fld>
             <a:endParaRPr lang="it-IT"/>
           </a:p>
@@ -11513,7 +11523,7 @@
           <a:p>
             <a:fld id="{FD32C36A-C476-4D87-9FEE-A75765A1B5AE}" type="slidenum">
               <a:rPr lang="it-IT" smtClean="0"/>
-              <a:t>‹N›</a:t>
+              <a:t>‹#›</a:t>
             </a:fld>
             <a:endParaRPr lang="it-IT"/>
           </a:p>
@@ -11734,7 +11744,7 @@
           <a:p>
             <a:fld id="{B3FBE7C8-F44F-46A4-ADFD-275A97E64713}" type="datetimeFigureOut">
               <a:rPr lang="it-IT" smtClean="0"/>
-              <a:t>22/08/2024</a:t>
+              <a:t>25/08/2024</a:t>
             </a:fld>
             <a:endParaRPr lang="it-IT"/>
           </a:p>
@@ -11788,7 +11798,7 @@
           <a:p>
             <a:fld id="{FD32C36A-C476-4D87-9FEE-A75765A1B5AE}" type="slidenum">
               <a:rPr lang="it-IT" smtClean="0"/>
-              <a:t>‹N›</a:t>
+              <a:t>‹#›</a:t>
             </a:fld>
             <a:endParaRPr lang="it-IT"/>
           </a:p>
@@ -11999,7 +12009,7 @@
           <a:p>
             <a:fld id="{B3FBE7C8-F44F-46A4-ADFD-275A97E64713}" type="datetimeFigureOut">
               <a:rPr lang="it-IT" smtClean="0"/>
-              <a:t>22/08/2024</a:t>
+              <a:t>25/08/2024</a:t>
             </a:fld>
             <a:endParaRPr lang="it-IT"/>
           </a:p>
@@ -12053,7 +12063,7 @@
           <a:p>
             <a:fld id="{FD32C36A-C476-4D87-9FEE-A75765A1B5AE}" type="slidenum">
               <a:rPr lang="it-IT" smtClean="0"/>
-              <a:t>‹N›</a:t>
+              <a:t>‹#›</a:t>
             </a:fld>
             <a:endParaRPr lang="it-IT"/>
           </a:p>
@@ -12411,7 +12421,7 @@
           <a:p>
             <a:fld id="{B3FBE7C8-F44F-46A4-ADFD-275A97E64713}" type="datetimeFigureOut">
               <a:rPr lang="it-IT" smtClean="0"/>
-              <a:t>22/08/2024</a:t>
+              <a:t>25/08/2024</a:t>
             </a:fld>
             <a:endParaRPr lang="it-IT"/>
           </a:p>
@@ -12465,7 +12475,7 @@
           <a:p>
             <a:fld id="{FD32C36A-C476-4D87-9FEE-A75765A1B5AE}" type="slidenum">
               <a:rPr lang="it-IT" smtClean="0"/>
-              <a:t>‹N›</a:t>
+              <a:t>‹#›</a:t>
             </a:fld>
             <a:endParaRPr lang="it-IT"/>
           </a:p>
@@ -12552,7 +12562,7 @@
           <a:p>
             <a:fld id="{B3FBE7C8-F44F-46A4-ADFD-275A97E64713}" type="datetimeFigureOut">
               <a:rPr lang="it-IT" smtClean="0"/>
-              <a:t>22/08/2024</a:t>
+              <a:t>25/08/2024</a:t>
             </a:fld>
             <a:endParaRPr lang="it-IT"/>
           </a:p>
@@ -12606,7 +12616,7 @@
           <a:p>
             <a:fld id="{FD32C36A-C476-4D87-9FEE-A75765A1B5AE}" type="slidenum">
               <a:rPr lang="it-IT" smtClean="0"/>
-              <a:t>‹N›</a:t>
+              <a:t>‹#›</a:t>
             </a:fld>
             <a:endParaRPr lang="it-IT"/>
           </a:p>
@@ -12665,7 +12675,7 @@
           <a:p>
             <a:fld id="{B3FBE7C8-F44F-46A4-ADFD-275A97E64713}" type="datetimeFigureOut">
               <a:rPr lang="it-IT" smtClean="0"/>
-              <a:t>22/08/2024</a:t>
+              <a:t>25/08/2024</a:t>
             </a:fld>
             <a:endParaRPr lang="it-IT"/>
           </a:p>
@@ -12719,7 +12729,7 @@
           <a:p>
             <a:fld id="{FD32C36A-C476-4D87-9FEE-A75765A1B5AE}" type="slidenum">
               <a:rPr lang="it-IT" smtClean="0"/>
-              <a:t>‹N›</a:t>
+              <a:t>‹#›</a:t>
             </a:fld>
             <a:endParaRPr lang="it-IT"/>
           </a:p>
@@ -12976,7 +12986,7 @@
           <a:p>
             <a:fld id="{B3FBE7C8-F44F-46A4-ADFD-275A97E64713}" type="datetimeFigureOut">
               <a:rPr lang="it-IT" smtClean="0"/>
-              <a:t>22/08/2024</a:t>
+              <a:t>25/08/2024</a:t>
             </a:fld>
             <a:endParaRPr lang="it-IT"/>
           </a:p>
@@ -13030,7 +13040,7 @@
           <a:p>
             <a:fld id="{FD32C36A-C476-4D87-9FEE-A75765A1B5AE}" type="slidenum">
               <a:rPr lang="it-IT" smtClean="0"/>
-              <a:t>‹N›</a:t>
+              <a:t>‹#›</a:t>
             </a:fld>
             <a:endParaRPr lang="it-IT"/>
           </a:p>
@@ -13264,7 +13274,7 @@
           <a:p>
             <a:fld id="{B3FBE7C8-F44F-46A4-ADFD-275A97E64713}" type="datetimeFigureOut">
               <a:rPr lang="it-IT" smtClean="0"/>
-              <a:t>22/08/2024</a:t>
+              <a:t>25/08/2024</a:t>
             </a:fld>
             <a:endParaRPr lang="it-IT"/>
           </a:p>
@@ -13318,7 +13328,7 @@
           <a:p>
             <a:fld id="{FD32C36A-C476-4D87-9FEE-A75765A1B5AE}" type="slidenum">
               <a:rPr lang="it-IT" smtClean="0"/>
-              <a:t>‹N›</a:t>
+              <a:t>‹#›</a:t>
             </a:fld>
             <a:endParaRPr lang="it-IT"/>
           </a:p>
@@ -13505,7 +13515,7 @@
           <a:p>
             <a:fld id="{B3FBE7C8-F44F-46A4-ADFD-275A97E64713}" type="datetimeFigureOut">
               <a:rPr lang="it-IT" smtClean="0"/>
-              <a:t>22/08/2024</a:t>
+              <a:t>25/08/2024</a:t>
             </a:fld>
             <a:endParaRPr lang="it-IT"/>
           </a:p>
@@ -13595,7 +13605,7 @@
           <a:p>
             <a:fld id="{FD32C36A-C476-4D87-9FEE-A75765A1B5AE}" type="slidenum">
               <a:rPr lang="it-IT" smtClean="0"/>
-              <a:t>‹N›</a:t>
+              <a:t>‹#›</a:t>
             </a:fld>
             <a:endParaRPr lang="it-IT"/>
           </a:p>
@@ -14694,6 +14704,678 @@
       <p:bldP spid="3" grpId="0" uiExpand="1" build="p"/>
     </p:bldLst>
   </p:timing>
+</p:sld>
+</file>
+
+<file path=ppt/slides/slide10.xml><?xml version="1.0" encoding="utf-8"?>
+<p:sld xmlns:a="http://schemas.openxmlformats.org/drawingml/2006/main" xmlns:r="http://schemas.openxmlformats.org/officeDocument/2006/relationships" xmlns:p="http://schemas.openxmlformats.org/presentationml/2006/main">
+  <p:cSld>
+    <p:spTree>
+      <p:nvGrpSpPr>
+        <p:cNvPr id="1" name=""/>
+        <p:cNvGrpSpPr/>
+        <p:nvPr/>
+      </p:nvGrpSpPr>
+      <p:grpSpPr>
+        <a:xfrm>
+          <a:off x="0" y="0"/>
+          <a:ext cx="0" cy="0"/>
+          <a:chOff x="0" y="0"/>
+          <a:chExt cx="0" cy="0"/>
+        </a:xfrm>
+      </p:grpSpPr>
+      <p:sp>
+        <p:nvSpPr>
+          <p:cNvPr id="2" name="Titolo 1">
+            <a:extLst>
+              <a:ext uri="{FF2B5EF4-FFF2-40B4-BE49-F238E27FC236}">
+                <a16:creationId xmlns:a16="http://schemas.microsoft.com/office/drawing/2014/main" id="{D5F58EEC-3A74-ACCB-9A51-3B63C7A951AF}"/>
+              </a:ext>
+            </a:extLst>
+          </p:cNvPr>
+          <p:cNvSpPr>
+            <a:spLocks noGrp="1"/>
+          </p:cNvSpPr>
+          <p:nvPr>
+            <p:ph type="title"/>
+          </p:nvPr>
+        </p:nvSpPr>
+        <p:spPr/>
+        <p:txBody>
+          <a:bodyPr>
+            <a:normAutofit/>
+          </a:bodyPr>
+          <a:lstStyle/>
+          <a:p>
+            <a:r>
+              <a:rPr lang="en-US" dirty="0">
+                <a:latin typeface="Aptos SemiBold" panose="020B0004020202020204" pitchFamily="34" charset="0"/>
+              </a:rPr>
+              <a:t>Reaching a target - Training</a:t>
+            </a:r>
+            <a:endParaRPr lang="it-IT" dirty="0">
+              <a:latin typeface="Aptos SemiBold" panose="020B0004020202020204" pitchFamily="34" charset="0"/>
+            </a:endParaRPr>
+          </a:p>
+        </p:txBody>
+      </p:sp>
+      <p:pic>
+        <p:nvPicPr>
+          <p:cNvPr id="4" name="Immagine 3">
+            <a:extLst>
+              <a:ext uri="{FF2B5EF4-FFF2-40B4-BE49-F238E27FC236}">
+                <a16:creationId xmlns:a16="http://schemas.microsoft.com/office/drawing/2014/main" id="{CB1FFB52-928C-7EDA-3C3B-6E1F60CA0E58}"/>
+              </a:ext>
+            </a:extLst>
+          </p:cNvPr>
+          <p:cNvPicPr>
+            <a:picLocks noChangeAspect="1"/>
+          </p:cNvPicPr>
+          <p:nvPr/>
+        </p:nvPicPr>
+        <p:blipFill>
+          <a:blip r:embed="rId2"/>
+          <a:stretch>
+            <a:fillRect/>
+          </a:stretch>
+        </p:blipFill>
+        <p:spPr>
+          <a:xfrm>
+            <a:off x="838200" y="1487928"/>
+            <a:ext cx="6142782" cy="36000"/>
+          </a:xfrm>
+          <a:prstGeom prst="rect">
+            <a:avLst/>
+          </a:prstGeom>
+        </p:spPr>
+      </p:pic>
+      <p:sp>
+        <p:nvSpPr>
+          <p:cNvPr id="5" name="Segnaposto contenuto 2">
+            <a:extLst>
+              <a:ext uri="{FF2B5EF4-FFF2-40B4-BE49-F238E27FC236}">
+                <a16:creationId xmlns:a16="http://schemas.microsoft.com/office/drawing/2014/main" id="{5C886F07-EA7B-3583-3F0E-C33A5A18A369}"/>
+              </a:ext>
+            </a:extLst>
+          </p:cNvPr>
+          <p:cNvSpPr txBox="1">
+            <a:spLocks/>
+          </p:cNvSpPr>
+          <p:nvPr/>
+        </p:nvSpPr>
+        <p:spPr>
+          <a:xfrm>
+            <a:off x="990600" y="1978025"/>
+            <a:ext cx="4172339" cy="4351338"/>
+          </a:xfrm>
+          <a:prstGeom prst="rect">
+            <a:avLst/>
+          </a:prstGeom>
+        </p:spPr>
+        <p:txBody>
+          <a:bodyPr vert="horz" lIns="91440" tIns="45720" rIns="91440" bIns="45720" rtlCol="0">
+            <a:normAutofit/>
+          </a:bodyPr>
+          <a:lstStyle>
+            <a:lvl1pPr marL="228600" indent="-228600" algn="l" defTabSz="914400" rtl="0" eaLnBrk="1" latinLnBrk="0" hangingPunct="1">
+              <a:lnSpc>
+                <a:spcPct val="90000"/>
+              </a:lnSpc>
+              <a:spcBef>
+                <a:spcPts val="1000"/>
+              </a:spcBef>
+              <a:buFont typeface="Arial" panose="020B0604020202020204" pitchFamily="34" charset="0"/>
+              <a:buChar char="•"/>
+              <a:defRPr sz="2800" kern="1200">
+                <a:solidFill>
+                  <a:schemeClr val="tx1"/>
+                </a:solidFill>
+                <a:latin typeface="+mn-lt"/>
+                <a:ea typeface="+mn-ea"/>
+                <a:cs typeface="+mn-cs"/>
+              </a:defRPr>
+            </a:lvl1pPr>
+            <a:lvl2pPr marL="685800" indent="-228600" algn="l" defTabSz="914400" rtl="0" eaLnBrk="1" latinLnBrk="0" hangingPunct="1">
+              <a:lnSpc>
+                <a:spcPct val="90000"/>
+              </a:lnSpc>
+              <a:spcBef>
+                <a:spcPts val="500"/>
+              </a:spcBef>
+              <a:buFont typeface="Arial" panose="020B0604020202020204" pitchFamily="34" charset="0"/>
+              <a:buChar char="•"/>
+              <a:defRPr sz="2400" kern="1200">
+                <a:solidFill>
+                  <a:schemeClr val="tx1"/>
+                </a:solidFill>
+                <a:latin typeface="+mn-lt"/>
+                <a:ea typeface="+mn-ea"/>
+                <a:cs typeface="+mn-cs"/>
+              </a:defRPr>
+            </a:lvl2pPr>
+            <a:lvl3pPr marL="1143000" indent="-228600" algn="l" defTabSz="914400" rtl="0" eaLnBrk="1" latinLnBrk="0" hangingPunct="1">
+              <a:lnSpc>
+                <a:spcPct val="90000"/>
+              </a:lnSpc>
+              <a:spcBef>
+                <a:spcPts val="500"/>
+              </a:spcBef>
+              <a:buFont typeface="Arial" panose="020B0604020202020204" pitchFamily="34" charset="0"/>
+              <a:buChar char="•"/>
+              <a:defRPr sz="2000" kern="1200">
+                <a:solidFill>
+                  <a:schemeClr val="tx1"/>
+                </a:solidFill>
+                <a:latin typeface="+mn-lt"/>
+                <a:ea typeface="+mn-ea"/>
+                <a:cs typeface="+mn-cs"/>
+              </a:defRPr>
+            </a:lvl3pPr>
+            <a:lvl4pPr marL="1600200" indent="-228600" algn="l" defTabSz="914400" rtl="0" eaLnBrk="1" latinLnBrk="0" hangingPunct="1">
+              <a:lnSpc>
+                <a:spcPct val="90000"/>
+              </a:lnSpc>
+              <a:spcBef>
+                <a:spcPts val="500"/>
+              </a:spcBef>
+              <a:buFont typeface="Arial" panose="020B0604020202020204" pitchFamily="34" charset="0"/>
+              <a:buChar char="•"/>
+              <a:defRPr sz="1800" kern="1200">
+                <a:solidFill>
+                  <a:schemeClr val="tx1"/>
+                </a:solidFill>
+                <a:latin typeface="+mn-lt"/>
+                <a:ea typeface="+mn-ea"/>
+                <a:cs typeface="+mn-cs"/>
+              </a:defRPr>
+            </a:lvl4pPr>
+            <a:lvl5pPr marL="2057400" indent="-228600" algn="l" defTabSz="914400" rtl="0" eaLnBrk="1" latinLnBrk="0" hangingPunct="1">
+              <a:lnSpc>
+                <a:spcPct val="90000"/>
+              </a:lnSpc>
+              <a:spcBef>
+                <a:spcPts val="500"/>
+              </a:spcBef>
+              <a:buFont typeface="Arial" panose="020B0604020202020204" pitchFamily="34" charset="0"/>
+              <a:buChar char="•"/>
+              <a:defRPr sz="1800" kern="1200">
+                <a:solidFill>
+                  <a:schemeClr val="tx1"/>
+                </a:solidFill>
+                <a:latin typeface="+mn-lt"/>
+                <a:ea typeface="+mn-ea"/>
+                <a:cs typeface="+mn-cs"/>
+              </a:defRPr>
+            </a:lvl5pPr>
+            <a:lvl6pPr marL="2514600" indent="-228600" algn="l" defTabSz="914400" rtl="0" eaLnBrk="1" latinLnBrk="0" hangingPunct="1">
+              <a:lnSpc>
+                <a:spcPct val="90000"/>
+              </a:lnSpc>
+              <a:spcBef>
+                <a:spcPts val="500"/>
+              </a:spcBef>
+              <a:buFont typeface="Arial" panose="020B0604020202020204" pitchFamily="34" charset="0"/>
+              <a:buChar char="•"/>
+              <a:defRPr sz="1800" kern="1200">
+                <a:solidFill>
+                  <a:schemeClr val="tx1"/>
+                </a:solidFill>
+                <a:latin typeface="+mn-lt"/>
+                <a:ea typeface="+mn-ea"/>
+                <a:cs typeface="+mn-cs"/>
+              </a:defRPr>
+            </a:lvl6pPr>
+            <a:lvl7pPr marL="2971800" indent="-228600" algn="l" defTabSz="914400" rtl="0" eaLnBrk="1" latinLnBrk="0" hangingPunct="1">
+              <a:lnSpc>
+                <a:spcPct val="90000"/>
+              </a:lnSpc>
+              <a:spcBef>
+                <a:spcPts val="500"/>
+              </a:spcBef>
+              <a:buFont typeface="Arial" panose="020B0604020202020204" pitchFamily="34" charset="0"/>
+              <a:buChar char="•"/>
+              <a:defRPr sz="1800" kern="1200">
+                <a:solidFill>
+                  <a:schemeClr val="tx1"/>
+                </a:solidFill>
+                <a:latin typeface="+mn-lt"/>
+                <a:ea typeface="+mn-ea"/>
+                <a:cs typeface="+mn-cs"/>
+              </a:defRPr>
+            </a:lvl7pPr>
+            <a:lvl8pPr marL="3429000" indent="-228600" algn="l" defTabSz="914400" rtl="0" eaLnBrk="1" latinLnBrk="0" hangingPunct="1">
+              <a:lnSpc>
+                <a:spcPct val="90000"/>
+              </a:lnSpc>
+              <a:spcBef>
+                <a:spcPts val="500"/>
+              </a:spcBef>
+              <a:buFont typeface="Arial" panose="020B0604020202020204" pitchFamily="34" charset="0"/>
+              <a:buChar char="•"/>
+              <a:defRPr sz="1800" kern="1200">
+                <a:solidFill>
+                  <a:schemeClr val="tx1"/>
+                </a:solidFill>
+                <a:latin typeface="+mn-lt"/>
+                <a:ea typeface="+mn-ea"/>
+                <a:cs typeface="+mn-cs"/>
+              </a:defRPr>
+            </a:lvl8pPr>
+            <a:lvl9pPr marL="3886200" indent="-228600" algn="l" defTabSz="914400" rtl="0" eaLnBrk="1" latinLnBrk="0" hangingPunct="1">
+              <a:lnSpc>
+                <a:spcPct val="90000"/>
+              </a:lnSpc>
+              <a:spcBef>
+                <a:spcPts val="500"/>
+              </a:spcBef>
+              <a:buFont typeface="Arial" panose="020B0604020202020204" pitchFamily="34" charset="0"/>
+              <a:buChar char="•"/>
+              <a:defRPr sz="1800" kern="1200">
+                <a:solidFill>
+                  <a:schemeClr val="tx1"/>
+                </a:solidFill>
+                <a:latin typeface="+mn-lt"/>
+                <a:ea typeface="+mn-ea"/>
+                <a:cs typeface="+mn-cs"/>
+              </a:defRPr>
+            </a:lvl9pPr>
+          </a:lstStyle>
+          <a:p>
+            <a:endParaRPr lang="it-IT" sz="2400"/>
+          </a:p>
+          <a:p>
+            <a:endParaRPr lang="it-IT"/>
+          </a:p>
+          <a:p>
+            <a:endParaRPr lang="it-IT"/>
+          </a:p>
+          <a:p>
+            <a:endParaRPr lang="it-IT" dirty="0"/>
+          </a:p>
+        </p:txBody>
+      </p:sp>
+      <p:sp>
+        <p:nvSpPr>
+          <p:cNvPr id="3" name="TextBox 2">
+            <a:extLst>
+              <a:ext uri="{FF2B5EF4-FFF2-40B4-BE49-F238E27FC236}">
+                <a16:creationId xmlns:a16="http://schemas.microsoft.com/office/drawing/2014/main" id="{9B17E83E-9D73-72CD-E400-791ACD41A8E7}"/>
+              </a:ext>
+            </a:extLst>
+          </p:cNvPr>
+          <p:cNvSpPr txBox="1"/>
+          <p:nvPr/>
+        </p:nvSpPr>
+        <p:spPr>
+          <a:xfrm>
+            <a:off x="6484562" y="3784362"/>
+            <a:ext cx="4936864" cy="369332"/>
+          </a:xfrm>
+          <a:prstGeom prst="rect">
+            <a:avLst/>
+          </a:prstGeom>
+          <a:noFill/>
+        </p:spPr>
+        <p:txBody>
+          <a:bodyPr wrap="none" rtlCol="0">
+            <a:spAutoFit/>
+          </a:bodyPr>
+          <a:lstStyle/>
+          <a:p>
+            <a:r>
+              <a:rPr lang="en-US" dirty="0"/>
+              <a:t>INSERIRE SCREENSHOTS REWARDS DA WANDB</a:t>
+            </a:r>
+            <a:endParaRPr lang="it-IT" dirty="0"/>
+          </a:p>
+        </p:txBody>
+      </p:sp>
+    </p:spTree>
+    <p:extLst>
+      <p:ext uri="{BB962C8B-B14F-4D97-AF65-F5344CB8AC3E}">
+        <p14:creationId xmlns:p14="http://schemas.microsoft.com/office/powerpoint/2010/main" val="2937244552"/>
+      </p:ext>
+    </p:extLst>
+  </p:cSld>
+  <p:clrMapOvr>
+    <a:masterClrMapping/>
+  </p:clrMapOvr>
+</p:sld>
+</file>
+
+<file path=ppt/slides/slide11.xml><?xml version="1.0" encoding="utf-8"?>
+<p:sld xmlns:a="http://schemas.openxmlformats.org/drawingml/2006/main" xmlns:r="http://schemas.openxmlformats.org/officeDocument/2006/relationships" xmlns:p="http://schemas.openxmlformats.org/presentationml/2006/main">
+  <p:cSld>
+    <p:spTree>
+      <p:nvGrpSpPr>
+        <p:cNvPr id="1" name=""/>
+        <p:cNvGrpSpPr/>
+        <p:nvPr/>
+      </p:nvGrpSpPr>
+      <p:grpSpPr>
+        <a:xfrm>
+          <a:off x="0" y="0"/>
+          <a:ext cx="0" cy="0"/>
+          <a:chOff x="0" y="0"/>
+          <a:chExt cx="0" cy="0"/>
+        </a:xfrm>
+      </p:grpSpPr>
+      <p:sp>
+        <p:nvSpPr>
+          <p:cNvPr id="2" name="Titolo 1">
+            <a:extLst>
+              <a:ext uri="{FF2B5EF4-FFF2-40B4-BE49-F238E27FC236}">
+                <a16:creationId xmlns:a16="http://schemas.microsoft.com/office/drawing/2014/main" id="{D5F58EEC-3A74-ACCB-9A51-3B63C7A951AF}"/>
+              </a:ext>
+            </a:extLst>
+          </p:cNvPr>
+          <p:cNvSpPr>
+            <a:spLocks noGrp="1"/>
+          </p:cNvSpPr>
+          <p:nvPr>
+            <p:ph type="title"/>
+          </p:nvPr>
+        </p:nvSpPr>
+        <p:spPr/>
+        <p:txBody>
+          <a:bodyPr>
+            <a:normAutofit/>
+          </a:bodyPr>
+          <a:lstStyle/>
+          <a:p>
+            <a:r>
+              <a:rPr lang="en-US" dirty="0">
+                <a:latin typeface="Aptos SemiBold" panose="020B0004020202020204" pitchFamily="34" charset="0"/>
+              </a:rPr>
+              <a:t>Reaching a target - Demo</a:t>
+            </a:r>
+            <a:endParaRPr lang="it-IT" dirty="0">
+              <a:latin typeface="Aptos SemiBold" panose="020B0004020202020204" pitchFamily="34" charset="0"/>
+            </a:endParaRPr>
+          </a:p>
+        </p:txBody>
+      </p:sp>
+      <p:pic>
+        <p:nvPicPr>
+          <p:cNvPr id="4" name="Immagine 3">
+            <a:extLst>
+              <a:ext uri="{FF2B5EF4-FFF2-40B4-BE49-F238E27FC236}">
+                <a16:creationId xmlns:a16="http://schemas.microsoft.com/office/drawing/2014/main" id="{CB1FFB52-928C-7EDA-3C3B-6E1F60CA0E58}"/>
+              </a:ext>
+            </a:extLst>
+          </p:cNvPr>
+          <p:cNvPicPr>
+            <a:picLocks noChangeAspect="1"/>
+          </p:cNvPicPr>
+          <p:nvPr/>
+        </p:nvPicPr>
+        <p:blipFill>
+          <a:blip r:embed="rId2"/>
+          <a:stretch>
+            <a:fillRect/>
+          </a:stretch>
+        </p:blipFill>
+        <p:spPr>
+          <a:xfrm>
+            <a:off x="838200" y="1487928"/>
+            <a:ext cx="6142782" cy="36000"/>
+          </a:xfrm>
+          <a:prstGeom prst="rect">
+            <a:avLst/>
+          </a:prstGeom>
+        </p:spPr>
+      </p:pic>
+      <p:sp>
+        <p:nvSpPr>
+          <p:cNvPr id="5" name="Segnaposto contenuto 2">
+            <a:extLst>
+              <a:ext uri="{FF2B5EF4-FFF2-40B4-BE49-F238E27FC236}">
+                <a16:creationId xmlns:a16="http://schemas.microsoft.com/office/drawing/2014/main" id="{5C886F07-EA7B-3583-3F0E-C33A5A18A369}"/>
+              </a:ext>
+            </a:extLst>
+          </p:cNvPr>
+          <p:cNvSpPr txBox="1">
+            <a:spLocks/>
+          </p:cNvSpPr>
+          <p:nvPr/>
+        </p:nvSpPr>
+        <p:spPr>
+          <a:xfrm>
+            <a:off x="990600" y="1978025"/>
+            <a:ext cx="4172339" cy="4351338"/>
+          </a:xfrm>
+          <a:prstGeom prst="rect">
+            <a:avLst/>
+          </a:prstGeom>
+        </p:spPr>
+        <p:txBody>
+          <a:bodyPr vert="horz" lIns="91440" tIns="45720" rIns="91440" bIns="45720" rtlCol="0">
+            <a:normAutofit/>
+          </a:bodyPr>
+          <a:lstStyle>
+            <a:lvl1pPr marL="228600" indent="-228600" algn="l" defTabSz="914400" rtl="0" eaLnBrk="1" latinLnBrk="0" hangingPunct="1">
+              <a:lnSpc>
+                <a:spcPct val="90000"/>
+              </a:lnSpc>
+              <a:spcBef>
+                <a:spcPts val="1000"/>
+              </a:spcBef>
+              <a:buFont typeface="Arial" panose="020B0604020202020204" pitchFamily="34" charset="0"/>
+              <a:buChar char="•"/>
+              <a:defRPr sz="2800" kern="1200">
+                <a:solidFill>
+                  <a:schemeClr val="tx1"/>
+                </a:solidFill>
+                <a:latin typeface="+mn-lt"/>
+                <a:ea typeface="+mn-ea"/>
+                <a:cs typeface="+mn-cs"/>
+              </a:defRPr>
+            </a:lvl1pPr>
+            <a:lvl2pPr marL="685800" indent="-228600" algn="l" defTabSz="914400" rtl="0" eaLnBrk="1" latinLnBrk="0" hangingPunct="1">
+              <a:lnSpc>
+                <a:spcPct val="90000"/>
+              </a:lnSpc>
+              <a:spcBef>
+                <a:spcPts val="500"/>
+              </a:spcBef>
+              <a:buFont typeface="Arial" panose="020B0604020202020204" pitchFamily="34" charset="0"/>
+              <a:buChar char="•"/>
+              <a:defRPr sz="2400" kern="1200">
+                <a:solidFill>
+                  <a:schemeClr val="tx1"/>
+                </a:solidFill>
+                <a:latin typeface="+mn-lt"/>
+                <a:ea typeface="+mn-ea"/>
+                <a:cs typeface="+mn-cs"/>
+              </a:defRPr>
+            </a:lvl2pPr>
+            <a:lvl3pPr marL="1143000" indent="-228600" algn="l" defTabSz="914400" rtl="0" eaLnBrk="1" latinLnBrk="0" hangingPunct="1">
+              <a:lnSpc>
+                <a:spcPct val="90000"/>
+              </a:lnSpc>
+              <a:spcBef>
+                <a:spcPts val="500"/>
+              </a:spcBef>
+              <a:buFont typeface="Arial" panose="020B0604020202020204" pitchFamily="34" charset="0"/>
+              <a:buChar char="•"/>
+              <a:defRPr sz="2000" kern="1200">
+                <a:solidFill>
+                  <a:schemeClr val="tx1"/>
+                </a:solidFill>
+                <a:latin typeface="+mn-lt"/>
+                <a:ea typeface="+mn-ea"/>
+                <a:cs typeface="+mn-cs"/>
+              </a:defRPr>
+            </a:lvl3pPr>
+            <a:lvl4pPr marL="1600200" indent="-228600" algn="l" defTabSz="914400" rtl="0" eaLnBrk="1" latinLnBrk="0" hangingPunct="1">
+              <a:lnSpc>
+                <a:spcPct val="90000"/>
+              </a:lnSpc>
+              <a:spcBef>
+                <a:spcPts val="500"/>
+              </a:spcBef>
+              <a:buFont typeface="Arial" panose="020B0604020202020204" pitchFamily="34" charset="0"/>
+              <a:buChar char="•"/>
+              <a:defRPr sz="1800" kern="1200">
+                <a:solidFill>
+                  <a:schemeClr val="tx1"/>
+                </a:solidFill>
+                <a:latin typeface="+mn-lt"/>
+                <a:ea typeface="+mn-ea"/>
+                <a:cs typeface="+mn-cs"/>
+              </a:defRPr>
+            </a:lvl4pPr>
+            <a:lvl5pPr marL="2057400" indent="-228600" algn="l" defTabSz="914400" rtl="0" eaLnBrk="1" latinLnBrk="0" hangingPunct="1">
+              <a:lnSpc>
+                <a:spcPct val="90000"/>
+              </a:lnSpc>
+              <a:spcBef>
+                <a:spcPts val="500"/>
+              </a:spcBef>
+              <a:buFont typeface="Arial" panose="020B0604020202020204" pitchFamily="34" charset="0"/>
+              <a:buChar char="•"/>
+              <a:defRPr sz="1800" kern="1200">
+                <a:solidFill>
+                  <a:schemeClr val="tx1"/>
+                </a:solidFill>
+                <a:latin typeface="+mn-lt"/>
+                <a:ea typeface="+mn-ea"/>
+                <a:cs typeface="+mn-cs"/>
+              </a:defRPr>
+            </a:lvl5pPr>
+            <a:lvl6pPr marL="2514600" indent="-228600" algn="l" defTabSz="914400" rtl="0" eaLnBrk="1" latinLnBrk="0" hangingPunct="1">
+              <a:lnSpc>
+                <a:spcPct val="90000"/>
+              </a:lnSpc>
+              <a:spcBef>
+                <a:spcPts val="500"/>
+              </a:spcBef>
+              <a:buFont typeface="Arial" panose="020B0604020202020204" pitchFamily="34" charset="0"/>
+              <a:buChar char="•"/>
+              <a:defRPr sz="1800" kern="1200">
+                <a:solidFill>
+                  <a:schemeClr val="tx1"/>
+                </a:solidFill>
+                <a:latin typeface="+mn-lt"/>
+                <a:ea typeface="+mn-ea"/>
+                <a:cs typeface="+mn-cs"/>
+              </a:defRPr>
+            </a:lvl6pPr>
+            <a:lvl7pPr marL="2971800" indent="-228600" algn="l" defTabSz="914400" rtl="0" eaLnBrk="1" latinLnBrk="0" hangingPunct="1">
+              <a:lnSpc>
+                <a:spcPct val="90000"/>
+              </a:lnSpc>
+              <a:spcBef>
+                <a:spcPts val="500"/>
+              </a:spcBef>
+              <a:buFont typeface="Arial" panose="020B0604020202020204" pitchFamily="34" charset="0"/>
+              <a:buChar char="•"/>
+              <a:defRPr sz="1800" kern="1200">
+                <a:solidFill>
+                  <a:schemeClr val="tx1"/>
+                </a:solidFill>
+                <a:latin typeface="+mn-lt"/>
+                <a:ea typeface="+mn-ea"/>
+                <a:cs typeface="+mn-cs"/>
+              </a:defRPr>
+            </a:lvl7pPr>
+            <a:lvl8pPr marL="3429000" indent="-228600" algn="l" defTabSz="914400" rtl="0" eaLnBrk="1" latinLnBrk="0" hangingPunct="1">
+              <a:lnSpc>
+                <a:spcPct val="90000"/>
+              </a:lnSpc>
+              <a:spcBef>
+                <a:spcPts val="500"/>
+              </a:spcBef>
+              <a:buFont typeface="Arial" panose="020B0604020202020204" pitchFamily="34" charset="0"/>
+              <a:buChar char="•"/>
+              <a:defRPr sz="1800" kern="1200">
+                <a:solidFill>
+                  <a:schemeClr val="tx1"/>
+                </a:solidFill>
+                <a:latin typeface="+mn-lt"/>
+                <a:ea typeface="+mn-ea"/>
+                <a:cs typeface="+mn-cs"/>
+              </a:defRPr>
+            </a:lvl8pPr>
+            <a:lvl9pPr marL="3886200" indent="-228600" algn="l" defTabSz="914400" rtl="0" eaLnBrk="1" latinLnBrk="0" hangingPunct="1">
+              <a:lnSpc>
+                <a:spcPct val="90000"/>
+              </a:lnSpc>
+              <a:spcBef>
+                <a:spcPts val="500"/>
+              </a:spcBef>
+              <a:buFont typeface="Arial" panose="020B0604020202020204" pitchFamily="34" charset="0"/>
+              <a:buChar char="•"/>
+              <a:defRPr sz="1800" kern="1200">
+                <a:solidFill>
+                  <a:schemeClr val="tx1"/>
+                </a:solidFill>
+                <a:latin typeface="+mn-lt"/>
+                <a:ea typeface="+mn-ea"/>
+                <a:cs typeface="+mn-cs"/>
+              </a:defRPr>
+            </a:lvl9pPr>
+          </a:lstStyle>
+          <a:p>
+            <a:endParaRPr lang="it-IT" sz="2400"/>
+          </a:p>
+          <a:p>
+            <a:endParaRPr lang="it-IT"/>
+          </a:p>
+          <a:p>
+            <a:endParaRPr lang="it-IT"/>
+          </a:p>
+          <a:p>
+            <a:endParaRPr lang="it-IT" dirty="0"/>
+          </a:p>
+        </p:txBody>
+      </p:sp>
+      <p:sp>
+        <p:nvSpPr>
+          <p:cNvPr id="3" name="TextBox 2">
+            <a:extLst>
+              <a:ext uri="{FF2B5EF4-FFF2-40B4-BE49-F238E27FC236}">
+                <a16:creationId xmlns:a16="http://schemas.microsoft.com/office/drawing/2014/main" id="{A96DD8EA-71A7-8BA4-4BF3-406CCD259B4B}"/>
+              </a:ext>
+            </a:extLst>
+          </p:cNvPr>
+          <p:cNvSpPr txBox="1"/>
+          <p:nvPr/>
+        </p:nvSpPr>
+        <p:spPr>
+          <a:xfrm>
+            <a:off x="3683961" y="3784362"/>
+            <a:ext cx="4824078" cy="369332"/>
+          </a:xfrm>
+          <a:prstGeom prst="rect">
+            <a:avLst/>
+          </a:prstGeom>
+          <a:noFill/>
+        </p:spPr>
+        <p:txBody>
+          <a:bodyPr wrap="none" rtlCol="0">
+            <a:spAutoFit/>
+          </a:bodyPr>
+          <a:lstStyle/>
+          <a:p>
+            <a:r>
+              <a:rPr lang="en-US" dirty="0"/>
+              <a:t>INSERIRE VIDEO DRONE VERSO PALLA GIALLA</a:t>
+            </a:r>
+            <a:endParaRPr lang="it-IT" dirty="0"/>
+          </a:p>
+        </p:txBody>
+      </p:sp>
+    </p:spTree>
+    <p:extLst>
+      <p:ext uri="{BB962C8B-B14F-4D97-AF65-F5344CB8AC3E}">
+        <p14:creationId xmlns:p14="http://schemas.microsoft.com/office/powerpoint/2010/main" val="2751902850"/>
+      </p:ext>
+    </p:extLst>
+  </p:cSld>
+  <p:clrMapOvr>
+    <a:masterClrMapping/>
+  </p:clrMapOvr>
 </p:sld>
 </file>
 
@@ -16584,6 +17266,1985 @@
 </p:sld>
 </file>
 
+<file path=ppt/slides/slide7.xml><?xml version="1.0" encoding="utf-8"?>
+<p:sld xmlns:a="http://schemas.openxmlformats.org/drawingml/2006/main" xmlns:r="http://schemas.openxmlformats.org/officeDocument/2006/relationships" xmlns:p="http://schemas.openxmlformats.org/presentationml/2006/main">
+  <p:cSld>
+    <p:spTree>
+      <p:nvGrpSpPr>
+        <p:cNvPr id="1" name=""/>
+        <p:cNvGrpSpPr/>
+        <p:nvPr/>
+      </p:nvGrpSpPr>
+      <p:grpSpPr>
+        <a:xfrm>
+          <a:off x="0" y="0"/>
+          <a:ext cx="0" cy="0"/>
+          <a:chOff x="0" y="0"/>
+          <a:chExt cx="0" cy="0"/>
+        </a:xfrm>
+      </p:grpSpPr>
+      <p:sp>
+        <p:nvSpPr>
+          <p:cNvPr id="29" name="Rectangle: Rounded Corners 28">
+            <a:extLst>
+              <a:ext uri="{FF2B5EF4-FFF2-40B4-BE49-F238E27FC236}">
+                <a16:creationId xmlns:a16="http://schemas.microsoft.com/office/drawing/2014/main" id="{05A4C8F8-68D7-A96F-DE76-40D66292F7DE}"/>
+              </a:ext>
+            </a:extLst>
+          </p:cNvPr>
+          <p:cNvSpPr/>
+          <p:nvPr/>
+        </p:nvSpPr>
+        <p:spPr>
+          <a:xfrm>
+            <a:off x="990599" y="4533830"/>
+            <a:ext cx="2052747" cy="1058078"/>
+          </a:xfrm>
+          <a:prstGeom prst="roundRect">
+            <a:avLst>
+              <a:gd name="adj" fmla="val 8957"/>
+            </a:avLst>
+          </a:prstGeom>
+        </p:spPr>
+        <p:style>
+          <a:lnRef idx="2">
+            <a:schemeClr val="accent1"/>
+          </a:lnRef>
+          <a:fillRef idx="1">
+            <a:schemeClr val="lt1"/>
+          </a:fillRef>
+          <a:effectRef idx="0">
+            <a:schemeClr val="accent1"/>
+          </a:effectRef>
+          <a:fontRef idx="minor">
+            <a:schemeClr val="dk1"/>
+          </a:fontRef>
+        </p:style>
+        <p:txBody>
+          <a:bodyPr rtlCol="0" anchor="ctr"/>
+          <a:lstStyle/>
+          <a:p>
+            <a:pPr algn="ctr"/>
+            <a:endParaRPr lang="it-IT"/>
+          </a:p>
+        </p:txBody>
+      </p:sp>
+      <p:sp>
+        <p:nvSpPr>
+          <p:cNvPr id="23" name="Rectangle: Rounded Corners 22">
+            <a:extLst>
+              <a:ext uri="{FF2B5EF4-FFF2-40B4-BE49-F238E27FC236}">
+                <a16:creationId xmlns:a16="http://schemas.microsoft.com/office/drawing/2014/main" id="{515DD610-6B14-46E1-5143-41775D29E50B}"/>
+              </a:ext>
+            </a:extLst>
+          </p:cNvPr>
+          <p:cNvSpPr/>
+          <p:nvPr/>
+        </p:nvSpPr>
+        <p:spPr>
+          <a:xfrm>
+            <a:off x="3760750" y="4533830"/>
+            <a:ext cx="2052747" cy="2070170"/>
+          </a:xfrm>
+          <a:prstGeom prst="roundRect">
+            <a:avLst>
+              <a:gd name="adj" fmla="val 8957"/>
+            </a:avLst>
+          </a:prstGeom>
+        </p:spPr>
+        <p:style>
+          <a:lnRef idx="2">
+            <a:schemeClr val="accent1"/>
+          </a:lnRef>
+          <a:fillRef idx="1">
+            <a:schemeClr val="lt1"/>
+          </a:fillRef>
+          <a:effectRef idx="0">
+            <a:schemeClr val="accent1"/>
+          </a:effectRef>
+          <a:fontRef idx="minor">
+            <a:schemeClr val="dk1"/>
+          </a:fontRef>
+        </p:style>
+        <p:txBody>
+          <a:bodyPr rtlCol="0" anchor="ctr"/>
+          <a:lstStyle/>
+          <a:p>
+            <a:pPr algn="ctr"/>
+            <a:endParaRPr lang="it-IT"/>
+          </a:p>
+        </p:txBody>
+      </p:sp>
+      <p:sp>
+        <p:nvSpPr>
+          <p:cNvPr id="2" name="Titolo 1">
+            <a:extLst>
+              <a:ext uri="{FF2B5EF4-FFF2-40B4-BE49-F238E27FC236}">
+                <a16:creationId xmlns:a16="http://schemas.microsoft.com/office/drawing/2014/main" id="{D5F58EEC-3A74-ACCB-9A51-3B63C7A951AF}"/>
+              </a:ext>
+            </a:extLst>
+          </p:cNvPr>
+          <p:cNvSpPr>
+            <a:spLocks noGrp="1"/>
+          </p:cNvSpPr>
+          <p:nvPr>
+            <p:ph type="title"/>
+          </p:nvPr>
+        </p:nvSpPr>
+        <p:spPr/>
+        <p:txBody>
+          <a:bodyPr>
+            <a:normAutofit/>
+          </a:bodyPr>
+          <a:lstStyle/>
+          <a:p>
+            <a:r>
+              <a:rPr lang="en-US" dirty="0">
+                <a:latin typeface="Aptos SemiBold" panose="020B0004020202020204" pitchFamily="34" charset="0"/>
+              </a:rPr>
+              <a:t>Reaching a target</a:t>
+            </a:r>
+            <a:endParaRPr lang="it-IT" dirty="0">
+              <a:latin typeface="Aptos SemiBold" panose="020B0004020202020204" pitchFamily="34" charset="0"/>
+            </a:endParaRPr>
+          </a:p>
+        </p:txBody>
+      </p:sp>
+      <p:pic>
+        <p:nvPicPr>
+          <p:cNvPr id="4" name="Immagine 3">
+            <a:extLst>
+              <a:ext uri="{FF2B5EF4-FFF2-40B4-BE49-F238E27FC236}">
+                <a16:creationId xmlns:a16="http://schemas.microsoft.com/office/drawing/2014/main" id="{CB1FFB52-928C-7EDA-3C3B-6E1F60CA0E58}"/>
+              </a:ext>
+            </a:extLst>
+          </p:cNvPr>
+          <p:cNvPicPr>
+            <a:picLocks noChangeAspect="1"/>
+          </p:cNvPicPr>
+          <p:nvPr/>
+        </p:nvPicPr>
+        <p:blipFill>
+          <a:blip r:embed="rId2"/>
+          <a:stretch>
+            <a:fillRect/>
+          </a:stretch>
+        </p:blipFill>
+        <p:spPr>
+          <a:xfrm>
+            <a:off x="838200" y="1487928"/>
+            <a:ext cx="6142782" cy="36000"/>
+          </a:xfrm>
+          <a:prstGeom prst="rect">
+            <a:avLst/>
+          </a:prstGeom>
+        </p:spPr>
+      </p:pic>
+      <p:sp>
+        <p:nvSpPr>
+          <p:cNvPr id="3" name="TextBox 2">
+            <a:extLst>
+              <a:ext uri="{FF2B5EF4-FFF2-40B4-BE49-F238E27FC236}">
+                <a16:creationId xmlns:a16="http://schemas.microsoft.com/office/drawing/2014/main" id="{4DB6C189-730F-9BDD-F9FB-441DC7D76FA0}"/>
+              </a:ext>
+            </a:extLst>
+          </p:cNvPr>
+          <p:cNvSpPr txBox="1"/>
+          <p:nvPr/>
+        </p:nvSpPr>
+        <p:spPr>
+          <a:xfrm>
+            <a:off x="838200" y="1870681"/>
+            <a:ext cx="10515600" cy="646331"/>
+          </a:xfrm>
+          <a:prstGeom prst="rect">
+            <a:avLst/>
+          </a:prstGeom>
+          <a:noFill/>
+        </p:spPr>
+        <p:txBody>
+          <a:bodyPr wrap="square" rtlCol="0">
+            <a:spAutoFit/>
+          </a:bodyPr>
+          <a:lstStyle/>
+          <a:p>
+            <a:r>
+              <a:rPr lang="en-US" dirty="0"/>
+              <a:t>Goal: reach a yellow sphere in a simulated rectangular room while avoiding collision with either the walls or the floor and without excessive movements</a:t>
+            </a:r>
+            <a:endParaRPr lang="it-IT" dirty="0"/>
+          </a:p>
+        </p:txBody>
+      </p:sp>
+      <p:sp>
+        <p:nvSpPr>
+          <p:cNvPr id="6" name="Rectangle: Rounded Corners 5">
+            <a:extLst>
+              <a:ext uri="{FF2B5EF4-FFF2-40B4-BE49-F238E27FC236}">
+                <a16:creationId xmlns:a16="http://schemas.microsoft.com/office/drawing/2014/main" id="{55CC621B-F4F5-D4F2-5F7D-AC4D091C4CEF}"/>
+              </a:ext>
+            </a:extLst>
+          </p:cNvPr>
+          <p:cNvSpPr/>
+          <p:nvPr/>
+        </p:nvSpPr>
+        <p:spPr>
+          <a:xfrm>
+            <a:off x="990599" y="3063645"/>
+            <a:ext cx="2052747" cy="816678"/>
+          </a:xfrm>
+          <a:prstGeom prst="roundRect">
+            <a:avLst/>
+          </a:prstGeom>
+        </p:spPr>
+        <p:style>
+          <a:lnRef idx="2">
+            <a:schemeClr val="accent1">
+              <a:shade val="15000"/>
+            </a:schemeClr>
+          </a:lnRef>
+          <a:fillRef idx="1">
+            <a:schemeClr val="accent1"/>
+          </a:fillRef>
+          <a:effectRef idx="0">
+            <a:schemeClr val="accent1"/>
+          </a:effectRef>
+          <a:fontRef idx="minor">
+            <a:schemeClr val="lt1"/>
+          </a:fontRef>
+        </p:style>
+        <p:txBody>
+          <a:bodyPr rtlCol="0" anchor="ctr"/>
+          <a:lstStyle/>
+          <a:p>
+            <a:pPr algn="ctr"/>
+            <a:r>
+              <a:rPr lang="en-US" dirty="0"/>
+              <a:t>Environment Creation</a:t>
+            </a:r>
+            <a:endParaRPr lang="it-IT" dirty="0"/>
+          </a:p>
+        </p:txBody>
+      </p:sp>
+      <p:sp>
+        <p:nvSpPr>
+          <p:cNvPr id="7" name="Rectangle: Rounded Corners 6">
+            <a:extLst>
+              <a:ext uri="{FF2B5EF4-FFF2-40B4-BE49-F238E27FC236}">
+                <a16:creationId xmlns:a16="http://schemas.microsoft.com/office/drawing/2014/main" id="{4881A444-3923-E77E-0AA3-4CE676819DDC}"/>
+              </a:ext>
+            </a:extLst>
+          </p:cNvPr>
+          <p:cNvSpPr/>
+          <p:nvPr/>
+        </p:nvSpPr>
+        <p:spPr>
+          <a:xfrm>
+            <a:off x="3760750" y="3063645"/>
+            <a:ext cx="2052747" cy="816678"/>
+          </a:xfrm>
+          <a:prstGeom prst="roundRect">
+            <a:avLst/>
+          </a:prstGeom>
+        </p:spPr>
+        <p:style>
+          <a:lnRef idx="2">
+            <a:schemeClr val="accent1">
+              <a:shade val="15000"/>
+            </a:schemeClr>
+          </a:lnRef>
+          <a:fillRef idx="1">
+            <a:schemeClr val="accent1"/>
+          </a:fillRef>
+          <a:effectRef idx="0">
+            <a:schemeClr val="accent1"/>
+          </a:effectRef>
+          <a:fontRef idx="minor">
+            <a:schemeClr val="lt1"/>
+          </a:fontRef>
+        </p:style>
+        <p:txBody>
+          <a:bodyPr rtlCol="0" anchor="ctr"/>
+          <a:lstStyle/>
+          <a:p>
+            <a:pPr algn="ctr"/>
+            <a:r>
+              <a:rPr lang="en-US" dirty="0"/>
+              <a:t>SKRL Model Implementation</a:t>
+            </a:r>
+            <a:endParaRPr lang="it-IT" dirty="0"/>
+          </a:p>
+        </p:txBody>
+      </p:sp>
+      <p:sp>
+        <p:nvSpPr>
+          <p:cNvPr id="8" name="Rectangle: Rounded Corners 7">
+            <a:extLst>
+              <a:ext uri="{FF2B5EF4-FFF2-40B4-BE49-F238E27FC236}">
+                <a16:creationId xmlns:a16="http://schemas.microsoft.com/office/drawing/2014/main" id="{8899F510-4D63-CBFA-26FA-BDC34268D867}"/>
+              </a:ext>
+            </a:extLst>
+          </p:cNvPr>
+          <p:cNvSpPr/>
+          <p:nvPr/>
+        </p:nvSpPr>
+        <p:spPr>
+          <a:xfrm>
+            <a:off x="6530901" y="3063645"/>
+            <a:ext cx="2052747" cy="816678"/>
+          </a:xfrm>
+          <a:prstGeom prst="roundRect">
+            <a:avLst/>
+          </a:prstGeom>
+        </p:spPr>
+        <p:style>
+          <a:lnRef idx="2">
+            <a:schemeClr val="accent1">
+              <a:shade val="15000"/>
+            </a:schemeClr>
+          </a:lnRef>
+          <a:fillRef idx="1">
+            <a:schemeClr val="accent1"/>
+          </a:fillRef>
+          <a:effectRef idx="0">
+            <a:schemeClr val="accent1"/>
+          </a:effectRef>
+          <a:fontRef idx="minor">
+            <a:schemeClr val="lt1"/>
+          </a:fontRef>
+        </p:style>
+        <p:txBody>
+          <a:bodyPr rtlCol="0" anchor="ctr"/>
+          <a:lstStyle/>
+          <a:p>
+            <a:pPr algn="ctr"/>
+            <a:r>
+              <a:rPr lang="en-US" dirty="0"/>
+              <a:t>Reward Function Definition</a:t>
+            </a:r>
+            <a:endParaRPr lang="it-IT" dirty="0"/>
+          </a:p>
+        </p:txBody>
+      </p:sp>
+      <p:sp>
+        <p:nvSpPr>
+          <p:cNvPr id="9" name="Rectangle: Rounded Corners 8">
+            <a:extLst>
+              <a:ext uri="{FF2B5EF4-FFF2-40B4-BE49-F238E27FC236}">
+                <a16:creationId xmlns:a16="http://schemas.microsoft.com/office/drawing/2014/main" id="{0E45E9D7-1531-C497-491A-D6450DEC9EEA}"/>
+              </a:ext>
+            </a:extLst>
+          </p:cNvPr>
+          <p:cNvSpPr/>
+          <p:nvPr/>
+        </p:nvSpPr>
+        <p:spPr>
+          <a:xfrm>
+            <a:off x="9301053" y="3063645"/>
+            <a:ext cx="2052747" cy="816678"/>
+          </a:xfrm>
+          <a:prstGeom prst="roundRect">
+            <a:avLst/>
+          </a:prstGeom>
+        </p:spPr>
+        <p:style>
+          <a:lnRef idx="2">
+            <a:schemeClr val="accent1">
+              <a:shade val="15000"/>
+            </a:schemeClr>
+          </a:lnRef>
+          <a:fillRef idx="1">
+            <a:schemeClr val="accent1"/>
+          </a:fillRef>
+          <a:effectRef idx="0">
+            <a:schemeClr val="accent1"/>
+          </a:effectRef>
+          <a:fontRef idx="minor">
+            <a:schemeClr val="lt1"/>
+          </a:fontRef>
+        </p:style>
+        <p:txBody>
+          <a:bodyPr rtlCol="0" anchor="ctr"/>
+          <a:lstStyle/>
+          <a:p>
+            <a:pPr algn="ctr"/>
+            <a:r>
+              <a:rPr lang="en-US" dirty="0"/>
+              <a:t>Task Simulation &amp; Training</a:t>
+            </a:r>
+            <a:endParaRPr lang="it-IT" dirty="0"/>
+          </a:p>
+        </p:txBody>
+      </p:sp>
+      <p:cxnSp>
+        <p:nvCxnSpPr>
+          <p:cNvPr id="11" name="Straight Arrow Connector 10">
+            <a:extLst>
+              <a:ext uri="{FF2B5EF4-FFF2-40B4-BE49-F238E27FC236}">
+                <a16:creationId xmlns:a16="http://schemas.microsoft.com/office/drawing/2014/main" id="{CE0E356E-EECA-8828-E3D5-F4254A80300C}"/>
+              </a:ext>
+            </a:extLst>
+          </p:cNvPr>
+          <p:cNvCxnSpPr>
+            <a:stCxn id="6" idx="3"/>
+            <a:endCxn id="7" idx="1"/>
+          </p:cNvCxnSpPr>
+          <p:nvPr/>
+        </p:nvCxnSpPr>
+        <p:spPr>
+          <a:xfrm>
+            <a:off x="3043346" y="3471984"/>
+            <a:ext cx="717404" cy="0"/>
+          </a:xfrm>
+          <a:prstGeom prst="straightConnector1">
+            <a:avLst/>
+          </a:prstGeom>
+          <a:ln>
+            <a:tailEnd type="triangle"/>
+          </a:ln>
+        </p:spPr>
+        <p:style>
+          <a:lnRef idx="2">
+            <a:schemeClr val="dk1"/>
+          </a:lnRef>
+          <a:fillRef idx="0">
+            <a:schemeClr val="dk1"/>
+          </a:fillRef>
+          <a:effectRef idx="1">
+            <a:schemeClr val="dk1"/>
+          </a:effectRef>
+          <a:fontRef idx="minor">
+            <a:schemeClr val="tx1"/>
+          </a:fontRef>
+        </p:style>
+      </p:cxnSp>
+      <p:cxnSp>
+        <p:nvCxnSpPr>
+          <p:cNvPr id="13" name="Straight Arrow Connector 12">
+            <a:extLst>
+              <a:ext uri="{FF2B5EF4-FFF2-40B4-BE49-F238E27FC236}">
+                <a16:creationId xmlns:a16="http://schemas.microsoft.com/office/drawing/2014/main" id="{0CAA1B13-DCA7-04BD-5E2B-D06102BA048E}"/>
+              </a:ext>
+            </a:extLst>
+          </p:cNvPr>
+          <p:cNvCxnSpPr>
+            <a:stCxn id="7" idx="3"/>
+            <a:endCxn id="8" idx="1"/>
+          </p:cNvCxnSpPr>
+          <p:nvPr/>
+        </p:nvCxnSpPr>
+        <p:spPr>
+          <a:xfrm>
+            <a:off x="5813497" y="3471984"/>
+            <a:ext cx="717404" cy="0"/>
+          </a:xfrm>
+          <a:prstGeom prst="straightConnector1">
+            <a:avLst/>
+          </a:prstGeom>
+          <a:ln>
+            <a:tailEnd type="triangle"/>
+          </a:ln>
+        </p:spPr>
+        <p:style>
+          <a:lnRef idx="2">
+            <a:schemeClr val="dk1"/>
+          </a:lnRef>
+          <a:fillRef idx="0">
+            <a:schemeClr val="dk1"/>
+          </a:fillRef>
+          <a:effectRef idx="1">
+            <a:schemeClr val="dk1"/>
+          </a:effectRef>
+          <a:fontRef idx="minor">
+            <a:schemeClr val="tx1"/>
+          </a:fontRef>
+        </p:style>
+      </p:cxnSp>
+      <p:cxnSp>
+        <p:nvCxnSpPr>
+          <p:cNvPr id="15" name="Straight Arrow Connector 14">
+            <a:extLst>
+              <a:ext uri="{FF2B5EF4-FFF2-40B4-BE49-F238E27FC236}">
+                <a16:creationId xmlns:a16="http://schemas.microsoft.com/office/drawing/2014/main" id="{44161E50-CF6E-A778-5B4F-A701F44B96E4}"/>
+              </a:ext>
+            </a:extLst>
+          </p:cNvPr>
+          <p:cNvCxnSpPr>
+            <a:stCxn id="8" idx="3"/>
+            <a:endCxn id="9" idx="1"/>
+          </p:cNvCxnSpPr>
+          <p:nvPr/>
+        </p:nvCxnSpPr>
+        <p:spPr>
+          <a:xfrm>
+            <a:off x="8583648" y="3471984"/>
+            <a:ext cx="717405" cy="0"/>
+          </a:xfrm>
+          <a:prstGeom prst="straightConnector1">
+            <a:avLst/>
+          </a:prstGeom>
+          <a:ln>
+            <a:tailEnd type="triangle"/>
+          </a:ln>
+        </p:spPr>
+        <p:style>
+          <a:lnRef idx="2">
+            <a:schemeClr val="dk1"/>
+          </a:lnRef>
+          <a:fillRef idx="0">
+            <a:schemeClr val="dk1"/>
+          </a:fillRef>
+          <a:effectRef idx="1">
+            <a:schemeClr val="dk1"/>
+          </a:effectRef>
+          <a:fontRef idx="minor">
+            <a:schemeClr val="tx1"/>
+          </a:fontRef>
+        </p:style>
+      </p:cxnSp>
+      <p:sp>
+        <p:nvSpPr>
+          <p:cNvPr id="16" name="Oval 15">
+            <a:extLst>
+              <a:ext uri="{FF2B5EF4-FFF2-40B4-BE49-F238E27FC236}">
+                <a16:creationId xmlns:a16="http://schemas.microsoft.com/office/drawing/2014/main" id="{5904CD7A-C1B7-CD1A-01BA-A2EE9627F53B}"/>
+              </a:ext>
+            </a:extLst>
+          </p:cNvPr>
+          <p:cNvSpPr/>
+          <p:nvPr/>
+        </p:nvSpPr>
+        <p:spPr>
+          <a:xfrm>
+            <a:off x="802720" y="2889785"/>
+            <a:ext cx="355988" cy="355988"/>
+          </a:xfrm>
+          <a:prstGeom prst="ellipse">
+            <a:avLst/>
+          </a:prstGeom>
+        </p:spPr>
+        <p:style>
+          <a:lnRef idx="2">
+            <a:schemeClr val="dk1">
+              <a:shade val="15000"/>
+            </a:schemeClr>
+          </a:lnRef>
+          <a:fillRef idx="1">
+            <a:schemeClr val="dk1"/>
+          </a:fillRef>
+          <a:effectRef idx="0">
+            <a:schemeClr val="dk1"/>
+          </a:effectRef>
+          <a:fontRef idx="minor">
+            <a:schemeClr val="lt1"/>
+          </a:fontRef>
+        </p:style>
+        <p:txBody>
+          <a:bodyPr rtlCol="0" anchor="ctr"/>
+          <a:lstStyle/>
+          <a:p>
+            <a:pPr algn="ctr"/>
+            <a:r>
+              <a:rPr lang="en-US" dirty="0"/>
+              <a:t>1</a:t>
+            </a:r>
+            <a:endParaRPr lang="it-IT" dirty="0"/>
+          </a:p>
+        </p:txBody>
+      </p:sp>
+      <p:sp>
+        <p:nvSpPr>
+          <p:cNvPr id="17" name="Oval 16">
+            <a:extLst>
+              <a:ext uri="{FF2B5EF4-FFF2-40B4-BE49-F238E27FC236}">
+                <a16:creationId xmlns:a16="http://schemas.microsoft.com/office/drawing/2014/main" id="{13D5E6D5-41BD-21CF-0D34-4E893C476D30}"/>
+              </a:ext>
+            </a:extLst>
+          </p:cNvPr>
+          <p:cNvSpPr/>
+          <p:nvPr/>
+        </p:nvSpPr>
+        <p:spPr>
+          <a:xfrm>
+            <a:off x="3582756" y="2889785"/>
+            <a:ext cx="355988" cy="355988"/>
+          </a:xfrm>
+          <a:prstGeom prst="ellipse">
+            <a:avLst/>
+          </a:prstGeom>
+        </p:spPr>
+        <p:style>
+          <a:lnRef idx="2">
+            <a:schemeClr val="dk1">
+              <a:shade val="15000"/>
+            </a:schemeClr>
+          </a:lnRef>
+          <a:fillRef idx="1">
+            <a:schemeClr val="dk1"/>
+          </a:fillRef>
+          <a:effectRef idx="0">
+            <a:schemeClr val="dk1"/>
+          </a:effectRef>
+          <a:fontRef idx="minor">
+            <a:schemeClr val="lt1"/>
+          </a:fontRef>
+        </p:style>
+        <p:txBody>
+          <a:bodyPr rtlCol="0" anchor="ctr"/>
+          <a:lstStyle/>
+          <a:p>
+            <a:pPr algn="ctr"/>
+            <a:r>
+              <a:rPr lang="en-US" dirty="0"/>
+              <a:t>2</a:t>
+            </a:r>
+            <a:endParaRPr lang="it-IT" dirty="0"/>
+          </a:p>
+        </p:txBody>
+      </p:sp>
+      <p:sp>
+        <p:nvSpPr>
+          <p:cNvPr id="18" name="Oval 17">
+            <a:extLst>
+              <a:ext uri="{FF2B5EF4-FFF2-40B4-BE49-F238E27FC236}">
+                <a16:creationId xmlns:a16="http://schemas.microsoft.com/office/drawing/2014/main" id="{993588C1-FFEA-AFD7-C9C4-1A162102A284}"/>
+              </a:ext>
+            </a:extLst>
+          </p:cNvPr>
+          <p:cNvSpPr/>
+          <p:nvPr/>
+        </p:nvSpPr>
+        <p:spPr>
+          <a:xfrm>
+            <a:off x="6352907" y="2885651"/>
+            <a:ext cx="355988" cy="355988"/>
+          </a:xfrm>
+          <a:prstGeom prst="ellipse">
+            <a:avLst/>
+          </a:prstGeom>
+        </p:spPr>
+        <p:style>
+          <a:lnRef idx="2">
+            <a:schemeClr val="dk1">
+              <a:shade val="15000"/>
+            </a:schemeClr>
+          </a:lnRef>
+          <a:fillRef idx="1">
+            <a:schemeClr val="dk1"/>
+          </a:fillRef>
+          <a:effectRef idx="0">
+            <a:schemeClr val="dk1"/>
+          </a:effectRef>
+          <a:fontRef idx="minor">
+            <a:schemeClr val="lt1"/>
+          </a:fontRef>
+        </p:style>
+        <p:txBody>
+          <a:bodyPr rtlCol="0" anchor="ctr"/>
+          <a:lstStyle/>
+          <a:p>
+            <a:pPr algn="ctr"/>
+            <a:r>
+              <a:rPr lang="en-US" dirty="0"/>
+              <a:t>3</a:t>
+            </a:r>
+            <a:endParaRPr lang="it-IT" dirty="0"/>
+          </a:p>
+        </p:txBody>
+      </p:sp>
+      <p:sp>
+        <p:nvSpPr>
+          <p:cNvPr id="19" name="Oval 18">
+            <a:extLst>
+              <a:ext uri="{FF2B5EF4-FFF2-40B4-BE49-F238E27FC236}">
+                <a16:creationId xmlns:a16="http://schemas.microsoft.com/office/drawing/2014/main" id="{33C583D5-F73D-A756-8144-3ED7E01C0BF4}"/>
+              </a:ext>
+            </a:extLst>
+          </p:cNvPr>
+          <p:cNvSpPr/>
+          <p:nvPr/>
+        </p:nvSpPr>
+        <p:spPr>
+          <a:xfrm>
+            <a:off x="9123058" y="2885651"/>
+            <a:ext cx="355988" cy="355988"/>
+          </a:xfrm>
+          <a:prstGeom prst="ellipse">
+            <a:avLst/>
+          </a:prstGeom>
+        </p:spPr>
+        <p:style>
+          <a:lnRef idx="2">
+            <a:schemeClr val="dk1">
+              <a:shade val="15000"/>
+            </a:schemeClr>
+          </a:lnRef>
+          <a:fillRef idx="1">
+            <a:schemeClr val="dk1"/>
+          </a:fillRef>
+          <a:effectRef idx="0">
+            <a:schemeClr val="dk1"/>
+          </a:effectRef>
+          <a:fontRef idx="minor">
+            <a:schemeClr val="lt1"/>
+          </a:fontRef>
+        </p:style>
+        <p:txBody>
+          <a:bodyPr rtlCol="0" anchor="ctr"/>
+          <a:lstStyle/>
+          <a:p>
+            <a:pPr algn="ctr"/>
+            <a:r>
+              <a:rPr lang="en-US" dirty="0"/>
+              <a:t>4</a:t>
+            </a:r>
+            <a:endParaRPr lang="it-IT" dirty="0"/>
+          </a:p>
+        </p:txBody>
+      </p:sp>
+      <p:sp>
+        <p:nvSpPr>
+          <p:cNvPr id="20" name="TextBox 19">
+            <a:extLst>
+              <a:ext uri="{FF2B5EF4-FFF2-40B4-BE49-F238E27FC236}">
+                <a16:creationId xmlns:a16="http://schemas.microsoft.com/office/drawing/2014/main" id="{B92F0D7C-947B-CDC5-3B94-2EB37F3AC334}"/>
+              </a:ext>
+            </a:extLst>
+          </p:cNvPr>
+          <p:cNvSpPr txBox="1"/>
+          <p:nvPr/>
+        </p:nvSpPr>
+        <p:spPr>
+          <a:xfrm>
+            <a:off x="1093059" y="4697001"/>
+            <a:ext cx="1840535" cy="738664"/>
+          </a:xfrm>
+          <a:prstGeom prst="rect">
+            <a:avLst/>
+          </a:prstGeom>
+          <a:noFill/>
+        </p:spPr>
+        <p:txBody>
+          <a:bodyPr wrap="square" rtlCol="0">
+            <a:spAutoFit/>
+          </a:bodyPr>
+          <a:lstStyle/>
+          <a:p>
+            <a:pPr algn="ctr"/>
+            <a:r>
+              <a:rPr lang="en-US" sz="1400" dirty="0"/>
+              <a:t>INSERIRE IMMAGINE</a:t>
+            </a:r>
+          </a:p>
+          <a:p>
+            <a:pPr algn="ctr"/>
+            <a:r>
+              <a:rPr lang="en-US" sz="1400" dirty="0"/>
+              <a:t>AMBIENTE SIMULATO</a:t>
+            </a:r>
+            <a:br>
+              <a:rPr lang="en-US" sz="1400" dirty="0"/>
+            </a:br>
+            <a:r>
+              <a:rPr lang="en-US" sz="1400" dirty="0"/>
+              <a:t>CON DRONE E PALLA</a:t>
+            </a:r>
+            <a:endParaRPr lang="it-IT" sz="1400" dirty="0"/>
+          </a:p>
+        </p:txBody>
+      </p:sp>
+      <p:sp>
+        <p:nvSpPr>
+          <p:cNvPr id="22" name="TextBox 21">
+            <a:extLst>
+              <a:ext uri="{FF2B5EF4-FFF2-40B4-BE49-F238E27FC236}">
+                <a16:creationId xmlns:a16="http://schemas.microsoft.com/office/drawing/2014/main" id="{C99AD569-4D4F-02CB-455F-B921108DA333}"/>
+              </a:ext>
+            </a:extLst>
+          </p:cNvPr>
+          <p:cNvSpPr txBox="1"/>
+          <p:nvPr/>
+        </p:nvSpPr>
+        <p:spPr>
+          <a:xfrm>
+            <a:off x="3857090" y="4635053"/>
+            <a:ext cx="1860067" cy="1323439"/>
+          </a:xfrm>
+          <a:prstGeom prst="rect">
+            <a:avLst/>
+          </a:prstGeom>
+          <a:noFill/>
+        </p:spPr>
+        <p:txBody>
+          <a:bodyPr wrap="square" rtlCol="0">
+            <a:spAutoFit/>
+          </a:bodyPr>
+          <a:lstStyle/>
+          <a:p>
+            <a:pPr marL="174625" indent="-174625">
+              <a:buFont typeface="Arial" panose="020B0604020202020204" pitchFamily="34" charset="0"/>
+              <a:buChar char="•"/>
+            </a:pPr>
+            <a:r>
+              <a:rPr lang="en-US" sz="1600" dirty="0"/>
+              <a:t>Observations</a:t>
+            </a:r>
+          </a:p>
+          <a:p>
+            <a:pPr marL="174625" indent="-174625">
+              <a:buFont typeface="Arial" panose="020B0604020202020204" pitchFamily="34" charset="0"/>
+              <a:buChar char="•"/>
+            </a:pPr>
+            <a:r>
+              <a:rPr lang="en-US" sz="1600" dirty="0"/>
+              <a:t>Actions</a:t>
+            </a:r>
+          </a:p>
+          <a:p>
+            <a:pPr marL="174625" indent="-174625">
+              <a:buFont typeface="Arial" panose="020B0604020202020204" pitchFamily="34" charset="0"/>
+              <a:buChar char="•"/>
+            </a:pPr>
+            <a:r>
+              <a:rPr lang="en-US" sz="1600" dirty="0"/>
+              <a:t>Actor model</a:t>
+            </a:r>
+          </a:p>
+          <a:p>
+            <a:pPr marL="174625" indent="-174625">
+              <a:buFont typeface="Arial" panose="020B0604020202020204" pitchFamily="34" charset="0"/>
+              <a:buChar char="•"/>
+            </a:pPr>
+            <a:r>
+              <a:rPr lang="en-US" sz="1600" dirty="0"/>
+              <a:t>Critic model</a:t>
+            </a:r>
+          </a:p>
+          <a:p>
+            <a:pPr marL="174625" indent="-174625">
+              <a:buFont typeface="Arial" panose="020B0604020202020204" pitchFamily="34" charset="0"/>
+              <a:buChar char="•"/>
+            </a:pPr>
+            <a:r>
+              <a:rPr lang="en-US" sz="1600" dirty="0"/>
+              <a:t>Main parameters</a:t>
+            </a:r>
+            <a:endParaRPr lang="it-IT" sz="1600" dirty="0"/>
+          </a:p>
+        </p:txBody>
+      </p:sp>
+      <p:cxnSp>
+        <p:nvCxnSpPr>
+          <p:cNvPr id="25" name="Straight Arrow Connector 24">
+            <a:extLst>
+              <a:ext uri="{FF2B5EF4-FFF2-40B4-BE49-F238E27FC236}">
+                <a16:creationId xmlns:a16="http://schemas.microsoft.com/office/drawing/2014/main" id="{79B0E0D9-EE53-895B-3742-0C5761520A4F}"/>
+              </a:ext>
+            </a:extLst>
+          </p:cNvPr>
+          <p:cNvCxnSpPr>
+            <a:cxnSpLocks/>
+            <a:stCxn id="7" idx="2"/>
+            <a:endCxn id="23" idx="0"/>
+          </p:cNvCxnSpPr>
+          <p:nvPr/>
+        </p:nvCxnSpPr>
+        <p:spPr>
+          <a:xfrm>
+            <a:off x="4787124" y="3880323"/>
+            <a:ext cx="0" cy="653507"/>
+          </a:xfrm>
+          <a:prstGeom prst="straightConnector1">
+            <a:avLst/>
+          </a:prstGeom>
+          <a:ln>
+            <a:tailEnd type="triangle"/>
+          </a:ln>
+        </p:spPr>
+        <p:style>
+          <a:lnRef idx="2">
+            <a:schemeClr val="accent1"/>
+          </a:lnRef>
+          <a:fillRef idx="0">
+            <a:schemeClr val="accent1"/>
+          </a:fillRef>
+          <a:effectRef idx="1">
+            <a:schemeClr val="accent1"/>
+          </a:effectRef>
+          <a:fontRef idx="minor">
+            <a:schemeClr val="tx1"/>
+          </a:fontRef>
+        </p:style>
+      </p:cxnSp>
+      <p:pic>
+        <p:nvPicPr>
+          <p:cNvPr id="26" name="Immagine 15" descr="Immagine che contiene clipart, halloween, Elementi grafici, zucca&#10;&#10;Descrizione generata automaticamente">
+            <a:extLst>
+              <a:ext uri="{FF2B5EF4-FFF2-40B4-BE49-F238E27FC236}">
+                <a16:creationId xmlns:a16="http://schemas.microsoft.com/office/drawing/2014/main" id="{B49413F5-C76F-0303-E527-0D5366C86D0C}"/>
+              </a:ext>
+            </a:extLst>
+          </p:cNvPr>
+          <p:cNvPicPr>
+            <a:picLocks noChangeAspect="1"/>
+          </p:cNvPicPr>
+          <p:nvPr/>
+        </p:nvPicPr>
+        <p:blipFill>
+          <a:blip r:embed="rId3">
+            <a:extLst>
+              <a:ext uri="{28A0092B-C50C-407E-A947-70E740481C1C}">
+                <a14:useLocalDpi xmlns:a14="http://schemas.microsoft.com/office/drawing/2010/main" val="0"/>
+              </a:ext>
+            </a:extLst>
+          </a:blip>
+          <a:stretch>
+            <a:fillRect/>
+          </a:stretch>
+        </p:blipFill>
+        <p:spPr>
+          <a:xfrm>
+            <a:off x="4299174" y="5958492"/>
+            <a:ext cx="975898" cy="513973"/>
+          </a:xfrm>
+          <a:prstGeom prst="rect">
+            <a:avLst/>
+          </a:prstGeom>
+        </p:spPr>
+      </p:pic>
+      <p:cxnSp>
+        <p:nvCxnSpPr>
+          <p:cNvPr id="30" name="Straight Arrow Connector 29">
+            <a:extLst>
+              <a:ext uri="{FF2B5EF4-FFF2-40B4-BE49-F238E27FC236}">
+                <a16:creationId xmlns:a16="http://schemas.microsoft.com/office/drawing/2014/main" id="{221E4D3D-1112-EB89-F6D0-EA6CF7064BE0}"/>
+              </a:ext>
+            </a:extLst>
+          </p:cNvPr>
+          <p:cNvCxnSpPr>
+            <a:cxnSpLocks/>
+          </p:cNvCxnSpPr>
+          <p:nvPr/>
+        </p:nvCxnSpPr>
+        <p:spPr>
+          <a:xfrm>
+            <a:off x="1985309" y="3880323"/>
+            <a:ext cx="0" cy="653507"/>
+          </a:xfrm>
+          <a:prstGeom prst="straightConnector1">
+            <a:avLst/>
+          </a:prstGeom>
+          <a:ln>
+            <a:tailEnd type="triangle"/>
+          </a:ln>
+        </p:spPr>
+        <p:style>
+          <a:lnRef idx="2">
+            <a:schemeClr val="accent1"/>
+          </a:lnRef>
+          <a:fillRef idx="0">
+            <a:schemeClr val="accent1"/>
+          </a:fillRef>
+          <a:effectRef idx="1">
+            <a:schemeClr val="accent1"/>
+          </a:effectRef>
+          <a:fontRef idx="minor">
+            <a:schemeClr val="tx1"/>
+          </a:fontRef>
+        </p:style>
+      </p:cxnSp>
+      <p:sp>
+        <p:nvSpPr>
+          <p:cNvPr id="31" name="Rectangle: Rounded Corners 30">
+            <a:extLst>
+              <a:ext uri="{FF2B5EF4-FFF2-40B4-BE49-F238E27FC236}">
+                <a16:creationId xmlns:a16="http://schemas.microsoft.com/office/drawing/2014/main" id="{72472EED-5236-23A7-CBF9-643EE0FBC5BA}"/>
+              </a:ext>
+            </a:extLst>
+          </p:cNvPr>
+          <p:cNvSpPr/>
+          <p:nvPr/>
+        </p:nvSpPr>
+        <p:spPr>
+          <a:xfrm>
+            <a:off x="6530900" y="4524563"/>
+            <a:ext cx="2052747" cy="1898481"/>
+          </a:xfrm>
+          <a:prstGeom prst="roundRect">
+            <a:avLst>
+              <a:gd name="adj" fmla="val 8957"/>
+            </a:avLst>
+          </a:prstGeom>
+        </p:spPr>
+        <p:style>
+          <a:lnRef idx="2">
+            <a:schemeClr val="accent1"/>
+          </a:lnRef>
+          <a:fillRef idx="1">
+            <a:schemeClr val="lt1"/>
+          </a:fillRef>
+          <a:effectRef idx="0">
+            <a:schemeClr val="accent1"/>
+          </a:effectRef>
+          <a:fontRef idx="minor">
+            <a:schemeClr val="dk1"/>
+          </a:fontRef>
+        </p:style>
+        <p:txBody>
+          <a:bodyPr rtlCol="0" anchor="ctr"/>
+          <a:lstStyle/>
+          <a:p>
+            <a:pPr algn="ctr"/>
+            <a:endParaRPr lang="it-IT"/>
+          </a:p>
+        </p:txBody>
+      </p:sp>
+      <p:sp>
+        <p:nvSpPr>
+          <p:cNvPr id="32" name="TextBox 31">
+            <a:extLst>
+              <a:ext uri="{FF2B5EF4-FFF2-40B4-BE49-F238E27FC236}">
+                <a16:creationId xmlns:a16="http://schemas.microsoft.com/office/drawing/2014/main" id="{47452609-2C35-856F-45B0-539434CCC92C}"/>
+              </a:ext>
+            </a:extLst>
+          </p:cNvPr>
+          <p:cNvSpPr txBox="1"/>
+          <p:nvPr/>
+        </p:nvSpPr>
+        <p:spPr>
+          <a:xfrm>
+            <a:off x="6627241" y="4635053"/>
+            <a:ext cx="1860067" cy="1077218"/>
+          </a:xfrm>
+          <a:prstGeom prst="rect">
+            <a:avLst/>
+          </a:prstGeom>
+          <a:noFill/>
+        </p:spPr>
+        <p:txBody>
+          <a:bodyPr wrap="square" rtlCol="0">
+            <a:spAutoFit/>
+          </a:bodyPr>
+          <a:lstStyle/>
+          <a:p>
+            <a:pPr marL="174625" indent="-174625">
+              <a:buFont typeface="Arial" panose="020B0604020202020204" pitchFamily="34" charset="0"/>
+              <a:buChar char="•"/>
+            </a:pPr>
+            <a:r>
+              <a:rPr lang="en-US" sz="1600" dirty="0"/>
+              <a:t>Inputs</a:t>
+            </a:r>
+          </a:p>
+          <a:p>
+            <a:pPr marL="174625" indent="-174625">
+              <a:buFont typeface="Arial" panose="020B0604020202020204" pitchFamily="34" charset="0"/>
+              <a:buChar char="•"/>
+            </a:pPr>
+            <a:r>
+              <a:rPr lang="en-US" sz="1600" dirty="0"/>
+              <a:t>Outputs</a:t>
+            </a:r>
+          </a:p>
+          <a:p>
+            <a:pPr marL="174625" indent="-174625">
+              <a:buFont typeface="Arial" panose="020B0604020202020204" pitchFamily="34" charset="0"/>
+              <a:buChar char="•"/>
+            </a:pPr>
+            <a:r>
+              <a:rPr lang="en-US" sz="1600" dirty="0"/>
+              <a:t>Components</a:t>
+            </a:r>
+          </a:p>
+          <a:p>
+            <a:pPr marL="174625" indent="-174625">
+              <a:buFont typeface="Arial" panose="020B0604020202020204" pitchFamily="34" charset="0"/>
+              <a:buChar char="•"/>
+            </a:pPr>
+            <a:r>
+              <a:rPr lang="en-US" sz="1600" dirty="0"/>
+              <a:t>Reset array</a:t>
+            </a:r>
+          </a:p>
+        </p:txBody>
+      </p:sp>
+      <p:sp>
+        <p:nvSpPr>
+          <p:cNvPr id="34" name="Rectangle: Rounded Corners 33">
+            <a:extLst>
+              <a:ext uri="{FF2B5EF4-FFF2-40B4-BE49-F238E27FC236}">
+                <a16:creationId xmlns:a16="http://schemas.microsoft.com/office/drawing/2014/main" id="{DBD8933F-865E-87A4-AC0B-F316B6C13F41}"/>
+              </a:ext>
+            </a:extLst>
+          </p:cNvPr>
+          <p:cNvSpPr/>
+          <p:nvPr/>
+        </p:nvSpPr>
+        <p:spPr>
+          <a:xfrm>
+            <a:off x="9308344" y="4533830"/>
+            <a:ext cx="2052747" cy="1424662"/>
+          </a:xfrm>
+          <a:prstGeom prst="roundRect">
+            <a:avLst>
+              <a:gd name="adj" fmla="val 8957"/>
+            </a:avLst>
+          </a:prstGeom>
+        </p:spPr>
+        <p:style>
+          <a:lnRef idx="2">
+            <a:schemeClr val="accent1"/>
+          </a:lnRef>
+          <a:fillRef idx="1">
+            <a:schemeClr val="lt1"/>
+          </a:fillRef>
+          <a:effectRef idx="0">
+            <a:schemeClr val="accent1"/>
+          </a:effectRef>
+          <a:fontRef idx="minor">
+            <a:schemeClr val="dk1"/>
+          </a:fontRef>
+        </p:style>
+        <p:txBody>
+          <a:bodyPr rtlCol="0" anchor="ctr"/>
+          <a:lstStyle/>
+          <a:p>
+            <a:pPr algn="ctr"/>
+            <a:endParaRPr lang="it-IT"/>
+          </a:p>
+        </p:txBody>
+      </p:sp>
+      <p:sp>
+        <p:nvSpPr>
+          <p:cNvPr id="35" name="TextBox 34">
+            <a:extLst>
+              <a:ext uri="{FF2B5EF4-FFF2-40B4-BE49-F238E27FC236}">
+                <a16:creationId xmlns:a16="http://schemas.microsoft.com/office/drawing/2014/main" id="{AB11681D-FBC1-3E5D-C82C-68973C78FF88}"/>
+              </a:ext>
+            </a:extLst>
+          </p:cNvPr>
+          <p:cNvSpPr txBox="1"/>
+          <p:nvPr/>
+        </p:nvSpPr>
+        <p:spPr>
+          <a:xfrm>
+            <a:off x="9404684" y="4635053"/>
+            <a:ext cx="1860067" cy="830997"/>
+          </a:xfrm>
+          <a:prstGeom prst="rect">
+            <a:avLst/>
+          </a:prstGeom>
+          <a:noFill/>
+        </p:spPr>
+        <p:txBody>
+          <a:bodyPr wrap="square" rtlCol="0">
+            <a:spAutoFit/>
+          </a:bodyPr>
+          <a:lstStyle/>
+          <a:p>
+            <a:pPr marL="174625" indent="-174625">
+              <a:buFont typeface="Arial" panose="020B0604020202020204" pitchFamily="34" charset="0"/>
+              <a:buChar char="•"/>
+            </a:pPr>
+            <a:r>
+              <a:rPr lang="en-US" sz="1600" dirty="0"/>
+              <a:t>Physics</a:t>
+            </a:r>
+          </a:p>
+          <a:p>
+            <a:pPr marL="174625" indent="-174625">
+              <a:buFont typeface="Arial" panose="020B0604020202020204" pitchFamily="34" charset="0"/>
+              <a:buChar char="•"/>
+            </a:pPr>
+            <a:r>
+              <a:rPr lang="en-US" sz="1600" dirty="0"/>
+              <a:t>Logging</a:t>
+            </a:r>
+          </a:p>
+          <a:p>
+            <a:pPr marL="174625" indent="-174625">
+              <a:buFont typeface="Arial" panose="020B0604020202020204" pitchFamily="34" charset="0"/>
+              <a:buChar char="•"/>
+            </a:pPr>
+            <a:r>
+              <a:rPr lang="en-US" sz="1600" dirty="0"/>
+              <a:t>Data collection</a:t>
+            </a:r>
+            <a:endParaRPr lang="it-IT" sz="1600" dirty="0"/>
+          </a:p>
+        </p:txBody>
+      </p:sp>
+      <p:cxnSp>
+        <p:nvCxnSpPr>
+          <p:cNvPr id="39" name="Straight Arrow Connector 38">
+            <a:extLst>
+              <a:ext uri="{FF2B5EF4-FFF2-40B4-BE49-F238E27FC236}">
+                <a16:creationId xmlns:a16="http://schemas.microsoft.com/office/drawing/2014/main" id="{2064F1FD-FAA4-3BE7-028A-D128CEAD9D82}"/>
+              </a:ext>
+            </a:extLst>
+          </p:cNvPr>
+          <p:cNvCxnSpPr>
+            <a:cxnSpLocks/>
+            <a:stCxn id="8" idx="2"/>
+            <a:endCxn id="31" idx="0"/>
+          </p:cNvCxnSpPr>
+          <p:nvPr/>
+        </p:nvCxnSpPr>
+        <p:spPr>
+          <a:xfrm flipH="1">
+            <a:off x="7557274" y="3880323"/>
+            <a:ext cx="1" cy="644240"/>
+          </a:xfrm>
+          <a:prstGeom prst="straightConnector1">
+            <a:avLst/>
+          </a:prstGeom>
+          <a:ln>
+            <a:tailEnd type="triangle"/>
+          </a:ln>
+        </p:spPr>
+        <p:style>
+          <a:lnRef idx="2">
+            <a:schemeClr val="accent1"/>
+          </a:lnRef>
+          <a:fillRef idx="0">
+            <a:schemeClr val="accent1"/>
+          </a:fillRef>
+          <a:effectRef idx="1">
+            <a:schemeClr val="accent1"/>
+          </a:effectRef>
+          <a:fontRef idx="minor">
+            <a:schemeClr val="tx1"/>
+          </a:fontRef>
+        </p:style>
+      </p:cxnSp>
+      <p:cxnSp>
+        <p:nvCxnSpPr>
+          <p:cNvPr id="42" name="Straight Arrow Connector 41">
+            <a:extLst>
+              <a:ext uri="{FF2B5EF4-FFF2-40B4-BE49-F238E27FC236}">
+                <a16:creationId xmlns:a16="http://schemas.microsoft.com/office/drawing/2014/main" id="{DD9C5716-206E-DF0D-071E-1D1D1B92047E}"/>
+              </a:ext>
+            </a:extLst>
+          </p:cNvPr>
+          <p:cNvCxnSpPr>
+            <a:cxnSpLocks/>
+            <a:stCxn id="9" idx="2"/>
+            <a:endCxn id="34" idx="0"/>
+          </p:cNvCxnSpPr>
+          <p:nvPr/>
+        </p:nvCxnSpPr>
+        <p:spPr>
+          <a:xfrm>
+            <a:off x="10327427" y="3880323"/>
+            <a:ext cx="7291" cy="653507"/>
+          </a:xfrm>
+          <a:prstGeom prst="straightConnector1">
+            <a:avLst/>
+          </a:prstGeom>
+          <a:ln>
+            <a:tailEnd type="triangle"/>
+          </a:ln>
+        </p:spPr>
+        <p:style>
+          <a:lnRef idx="2">
+            <a:schemeClr val="accent1"/>
+          </a:lnRef>
+          <a:fillRef idx="0">
+            <a:schemeClr val="accent1"/>
+          </a:fillRef>
+          <a:effectRef idx="1">
+            <a:schemeClr val="accent1"/>
+          </a:effectRef>
+          <a:fontRef idx="minor">
+            <a:schemeClr val="tx1"/>
+          </a:fontRef>
+        </p:style>
+      </p:cxnSp>
+      <p:pic>
+        <p:nvPicPr>
+          <p:cNvPr id="44" name="Picture 43" descr="A black and white text&#10;&#10;Description automatically generated">
+            <a:extLst>
+              <a:ext uri="{FF2B5EF4-FFF2-40B4-BE49-F238E27FC236}">
+                <a16:creationId xmlns:a16="http://schemas.microsoft.com/office/drawing/2014/main" id="{4D432C0C-A6B7-7E97-57F6-FA63A009CF88}"/>
+              </a:ext>
+            </a:extLst>
+          </p:cNvPr>
+          <p:cNvPicPr>
+            <a:picLocks noChangeAspect="1"/>
+          </p:cNvPicPr>
+          <p:nvPr/>
+        </p:nvPicPr>
+        <p:blipFill>
+          <a:blip r:embed="rId4">
+            <a:extLst>
+              <a:ext uri="{28A0092B-C50C-407E-A947-70E740481C1C}">
+                <a14:useLocalDpi xmlns:a14="http://schemas.microsoft.com/office/drawing/2010/main" val="0"/>
+              </a:ext>
+            </a:extLst>
+          </a:blip>
+          <a:stretch>
+            <a:fillRect/>
+          </a:stretch>
+        </p:blipFill>
+        <p:spPr>
+          <a:xfrm>
+            <a:off x="9327516" y="5383001"/>
+            <a:ext cx="2014401" cy="560976"/>
+          </a:xfrm>
+          <a:prstGeom prst="rect">
+            <a:avLst/>
+          </a:prstGeom>
+        </p:spPr>
+      </p:pic>
+      <p:pic>
+        <p:nvPicPr>
+          <p:cNvPr id="46" name="Picture 45" descr="A blue and yellow snake logo&#10;&#10;Description automatically generated">
+            <a:extLst>
+              <a:ext uri="{FF2B5EF4-FFF2-40B4-BE49-F238E27FC236}">
+                <a16:creationId xmlns:a16="http://schemas.microsoft.com/office/drawing/2014/main" id="{0B3B3288-7E7F-9026-15FF-69F731F002AC}"/>
+              </a:ext>
+            </a:extLst>
+          </p:cNvPr>
+          <p:cNvPicPr>
+            <a:picLocks noChangeAspect="1"/>
+          </p:cNvPicPr>
+          <p:nvPr/>
+        </p:nvPicPr>
+        <p:blipFill>
+          <a:blip r:embed="rId5">
+            <a:extLst>
+              <a:ext uri="{28A0092B-C50C-407E-A947-70E740481C1C}">
+                <a14:useLocalDpi xmlns:a14="http://schemas.microsoft.com/office/drawing/2010/main" val="0"/>
+              </a:ext>
+            </a:extLst>
+          </a:blip>
+          <a:stretch>
+            <a:fillRect/>
+          </a:stretch>
+        </p:blipFill>
+        <p:spPr>
+          <a:xfrm>
+            <a:off x="7318630" y="5755298"/>
+            <a:ext cx="477284" cy="578419"/>
+          </a:xfrm>
+          <a:prstGeom prst="rect">
+            <a:avLst/>
+          </a:prstGeom>
+        </p:spPr>
+      </p:pic>
+    </p:spTree>
+    <p:extLst>
+      <p:ext uri="{BB962C8B-B14F-4D97-AF65-F5344CB8AC3E}">
+        <p14:creationId xmlns:p14="http://schemas.microsoft.com/office/powerpoint/2010/main" val="2480583241"/>
+      </p:ext>
+    </p:extLst>
+  </p:cSld>
+  <p:clrMapOvr>
+    <a:masterClrMapping/>
+  </p:clrMapOvr>
+</p:sld>
+</file>
+
+<file path=ppt/slides/slide8.xml><?xml version="1.0" encoding="utf-8"?>
+<p:sld xmlns:a="http://schemas.openxmlformats.org/drawingml/2006/main" xmlns:r="http://schemas.openxmlformats.org/officeDocument/2006/relationships" xmlns:p="http://schemas.openxmlformats.org/presentationml/2006/main">
+  <p:cSld>
+    <p:spTree>
+      <p:nvGrpSpPr>
+        <p:cNvPr id="1" name=""/>
+        <p:cNvGrpSpPr/>
+        <p:nvPr/>
+      </p:nvGrpSpPr>
+      <p:grpSpPr>
+        <a:xfrm>
+          <a:off x="0" y="0"/>
+          <a:ext cx="0" cy="0"/>
+          <a:chOff x="0" y="0"/>
+          <a:chExt cx="0" cy="0"/>
+        </a:xfrm>
+      </p:grpSpPr>
+      <p:sp>
+        <p:nvSpPr>
+          <p:cNvPr id="2" name="Titolo 1">
+            <a:extLst>
+              <a:ext uri="{FF2B5EF4-FFF2-40B4-BE49-F238E27FC236}">
+                <a16:creationId xmlns:a16="http://schemas.microsoft.com/office/drawing/2014/main" id="{D5F58EEC-3A74-ACCB-9A51-3B63C7A951AF}"/>
+              </a:ext>
+            </a:extLst>
+          </p:cNvPr>
+          <p:cNvSpPr>
+            <a:spLocks noGrp="1"/>
+          </p:cNvSpPr>
+          <p:nvPr>
+            <p:ph type="title"/>
+          </p:nvPr>
+        </p:nvSpPr>
+        <p:spPr/>
+        <p:txBody>
+          <a:bodyPr>
+            <a:normAutofit/>
+          </a:bodyPr>
+          <a:lstStyle/>
+          <a:p>
+            <a:r>
+              <a:rPr lang="en-US" dirty="0">
+                <a:latin typeface="Aptos SemiBold" panose="020B0004020202020204" pitchFamily="34" charset="0"/>
+              </a:rPr>
+              <a:t>Reaching a target – SKRL Model</a:t>
+            </a:r>
+            <a:endParaRPr lang="it-IT" dirty="0">
+              <a:latin typeface="Aptos SemiBold" panose="020B0004020202020204" pitchFamily="34" charset="0"/>
+            </a:endParaRPr>
+          </a:p>
+        </p:txBody>
+      </p:sp>
+      <p:pic>
+        <p:nvPicPr>
+          <p:cNvPr id="4" name="Immagine 3">
+            <a:extLst>
+              <a:ext uri="{FF2B5EF4-FFF2-40B4-BE49-F238E27FC236}">
+                <a16:creationId xmlns:a16="http://schemas.microsoft.com/office/drawing/2014/main" id="{CB1FFB52-928C-7EDA-3C3B-6E1F60CA0E58}"/>
+              </a:ext>
+            </a:extLst>
+          </p:cNvPr>
+          <p:cNvPicPr>
+            <a:picLocks noChangeAspect="1"/>
+          </p:cNvPicPr>
+          <p:nvPr/>
+        </p:nvPicPr>
+        <p:blipFill>
+          <a:blip r:embed="rId2"/>
+          <a:stretch>
+            <a:fillRect/>
+          </a:stretch>
+        </p:blipFill>
+        <p:spPr>
+          <a:xfrm>
+            <a:off x="838200" y="1487928"/>
+            <a:ext cx="6142782" cy="36000"/>
+          </a:xfrm>
+          <a:prstGeom prst="rect">
+            <a:avLst/>
+          </a:prstGeom>
+        </p:spPr>
+      </p:pic>
+      <p:sp>
+        <p:nvSpPr>
+          <p:cNvPr id="5" name="Segnaposto contenuto 2">
+            <a:extLst>
+              <a:ext uri="{FF2B5EF4-FFF2-40B4-BE49-F238E27FC236}">
+                <a16:creationId xmlns:a16="http://schemas.microsoft.com/office/drawing/2014/main" id="{5C886F07-EA7B-3583-3F0E-C33A5A18A369}"/>
+              </a:ext>
+            </a:extLst>
+          </p:cNvPr>
+          <p:cNvSpPr txBox="1">
+            <a:spLocks/>
+          </p:cNvSpPr>
+          <p:nvPr/>
+        </p:nvSpPr>
+        <p:spPr>
+          <a:xfrm>
+            <a:off x="990600" y="1978025"/>
+            <a:ext cx="4172339" cy="4351338"/>
+          </a:xfrm>
+          <a:prstGeom prst="rect">
+            <a:avLst/>
+          </a:prstGeom>
+        </p:spPr>
+        <p:txBody>
+          <a:bodyPr vert="horz" lIns="91440" tIns="45720" rIns="91440" bIns="45720" rtlCol="0">
+            <a:normAutofit/>
+          </a:bodyPr>
+          <a:lstStyle>
+            <a:lvl1pPr marL="228600" indent="-228600" algn="l" defTabSz="914400" rtl="0" eaLnBrk="1" latinLnBrk="0" hangingPunct="1">
+              <a:lnSpc>
+                <a:spcPct val="90000"/>
+              </a:lnSpc>
+              <a:spcBef>
+                <a:spcPts val="1000"/>
+              </a:spcBef>
+              <a:buFont typeface="Arial" panose="020B0604020202020204" pitchFamily="34" charset="0"/>
+              <a:buChar char="•"/>
+              <a:defRPr sz="2800" kern="1200">
+                <a:solidFill>
+                  <a:schemeClr val="tx1"/>
+                </a:solidFill>
+                <a:latin typeface="+mn-lt"/>
+                <a:ea typeface="+mn-ea"/>
+                <a:cs typeface="+mn-cs"/>
+              </a:defRPr>
+            </a:lvl1pPr>
+            <a:lvl2pPr marL="685800" indent="-228600" algn="l" defTabSz="914400" rtl="0" eaLnBrk="1" latinLnBrk="0" hangingPunct="1">
+              <a:lnSpc>
+                <a:spcPct val="90000"/>
+              </a:lnSpc>
+              <a:spcBef>
+                <a:spcPts val="500"/>
+              </a:spcBef>
+              <a:buFont typeface="Arial" panose="020B0604020202020204" pitchFamily="34" charset="0"/>
+              <a:buChar char="•"/>
+              <a:defRPr sz="2400" kern="1200">
+                <a:solidFill>
+                  <a:schemeClr val="tx1"/>
+                </a:solidFill>
+                <a:latin typeface="+mn-lt"/>
+                <a:ea typeface="+mn-ea"/>
+                <a:cs typeface="+mn-cs"/>
+              </a:defRPr>
+            </a:lvl2pPr>
+            <a:lvl3pPr marL="1143000" indent="-228600" algn="l" defTabSz="914400" rtl="0" eaLnBrk="1" latinLnBrk="0" hangingPunct="1">
+              <a:lnSpc>
+                <a:spcPct val="90000"/>
+              </a:lnSpc>
+              <a:spcBef>
+                <a:spcPts val="500"/>
+              </a:spcBef>
+              <a:buFont typeface="Arial" panose="020B0604020202020204" pitchFamily="34" charset="0"/>
+              <a:buChar char="•"/>
+              <a:defRPr sz="2000" kern="1200">
+                <a:solidFill>
+                  <a:schemeClr val="tx1"/>
+                </a:solidFill>
+                <a:latin typeface="+mn-lt"/>
+                <a:ea typeface="+mn-ea"/>
+                <a:cs typeface="+mn-cs"/>
+              </a:defRPr>
+            </a:lvl3pPr>
+            <a:lvl4pPr marL="1600200" indent="-228600" algn="l" defTabSz="914400" rtl="0" eaLnBrk="1" latinLnBrk="0" hangingPunct="1">
+              <a:lnSpc>
+                <a:spcPct val="90000"/>
+              </a:lnSpc>
+              <a:spcBef>
+                <a:spcPts val="500"/>
+              </a:spcBef>
+              <a:buFont typeface="Arial" panose="020B0604020202020204" pitchFamily="34" charset="0"/>
+              <a:buChar char="•"/>
+              <a:defRPr sz="1800" kern="1200">
+                <a:solidFill>
+                  <a:schemeClr val="tx1"/>
+                </a:solidFill>
+                <a:latin typeface="+mn-lt"/>
+                <a:ea typeface="+mn-ea"/>
+                <a:cs typeface="+mn-cs"/>
+              </a:defRPr>
+            </a:lvl4pPr>
+            <a:lvl5pPr marL="2057400" indent="-228600" algn="l" defTabSz="914400" rtl="0" eaLnBrk="1" latinLnBrk="0" hangingPunct="1">
+              <a:lnSpc>
+                <a:spcPct val="90000"/>
+              </a:lnSpc>
+              <a:spcBef>
+                <a:spcPts val="500"/>
+              </a:spcBef>
+              <a:buFont typeface="Arial" panose="020B0604020202020204" pitchFamily="34" charset="0"/>
+              <a:buChar char="•"/>
+              <a:defRPr sz="1800" kern="1200">
+                <a:solidFill>
+                  <a:schemeClr val="tx1"/>
+                </a:solidFill>
+                <a:latin typeface="+mn-lt"/>
+                <a:ea typeface="+mn-ea"/>
+                <a:cs typeface="+mn-cs"/>
+              </a:defRPr>
+            </a:lvl5pPr>
+            <a:lvl6pPr marL="2514600" indent="-228600" algn="l" defTabSz="914400" rtl="0" eaLnBrk="1" latinLnBrk="0" hangingPunct="1">
+              <a:lnSpc>
+                <a:spcPct val="90000"/>
+              </a:lnSpc>
+              <a:spcBef>
+                <a:spcPts val="500"/>
+              </a:spcBef>
+              <a:buFont typeface="Arial" panose="020B0604020202020204" pitchFamily="34" charset="0"/>
+              <a:buChar char="•"/>
+              <a:defRPr sz="1800" kern="1200">
+                <a:solidFill>
+                  <a:schemeClr val="tx1"/>
+                </a:solidFill>
+                <a:latin typeface="+mn-lt"/>
+                <a:ea typeface="+mn-ea"/>
+                <a:cs typeface="+mn-cs"/>
+              </a:defRPr>
+            </a:lvl6pPr>
+            <a:lvl7pPr marL="2971800" indent="-228600" algn="l" defTabSz="914400" rtl="0" eaLnBrk="1" latinLnBrk="0" hangingPunct="1">
+              <a:lnSpc>
+                <a:spcPct val="90000"/>
+              </a:lnSpc>
+              <a:spcBef>
+                <a:spcPts val="500"/>
+              </a:spcBef>
+              <a:buFont typeface="Arial" panose="020B0604020202020204" pitchFamily="34" charset="0"/>
+              <a:buChar char="•"/>
+              <a:defRPr sz="1800" kern="1200">
+                <a:solidFill>
+                  <a:schemeClr val="tx1"/>
+                </a:solidFill>
+                <a:latin typeface="+mn-lt"/>
+                <a:ea typeface="+mn-ea"/>
+                <a:cs typeface="+mn-cs"/>
+              </a:defRPr>
+            </a:lvl7pPr>
+            <a:lvl8pPr marL="3429000" indent="-228600" algn="l" defTabSz="914400" rtl="0" eaLnBrk="1" latinLnBrk="0" hangingPunct="1">
+              <a:lnSpc>
+                <a:spcPct val="90000"/>
+              </a:lnSpc>
+              <a:spcBef>
+                <a:spcPts val="500"/>
+              </a:spcBef>
+              <a:buFont typeface="Arial" panose="020B0604020202020204" pitchFamily="34" charset="0"/>
+              <a:buChar char="•"/>
+              <a:defRPr sz="1800" kern="1200">
+                <a:solidFill>
+                  <a:schemeClr val="tx1"/>
+                </a:solidFill>
+                <a:latin typeface="+mn-lt"/>
+                <a:ea typeface="+mn-ea"/>
+                <a:cs typeface="+mn-cs"/>
+              </a:defRPr>
+            </a:lvl8pPr>
+            <a:lvl9pPr marL="3886200" indent="-228600" algn="l" defTabSz="914400" rtl="0" eaLnBrk="1" latinLnBrk="0" hangingPunct="1">
+              <a:lnSpc>
+                <a:spcPct val="90000"/>
+              </a:lnSpc>
+              <a:spcBef>
+                <a:spcPts val="500"/>
+              </a:spcBef>
+              <a:buFont typeface="Arial" panose="020B0604020202020204" pitchFamily="34" charset="0"/>
+              <a:buChar char="•"/>
+              <a:defRPr sz="1800" kern="1200">
+                <a:solidFill>
+                  <a:schemeClr val="tx1"/>
+                </a:solidFill>
+                <a:latin typeface="+mn-lt"/>
+                <a:ea typeface="+mn-ea"/>
+                <a:cs typeface="+mn-cs"/>
+              </a:defRPr>
+            </a:lvl9pPr>
+          </a:lstStyle>
+          <a:p>
+            <a:endParaRPr lang="it-IT" sz="2400"/>
+          </a:p>
+          <a:p>
+            <a:endParaRPr lang="it-IT"/>
+          </a:p>
+          <a:p>
+            <a:endParaRPr lang="it-IT"/>
+          </a:p>
+          <a:p>
+            <a:endParaRPr lang="it-IT" dirty="0"/>
+          </a:p>
+        </p:txBody>
+      </p:sp>
+    </p:spTree>
+    <p:extLst>
+      <p:ext uri="{BB962C8B-B14F-4D97-AF65-F5344CB8AC3E}">
+        <p14:creationId xmlns:p14="http://schemas.microsoft.com/office/powerpoint/2010/main" val="3599238724"/>
+      </p:ext>
+    </p:extLst>
+  </p:cSld>
+  <p:clrMapOvr>
+    <a:masterClrMapping/>
+  </p:clrMapOvr>
+</p:sld>
+</file>
+
+<file path=ppt/slides/slide9.xml><?xml version="1.0" encoding="utf-8"?>
+<p:sld xmlns:a="http://schemas.openxmlformats.org/drawingml/2006/main" xmlns:r="http://schemas.openxmlformats.org/officeDocument/2006/relationships" xmlns:p="http://schemas.openxmlformats.org/presentationml/2006/main">
+  <p:cSld>
+    <p:spTree>
+      <p:nvGrpSpPr>
+        <p:cNvPr id="1" name=""/>
+        <p:cNvGrpSpPr/>
+        <p:nvPr/>
+      </p:nvGrpSpPr>
+      <p:grpSpPr>
+        <a:xfrm>
+          <a:off x="0" y="0"/>
+          <a:ext cx="0" cy="0"/>
+          <a:chOff x="0" y="0"/>
+          <a:chExt cx="0" cy="0"/>
+        </a:xfrm>
+      </p:grpSpPr>
+      <p:sp>
+        <p:nvSpPr>
+          <p:cNvPr id="2" name="Titolo 1">
+            <a:extLst>
+              <a:ext uri="{FF2B5EF4-FFF2-40B4-BE49-F238E27FC236}">
+                <a16:creationId xmlns:a16="http://schemas.microsoft.com/office/drawing/2014/main" id="{D5F58EEC-3A74-ACCB-9A51-3B63C7A951AF}"/>
+              </a:ext>
+            </a:extLst>
+          </p:cNvPr>
+          <p:cNvSpPr>
+            <a:spLocks noGrp="1"/>
+          </p:cNvSpPr>
+          <p:nvPr>
+            <p:ph type="title"/>
+          </p:nvPr>
+        </p:nvSpPr>
+        <p:spPr/>
+        <p:txBody>
+          <a:bodyPr>
+            <a:normAutofit/>
+          </a:bodyPr>
+          <a:lstStyle/>
+          <a:p>
+            <a:r>
+              <a:rPr lang="en-US" dirty="0">
+                <a:latin typeface="Aptos SemiBold" panose="020B0004020202020204" pitchFamily="34" charset="0"/>
+              </a:rPr>
+              <a:t>Reaching a target – Reward Function</a:t>
+            </a:r>
+            <a:endParaRPr lang="it-IT" dirty="0">
+              <a:latin typeface="Aptos SemiBold" panose="020B0004020202020204" pitchFamily="34" charset="0"/>
+            </a:endParaRPr>
+          </a:p>
+        </p:txBody>
+      </p:sp>
+      <p:pic>
+        <p:nvPicPr>
+          <p:cNvPr id="4" name="Immagine 3">
+            <a:extLst>
+              <a:ext uri="{FF2B5EF4-FFF2-40B4-BE49-F238E27FC236}">
+                <a16:creationId xmlns:a16="http://schemas.microsoft.com/office/drawing/2014/main" id="{CB1FFB52-928C-7EDA-3C3B-6E1F60CA0E58}"/>
+              </a:ext>
+            </a:extLst>
+          </p:cNvPr>
+          <p:cNvPicPr>
+            <a:picLocks noChangeAspect="1"/>
+          </p:cNvPicPr>
+          <p:nvPr/>
+        </p:nvPicPr>
+        <p:blipFill>
+          <a:blip r:embed="rId2"/>
+          <a:stretch>
+            <a:fillRect/>
+          </a:stretch>
+        </p:blipFill>
+        <p:spPr>
+          <a:xfrm>
+            <a:off x="838200" y="1487928"/>
+            <a:ext cx="6142782" cy="36000"/>
+          </a:xfrm>
+          <a:prstGeom prst="rect">
+            <a:avLst/>
+          </a:prstGeom>
+        </p:spPr>
+      </p:pic>
+      <p:sp>
+        <p:nvSpPr>
+          <p:cNvPr id="5" name="Segnaposto contenuto 2">
+            <a:extLst>
+              <a:ext uri="{FF2B5EF4-FFF2-40B4-BE49-F238E27FC236}">
+                <a16:creationId xmlns:a16="http://schemas.microsoft.com/office/drawing/2014/main" id="{5C886F07-EA7B-3583-3F0E-C33A5A18A369}"/>
+              </a:ext>
+            </a:extLst>
+          </p:cNvPr>
+          <p:cNvSpPr txBox="1">
+            <a:spLocks/>
+          </p:cNvSpPr>
+          <p:nvPr/>
+        </p:nvSpPr>
+        <p:spPr>
+          <a:xfrm>
+            <a:off x="990600" y="1978025"/>
+            <a:ext cx="4172339" cy="4351338"/>
+          </a:xfrm>
+          <a:prstGeom prst="rect">
+            <a:avLst/>
+          </a:prstGeom>
+        </p:spPr>
+        <p:txBody>
+          <a:bodyPr vert="horz" lIns="91440" tIns="45720" rIns="91440" bIns="45720" rtlCol="0">
+            <a:normAutofit/>
+          </a:bodyPr>
+          <a:lstStyle>
+            <a:lvl1pPr marL="228600" indent="-228600" algn="l" defTabSz="914400" rtl="0" eaLnBrk="1" latinLnBrk="0" hangingPunct="1">
+              <a:lnSpc>
+                <a:spcPct val="90000"/>
+              </a:lnSpc>
+              <a:spcBef>
+                <a:spcPts val="1000"/>
+              </a:spcBef>
+              <a:buFont typeface="Arial" panose="020B0604020202020204" pitchFamily="34" charset="0"/>
+              <a:buChar char="•"/>
+              <a:defRPr sz="2800" kern="1200">
+                <a:solidFill>
+                  <a:schemeClr val="tx1"/>
+                </a:solidFill>
+                <a:latin typeface="+mn-lt"/>
+                <a:ea typeface="+mn-ea"/>
+                <a:cs typeface="+mn-cs"/>
+              </a:defRPr>
+            </a:lvl1pPr>
+            <a:lvl2pPr marL="685800" indent="-228600" algn="l" defTabSz="914400" rtl="0" eaLnBrk="1" latinLnBrk="0" hangingPunct="1">
+              <a:lnSpc>
+                <a:spcPct val="90000"/>
+              </a:lnSpc>
+              <a:spcBef>
+                <a:spcPts val="500"/>
+              </a:spcBef>
+              <a:buFont typeface="Arial" panose="020B0604020202020204" pitchFamily="34" charset="0"/>
+              <a:buChar char="•"/>
+              <a:defRPr sz="2400" kern="1200">
+                <a:solidFill>
+                  <a:schemeClr val="tx1"/>
+                </a:solidFill>
+                <a:latin typeface="+mn-lt"/>
+                <a:ea typeface="+mn-ea"/>
+                <a:cs typeface="+mn-cs"/>
+              </a:defRPr>
+            </a:lvl2pPr>
+            <a:lvl3pPr marL="1143000" indent="-228600" algn="l" defTabSz="914400" rtl="0" eaLnBrk="1" latinLnBrk="0" hangingPunct="1">
+              <a:lnSpc>
+                <a:spcPct val="90000"/>
+              </a:lnSpc>
+              <a:spcBef>
+                <a:spcPts val="500"/>
+              </a:spcBef>
+              <a:buFont typeface="Arial" panose="020B0604020202020204" pitchFamily="34" charset="0"/>
+              <a:buChar char="•"/>
+              <a:defRPr sz="2000" kern="1200">
+                <a:solidFill>
+                  <a:schemeClr val="tx1"/>
+                </a:solidFill>
+                <a:latin typeface="+mn-lt"/>
+                <a:ea typeface="+mn-ea"/>
+                <a:cs typeface="+mn-cs"/>
+              </a:defRPr>
+            </a:lvl3pPr>
+            <a:lvl4pPr marL="1600200" indent="-228600" algn="l" defTabSz="914400" rtl="0" eaLnBrk="1" latinLnBrk="0" hangingPunct="1">
+              <a:lnSpc>
+                <a:spcPct val="90000"/>
+              </a:lnSpc>
+              <a:spcBef>
+                <a:spcPts val="500"/>
+              </a:spcBef>
+              <a:buFont typeface="Arial" panose="020B0604020202020204" pitchFamily="34" charset="0"/>
+              <a:buChar char="•"/>
+              <a:defRPr sz="1800" kern="1200">
+                <a:solidFill>
+                  <a:schemeClr val="tx1"/>
+                </a:solidFill>
+                <a:latin typeface="+mn-lt"/>
+                <a:ea typeface="+mn-ea"/>
+                <a:cs typeface="+mn-cs"/>
+              </a:defRPr>
+            </a:lvl4pPr>
+            <a:lvl5pPr marL="2057400" indent="-228600" algn="l" defTabSz="914400" rtl="0" eaLnBrk="1" latinLnBrk="0" hangingPunct="1">
+              <a:lnSpc>
+                <a:spcPct val="90000"/>
+              </a:lnSpc>
+              <a:spcBef>
+                <a:spcPts val="500"/>
+              </a:spcBef>
+              <a:buFont typeface="Arial" panose="020B0604020202020204" pitchFamily="34" charset="0"/>
+              <a:buChar char="•"/>
+              <a:defRPr sz="1800" kern="1200">
+                <a:solidFill>
+                  <a:schemeClr val="tx1"/>
+                </a:solidFill>
+                <a:latin typeface="+mn-lt"/>
+                <a:ea typeface="+mn-ea"/>
+                <a:cs typeface="+mn-cs"/>
+              </a:defRPr>
+            </a:lvl5pPr>
+            <a:lvl6pPr marL="2514600" indent="-228600" algn="l" defTabSz="914400" rtl="0" eaLnBrk="1" latinLnBrk="0" hangingPunct="1">
+              <a:lnSpc>
+                <a:spcPct val="90000"/>
+              </a:lnSpc>
+              <a:spcBef>
+                <a:spcPts val="500"/>
+              </a:spcBef>
+              <a:buFont typeface="Arial" panose="020B0604020202020204" pitchFamily="34" charset="0"/>
+              <a:buChar char="•"/>
+              <a:defRPr sz="1800" kern="1200">
+                <a:solidFill>
+                  <a:schemeClr val="tx1"/>
+                </a:solidFill>
+                <a:latin typeface="+mn-lt"/>
+                <a:ea typeface="+mn-ea"/>
+                <a:cs typeface="+mn-cs"/>
+              </a:defRPr>
+            </a:lvl6pPr>
+            <a:lvl7pPr marL="2971800" indent="-228600" algn="l" defTabSz="914400" rtl="0" eaLnBrk="1" latinLnBrk="0" hangingPunct="1">
+              <a:lnSpc>
+                <a:spcPct val="90000"/>
+              </a:lnSpc>
+              <a:spcBef>
+                <a:spcPts val="500"/>
+              </a:spcBef>
+              <a:buFont typeface="Arial" panose="020B0604020202020204" pitchFamily="34" charset="0"/>
+              <a:buChar char="•"/>
+              <a:defRPr sz="1800" kern="1200">
+                <a:solidFill>
+                  <a:schemeClr val="tx1"/>
+                </a:solidFill>
+                <a:latin typeface="+mn-lt"/>
+                <a:ea typeface="+mn-ea"/>
+                <a:cs typeface="+mn-cs"/>
+              </a:defRPr>
+            </a:lvl7pPr>
+            <a:lvl8pPr marL="3429000" indent="-228600" algn="l" defTabSz="914400" rtl="0" eaLnBrk="1" latinLnBrk="0" hangingPunct="1">
+              <a:lnSpc>
+                <a:spcPct val="90000"/>
+              </a:lnSpc>
+              <a:spcBef>
+                <a:spcPts val="500"/>
+              </a:spcBef>
+              <a:buFont typeface="Arial" panose="020B0604020202020204" pitchFamily="34" charset="0"/>
+              <a:buChar char="•"/>
+              <a:defRPr sz="1800" kern="1200">
+                <a:solidFill>
+                  <a:schemeClr val="tx1"/>
+                </a:solidFill>
+                <a:latin typeface="+mn-lt"/>
+                <a:ea typeface="+mn-ea"/>
+                <a:cs typeface="+mn-cs"/>
+              </a:defRPr>
+            </a:lvl8pPr>
+            <a:lvl9pPr marL="3886200" indent="-228600" algn="l" defTabSz="914400" rtl="0" eaLnBrk="1" latinLnBrk="0" hangingPunct="1">
+              <a:lnSpc>
+                <a:spcPct val="90000"/>
+              </a:lnSpc>
+              <a:spcBef>
+                <a:spcPts val="500"/>
+              </a:spcBef>
+              <a:buFont typeface="Arial" panose="020B0604020202020204" pitchFamily="34" charset="0"/>
+              <a:buChar char="•"/>
+              <a:defRPr sz="1800" kern="1200">
+                <a:solidFill>
+                  <a:schemeClr val="tx1"/>
+                </a:solidFill>
+                <a:latin typeface="+mn-lt"/>
+                <a:ea typeface="+mn-ea"/>
+                <a:cs typeface="+mn-cs"/>
+              </a:defRPr>
+            </a:lvl9pPr>
+          </a:lstStyle>
+          <a:p>
+            <a:endParaRPr lang="it-IT" sz="2400"/>
+          </a:p>
+          <a:p>
+            <a:endParaRPr lang="it-IT"/>
+          </a:p>
+          <a:p>
+            <a:endParaRPr lang="it-IT"/>
+          </a:p>
+          <a:p>
+            <a:endParaRPr lang="it-IT" dirty="0"/>
+          </a:p>
+        </p:txBody>
+      </p:sp>
+    </p:spTree>
+    <p:extLst>
+      <p:ext uri="{BB962C8B-B14F-4D97-AF65-F5344CB8AC3E}">
+        <p14:creationId xmlns:p14="http://schemas.microsoft.com/office/powerpoint/2010/main" val="2103946519"/>
+      </p:ext>
+    </p:extLst>
+  </p:cSld>
+  <p:clrMapOvr>
+    <a:masterClrMapping/>
+  </p:clrMapOvr>
+</p:sld>
+</file>
+
 <file path=ppt/theme/theme1.xml><?xml version="1.0" encoding="utf-8"?>
 <a:theme xmlns:a="http://schemas.openxmlformats.org/drawingml/2006/main" name="Tema di Office">
   <a:themeElements>

--- a/Slides.pptx
+++ b/Slides.pptx
@@ -18664,6 +18664,108 @@
       </p:grpSpPr>
       <p:sp>
         <p:nvSpPr>
+          <p:cNvPr id="8" name="Rectangle: Rounded Corners 7">
+            <a:extLst>
+              <a:ext uri="{FF2B5EF4-FFF2-40B4-BE49-F238E27FC236}">
+                <a16:creationId xmlns:a16="http://schemas.microsoft.com/office/drawing/2014/main" id="{9A511EFA-C739-88CB-42DD-EAF03AAA83F9}"/>
+              </a:ext>
+            </a:extLst>
+          </p:cNvPr>
+          <p:cNvSpPr/>
+          <p:nvPr/>
+        </p:nvSpPr>
+        <p:spPr>
+          <a:xfrm>
+            <a:off x="3472601" y="2317302"/>
+            <a:ext cx="3818511" cy="3885084"/>
+          </a:xfrm>
+          <a:prstGeom prst="roundRect">
+            <a:avLst>
+              <a:gd name="adj" fmla="val 8656"/>
+            </a:avLst>
+          </a:prstGeom>
+        </p:spPr>
+        <p:style>
+          <a:lnRef idx="2">
+            <a:schemeClr val="accent1"/>
+          </a:lnRef>
+          <a:fillRef idx="1">
+            <a:schemeClr val="lt1"/>
+          </a:fillRef>
+          <a:effectRef idx="0">
+            <a:schemeClr val="accent1"/>
+          </a:effectRef>
+          <a:fontRef idx="minor">
+            <a:schemeClr val="dk1"/>
+          </a:fontRef>
+        </p:style>
+        <p:txBody>
+          <a:bodyPr rtlCol="0" anchor="t" anchorCtr="0"/>
+          <a:lstStyle/>
+          <a:p>
+            <a:pPr algn="ctr"/>
+            <a:endParaRPr lang="it-IT" dirty="0"/>
+          </a:p>
+        </p:txBody>
+      </p:sp>
+      <p:sp>
+        <p:nvSpPr>
+          <p:cNvPr id="99" name="Rectangle: Rounded Corners 98">
+            <a:extLst>
+              <a:ext uri="{FF2B5EF4-FFF2-40B4-BE49-F238E27FC236}">
+                <a16:creationId xmlns:a16="http://schemas.microsoft.com/office/drawing/2014/main" id="{01BEA770-C534-0FAA-2E9E-0EFA58DA671F}"/>
+              </a:ext>
+            </a:extLst>
+          </p:cNvPr>
+          <p:cNvSpPr>
+            <a:spLocks/>
+          </p:cNvSpPr>
+          <p:nvPr/>
+        </p:nvSpPr>
+        <p:spPr>
+          <a:xfrm>
+            <a:off x="3141290" y="1792353"/>
+            <a:ext cx="8847510" cy="4596148"/>
+          </a:xfrm>
+          <a:prstGeom prst="roundRect">
+            <a:avLst>
+              <a:gd name="adj" fmla="val 5617"/>
+            </a:avLst>
+          </a:prstGeom>
+          <a:noFill/>
+          <a:ln>
+            <a:solidFill>
+              <a:schemeClr val="bg1">
+                <a:lumMod val="75000"/>
+              </a:schemeClr>
+            </a:solidFill>
+          </a:ln>
+        </p:spPr>
+        <p:style>
+          <a:lnRef idx="2">
+            <a:schemeClr val="accent1"/>
+          </a:lnRef>
+          <a:fillRef idx="1">
+            <a:schemeClr val="lt1"/>
+          </a:fillRef>
+          <a:effectRef idx="0">
+            <a:schemeClr val="accent1"/>
+          </a:effectRef>
+          <a:fontRef idx="minor">
+            <a:schemeClr val="dk1"/>
+          </a:fontRef>
+        </p:style>
+        <p:txBody>
+          <a:bodyPr rtlCol="0" anchor="ctr"/>
+          <a:lstStyle/>
+          <a:p>
+            <a:pPr algn="ctr"/>
+            <a:endParaRPr lang="it-IT" dirty="0"/>
+          </a:p>
+        </p:txBody>
+      </p:sp>
+      <p:sp>
+        <p:nvSpPr>
           <p:cNvPr id="2" name="Titolo 1">
             <a:extLst>
               <a:ext uri="{FF2B5EF4-FFF2-40B4-BE49-F238E27FC236}">
@@ -18727,211 +18829,1469 @@
           </a:prstGeom>
         </p:spPr>
       </p:pic>
-      <p:sp>
-        <p:nvSpPr>
-          <p:cNvPr id="5" name="Segnaposto contenuto 2">
+      <p:grpSp>
+        <p:nvGrpSpPr>
+          <p:cNvPr id="126" name="Group 125">
             <a:extLst>
               <a:ext uri="{FF2B5EF4-FFF2-40B4-BE49-F238E27FC236}">
-                <a16:creationId xmlns:a16="http://schemas.microsoft.com/office/drawing/2014/main" id="{5C886F07-EA7B-3583-3F0E-C33A5A18A369}"/>
+                <a16:creationId xmlns:a16="http://schemas.microsoft.com/office/drawing/2014/main" id="{7B17C830-57D2-EC2C-DC21-E64DBA1B1A5E}"/>
               </a:ext>
             </a:extLst>
           </p:cNvPr>
-          <p:cNvSpPr txBox="1">
-            <a:spLocks/>
-          </p:cNvSpPr>
+          <p:cNvGrpSpPr/>
+          <p:nvPr/>
+        </p:nvGrpSpPr>
+        <p:grpSpPr>
+          <a:xfrm>
+            <a:off x="7837503" y="3260202"/>
+            <a:ext cx="1840679" cy="1570814"/>
+            <a:chOff x="7954172" y="3272330"/>
+            <a:chExt cx="1840679" cy="1570814"/>
+          </a:xfrm>
+        </p:grpSpPr>
+        <p:sp>
+          <p:nvSpPr>
+            <p:cNvPr id="60" name="TextBox 59">
+              <a:extLst>
+                <a:ext uri="{FF2B5EF4-FFF2-40B4-BE49-F238E27FC236}">
+                  <a16:creationId xmlns:a16="http://schemas.microsoft.com/office/drawing/2014/main" id="{63E2F909-1E46-8372-31B1-0879D5D3F3A1}"/>
+                </a:ext>
+              </a:extLst>
+            </p:cNvPr>
+            <p:cNvSpPr txBox="1"/>
+            <p:nvPr/>
+          </p:nvSpPr>
+          <p:spPr>
+            <a:xfrm>
+              <a:off x="8405473" y="3272330"/>
+              <a:ext cx="938077" cy="369332"/>
+            </a:xfrm>
+            <a:prstGeom prst="rect">
+              <a:avLst/>
+            </a:prstGeom>
+            <a:noFill/>
+          </p:spPr>
+          <p:txBody>
+            <a:bodyPr wrap="none" rtlCol="0">
+              <a:spAutoFit/>
+            </a:bodyPr>
+            <a:lstStyle/>
+            <a:p>
+              <a:r>
+                <a:rPr lang="en-US" dirty="0"/>
+                <a:t>Actions</a:t>
+              </a:r>
+              <a:endParaRPr lang="it-IT" dirty="0"/>
+            </a:p>
+          </p:txBody>
+        </p:sp>
+        <p:grpSp>
+          <p:nvGrpSpPr>
+            <p:cNvPr id="125" name="Group 124">
+              <a:extLst>
+                <a:ext uri="{FF2B5EF4-FFF2-40B4-BE49-F238E27FC236}">
+                  <a16:creationId xmlns:a16="http://schemas.microsoft.com/office/drawing/2014/main" id="{23F60516-DCBA-0817-D950-AFFA8A8C0AD2}"/>
+                </a:ext>
+              </a:extLst>
+            </p:cNvPr>
+            <p:cNvGrpSpPr/>
+            <p:nvPr/>
+          </p:nvGrpSpPr>
+          <p:grpSpPr>
+            <a:xfrm>
+              <a:off x="7954172" y="3665468"/>
+              <a:ext cx="1840679" cy="1177676"/>
+              <a:chOff x="7954172" y="3665468"/>
+              <a:chExt cx="1840679" cy="1177676"/>
+            </a:xfrm>
+          </p:grpSpPr>
+          <p:sp>
+            <p:nvSpPr>
+              <p:cNvPr id="61" name="TextBox 60">
+                <a:extLst>
+                  <a:ext uri="{FF2B5EF4-FFF2-40B4-BE49-F238E27FC236}">
+                    <a16:creationId xmlns:a16="http://schemas.microsoft.com/office/drawing/2014/main" id="{781787CE-2637-76DF-97EE-7F2695873D77}"/>
+                  </a:ext>
+                </a:extLst>
+              </p:cNvPr>
+              <p:cNvSpPr txBox="1"/>
+              <p:nvPr/>
+            </p:nvSpPr>
+            <p:spPr>
+              <a:xfrm>
+                <a:off x="8746590" y="4146839"/>
+                <a:ext cx="1048261" cy="584775"/>
+              </a:xfrm>
+              <a:prstGeom prst="rect">
+                <a:avLst/>
+              </a:prstGeom>
+              <a:noFill/>
+            </p:spPr>
+            <p:txBody>
+              <a:bodyPr wrap="square" rtlCol="0">
+                <a:spAutoFit/>
+              </a:bodyPr>
+              <a:lstStyle/>
+              <a:p>
+                <a:r>
+                  <a:rPr lang="en-US" sz="1600" dirty="0">
+                    <a:solidFill>
+                      <a:schemeClr val="accent3"/>
+                    </a:solidFill>
+                  </a:rPr>
+                  <a:t>Linear Velocities</a:t>
+                </a:r>
+                <a:endParaRPr lang="it-IT" sz="1600" dirty="0">
+                  <a:solidFill>
+                    <a:schemeClr val="accent3"/>
+                  </a:solidFill>
+                </a:endParaRPr>
+              </a:p>
+            </p:txBody>
+          </p:sp>
+          <p:pic>
+            <p:nvPicPr>
+              <p:cNvPr id="55" name="Graphic 54">
+                <a:extLst>
+                  <a:ext uri="{FF2B5EF4-FFF2-40B4-BE49-F238E27FC236}">
+                    <a16:creationId xmlns:a16="http://schemas.microsoft.com/office/drawing/2014/main" id="{6FF80E69-A9B8-6857-4502-A050C6CD1F6E}"/>
+                  </a:ext>
+                </a:extLst>
+              </p:cNvPr>
+              <p:cNvPicPr>
+                <a:picLocks noChangeAspect="1"/>
+              </p:cNvPicPr>
+              <p:nvPr/>
+            </p:nvPicPr>
+            <p:blipFill>
+              <a:blip r:embed="rId3">
+                <a:extLst>
+                  <a:ext uri="{96DAC541-7B7A-43D3-8B79-37D633B846F1}">
+                    <asvg:svgBlip xmlns:asvg="http://schemas.microsoft.com/office/drawing/2016/SVG/main" r:embed="rId4"/>
+                  </a:ext>
+                </a:extLst>
+              </a:blip>
+              <a:stretch>
+                <a:fillRect/>
+              </a:stretch>
+            </p:blipFill>
+            <p:spPr>
+              <a:xfrm>
+                <a:off x="7954172" y="3676544"/>
+                <a:ext cx="566604" cy="1166600"/>
+              </a:xfrm>
+              <a:prstGeom prst="rect">
+                <a:avLst/>
+              </a:prstGeom>
+            </p:spPr>
+          </p:pic>
+          <p:sp>
+            <p:nvSpPr>
+              <p:cNvPr id="56" name="Left Brace 55">
+                <a:extLst>
+                  <a:ext uri="{FF2B5EF4-FFF2-40B4-BE49-F238E27FC236}">
+                    <a16:creationId xmlns:a16="http://schemas.microsoft.com/office/drawing/2014/main" id="{E55727D5-1BD0-8C4B-AAEA-698B3A54B129}"/>
+                  </a:ext>
+                </a:extLst>
+              </p:cNvPr>
+              <p:cNvSpPr/>
+              <p:nvPr/>
+            </p:nvSpPr>
+            <p:spPr>
+              <a:xfrm rot="10800000">
+                <a:off x="8562498" y="4081976"/>
+                <a:ext cx="205665" cy="714502"/>
+              </a:xfrm>
+              <a:prstGeom prst="leftBrace">
+                <a:avLst>
+                  <a:gd name="adj1" fmla="val 61263"/>
+                  <a:gd name="adj2" fmla="val 50000"/>
+                </a:avLst>
+              </a:prstGeom>
+              <a:ln>
+                <a:solidFill>
+                  <a:schemeClr val="accent3"/>
+                </a:solidFill>
+              </a:ln>
+            </p:spPr>
+            <p:style>
+              <a:lnRef idx="2">
+                <a:schemeClr val="accent1"/>
+              </a:lnRef>
+              <a:fillRef idx="0">
+                <a:schemeClr val="accent1"/>
+              </a:fillRef>
+              <a:effectRef idx="1">
+                <a:schemeClr val="accent1"/>
+              </a:effectRef>
+              <a:fontRef idx="minor">
+                <a:schemeClr val="tx1"/>
+              </a:fontRef>
+            </p:style>
+            <p:txBody>
+              <a:bodyPr rtlCol="0" anchor="ctr"/>
+              <a:lstStyle/>
+              <a:p>
+                <a:pPr algn="ctr"/>
+                <a:endParaRPr lang="it-IT" dirty="0">
+                  <a:solidFill>
+                    <a:schemeClr val="accent3"/>
+                  </a:solidFill>
+                </a:endParaRPr>
+              </a:p>
+            </p:txBody>
+          </p:sp>
+          <p:cxnSp>
+            <p:nvCxnSpPr>
+              <p:cNvPr id="64" name="Straight Arrow Connector 63">
+                <a:extLst>
+                  <a:ext uri="{FF2B5EF4-FFF2-40B4-BE49-F238E27FC236}">
+                    <a16:creationId xmlns:a16="http://schemas.microsoft.com/office/drawing/2014/main" id="{A6B9ECB1-0926-FA60-A89A-58F314643D95}"/>
+                  </a:ext>
+                </a:extLst>
+              </p:cNvPr>
+              <p:cNvCxnSpPr>
+                <a:cxnSpLocks/>
+              </p:cNvCxnSpPr>
+              <p:nvPr/>
+            </p:nvCxnSpPr>
+            <p:spPr>
+              <a:xfrm>
+                <a:off x="8542191" y="3834745"/>
+                <a:ext cx="205665" cy="0"/>
+              </a:xfrm>
+              <a:prstGeom prst="straightConnector1">
+                <a:avLst/>
+              </a:prstGeom>
+              <a:ln>
+                <a:tailEnd type="triangle"/>
+              </a:ln>
+            </p:spPr>
+            <p:style>
+              <a:lnRef idx="2">
+                <a:schemeClr val="accent1"/>
+              </a:lnRef>
+              <a:fillRef idx="0">
+                <a:schemeClr val="accent1"/>
+              </a:fillRef>
+              <a:effectRef idx="1">
+                <a:schemeClr val="accent1"/>
+              </a:effectRef>
+              <a:fontRef idx="minor">
+                <a:schemeClr val="tx1"/>
+              </a:fontRef>
+            </p:style>
+          </p:cxnSp>
+          <p:sp>
+            <p:nvSpPr>
+              <p:cNvPr id="66" name="TextBox 65">
+                <a:extLst>
+                  <a:ext uri="{FF2B5EF4-FFF2-40B4-BE49-F238E27FC236}">
+                    <a16:creationId xmlns:a16="http://schemas.microsoft.com/office/drawing/2014/main" id="{4BF18E8D-5206-8716-9E36-82FA77BDCEC2}"/>
+                  </a:ext>
+                </a:extLst>
+              </p:cNvPr>
+              <p:cNvSpPr txBox="1"/>
+              <p:nvPr/>
+            </p:nvSpPr>
+            <p:spPr>
+              <a:xfrm>
+                <a:off x="8732483" y="3665468"/>
+                <a:ext cx="1001090" cy="338554"/>
+              </a:xfrm>
+              <a:prstGeom prst="rect">
+                <a:avLst/>
+              </a:prstGeom>
+              <a:noFill/>
+            </p:spPr>
+            <p:txBody>
+              <a:bodyPr wrap="square" rtlCol="0">
+                <a:spAutoFit/>
+              </a:bodyPr>
+              <a:lstStyle/>
+              <a:p>
+                <a:r>
+                  <a:rPr lang="en-US" sz="1600" dirty="0">
+                    <a:solidFill>
+                      <a:schemeClr val="accent1"/>
+                    </a:solidFill>
+                  </a:rPr>
+                  <a:t>Yaw Rate</a:t>
+                </a:r>
+                <a:endParaRPr lang="it-IT" sz="1600" dirty="0">
+                  <a:solidFill>
+                    <a:schemeClr val="accent1"/>
+                  </a:solidFill>
+                </a:endParaRPr>
+              </a:p>
+            </p:txBody>
+          </p:sp>
+        </p:grpSp>
+      </p:grpSp>
+      <p:sp>
+        <p:nvSpPr>
+          <p:cNvPr id="75" name="Rectangle: Rounded Corners 74">
+            <a:extLst>
+              <a:ext uri="{FF2B5EF4-FFF2-40B4-BE49-F238E27FC236}">
+                <a16:creationId xmlns:a16="http://schemas.microsoft.com/office/drawing/2014/main" id="{8B88C7D9-9233-AF62-C0CD-641D729C8B68}"/>
+              </a:ext>
+            </a:extLst>
+          </p:cNvPr>
+          <p:cNvSpPr/>
           <p:nvPr/>
         </p:nvSpPr>
         <p:spPr>
           <a:xfrm>
-            <a:off x="990600" y="1978025"/>
-            <a:ext cx="4172339" cy="4351338"/>
+            <a:off x="10224574" y="3896163"/>
+            <a:ext cx="1509485" cy="696684"/>
+          </a:xfrm>
+          <a:prstGeom prst="roundRect">
+            <a:avLst/>
+          </a:prstGeom>
+        </p:spPr>
+        <p:style>
+          <a:lnRef idx="2">
+            <a:schemeClr val="accent1">
+              <a:shade val="15000"/>
+            </a:schemeClr>
+          </a:lnRef>
+          <a:fillRef idx="1">
+            <a:schemeClr val="accent1"/>
+          </a:fillRef>
+          <a:effectRef idx="0">
+            <a:schemeClr val="accent1"/>
+          </a:effectRef>
+          <a:fontRef idx="minor">
+            <a:schemeClr val="lt1"/>
+          </a:fontRef>
+        </p:style>
+        <p:txBody>
+          <a:bodyPr rtlCol="0" anchor="ctr"/>
+          <a:lstStyle/>
+          <a:p>
+            <a:pPr algn="ctr"/>
+            <a:r>
+              <a:rPr lang="en-US" dirty="0"/>
+              <a:t>Flight Controller</a:t>
+            </a:r>
+            <a:endParaRPr lang="it-IT" dirty="0"/>
+          </a:p>
+        </p:txBody>
+      </p:sp>
+      <p:sp>
+        <p:nvSpPr>
+          <p:cNvPr id="76" name="Right Brace 75">
+            <a:extLst>
+              <a:ext uri="{FF2B5EF4-FFF2-40B4-BE49-F238E27FC236}">
+                <a16:creationId xmlns:a16="http://schemas.microsoft.com/office/drawing/2014/main" id="{D5381AAB-7B25-8B7A-22CF-BDB3B93194C9}"/>
+              </a:ext>
+            </a:extLst>
+          </p:cNvPr>
+          <p:cNvSpPr/>
+          <p:nvPr/>
+        </p:nvSpPr>
+        <p:spPr>
+          <a:xfrm>
+            <a:off x="9628914" y="3657995"/>
+            <a:ext cx="297038" cy="1173021"/>
+          </a:xfrm>
+          <a:prstGeom prst="rightBrace">
+            <a:avLst>
+              <a:gd name="adj1" fmla="val 0"/>
+              <a:gd name="adj2" fmla="val 50000"/>
+            </a:avLst>
+          </a:prstGeom>
+        </p:spPr>
+        <p:style>
+          <a:lnRef idx="2">
+            <a:schemeClr val="dk1"/>
+          </a:lnRef>
+          <a:fillRef idx="0">
+            <a:schemeClr val="dk1"/>
+          </a:fillRef>
+          <a:effectRef idx="1">
+            <a:schemeClr val="dk1"/>
+          </a:effectRef>
+          <a:fontRef idx="minor">
+            <a:schemeClr val="tx1"/>
+          </a:fontRef>
+        </p:style>
+        <p:txBody>
+          <a:bodyPr rtlCol="0" anchor="ctr"/>
+          <a:lstStyle/>
+          <a:p>
+            <a:pPr algn="ctr"/>
+            <a:endParaRPr lang="it-IT" dirty="0"/>
+          </a:p>
+        </p:txBody>
+      </p:sp>
+      <p:grpSp>
+        <p:nvGrpSpPr>
+          <p:cNvPr id="95" name="Group 94">
+            <a:extLst>
+              <a:ext uri="{FF2B5EF4-FFF2-40B4-BE49-F238E27FC236}">
+                <a16:creationId xmlns:a16="http://schemas.microsoft.com/office/drawing/2014/main" id="{82F5D85D-C5B4-9A3F-286A-3DC17A8D4875}"/>
+              </a:ext>
+            </a:extLst>
+          </p:cNvPr>
+          <p:cNvGrpSpPr/>
+          <p:nvPr/>
+        </p:nvGrpSpPr>
+        <p:grpSpPr>
+          <a:xfrm>
+            <a:off x="128142" y="1792353"/>
+            <a:ext cx="3202887" cy="4965480"/>
+            <a:chOff x="128142" y="1966525"/>
+            <a:chExt cx="3202887" cy="4965480"/>
+          </a:xfrm>
+        </p:grpSpPr>
+        <p:sp>
+          <p:nvSpPr>
+            <p:cNvPr id="93" name="Rectangle: Rounded Corners 92">
+              <a:extLst>
+                <a:ext uri="{FF2B5EF4-FFF2-40B4-BE49-F238E27FC236}">
+                  <a16:creationId xmlns:a16="http://schemas.microsoft.com/office/drawing/2014/main" id="{17D95BAD-CF43-12B5-D736-0F22D557D561}"/>
+                </a:ext>
+              </a:extLst>
+            </p:cNvPr>
+            <p:cNvSpPr/>
+            <p:nvPr/>
+          </p:nvSpPr>
+          <p:spPr>
+            <a:xfrm>
+              <a:off x="128142" y="1966525"/>
+              <a:ext cx="2627086" cy="4579247"/>
+            </a:xfrm>
+            <a:prstGeom prst="roundRect">
+              <a:avLst>
+                <a:gd name="adj" fmla="val 5617"/>
+              </a:avLst>
+            </a:prstGeom>
+            <a:noFill/>
+            <a:ln>
+              <a:solidFill>
+                <a:schemeClr val="bg1">
+                  <a:lumMod val="75000"/>
+                </a:schemeClr>
+              </a:solidFill>
+            </a:ln>
+          </p:spPr>
+          <p:style>
+            <a:lnRef idx="2">
+              <a:schemeClr val="accent1"/>
+            </a:lnRef>
+            <a:fillRef idx="1">
+              <a:schemeClr val="lt1"/>
+            </a:fillRef>
+            <a:effectRef idx="0">
+              <a:schemeClr val="accent1"/>
+            </a:effectRef>
+            <a:fontRef idx="minor">
+              <a:schemeClr val="dk1"/>
+            </a:fontRef>
+          </p:style>
+          <p:txBody>
+            <a:bodyPr rtlCol="0" anchor="ctr"/>
+            <a:lstStyle/>
+            <a:p>
+              <a:pPr algn="ctr"/>
+              <a:endParaRPr lang="it-IT" dirty="0"/>
+            </a:p>
+          </p:txBody>
+        </p:sp>
+        <p:grpSp>
+          <p:nvGrpSpPr>
+            <p:cNvPr id="84" name="Group 83">
+              <a:extLst>
+                <a:ext uri="{FF2B5EF4-FFF2-40B4-BE49-F238E27FC236}">
+                  <a16:creationId xmlns:a16="http://schemas.microsoft.com/office/drawing/2014/main" id="{0542501E-2185-C85B-1A7A-6F72A5C904CC}"/>
+                </a:ext>
+              </a:extLst>
+            </p:cNvPr>
+            <p:cNvGrpSpPr/>
+            <p:nvPr/>
+          </p:nvGrpSpPr>
+          <p:grpSpPr>
+            <a:xfrm>
+              <a:off x="286731" y="2489885"/>
+              <a:ext cx="2190377" cy="3884633"/>
+              <a:chOff x="1635322" y="2453615"/>
+              <a:chExt cx="2190377" cy="3884633"/>
+            </a:xfrm>
+          </p:grpSpPr>
+          <p:pic>
+            <p:nvPicPr>
+              <p:cNvPr id="13" name="Graphic 12">
+                <a:extLst>
+                  <a:ext uri="{FF2B5EF4-FFF2-40B4-BE49-F238E27FC236}">
+                    <a16:creationId xmlns:a16="http://schemas.microsoft.com/office/drawing/2014/main" id="{056C63BC-BC08-C1AB-23EF-34836002BE4A}"/>
+                  </a:ext>
+                </a:extLst>
+              </p:cNvPr>
+              <p:cNvPicPr>
+                <a:picLocks noChangeAspect="1"/>
+              </p:cNvPicPr>
+              <p:nvPr/>
+            </p:nvPicPr>
+            <p:blipFill>
+              <a:blip r:embed="rId5">
+                <a:extLst>
+                  <a:ext uri="{96DAC541-7B7A-43D3-8B79-37D633B846F1}">
+                    <asvg:svgBlip xmlns:asvg="http://schemas.microsoft.com/office/drawing/2016/SVG/main" r:embed="rId6"/>
+                  </a:ext>
+                </a:extLst>
+              </a:blip>
+              <a:stretch>
+                <a:fillRect/>
+              </a:stretch>
+            </p:blipFill>
+            <p:spPr>
+              <a:xfrm>
+                <a:off x="1635322" y="2453615"/>
+                <a:ext cx="597924" cy="3877859"/>
+              </a:xfrm>
+              <a:prstGeom prst="rect">
+                <a:avLst/>
+              </a:prstGeom>
+            </p:spPr>
+          </p:pic>
+          <p:sp>
+            <p:nvSpPr>
+              <p:cNvPr id="16" name="Left Brace 15">
+                <a:extLst>
+                  <a:ext uri="{FF2B5EF4-FFF2-40B4-BE49-F238E27FC236}">
+                    <a16:creationId xmlns:a16="http://schemas.microsoft.com/office/drawing/2014/main" id="{D698D228-FB12-BA20-2E82-94E79DFE88F3}"/>
+                  </a:ext>
+                </a:extLst>
+              </p:cNvPr>
+              <p:cNvSpPr/>
+              <p:nvPr/>
+            </p:nvSpPr>
+            <p:spPr>
+              <a:xfrm rot="10800000">
+                <a:off x="2242456" y="2453615"/>
+                <a:ext cx="205665" cy="783073"/>
+              </a:xfrm>
+              <a:prstGeom prst="leftBrace">
+                <a:avLst>
+                  <a:gd name="adj1" fmla="val 61263"/>
+                  <a:gd name="adj2" fmla="val 50000"/>
+                </a:avLst>
+              </a:prstGeom>
+            </p:spPr>
+            <p:style>
+              <a:lnRef idx="2">
+                <a:schemeClr val="accent1"/>
+              </a:lnRef>
+              <a:fillRef idx="0">
+                <a:schemeClr val="accent1"/>
+              </a:fillRef>
+              <a:effectRef idx="1">
+                <a:schemeClr val="accent1"/>
+              </a:effectRef>
+              <a:fontRef idx="minor">
+                <a:schemeClr val="tx1"/>
+              </a:fontRef>
+            </p:style>
+            <p:txBody>
+              <a:bodyPr rtlCol="0" anchor="ctr"/>
+              <a:lstStyle/>
+              <a:p>
+                <a:pPr algn="ctr"/>
+                <a:endParaRPr lang="it-IT"/>
+              </a:p>
+            </p:txBody>
+          </p:sp>
+          <p:sp>
+            <p:nvSpPr>
+              <p:cNvPr id="18" name="Left Brace 17">
+                <a:extLst>
+                  <a:ext uri="{FF2B5EF4-FFF2-40B4-BE49-F238E27FC236}">
+                    <a16:creationId xmlns:a16="http://schemas.microsoft.com/office/drawing/2014/main" id="{6A317C52-17DA-020E-BCC6-1B6F23ACD454}"/>
+                  </a:ext>
+                </a:extLst>
+              </p:cNvPr>
+              <p:cNvSpPr/>
+              <p:nvPr/>
+            </p:nvSpPr>
+            <p:spPr>
+              <a:xfrm rot="10800000">
+                <a:off x="2236501" y="3382578"/>
+                <a:ext cx="205665" cy="1097744"/>
+              </a:xfrm>
+              <a:prstGeom prst="leftBrace">
+                <a:avLst>
+                  <a:gd name="adj1" fmla="val 61263"/>
+                  <a:gd name="adj2" fmla="val 50000"/>
+                </a:avLst>
+              </a:prstGeom>
+              <a:ln>
+                <a:solidFill>
+                  <a:schemeClr val="accent2"/>
+                </a:solidFill>
+              </a:ln>
+            </p:spPr>
+            <p:style>
+              <a:lnRef idx="2">
+                <a:schemeClr val="accent1"/>
+              </a:lnRef>
+              <a:fillRef idx="0">
+                <a:schemeClr val="accent1"/>
+              </a:fillRef>
+              <a:effectRef idx="1">
+                <a:schemeClr val="accent1"/>
+              </a:effectRef>
+              <a:fontRef idx="minor">
+                <a:schemeClr val="tx1"/>
+              </a:fontRef>
+            </p:style>
+            <p:txBody>
+              <a:bodyPr rtlCol="0" anchor="ctr"/>
+              <a:lstStyle/>
+              <a:p>
+                <a:pPr algn="ctr"/>
+                <a:endParaRPr lang="it-IT"/>
+              </a:p>
+            </p:txBody>
+          </p:sp>
+          <p:sp>
+            <p:nvSpPr>
+              <p:cNvPr id="19" name="Left Brace 18">
+                <a:extLst>
+                  <a:ext uri="{FF2B5EF4-FFF2-40B4-BE49-F238E27FC236}">
+                    <a16:creationId xmlns:a16="http://schemas.microsoft.com/office/drawing/2014/main" id="{1DAE7E2A-9BEB-79B7-F4B5-888C718A7EC3}"/>
+                  </a:ext>
+                </a:extLst>
+              </p:cNvPr>
+              <p:cNvSpPr/>
+              <p:nvPr/>
+            </p:nvSpPr>
+            <p:spPr>
+              <a:xfrm rot="10800000">
+                <a:off x="2242233" y="4626212"/>
+                <a:ext cx="205665" cy="783073"/>
+              </a:xfrm>
+              <a:prstGeom prst="leftBrace">
+                <a:avLst>
+                  <a:gd name="adj1" fmla="val 61263"/>
+                  <a:gd name="adj2" fmla="val 50000"/>
+                </a:avLst>
+              </a:prstGeom>
+              <a:ln>
+                <a:solidFill>
+                  <a:schemeClr val="accent3"/>
+                </a:solidFill>
+              </a:ln>
+            </p:spPr>
+            <p:style>
+              <a:lnRef idx="2">
+                <a:schemeClr val="accent1"/>
+              </a:lnRef>
+              <a:fillRef idx="0">
+                <a:schemeClr val="accent1"/>
+              </a:fillRef>
+              <a:effectRef idx="1">
+                <a:schemeClr val="accent1"/>
+              </a:effectRef>
+              <a:fontRef idx="minor">
+                <a:schemeClr val="tx1"/>
+              </a:fontRef>
+            </p:style>
+            <p:txBody>
+              <a:bodyPr rtlCol="0" anchor="ctr"/>
+              <a:lstStyle/>
+              <a:p>
+                <a:pPr algn="ctr"/>
+                <a:endParaRPr lang="it-IT"/>
+              </a:p>
+            </p:txBody>
+          </p:sp>
+          <p:sp>
+            <p:nvSpPr>
+              <p:cNvPr id="20" name="Left Brace 19">
+                <a:extLst>
+                  <a:ext uri="{FF2B5EF4-FFF2-40B4-BE49-F238E27FC236}">
+                    <a16:creationId xmlns:a16="http://schemas.microsoft.com/office/drawing/2014/main" id="{AFF2842F-32BB-37A0-6811-23D6E23985D5}"/>
+                  </a:ext>
+                </a:extLst>
+              </p:cNvPr>
+              <p:cNvSpPr/>
+              <p:nvPr/>
+            </p:nvSpPr>
+            <p:spPr>
+              <a:xfrm rot="10800000">
+                <a:off x="2246389" y="5555175"/>
+                <a:ext cx="205665" cy="783073"/>
+              </a:xfrm>
+              <a:prstGeom prst="leftBrace">
+                <a:avLst>
+                  <a:gd name="adj1" fmla="val 61263"/>
+                  <a:gd name="adj2" fmla="val 50000"/>
+                </a:avLst>
+              </a:prstGeom>
+              <a:ln>
+                <a:solidFill>
+                  <a:schemeClr val="accent5"/>
+                </a:solidFill>
+              </a:ln>
+            </p:spPr>
+            <p:style>
+              <a:lnRef idx="2">
+                <a:schemeClr val="accent1"/>
+              </a:lnRef>
+              <a:fillRef idx="0">
+                <a:schemeClr val="accent1"/>
+              </a:fillRef>
+              <a:effectRef idx="1">
+                <a:schemeClr val="accent1"/>
+              </a:effectRef>
+              <a:fontRef idx="minor">
+                <a:schemeClr val="tx1"/>
+              </a:fontRef>
+            </p:style>
+            <p:txBody>
+              <a:bodyPr rtlCol="0" anchor="ctr"/>
+              <a:lstStyle/>
+              <a:p>
+                <a:pPr algn="ctr"/>
+                <a:endParaRPr lang="it-IT"/>
+              </a:p>
+            </p:txBody>
+          </p:sp>
+          <p:sp>
+            <p:nvSpPr>
+              <p:cNvPr id="21" name="TextBox 20">
+                <a:extLst>
+                  <a:ext uri="{FF2B5EF4-FFF2-40B4-BE49-F238E27FC236}">
+                    <a16:creationId xmlns:a16="http://schemas.microsoft.com/office/drawing/2014/main" id="{76FD191B-0468-3381-7745-EBD0C8E635A1}"/>
+                  </a:ext>
+                </a:extLst>
+              </p:cNvPr>
+              <p:cNvSpPr txBox="1"/>
+              <p:nvPr/>
+            </p:nvSpPr>
+            <p:spPr>
+              <a:xfrm>
+                <a:off x="2436750" y="2675874"/>
+                <a:ext cx="901529" cy="338554"/>
+              </a:xfrm>
+              <a:prstGeom prst="rect">
+                <a:avLst/>
+              </a:prstGeom>
+              <a:noFill/>
+            </p:spPr>
+            <p:txBody>
+              <a:bodyPr wrap="none" rtlCol="0">
+                <a:spAutoFit/>
+              </a:bodyPr>
+              <a:lstStyle/>
+              <a:p>
+                <a:r>
+                  <a:rPr lang="en-US" sz="1600" dirty="0">
+                    <a:solidFill>
+                      <a:schemeClr val="accent1"/>
+                    </a:solidFill>
+                  </a:rPr>
+                  <a:t>Position</a:t>
+                </a:r>
+                <a:endParaRPr lang="it-IT" sz="1600" dirty="0">
+                  <a:solidFill>
+                    <a:schemeClr val="accent1"/>
+                  </a:solidFill>
+                </a:endParaRPr>
+              </a:p>
+            </p:txBody>
+          </p:sp>
+          <p:sp>
+            <p:nvSpPr>
+              <p:cNvPr id="23" name="TextBox 22">
+                <a:extLst>
+                  <a:ext uri="{FF2B5EF4-FFF2-40B4-BE49-F238E27FC236}">
+                    <a16:creationId xmlns:a16="http://schemas.microsoft.com/office/drawing/2014/main" id="{6177FA51-0266-EB1B-425A-3C8E935069DF}"/>
+                  </a:ext>
+                </a:extLst>
+              </p:cNvPr>
+              <p:cNvSpPr txBox="1"/>
+              <p:nvPr/>
+            </p:nvSpPr>
+            <p:spPr>
+              <a:xfrm>
+                <a:off x="2436750" y="3762173"/>
+                <a:ext cx="1190326" cy="338554"/>
+              </a:xfrm>
+              <a:prstGeom prst="rect">
+                <a:avLst/>
+              </a:prstGeom>
+              <a:noFill/>
+            </p:spPr>
+            <p:txBody>
+              <a:bodyPr wrap="none" rtlCol="0">
+                <a:spAutoFit/>
+              </a:bodyPr>
+              <a:lstStyle/>
+              <a:p>
+                <a:r>
+                  <a:rPr lang="en-US" sz="1600" dirty="0">
+                    <a:solidFill>
+                      <a:schemeClr val="accent2"/>
+                    </a:solidFill>
+                  </a:rPr>
+                  <a:t>Orientation</a:t>
+                </a:r>
+                <a:endParaRPr lang="it-IT" sz="1600" dirty="0">
+                  <a:solidFill>
+                    <a:schemeClr val="accent2"/>
+                  </a:solidFill>
+                </a:endParaRPr>
+              </a:p>
+            </p:txBody>
+          </p:sp>
+          <p:sp>
+            <p:nvSpPr>
+              <p:cNvPr id="24" name="TextBox 23">
+                <a:extLst>
+                  <a:ext uri="{FF2B5EF4-FFF2-40B4-BE49-F238E27FC236}">
+                    <a16:creationId xmlns:a16="http://schemas.microsoft.com/office/drawing/2014/main" id="{0804D9FF-4377-1830-6203-EB50E198255C}"/>
+                  </a:ext>
+                </a:extLst>
+              </p:cNvPr>
+              <p:cNvSpPr txBox="1"/>
+              <p:nvPr/>
+            </p:nvSpPr>
+            <p:spPr>
+              <a:xfrm>
+                <a:off x="2443941" y="4721534"/>
+                <a:ext cx="1381758" cy="584775"/>
+              </a:xfrm>
+              <a:prstGeom prst="rect">
+                <a:avLst/>
+              </a:prstGeom>
+              <a:noFill/>
+            </p:spPr>
+            <p:txBody>
+              <a:bodyPr wrap="square" rtlCol="0">
+                <a:spAutoFit/>
+              </a:bodyPr>
+              <a:lstStyle/>
+              <a:p>
+                <a:r>
+                  <a:rPr lang="en-US" sz="1600" dirty="0">
+                    <a:solidFill>
+                      <a:schemeClr val="accent3"/>
+                    </a:solidFill>
+                  </a:rPr>
+                  <a:t>Linear Velocities</a:t>
+                </a:r>
+                <a:endParaRPr lang="it-IT" sz="1600" dirty="0">
+                  <a:solidFill>
+                    <a:schemeClr val="accent3"/>
+                  </a:solidFill>
+                </a:endParaRPr>
+              </a:p>
+            </p:txBody>
+          </p:sp>
+          <p:sp>
+            <p:nvSpPr>
+              <p:cNvPr id="25" name="TextBox 24">
+                <a:extLst>
+                  <a:ext uri="{FF2B5EF4-FFF2-40B4-BE49-F238E27FC236}">
+                    <a16:creationId xmlns:a16="http://schemas.microsoft.com/office/drawing/2014/main" id="{576A7512-DFE0-330C-44F2-1E87BFD03064}"/>
+                  </a:ext>
+                </a:extLst>
+              </p:cNvPr>
+              <p:cNvSpPr txBox="1"/>
+              <p:nvPr/>
+            </p:nvSpPr>
+            <p:spPr>
+              <a:xfrm>
+                <a:off x="2436750" y="5658151"/>
+                <a:ext cx="1381758" cy="584775"/>
+              </a:xfrm>
+              <a:prstGeom prst="rect">
+                <a:avLst/>
+              </a:prstGeom>
+              <a:noFill/>
+            </p:spPr>
+            <p:txBody>
+              <a:bodyPr wrap="square" rtlCol="0">
+                <a:spAutoFit/>
+              </a:bodyPr>
+              <a:lstStyle/>
+              <a:p>
+                <a:r>
+                  <a:rPr lang="en-US" sz="1600" dirty="0">
+                    <a:solidFill>
+                      <a:schemeClr val="accent5"/>
+                    </a:solidFill>
+                  </a:rPr>
+                  <a:t>Angular Velocities</a:t>
+                </a:r>
+                <a:endParaRPr lang="it-IT" sz="1600" dirty="0">
+                  <a:solidFill>
+                    <a:schemeClr val="accent5"/>
+                  </a:solidFill>
+                </a:endParaRPr>
+              </a:p>
+            </p:txBody>
+          </p:sp>
+        </p:grpSp>
+        <p:sp>
+          <p:nvSpPr>
+            <p:cNvPr id="27" name="TextBox 26">
+              <a:extLst>
+                <a:ext uri="{FF2B5EF4-FFF2-40B4-BE49-F238E27FC236}">
+                  <a16:creationId xmlns:a16="http://schemas.microsoft.com/office/drawing/2014/main" id="{198D8D6F-3E66-9323-5E0D-FE10A67C25AE}"/>
+                </a:ext>
+              </a:extLst>
+            </p:cNvPr>
+            <p:cNvSpPr txBox="1"/>
+            <p:nvPr/>
+          </p:nvSpPr>
+          <p:spPr>
+            <a:xfrm>
+              <a:off x="623218" y="2030439"/>
+              <a:ext cx="1517403" cy="369332"/>
+            </a:xfrm>
+            <a:prstGeom prst="rect">
+              <a:avLst/>
+            </a:prstGeom>
+            <a:noFill/>
+          </p:spPr>
+          <p:txBody>
+            <a:bodyPr wrap="none" rtlCol="0">
+              <a:spAutoFit/>
+            </a:bodyPr>
+            <a:lstStyle/>
+            <a:p>
+              <a:r>
+                <a:rPr lang="en-US" dirty="0"/>
+                <a:t>Observations</a:t>
+              </a:r>
+              <a:endParaRPr lang="it-IT" dirty="0"/>
+            </a:p>
+          </p:txBody>
+        </p:sp>
+        <p:sp>
+          <p:nvSpPr>
+            <p:cNvPr id="34" name="Right Brace 33">
+              <a:extLst>
+                <a:ext uri="{FF2B5EF4-FFF2-40B4-BE49-F238E27FC236}">
+                  <a16:creationId xmlns:a16="http://schemas.microsoft.com/office/drawing/2014/main" id="{BE3DF1C0-B464-5A00-45BC-AAF4C11CCE6A}"/>
+                </a:ext>
+              </a:extLst>
+            </p:cNvPr>
+            <p:cNvSpPr/>
+            <p:nvPr/>
+          </p:nvSpPr>
+          <p:spPr>
+            <a:xfrm>
+              <a:off x="2388022" y="2489432"/>
+              <a:ext cx="297038" cy="3875330"/>
+            </a:xfrm>
+            <a:prstGeom prst="rightBrace">
+              <a:avLst>
+                <a:gd name="adj1" fmla="val 0"/>
+                <a:gd name="adj2" fmla="val 50000"/>
+              </a:avLst>
+            </a:prstGeom>
+          </p:spPr>
+          <p:style>
+            <a:lnRef idx="2">
+              <a:schemeClr val="dk1"/>
+            </a:lnRef>
+            <a:fillRef idx="0">
+              <a:schemeClr val="dk1"/>
+            </a:fillRef>
+            <a:effectRef idx="1">
+              <a:schemeClr val="dk1"/>
+            </a:effectRef>
+            <a:fontRef idx="minor">
+              <a:schemeClr val="tx1"/>
+            </a:fontRef>
+          </p:style>
+          <p:txBody>
+            <a:bodyPr rtlCol="0" anchor="ctr"/>
+            <a:lstStyle/>
+            <a:p>
+              <a:pPr algn="ctr"/>
+              <a:endParaRPr lang="it-IT" dirty="0"/>
+            </a:p>
+          </p:txBody>
+        </p:sp>
+        <p:cxnSp>
+          <p:nvCxnSpPr>
+            <p:cNvPr id="87" name="Straight Arrow Connector 86">
+              <a:extLst>
+                <a:ext uri="{FF2B5EF4-FFF2-40B4-BE49-F238E27FC236}">
+                  <a16:creationId xmlns:a16="http://schemas.microsoft.com/office/drawing/2014/main" id="{954CBD1A-9292-8F69-26DF-B7936B53F9C2}"/>
+                </a:ext>
+              </a:extLst>
+            </p:cNvPr>
+            <p:cNvCxnSpPr>
+              <a:cxnSpLocks/>
+              <a:stCxn id="34" idx="1"/>
+            </p:cNvCxnSpPr>
+            <p:nvPr/>
+          </p:nvCxnSpPr>
+          <p:spPr>
+            <a:xfrm>
+              <a:off x="2685060" y="4427097"/>
+              <a:ext cx="645969" cy="0"/>
+            </a:xfrm>
+            <a:prstGeom prst="straightConnector1">
+              <a:avLst/>
+            </a:prstGeom>
+            <a:ln>
+              <a:tailEnd type="triangle"/>
+            </a:ln>
+          </p:spPr>
+          <p:style>
+            <a:lnRef idx="2">
+              <a:schemeClr val="dk1"/>
+            </a:lnRef>
+            <a:fillRef idx="0">
+              <a:schemeClr val="dk1"/>
+            </a:fillRef>
+            <a:effectRef idx="1">
+              <a:schemeClr val="dk1"/>
+            </a:effectRef>
+            <a:fontRef idx="minor">
+              <a:schemeClr val="tx1"/>
+            </a:fontRef>
+          </p:style>
+        </p:cxnSp>
+        <p:sp>
+          <p:nvSpPr>
+            <p:cNvPr id="94" name="TextBox 93">
+              <a:extLst>
+                <a:ext uri="{FF2B5EF4-FFF2-40B4-BE49-F238E27FC236}">
+                  <a16:creationId xmlns:a16="http://schemas.microsoft.com/office/drawing/2014/main" id="{B7B1045C-975A-9DA3-A360-DF885B808AB1}"/>
+                </a:ext>
+              </a:extLst>
+            </p:cNvPr>
+            <p:cNvSpPr txBox="1"/>
+            <p:nvPr/>
+          </p:nvSpPr>
+          <p:spPr>
+            <a:xfrm>
+              <a:off x="659349" y="6562673"/>
+              <a:ext cx="1445139" cy="369332"/>
+            </a:xfrm>
+            <a:prstGeom prst="rect">
+              <a:avLst/>
+            </a:prstGeom>
+            <a:noFill/>
+          </p:spPr>
+          <p:txBody>
+            <a:bodyPr wrap="none" rtlCol="0">
+              <a:spAutoFit/>
+            </a:bodyPr>
+            <a:lstStyle/>
+            <a:p>
+              <a:r>
+                <a:rPr lang="en-US" dirty="0">
+                  <a:solidFill>
+                    <a:schemeClr val="bg1">
+                      <a:lumMod val="65000"/>
+                    </a:schemeClr>
+                  </a:solidFill>
+                </a:rPr>
+                <a:t>Environment</a:t>
+              </a:r>
+              <a:endParaRPr lang="it-IT" dirty="0">
+                <a:solidFill>
+                  <a:schemeClr val="bg1">
+                    <a:lumMod val="65000"/>
+                  </a:schemeClr>
+                </a:solidFill>
+              </a:endParaRPr>
+            </a:p>
+          </p:txBody>
+        </p:sp>
+      </p:grpSp>
+      <p:sp>
+        <p:nvSpPr>
+          <p:cNvPr id="100" name="TextBox 99">
+            <a:extLst>
+              <a:ext uri="{FF2B5EF4-FFF2-40B4-BE49-F238E27FC236}">
+                <a16:creationId xmlns:a16="http://schemas.microsoft.com/office/drawing/2014/main" id="{3A45E90D-66EE-51C8-6D65-AAA93C3683D9}"/>
+              </a:ext>
+            </a:extLst>
+          </p:cNvPr>
+          <p:cNvSpPr txBox="1"/>
+          <p:nvPr/>
+        </p:nvSpPr>
+        <p:spPr>
+          <a:xfrm>
+            <a:off x="7276598" y="6382677"/>
+            <a:ext cx="759695" cy="369332"/>
           </a:xfrm>
           <a:prstGeom prst="rect">
             <a:avLst/>
           </a:prstGeom>
+          <a:noFill/>
         </p:spPr>
         <p:txBody>
-          <a:bodyPr vert="horz" lIns="91440" tIns="45720" rIns="91440" bIns="45720" rtlCol="0">
-            <a:normAutofit/>
+          <a:bodyPr wrap="none" rtlCol="0">
+            <a:spAutoFit/>
           </a:bodyPr>
-          <a:lstStyle>
-            <a:lvl1pPr marL="228600" indent="-228600" algn="l" defTabSz="914400" rtl="0" eaLnBrk="1" latinLnBrk="0" hangingPunct="1">
-              <a:lnSpc>
-                <a:spcPct val="90000"/>
-              </a:lnSpc>
-              <a:spcBef>
-                <a:spcPts val="1000"/>
-              </a:spcBef>
-              <a:buFont typeface="Arial" panose="020B0604020202020204" pitchFamily="34" charset="0"/>
-              <a:buChar char="•"/>
-              <a:defRPr sz="2800" kern="1200">
+          <a:lstStyle/>
+          <a:p>
+            <a:r>
+              <a:rPr lang="en-US" dirty="0">
                 <a:solidFill>
-                  <a:schemeClr val="tx1"/>
+                  <a:schemeClr val="bg1">
+                    <a:lumMod val="65000"/>
+                  </a:schemeClr>
                 </a:solidFill>
-                <a:latin typeface="+mn-lt"/>
-                <a:ea typeface="+mn-ea"/>
-                <a:cs typeface="+mn-cs"/>
-              </a:defRPr>
-            </a:lvl1pPr>
-            <a:lvl2pPr marL="685800" indent="-228600" algn="l" defTabSz="914400" rtl="0" eaLnBrk="1" latinLnBrk="0" hangingPunct="1">
-              <a:lnSpc>
-                <a:spcPct val="90000"/>
-              </a:lnSpc>
-              <a:spcBef>
-                <a:spcPts val="500"/>
-              </a:spcBef>
-              <a:buFont typeface="Arial" panose="020B0604020202020204" pitchFamily="34" charset="0"/>
-              <a:buChar char="•"/>
-              <a:defRPr sz="2400" kern="1200">
-                <a:solidFill>
-                  <a:schemeClr val="tx1"/>
-                </a:solidFill>
-                <a:latin typeface="+mn-lt"/>
-                <a:ea typeface="+mn-ea"/>
-                <a:cs typeface="+mn-cs"/>
-              </a:defRPr>
-            </a:lvl2pPr>
-            <a:lvl3pPr marL="1143000" indent="-228600" algn="l" defTabSz="914400" rtl="0" eaLnBrk="1" latinLnBrk="0" hangingPunct="1">
-              <a:lnSpc>
-                <a:spcPct val="90000"/>
-              </a:lnSpc>
-              <a:spcBef>
-                <a:spcPts val="500"/>
-              </a:spcBef>
-              <a:buFont typeface="Arial" panose="020B0604020202020204" pitchFamily="34" charset="0"/>
-              <a:buChar char="•"/>
-              <a:defRPr sz="2000" kern="1200">
-                <a:solidFill>
-                  <a:schemeClr val="tx1"/>
-                </a:solidFill>
-                <a:latin typeface="+mn-lt"/>
-                <a:ea typeface="+mn-ea"/>
-                <a:cs typeface="+mn-cs"/>
-              </a:defRPr>
-            </a:lvl3pPr>
-            <a:lvl4pPr marL="1600200" indent="-228600" algn="l" defTabSz="914400" rtl="0" eaLnBrk="1" latinLnBrk="0" hangingPunct="1">
-              <a:lnSpc>
-                <a:spcPct val="90000"/>
-              </a:lnSpc>
-              <a:spcBef>
-                <a:spcPts val="500"/>
-              </a:spcBef>
-              <a:buFont typeface="Arial" panose="020B0604020202020204" pitchFamily="34" charset="0"/>
-              <a:buChar char="•"/>
-              <a:defRPr sz="1800" kern="1200">
-                <a:solidFill>
-                  <a:schemeClr val="tx1"/>
-                </a:solidFill>
-                <a:latin typeface="+mn-lt"/>
-                <a:ea typeface="+mn-ea"/>
-                <a:cs typeface="+mn-cs"/>
-              </a:defRPr>
-            </a:lvl4pPr>
-            <a:lvl5pPr marL="2057400" indent="-228600" algn="l" defTabSz="914400" rtl="0" eaLnBrk="1" latinLnBrk="0" hangingPunct="1">
-              <a:lnSpc>
-                <a:spcPct val="90000"/>
-              </a:lnSpc>
-              <a:spcBef>
-                <a:spcPts val="500"/>
-              </a:spcBef>
-              <a:buFont typeface="Arial" panose="020B0604020202020204" pitchFamily="34" charset="0"/>
-              <a:buChar char="•"/>
-              <a:defRPr sz="1800" kern="1200">
-                <a:solidFill>
-                  <a:schemeClr val="tx1"/>
-                </a:solidFill>
-                <a:latin typeface="+mn-lt"/>
-                <a:ea typeface="+mn-ea"/>
-                <a:cs typeface="+mn-cs"/>
-              </a:defRPr>
-            </a:lvl5pPr>
-            <a:lvl6pPr marL="2514600" indent="-228600" algn="l" defTabSz="914400" rtl="0" eaLnBrk="1" latinLnBrk="0" hangingPunct="1">
-              <a:lnSpc>
-                <a:spcPct val="90000"/>
-              </a:lnSpc>
-              <a:spcBef>
-                <a:spcPts val="500"/>
-              </a:spcBef>
-              <a:buFont typeface="Arial" panose="020B0604020202020204" pitchFamily="34" charset="0"/>
-              <a:buChar char="•"/>
-              <a:defRPr sz="1800" kern="1200">
-                <a:solidFill>
-                  <a:schemeClr val="tx1"/>
-                </a:solidFill>
-                <a:latin typeface="+mn-lt"/>
-                <a:ea typeface="+mn-ea"/>
-                <a:cs typeface="+mn-cs"/>
-              </a:defRPr>
-            </a:lvl6pPr>
-            <a:lvl7pPr marL="2971800" indent="-228600" algn="l" defTabSz="914400" rtl="0" eaLnBrk="1" latinLnBrk="0" hangingPunct="1">
-              <a:lnSpc>
-                <a:spcPct val="90000"/>
-              </a:lnSpc>
-              <a:spcBef>
-                <a:spcPts val="500"/>
-              </a:spcBef>
-              <a:buFont typeface="Arial" panose="020B0604020202020204" pitchFamily="34" charset="0"/>
-              <a:buChar char="•"/>
-              <a:defRPr sz="1800" kern="1200">
-                <a:solidFill>
-                  <a:schemeClr val="tx1"/>
-                </a:solidFill>
-                <a:latin typeface="+mn-lt"/>
-                <a:ea typeface="+mn-ea"/>
-                <a:cs typeface="+mn-cs"/>
-              </a:defRPr>
-            </a:lvl7pPr>
-            <a:lvl8pPr marL="3429000" indent="-228600" algn="l" defTabSz="914400" rtl="0" eaLnBrk="1" latinLnBrk="0" hangingPunct="1">
-              <a:lnSpc>
-                <a:spcPct val="90000"/>
-              </a:lnSpc>
-              <a:spcBef>
-                <a:spcPts val="500"/>
-              </a:spcBef>
-              <a:buFont typeface="Arial" panose="020B0604020202020204" pitchFamily="34" charset="0"/>
-              <a:buChar char="•"/>
-              <a:defRPr sz="1800" kern="1200">
-                <a:solidFill>
-                  <a:schemeClr val="tx1"/>
-                </a:solidFill>
-                <a:latin typeface="+mn-lt"/>
-                <a:ea typeface="+mn-ea"/>
-                <a:cs typeface="+mn-cs"/>
-              </a:defRPr>
-            </a:lvl8pPr>
-            <a:lvl9pPr marL="3886200" indent="-228600" algn="l" defTabSz="914400" rtl="0" eaLnBrk="1" latinLnBrk="0" hangingPunct="1">
-              <a:lnSpc>
-                <a:spcPct val="90000"/>
-              </a:lnSpc>
-              <a:spcBef>
-                <a:spcPts val="500"/>
-              </a:spcBef>
-              <a:buFont typeface="Arial" panose="020B0604020202020204" pitchFamily="34" charset="0"/>
-              <a:buChar char="•"/>
-              <a:defRPr sz="1800" kern="1200">
-                <a:solidFill>
-                  <a:schemeClr val="tx1"/>
-                </a:solidFill>
-                <a:latin typeface="+mn-lt"/>
-                <a:ea typeface="+mn-ea"/>
-                <a:cs typeface="+mn-cs"/>
-              </a:defRPr>
-            </a:lvl9pPr>
-          </a:lstStyle>
+              </a:rPr>
+              <a:t>Agent</a:t>
+            </a:r>
+            <a:endParaRPr lang="it-IT" dirty="0">
+              <a:solidFill>
+                <a:schemeClr val="bg1">
+                  <a:lumMod val="65000"/>
+                </a:schemeClr>
+              </a:solidFill>
+            </a:endParaRPr>
+          </a:p>
+        </p:txBody>
+      </p:sp>
+      <p:sp>
+        <p:nvSpPr>
+          <p:cNvPr id="103" name="TextBox 102">
+            <a:extLst>
+              <a:ext uri="{FF2B5EF4-FFF2-40B4-BE49-F238E27FC236}">
+                <a16:creationId xmlns:a16="http://schemas.microsoft.com/office/drawing/2014/main" id="{867D341E-6258-60E8-DB27-8D9826D2AFD4}"/>
+              </a:ext>
+            </a:extLst>
+          </p:cNvPr>
+          <p:cNvSpPr txBox="1"/>
+          <p:nvPr/>
+        </p:nvSpPr>
+        <p:spPr>
+          <a:xfrm>
+            <a:off x="4426796" y="1856267"/>
+            <a:ext cx="1556901" cy="369332"/>
+          </a:xfrm>
+          <a:prstGeom prst="rect">
+            <a:avLst/>
+          </a:prstGeom>
+          <a:noFill/>
+        </p:spPr>
+        <p:txBody>
+          <a:bodyPr wrap="none" rtlCol="0">
+            <a:spAutoFit/>
+          </a:bodyPr>
+          <a:lstStyle/>
           <a:p>
-            <a:endParaRPr lang="it-IT" sz="2400"/>
-          </a:p>
-          <a:p>
-            <a:endParaRPr lang="it-IT"/>
-          </a:p>
-          <a:p>
-            <a:endParaRPr lang="it-IT"/>
-          </a:p>
-          <a:p>
+            <a:r>
+              <a:rPr lang="en-US" dirty="0"/>
+              <a:t>Shared Model</a:t>
+            </a:r>
             <a:endParaRPr lang="it-IT" dirty="0"/>
           </a:p>
         </p:txBody>
       </p:sp>
+      <p:grpSp>
+        <p:nvGrpSpPr>
+          <p:cNvPr id="110" name="Group 109">
+            <a:extLst>
+              <a:ext uri="{FF2B5EF4-FFF2-40B4-BE49-F238E27FC236}">
+                <a16:creationId xmlns:a16="http://schemas.microsoft.com/office/drawing/2014/main" id="{3D5C6E0B-9A96-A746-4C82-E0C7E71457B2}"/>
+              </a:ext>
+            </a:extLst>
+          </p:cNvPr>
+          <p:cNvGrpSpPr/>
+          <p:nvPr/>
+        </p:nvGrpSpPr>
+        <p:grpSpPr>
+          <a:xfrm>
+            <a:off x="3618156" y="2507234"/>
+            <a:ext cx="3527402" cy="1668946"/>
+            <a:chOff x="3628067" y="2542757"/>
+            <a:chExt cx="3527402" cy="1668946"/>
+          </a:xfrm>
+        </p:grpSpPr>
+        <p:sp>
+          <p:nvSpPr>
+            <p:cNvPr id="6" name="Rectangle: Rounded Corners 5">
+              <a:extLst>
+                <a:ext uri="{FF2B5EF4-FFF2-40B4-BE49-F238E27FC236}">
+                  <a16:creationId xmlns:a16="http://schemas.microsoft.com/office/drawing/2014/main" id="{F8EE5151-E581-FA32-A97F-50220ED3364A}"/>
+                </a:ext>
+              </a:extLst>
+            </p:cNvPr>
+            <p:cNvSpPr/>
+            <p:nvPr/>
+          </p:nvSpPr>
+          <p:spPr>
+            <a:xfrm>
+              <a:off x="3628067" y="2542757"/>
+              <a:ext cx="3527402" cy="1668946"/>
+            </a:xfrm>
+            <a:prstGeom prst="roundRect">
+              <a:avLst/>
+            </a:prstGeom>
+          </p:spPr>
+          <p:style>
+            <a:lnRef idx="2">
+              <a:schemeClr val="accent1">
+                <a:shade val="15000"/>
+              </a:schemeClr>
+            </a:lnRef>
+            <a:fillRef idx="1">
+              <a:schemeClr val="accent1"/>
+            </a:fillRef>
+            <a:effectRef idx="0">
+              <a:schemeClr val="accent1"/>
+            </a:effectRef>
+            <a:fontRef idx="minor">
+              <a:schemeClr val="lt1"/>
+            </a:fontRef>
+          </p:style>
+          <p:txBody>
+            <a:bodyPr rtlCol="0" anchor="t" anchorCtr="0"/>
+            <a:lstStyle/>
+            <a:p>
+              <a:pPr algn="ctr"/>
+              <a:r>
+                <a:rPr lang="en-US" sz="1600" dirty="0"/>
+                <a:t>Actor Model - Gaussian</a:t>
+              </a:r>
+              <a:endParaRPr lang="it-IT" sz="1600" dirty="0"/>
+            </a:p>
+          </p:txBody>
+        </p:sp>
+        <p:pic>
+          <p:nvPicPr>
+            <p:cNvPr id="105" name="Graphic 104">
+              <a:extLst>
+                <a:ext uri="{FF2B5EF4-FFF2-40B4-BE49-F238E27FC236}">
+                  <a16:creationId xmlns:a16="http://schemas.microsoft.com/office/drawing/2014/main" id="{C397CB9D-2F0E-F1C2-BDDF-6B52D42ADFED}"/>
+                </a:ext>
+              </a:extLst>
+            </p:cNvPr>
+            <p:cNvPicPr>
+              <a:picLocks noChangeAspect="1"/>
+            </p:cNvPicPr>
+            <p:nvPr/>
+          </p:nvPicPr>
+          <p:blipFill>
+            <a:blip r:embed="rId7">
+              <a:extLst>
+                <a:ext uri="{96DAC541-7B7A-43D3-8B79-37D633B846F1}">
+                  <asvg:svgBlip xmlns:asvg="http://schemas.microsoft.com/office/drawing/2016/SVG/main" r:embed="rId8"/>
+                </a:ext>
+              </a:extLst>
+            </a:blip>
+            <a:stretch>
+              <a:fillRect/>
+            </a:stretch>
+          </p:blipFill>
+          <p:spPr>
+            <a:xfrm>
+              <a:off x="3833452" y="2925355"/>
+              <a:ext cx="3116632" cy="1134328"/>
+            </a:xfrm>
+            <a:prstGeom prst="rect">
+              <a:avLst/>
+            </a:prstGeom>
+          </p:spPr>
+        </p:pic>
+      </p:grpSp>
+      <p:grpSp>
+        <p:nvGrpSpPr>
+          <p:cNvPr id="111" name="Group 110">
+            <a:extLst>
+              <a:ext uri="{FF2B5EF4-FFF2-40B4-BE49-F238E27FC236}">
+                <a16:creationId xmlns:a16="http://schemas.microsoft.com/office/drawing/2014/main" id="{CC6E2526-6A43-1FA7-E11E-298580A89389}"/>
+              </a:ext>
+            </a:extLst>
+          </p:cNvPr>
+          <p:cNvGrpSpPr/>
+          <p:nvPr/>
+        </p:nvGrpSpPr>
+        <p:grpSpPr>
+          <a:xfrm>
+            <a:off x="3618156" y="4366112"/>
+            <a:ext cx="3527402" cy="1668946"/>
+            <a:chOff x="3618156" y="4399628"/>
+            <a:chExt cx="3527402" cy="1668946"/>
+          </a:xfrm>
+        </p:grpSpPr>
+        <p:sp>
+          <p:nvSpPr>
+            <p:cNvPr id="106" name="Rectangle: Rounded Corners 105">
+              <a:extLst>
+                <a:ext uri="{FF2B5EF4-FFF2-40B4-BE49-F238E27FC236}">
+                  <a16:creationId xmlns:a16="http://schemas.microsoft.com/office/drawing/2014/main" id="{5F8C2DC7-456C-FA46-125D-19174F34536F}"/>
+                </a:ext>
+              </a:extLst>
+            </p:cNvPr>
+            <p:cNvSpPr/>
+            <p:nvPr/>
+          </p:nvSpPr>
+          <p:spPr>
+            <a:xfrm>
+              <a:off x="3618156" y="4399628"/>
+              <a:ext cx="3527402" cy="1668946"/>
+            </a:xfrm>
+            <a:prstGeom prst="roundRect">
+              <a:avLst/>
+            </a:prstGeom>
+          </p:spPr>
+          <p:style>
+            <a:lnRef idx="2">
+              <a:schemeClr val="accent1">
+                <a:shade val="15000"/>
+              </a:schemeClr>
+            </a:lnRef>
+            <a:fillRef idx="1">
+              <a:schemeClr val="accent1"/>
+            </a:fillRef>
+            <a:effectRef idx="0">
+              <a:schemeClr val="accent1"/>
+            </a:effectRef>
+            <a:fontRef idx="minor">
+              <a:schemeClr val="lt1"/>
+            </a:fontRef>
+          </p:style>
+          <p:txBody>
+            <a:bodyPr rtlCol="0" anchor="t" anchorCtr="0"/>
+            <a:lstStyle/>
+            <a:p>
+              <a:pPr algn="ctr"/>
+              <a:r>
+                <a:rPr lang="en-US" sz="1600" dirty="0"/>
+                <a:t>Critic Model - Deterministic</a:t>
+              </a:r>
+              <a:endParaRPr lang="it-IT" sz="1600" dirty="0"/>
+            </a:p>
+          </p:txBody>
+        </p:sp>
+        <p:pic>
+          <p:nvPicPr>
+            <p:cNvPr id="108" name="Graphic 107">
+              <a:extLst>
+                <a:ext uri="{FF2B5EF4-FFF2-40B4-BE49-F238E27FC236}">
+                  <a16:creationId xmlns:a16="http://schemas.microsoft.com/office/drawing/2014/main" id="{DFA2D938-D3F2-5C60-2402-51359C090D24}"/>
+                </a:ext>
+              </a:extLst>
+            </p:cNvPr>
+            <p:cNvPicPr>
+              <a:picLocks noChangeAspect="1"/>
+            </p:cNvPicPr>
+            <p:nvPr/>
+          </p:nvPicPr>
+          <p:blipFill>
+            <a:blip r:embed="rId9">
+              <a:extLst>
+                <a:ext uri="{96DAC541-7B7A-43D3-8B79-37D633B846F1}">
+                  <asvg:svgBlip xmlns:asvg="http://schemas.microsoft.com/office/drawing/2016/SVG/main" r:embed="rId10"/>
+                </a:ext>
+              </a:extLst>
+            </a:blip>
+            <a:stretch>
+              <a:fillRect/>
+            </a:stretch>
+          </p:blipFill>
+          <p:spPr>
+            <a:xfrm>
+              <a:off x="4281216" y="4864532"/>
+              <a:ext cx="2201282" cy="1105482"/>
+            </a:xfrm>
+            <a:prstGeom prst="rect">
+              <a:avLst/>
+            </a:prstGeom>
+          </p:spPr>
+        </p:pic>
+      </p:grpSp>
+      <p:cxnSp>
+        <p:nvCxnSpPr>
+          <p:cNvPr id="113" name="Straight Arrow Connector 112">
+            <a:extLst>
+              <a:ext uri="{FF2B5EF4-FFF2-40B4-BE49-F238E27FC236}">
+                <a16:creationId xmlns:a16="http://schemas.microsoft.com/office/drawing/2014/main" id="{2F8F6A79-9283-29AC-A617-C01D5A692CAC}"/>
+              </a:ext>
+            </a:extLst>
+          </p:cNvPr>
+          <p:cNvCxnSpPr>
+            <a:cxnSpLocks/>
+            <a:stCxn id="8" idx="3"/>
+          </p:cNvCxnSpPr>
+          <p:nvPr/>
+        </p:nvCxnSpPr>
+        <p:spPr>
+          <a:xfrm>
+            <a:off x="7291112" y="4259844"/>
+            <a:ext cx="466774" cy="0"/>
+          </a:xfrm>
+          <a:prstGeom prst="straightConnector1">
+            <a:avLst/>
+          </a:prstGeom>
+          <a:ln>
+            <a:tailEnd type="triangle"/>
+          </a:ln>
+        </p:spPr>
+        <p:style>
+          <a:lnRef idx="2">
+            <a:schemeClr val="dk1"/>
+          </a:lnRef>
+          <a:fillRef idx="0">
+            <a:schemeClr val="dk1"/>
+          </a:fillRef>
+          <a:effectRef idx="1">
+            <a:schemeClr val="dk1"/>
+          </a:effectRef>
+          <a:fontRef idx="minor">
+            <a:schemeClr val="tx1"/>
+          </a:fontRef>
+        </p:style>
+      </p:cxnSp>
+      <p:cxnSp>
+        <p:nvCxnSpPr>
+          <p:cNvPr id="128" name="Straight Arrow Connector 127">
+            <a:extLst>
+              <a:ext uri="{FF2B5EF4-FFF2-40B4-BE49-F238E27FC236}">
+                <a16:creationId xmlns:a16="http://schemas.microsoft.com/office/drawing/2014/main" id="{D60A54A8-E370-04CA-4FF7-6FDFC08B048D}"/>
+              </a:ext>
+            </a:extLst>
+          </p:cNvPr>
+          <p:cNvCxnSpPr>
+            <a:cxnSpLocks/>
+            <a:stCxn id="76" idx="1"/>
+            <a:endCxn id="75" idx="1"/>
+          </p:cNvCxnSpPr>
+          <p:nvPr/>
+        </p:nvCxnSpPr>
+        <p:spPr>
+          <a:xfrm flipV="1">
+            <a:off x="9925952" y="4244505"/>
+            <a:ext cx="298622" cy="1"/>
+          </a:xfrm>
+          <a:prstGeom prst="straightConnector1">
+            <a:avLst/>
+          </a:prstGeom>
+          <a:ln>
+            <a:tailEnd type="triangle"/>
+          </a:ln>
+        </p:spPr>
+        <p:style>
+          <a:lnRef idx="2">
+            <a:schemeClr val="dk1"/>
+          </a:lnRef>
+          <a:fillRef idx="0">
+            <a:schemeClr val="dk1"/>
+          </a:fillRef>
+          <a:effectRef idx="1">
+            <a:schemeClr val="dk1"/>
+          </a:effectRef>
+          <a:fontRef idx="minor">
+            <a:schemeClr val="tx1"/>
+          </a:fontRef>
+        </p:style>
+      </p:cxnSp>
     </p:spTree>
     <p:extLst>
       <p:ext uri="{BB962C8B-B14F-4D97-AF65-F5344CB8AC3E}">

--- a/Slides.pptx
+++ b/Slides.pptx
@@ -16,6 +16,12 @@
     <p:sldId id="266" r:id="rId10"/>
     <p:sldId id="265" r:id="rId11"/>
     <p:sldId id="264" r:id="rId12"/>
+    <p:sldId id="267" r:id="rId13"/>
+    <p:sldId id="268" r:id="rId14"/>
+    <p:sldId id="269" r:id="rId15"/>
+    <p:sldId id="271" r:id="rId16"/>
+    <p:sldId id="272" r:id="rId17"/>
+    <p:sldId id="273" r:id="rId18"/>
   </p:sldIdLst>
   <p:sldSz cx="12192000" cy="6858000"/>
   <p:notesSz cx="6858000" cy="9144000"/>
@@ -10865,7 +10871,7 @@
           <a:p>
             <a:fld id="{B3FBE7C8-F44F-46A4-ADFD-275A97E64713}" type="datetimeFigureOut">
               <a:rPr lang="it-IT" smtClean="0"/>
-              <a:t>25/08/2024</a:t>
+              <a:t>26/08/2024</a:t>
             </a:fld>
             <a:endParaRPr lang="it-IT"/>
           </a:p>
@@ -11063,7 +11069,7 @@
           <a:p>
             <a:fld id="{B3FBE7C8-F44F-46A4-ADFD-275A97E64713}" type="datetimeFigureOut">
               <a:rPr lang="it-IT" smtClean="0"/>
-              <a:t>25/08/2024</a:t>
+              <a:t>26/08/2024</a:t>
             </a:fld>
             <a:endParaRPr lang="it-IT"/>
           </a:p>
@@ -11271,7 +11277,7 @@
           <a:p>
             <a:fld id="{B3FBE7C8-F44F-46A4-ADFD-275A97E64713}" type="datetimeFigureOut">
               <a:rPr lang="it-IT" smtClean="0"/>
-              <a:t>25/08/2024</a:t>
+              <a:t>26/08/2024</a:t>
             </a:fld>
             <a:endParaRPr lang="it-IT"/>
           </a:p>
@@ -11469,7 +11475,7 @@
           <a:p>
             <a:fld id="{B3FBE7C8-F44F-46A4-ADFD-275A97E64713}" type="datetimeFigureOut">
               <a:rPr lang="it-IT" smtClean="0"/>
-              <a:t>25/08/2024</a:t>
+              <a:t>26/08/2024</a:t>
             </a:fld>
             <a:endParaRPr lang="it-IT"/>
           </a:p>
@@ -11744,7 +11750,7 @@
           <a:p>
             <a:fld id="{B3FBE7C8-F44F-46A4-ADFD-275A97E64713}" type="datetimeFigureOut">
               <a:rPr lang="it-IT" smtClean="0"/>
-              <a:t>25/08/2024</a:t>
+              <a:t>26/08/2024</a:t>
             </a:fld>
             <a:endParaRPr lang="it-IT"/>
           </a:p>
@@ -12009,7 +12015,7 @@
           <a:p>
             <a:fld id="{B3FBE7C8-F44F-46A4-ADFD-275A97E64713}" type="datetimeFigureOut">
               <a:rPr lang="it-IT" smtClean="0"/>
-              <a:t>25/08/2024</a:t>
+              <a:t>26/08/2024</a:t>
             </a:fld>
             <a:endParaRPr lang="it-IT"/>
           </a:p>
@@ -12421,7 +12427,7 @@
           <a:p>
             <a:fld id="{B3FBE7C8-F44F-46A4-ADFD-275A97E64713}" type="datetimeFigureOut">
               <a:rPr lang="it-IT" smtClean="0"/>
-              <a:t>25/08/2024</a:t>
+              <a:t>26/08/2024</a:t>
             </a:fld>
             <a:endParaRPr lang="it-IT"/>
           </a:p>
@@ -12562,7 +12568,7 @@
           <a:p>
             <a:fld id="{B3FBE7C8-F44F-46A4-ADFD-275A97E64713}" type="datetimeFigureOut">
               <a:rPr lang="it-IT" smtClean="0"/>
-              <a:t>25/08/2024</a:t>
+              <a:t>26/08/2024</a:t>
             </a:fld>
             <a:endParaRPr lang="it-IT"/>
           </a:p>
@@ -12675,7 +12681,7 @@
           <a:p>
             <a:fld id="{B3FBE7C8-F44F-46A4-ADFD-275A97E64713}" type="datetimeFigureOut">
               <a:rPr lang="it-IT" smtClean="0"/>
-              <a:t>25/08/2024</a:t>
+              <a:t>26/08/2024</a:t>
             </a:fld>
             <a:endParaRPr lang="it-IT"/>
           </a:p>
@@ -12986,7 +12992,7 @@
           <a:p>
             <a:fld id="{B3FBE7C8-F44F-46A4-ADFD-275A97E64713}" type="datetimeFigureOut">
               <a:rPr lang="it-IT" smtClean="0"/>
-              <a:t>25/08/2024</a:t>
+              <a:t>26/08/2024</a:t>
             </a:fld>
             <a:endParaRPr lang="it-IT"/>
           </a:p>
@@ -13274,7 +13280,7 @@
           <a:p>
             <a:fld id="{B3FBE7C8-F44F-46A4-ADFD-275A97E64713}" type="datetimeFigureOut">
               <a:rPr lang="it-IT" smtClean="0"/>
-              <a:t>25/08/2024</a:t>
+              <a:t>26/08/2024</a:t>
             </a:fld>
             <a:endParaRPr lang="it-IT"/>
           </a:p>
@@ -13515,7 +13521,7 @@
           <a:p>
             <a:fld id="{B3FBE7C8-F44F-46A4-ADFD-275A97E64713}" type="datetimeFigureOut">
               <a:rPr lang="it-IT" smtClean="0"/>
-              <a:t>25/08/2024</a:t>
+              <a:t>26/08/2024</a:t>
             </a:fld>
             <a:endParaRPr lang="it-IT"/>
           </a:p>
@@ -15370,6 +15376,3298 @@
     <p:extLst>
       <p:ext uri="{BB962C8B-B14F-4D97-AF65-F5344CB8AC3E}">
         <p14:creationId xmlns:p14="http://schemas.microsoft.com/office/powerpoint/2010/main" val="2751902850"/>
+      </p:ext>
+    </p:extLst>
+  </p:cSld>
+  <p:clrMapOvr>
+    <a:masterClrMapping/>
+  </p:clrMapOvr>
+</p:sld>
+</file>
+
+<file path=ppt/slides/slide12.xml><?xml version="1.0" encoding="utf-8"?>
+<p:sld xmlns:a="http://schemas.openxmlformats.org/drawingml/2006/main" xmlns:r="http://schemas.openxmlformats.org/officeDocument/2006/relationships" xmlns:p="http://schemas.openxmlformats.org/presentationml/2006/main">
+  <p:cSld>
+    <p:spTree>
+      <p:nvGrpSpPr>
+        <p:cNvPr id="1" name=""/>
+        <p:cNvGrpSpPr/>
+        <p:nvPr/>
+      </p:nvGrpSpPr>
+      <p:grpSpPr>
+        <a:xfrm>
+          <a:off x="0" y="0"/>
+          <a:ext cx="0" cy="0"/>
+          <a:chOff x="0" y="0"/>
+          <a:chExt cx="0" cy="0"/>
+        </a:xfrm>
+      </p:grpSpPr>
+      <p:sp>
+        <p:nvSpPr>
+          <p:cNvPr id="2" name="Titolo 1">
+            <a:extLst>
+              <a:ext uri="{FF2B5EF4-FFF2-40B4-BE49-F238E27FC236}">
+                <a16:creationId xmlns:a16="http://schemas.microsoft.com/office/drawing/2014/main" id="{D5F58EEC-3A74-ACCB-9A51-3B63C7A951AF}"/>
+              </a:ext>
+            </a:extLst>
+          </p:cNvPr>
+          <p:cNvSpPr>
+            <a:spLocks noGrp="1"/>
+          </p:cNvSpPr>
+          <p:nvPr>
+            <p:ph type="title"/>
+          </p:nvPr>
+        </p:nvSpPr>
+        <p:spPr/>
+        <p:txBody>
+          <a:bodyPr>
+            <a:normAutofit/>
+          </a:bodyPr>
+          <a:lstStyle/>
+          <a:p>
+            <a:r>
+              <a:rPr lang="en-US" dirty="0">
+                <a:latin typeface="Aptos SemiBold" panose="020B0004020202020204" pitchFamily="34" charset="0"/>
+              </a:rPr>
+              <a:t>Vision-based navigation</a:t>
+            </a:r>
+            <a:endParaRPr lang="it-IT" dirty="0">
+              <a:latin typeface="Aptos SemiBold" panose="020B0004020202020204" pitchFamily="34" charset="0"/>
+            </a:endParaRPr>
+          </a:p>
+        </p:txBody>
+      </p:sp>
+      <p:pic>
+        <p:nvPicPr>
+          <p:cNvPr id="4" name="Immagine 3">
+            <a:extLst>
+              <a:ext uri="{FF2B5EF4-FFF2-40B4-BE49-F238E27FC236}">
+                <a16:creationId xmlns:a16="http://schemas.microsoft.com/office/drawing/2014/main" id="{CB1FFB52-928C-7EDA-3C3B-6E1F60CA0E58}"/>
+              </a:ext>
+            </a:extLst>
+          </p:cNvPr>
+          <p:cNvPicPr>
+            <a:picLocks noChangeAspect="1"/>
+          </p:cNvPicPr>
+          <p:nvPr/>
+        </p:nvPicPr>
+        <p:blipFill>
+          <a:blip r:embed="rId2"/>
+          <a:stretch>
+            <a:fillRect/>
+          </a:stretch>
+        </p:blipFill>
+        <p:spPr>
+          <a:xfrm>
+            <a:off x="838200" y="1487928"/>
+            <a:ext cx="6142782" cy="36000"/>
+          </a:xfrm>
+          <a:prstGeom prst="rect">
+            <a:avLst/>
+          </a:prstGeom>
+        </p:spPr>
+      </p:pic>
+      <p:sp>
+        <p:nvSpPr>
+          <p:cNvPr id="6" name="TextBox 5">
+            <a:extLst>
+              <a:ext uri="{FF2B5EF4-FFF2-40B4-BE49-F238E27FC236}">
+                <a16:creationId xmlns:a16="http://schemas.microsoft.com/office/drawing/2014/main" id="{172B637C-F3FF-4C55-26DB-1A3B05F83B33}"/>
+              </a:ext>
+            </a:extLst>
+          </p:cNvPr>
+          <p:cNvSpPr txBox="1"/>
+          <p:nvPr/>
+        </p:nvSpPr>
+        <p:spPr>
+          <a:xfrm>
+            <a:off x="838199" y="1877938"/>
+            <a:ext cx="10620829" cy="923330"/>
+          </a:xfrm>
+          <a:prstGeom prst="rect">
+            <a:avLst/>
+          </a:prstGeom>
+          <a:noFill/>
+        </p:spPr>
+        <p:txBody>
+          <a:bodyPr wrap="square" rtlCol="0">
+            <a:spAutoFit/>
+          </a:bodyPr>
+          <a:lstStyle/>
+          <a:p>
+            <a:r>
+              <a:rPr lang="en-US" dirty="0"/>
+              <a:t>Goal: reach a yellow sphere in a simulated rectangular room </a:t>
+            </a:r>
+            <a:r>
+              <a:rPr lang="en-US" b="1" dirty="0"/>
+              <a:t>using only the camera sensors</a:t>
+            </a:r>
+            <a:r>
+              <a:rPr lang="en-US" dirty="0"/>
+              <a:t> while avoiding collision with either the walls, the floor </a:t>
+            </a:r>
+            <a:r>
+              <a:rPr lang="en-US" b="1" dirty="0"/>
+              <a:t>or a set of randomly placed cubic obstacles </a:t>
+            </a:r>
+            <a:r>
+              <a:rPr lang="en-US" dirty="0"/>
+              <a:t>and without excessive movements</a:t>
+            </a:r>
+            <a:endParaRPr lang="it-IT" dirty="0"/>
+          </a:p>
+        </p:txBody>
+      </p:sp>
+      <p:sp>
+        <p:nvSpPr>
+          <p:cNvPr id="7" name="Rectangle: Rounded Corners 6">
+            <a:extLst>
+              <a:ext uri="{FF2B5EF4-FFF2-40B4-BE49-F238E27FC236}">
+                <a16:creationId xmlns:a16="http://schemas.microsoft.com/office/drawing/2014/main" id="{15A82899-91E7-3955-C69E-7903493B9433}"/>
+              </a:ext>
+            </a:extLst>
+          </p:cNvPr>
+          <p:cNvSpPr/>
+          <p:nvPr/>
+        </p:nvSpPr>
+        <p:spPr>
+          <a:xfrm>
+            <a:off x="1008339" y="3606994"/>
+            <a:ext cx="2052747" cy="816678"/>
+          </a:xfrm>
+          <a:prstGeom prst="roundRect">
+            <a:avLst/>
+          </a:prstGeom>
+        </p:spPr>
+        <p:style>
+          <a:lnRef idx="2">
+            <a:schemeClr val="accent1">
+              <a:shade val="15000"/>
+            </a:schemeClr>
+          </a:lnRef>
+          <a:fillRef idx="1">
+            <a:schemeClr val="accent1"/>
+          </a:fillRef>
+          <a:effectRef idx="0">
+            <a:schemeClr val="accent1"/>
+          </a:effectRef>
+          <a:fontRef idx="minor">
+            <a:schemeClr val="lt1"/>
+          </a:fontRef>
+        </p:style>
+        <p:txBody>
+          <a:bodyPr rtlCol="0" anchor="ctr"/>
+          <a:lstStyle/>
+          <a:p>
+            <a:pPr algn="ctr"/>
+            <a:r>
+              <a:rPr lang="en-US" dirty="0"/>
+              <a:t>Environment Creation</a:t>
+            </a:r>
+            <a:endParaRPr lang="it-IT" dirty="0"/>
+          </a:p>
+        </p:txBody>
+      </p:sp>
+      <p:sp>
+        <p:nvSpPr>
+          <p:cNvPr id="9" name="Rectangle: Rounded Corners 8">
+            <a:extLst>
+              <a:ext uri="{FF2B5EF4-FFF2-40B4-BE49-F238E27FC236}">
+                <a16:creationId xmlns:a16="http://schemas.microsoft.com/office/drawing/2014/main" id="{C412F776-A163-1C3A-FAB0-019801ED5CB4}"/>
+              </a:ext>
+            </a:extLst>
+          </p:cNvPr>
+          <p:cNvSpPr/>
+          <p:nvPr/>
+        </p:nvSpPr>
+        <p:spPr>
+          <a:xfrm>
+            <a:off x="9301052" y="3606994"/>
+            <a:ext cx="2052747" cy="816678"/>
+          </a:xfrm>
+          <a:prstGeom prst="roundRect">
+            <a:avLst/>
+          </a:prstGeom>
+        </p:spPr>
+        <p:style>
+          <a:lnRef idx="2">
+            <a:schemeClr val="accent1">
+              <a:shade val="15000"/>
+            </a:schemeClr>
+          </a:lnRef>
+          <a:fillRef idx="1">
+            <a:schemeClr val="accent1"/>
+          </a:fillRef>
+          <a:effectRef idx="0">
+            <a:schemeClr val="accent1"/>
+          </a:effectRef>
+          <a:fontRef idx="minor">
+            <a:schemeClr val="lt1"/>
+          </a:fontRef>
+        </p:style>
+        <p:txBody>
+          <a:bodyPr rtlCol="0" anchor="ctr"/>
+          <a:lstStyle/>
+          <a:p>
+            <a:pPr algn="ctr"/>
+            <a:r>
+              <a:rPr lang="en-US" dirty="0"/>
+              <a:t>Reward Function Definition</a:t>
+            </a:r>
+            <a:endParaRPr lang="it-IT" dirty="0"/>
+          </a:p>
+        </p:txBody>
+      </p:sp>
+      <p:cxnSp>
+        <p:nvCxnSpPr>
+          <p:cNvPr id="11" name="Straight Arrow Connector 10">
+            <a:extLst>
+              <a:ext uri="{FF2B5EF4-FFF2-40B4-BE49-F238E27FC236}">
+                <a16:creationId xmlns:a16="http://schemas.microsoft.com/office/drawing/2014/main" id="{14802E31-020B-1CB1-FCBB-7C076379FE63}"/>
+              </a:ext>
+            </a:extLst>
+          </p:cNvPr>
+          <p:cNvCxnSpPr>
+            <a:cxnSpLocks/>
+            <a:stCxn id="7" idx="3"/>
+            <a:endCxn id="27" idx="1"/>
+          </p:cNvCxnSpPr>
+          <p:nvPr/>
+        </p:nvCxnSpPr>
+        <p:spPr>
+          <a:xfrm>
+            <a:off x="3061086" y="4015333"/>
+            <a:ext cx="711491" cy="2253"/>
+          </a:xfrm>
+          <a:prstGeom prst="straightConnector1">
+            <a:avLst/>
+          </a:prstGeom>
+          <a:ln>
+            <a:tailEnd type="triangle"/>
+          </a:ln>
+        </p:spPr>
+        <p:style>
+          <a:lnRef idx="2">
+            <a:schemeClr val="dk1"/>
+          </a:lnRef>
+          <a:fillRef idx="0">
+            <a:schemeClr val="dk1"/>
+          </a:fillRef>
+          <a:effectRef idx="1">
+            <a:schemeClr val="dk1"/>
+          </a:effectRef>
+          <a:fontRef idx="minor">
+            <a:schemeClr val="tx1"/>
+          </a:fontRef>
+        </p:style>
+      </p:cxnSp>
+      <p:cxnSp>
+        <p:nvCxnSpPr>
+          <p:cNvPr id="12" name="Straight Arrow Connector 11">
+            <a:extLst>
+              <a:ext uri="{FF2B5EF4-FFF2-40B4-BE49-F238E27FC236}">
+                <a16:creationId xmlns:a16="http://schemas.microsoft.com/office/drawing/2014/main" id="{B858BDDC-9D78-2D91-DA92-FDFF1813C7B9}"/>
+              </a:ext>
+            </a:extLst>
+          </p:cNvPr>
+          <p:cNvCxnSpPr>
+            <a:stCxn id="8" idx="3"/>
+            <a:endCxn id="9" idx="1"/>
+          </p:cNvCxnSpPr>
+          <p:nvPr/>
+        </p:nvCxnSpPr>
+        <p:spPr>
+          <a:xfrm>
+            <a:off x="8589562" y="4015333"/>
+            <a:ext cx="711490" cy="0"/>
+          </a:xfrm>
+          <a:prstGeom prst="straightConnector1">
+            <a:avLst/>
+          </a:prstGeom>
+          <a:ln>
+            <a:tailEnd type="triangle"/>
+          </a:ln>
+        </p:spPr>
+        <p:style>
+          <a:lnRef idx="2">
+            <a:schemeClr val="dk1"/>
+          </a:lnRef>
+          <a:fillRef idx="0">
+            <a:schemeClr val="dk1"/>
+          </a:fillRef>
+          <a:effectRef idx="1">
+            <a:schemeClr val="dk1"/>
+          </a:effectRef>
+          <a:fontRef idx="minor">
+            <a:schemeClr val="tx1"/>
+          </a:fontRef>
+        </p:style>
+      </p:cxnSp>
+      <p:cxnSp>
+        <p:nvCxnSpPr>
+          <p:cNvPr id="13" name="Straight Arrow Connector 12">
+            <a:extLst>
+              <a:ext uri="{FF2B5EF4-FFF2-40B4-BE49-F238E27FC236}">
+                <a16:creationId xmlns:a16="http://schemas.microsoft.com/office/drawing/2014/main" id="{380C26E8-4CA5-C348-0B2D-B97C191712E0}"/>
+              </a:ext>
+            </a:extLst>
+          </p:cNvPr>
+          <p:cNvCxnSpPr>
+            <a:cxnSpLocks/>
+            <a:stCxn id="9" idx="2"/>
+            <a:endCxn id="10" idx="0"/>
+          </p:cNvCxnSpPr>
+          <p:nvPr/>
+        </p:nvCxnSpPr>
+        <p:spPr>
+          <a:xfrm>
+            <a:off x="10327426" y="4423672"/>
+            <a:ext cx="0" cy="904655"/>
+          </a:xfrm>
+          <a:prstGeom prst="straightConnector1">
+            <a:avLst/>
+          </a:prstGeom>
+          <a:ln>
+            <a:tailEnd type="triangle"/>
+          </a:ln>
+        </p:spPr>
+        <p:style>
+          <a:lnRef idx="2">
+            <a:schemeClr val="dk1"/>
+          </a:lnRef>
+          <a:fillRef idx="0">
+            <a:schemeClr val="dk1"/>
+          </a:fillRef>
+          <a:effectRef idx="1">
+            <a:schemeClr val="dk1"/>
+          </a:effectRef>
+          <a:fontRef idx="minor">
+            <a:schemeClr val="tx1"/>
+          </a:fontRef>
+        </p:style>
+      </p:cxnSp>
+      <p:sp>
+        <p:nvSpPr>
+          <p:cNvPr id="14" name="Oval 13">
+            <a:extLst>
+              <a:ext uri="{FF2B5EF4-FFF2-40B4-BE49-F238E27FC236}">
+                <a16:creationId xmlns:a16="http://schemas.microsoft.com/office/drawing/2014/main" id="{E4364963-54AF-4BE2-1629-31F3A3B70161}"/>
+              </a:ext>
+            </a:extLst>
+          </p:cNvPr>
+          <p:cNvSpPr/>
+          <p:nvPr/>
+        </p:nvSpPr>
+        <p:spPr>
+          <a:xfrm>
+            <a:off x="820460" y="3433134"/>
+            <a:ext cx="355988" cy="355988"/>
+          </a:xfrm>
+          <a:prstGeom prst="ellipse">
+            <a:avLst/>
+          </a:prstGeom>
+        </p:spPr>
+        <p:style>
+          <a:lnRef idx="2">
+            <a:schemeClr val="dk1">
+              <a:shade val="15000"/>
+            </a:schemeClr>
+          </a:lnRef>
+          <a:fillRef idx="1">
+            <a:schemeClr val="dk1"/>
+          </a:fillRef>
+          <a:effectRef idx="0">
+            <a:schemeClr val="dk1"/>
+          </a:effectRef>
+          <a:fontRef idx="minor">
+            <a:schemeClr val="lt1"/>
+          </a:fontRef>
+        </p:style>
+        <p:txBody>
+          <a:bodyPr rtlCol="0" anchor="ctr"/>
+          <a:lstStyle/>
+          <a:p>
+            <a:pPr algn="ctr"/>
+            <a:r>
+              <a:rPr lang="en-US" dirty="0"/>
+              <a:t>1</a:t>
+            </a:r>
+            <a:endParaRPr lang="it-IT" dirty="0"/>
+          </a:p>
+        </p:txBody>
+      </p:sp>
+      <p:sp>
+        <p:nvSpPr>
+          <p:cNvPr id="8" name="Rectangle: Rounded Corners 7">
+            <a:extLst>
+              <a:ext uri="{FF2B5EF4-FFF2-40B4-BE49-F238E27FC236}">
+                <a16:creationId xmlns:a16="http://schemas.microsoft.com/office/drawing/2014/main" id="{99F981D3-6D35-5ADD-3712-0C004560BE86}"/>
+              </a:ext>
+            </a:extLst>
+          </p:cNvPr>
+          <p:cNvSpPr/>
+          <p:nvPr/>
+        </p:nvSpPr>
+        <p:spPr>
+          <a:xfrm>
+            <a:off x="6536815" y="3606994"/>
+            <a:ext cx="2052747" cy="816678"/>
+          </a:xfrm>
+          <a:prstGeom prst="roundRect">
+            <a:avLst/>
+          </a:prstGeom>
+        </p:spPr>
+        <p:style>
+          <a:lnRef idx="2">
+            <a:schemeClr val="accent1">
+              <a:shade val="15000"/>
+            </a:schemeClr>
+          </a:lnRef>
+          <a:fillRef idx="1">
+            <a:schemeClr val="accent1"/>
+          </a:fillRef>
+          <a:effectRef idx="0">
+            <a:schemeClr val="accent1"/>
+          </a:effectRef>
+          <a:fontRef idx="minor">
+            <a:schemeClr val="lt1"/>
+          </a:fontRef>
+        </p:style>
+        <p:txBody>
+          <a:bodyPr rtlCol="0" anchor="ctr"/>
+          <a:lstStyle/>
+          <a:p>
+            <a:pPr algn="ctr"/>
+            <a:r>
+              <a:rPr lang="en-US" dirty="0"/>
+              <a:t>SKRL Model Implementation</a:t>
+            </a:r>
+            <a:endParaRPr lang="it-IT" dirty="0"/>
+          </a:p>
+        </p:txBody>
+      </p:sp>
+      <p:sp>
+        <p:nvSpPr>
+          <p:cNvPr id="15" name="Oval 14">
+            <a:extLst>
+              <a:ext uri="{FF2B5EF4-FFF2-40B4-BE49-F238E27FC236}">
+                <a16:creationId xmlns:a16="http://schemas.microsoft.com/office/drawing/2014/main" id="{2FBE9912-FA8D-EFD5-839A-B682D544980A}"/>
+              </a:ext>
+            </a:extLst>
+          </p:cNvPr>
+          <p:cNvSpPr/>
+          <p:nvPr/>
+        </p:nvSpPr>
+        <p:spPr>
+          <a:xfrm>
+            <a:off x="6358820" y="3429000"/>
+            <a:ext cx="355988" cy="355988"/>
+          </a:xfrm>
+          <a:prstGeom prst="ellipse">
+            <a:avLst/>
+          </a:prstGeom>
+        </p:spPr>
+        <p:style>
+          <a:lnRef idx="2">
+            <a:schemeClr val="dk1">
+              <a:shade val="15000"/>
+            </a:schemeClr>
+          </a:lnRef>
+          <a:fillRef idx="1">
+            <a:schemeClr val="dk1"/>
+          </a:fillRef>
+          <a:effectRef idx="0">
+            <a:schemeClr val="dk1"/>
+          </a:effectRef>
+          <a:fontRef idx="minor">
+            <a:schemeClr val="lt1"/>
+          </a:fontRef>
+        </p:style>
+        <p:txBody>
+          <a:bodyPr rtlCol="0" anchor="ctr"/>
+          <a:lstStyle/>
+          <a:p>
+            <a:pPr algn="ctr"/>
+            <a:r>
+              <a:rPr lang="en-US" dirty="0"/>
+              <a:t>3</a:t>
+            </a:r>
+            <a:endParaRPr lang="it-IT" dirty="0"/>
+          </a:p>
+        </p:txBody>
+      </p:sp>
+      <p:sp>
+        <p:nvSpPr>
+          <p:cNvPr id="16" name="Oval 15">
+            <a:extLst>
+              <a:ext uri="{FF2B5EF4-FFF2-40B4-BE49-F238E27FC236}">
+                <a16:creationId xmlns:a16="http://schemas.microsoft.com/office/drawing/2014/main" id="{868C5CD2-B1E5-551C-0E06-7C67C5B3B2E1}"/>
+              </a:ext>
+            </a:extLst>
+          </p:cNvPr>
+          <p:cNvSpPr/>
+          <p:nvPr/>
+        </p:nvSpPr>
+        <p:spPr>
+          <a:xfrm>
+            <a:off x="9123058" y="3429000"/>
+            <a:ext cx="355988" cy="355988"/>
+          </a:xfrm>
+          <a:prstGeom prst="ellipse">
+            <a:avLst/>
+          </a:prstGeom>
+        </p:spPr>
+        <p:style>
+          <a:lnRef idx="2">
+            <a:schemeClr val="dk1">
+              <a:shade val="15000"/>
+            </a:schemeClr>
+          </a:lnRef>
+          <a:fillRef idx="1">
+            <a:schemeClr val="dk1"/>
+          </a:fillRef>
+          <a:effectRef idx="0">
+            <a:schemeClr val="dk1"/>
+          </a:effectRef>
+          <a:fontRef idx="minor">
+            <a:schemeClr val="lt1"/>
+          </a:fontRef>
+        </p:style>
+        <p:txBody>
+          <a:bodyPr rtlCol="0" anchor="ctr"/>
+          <a:lstStyle/>
+          <a:p>
+            <a:pPr algn="ctr"/>
+            <a:r>
+              <a:rPr lang="en-US" dirty="0"/>
+              <a:t>4</a:t>
+            </a:r>
+            <a:endParaRPr lang="it-IT" dirty="0"/>
+          </a:p>
+        </p:txBody>
+      </p:sp>
+      <p:grpSp>
+        <p:nvGrpSpPr>
+          <p:cNvPr id="38" name="Group 37">
+            <a:extLst>
+              <a:ext uri="{FF2B5EF4-FFF2-40B4-BE49-F238E27FC236}">
+                <a16:creationId xmlns:a16="http://schemas.microsoft.com/office/drawing/2014/main" id="{B1F8D58B-28AB-5A34-31D3-8372FA7BC4DB}"/>
+              </a:ext>
+            </a:extLst>
+          </p:cNvPr>
+          <p:cNvGrpSpPr/>
+          <p:nvPr/>
+        </p:nvGrpSpPr>
+        <p:grpSpPr>
+          <a:xfrm>
+            <a:off x="9123057" y="5150333"/>
+            <a:ext cx="2230742" cy="994672"/>
+            <a:chOff x="9123058" y="5278188"/>
+            <a:chExt cx="2230742" cy="994672"/>
+          </a:xfrm>
+        </p:grpSpPr>
+        <p:sp>
+          <p:nvSpPr>
+            <p:cNvPr id="10" name="Rectangle: Rounded Corners 9">
+              <a:extLst>
+                <a:ext uri="{FF2B5EF4-FFF2-40B4-BE49-F238E27FC236}">
+                  <a16:creationId xmlns:a16="http://schemas.microsoft.com/office/drawing/2014/main" id="{4920C0D3-5D69-6CAA-8544-254CE764A1CC}"/>
+                </a:ext>
+              </a:extLst>
+            </p:cNvPr>
+            <p:cNvSpPr/>
+            <p:nvPr/>
+          </p:nvSpPr>
+          <p:spPr>
+            <a:xfrm>
+              <a:off x="9301053" y="5456182"/>
+              <a:ext cx="2052747" cy="816678"/>
+            </a:xfrm>
+            <a:prstGeom prst="roundRect">
+              <a:avLst/>
+            </a:prstGeom>
+          </p:spPr>
+          <p:style>
+            <a:lnRef idx="2">
+              <a:schemeClr val="accent1">
+                <a:shade val="15000"/>
+              </a:schemeClr>
+            </a:lnRef>
+            <a:fillRef idx="1">
+              <a:schemeClr val="accent1"/>
+            </a:fillRef>
+            <a:effectRef idx="0">
+              <a:schemeClr val="accent1"/>
+            </a:effectRef>
+            <a:fontRef idx="minor">
+              <a:schemeClr val="lt1"/>
+            </a:fontRef>
+          </p:style>
+          <p:txBody>
+            <a:bodyPr rtlCol="0" anchor="ctr"/>
+            <a:lstStyle/>
+            <a:p>
+              <a:pPr algn="ctr"/>
+              <a:r>
+                <a:rPr lang="en-US" dirty="0"/>
+                <a:t>Task Simulation &amp; Training</a:t>
+              </a:r>
+              <a:endParaRPr lang="it-IT" dirty="0"/>
+            </a:p>
+          </p:txBody>
+        </p:sp>
+        <p:sp>
+          <p:nvSpPr>
+            <p:cNvPr id="17" name="Oval 16">
+              <a:extLst>
+                <a:ext uri="{FF2B5EF4-FFF2-40B4-BE49-F238E27FC236}">
+                  <a16:creationId xmlns:a16="http://schemas.microsoft.com/office/drawing/2014/main" id="{AE93943B-33D5-F2B4-2EFD-E128A0EB1981}"/>
+                </a:ext>
+              </a:extLst>
+            </p:cNvPr>
+            <p:cNvSpPr/>
+            <p:nvPr/>
+          </p:nvSpPr>
+          <p:spPr>
+            <a:xfrm>
+              <a:off x="9123058" y="5278188"/>
+              <a:ext cx="355988" cy="355988"/>
+            </a:xfrm>
+            <a:prstGeom prst="ellipse">
+              <a:avLst/>
+            </a:prstGeom>
+          </p:spPr>
+          <p:style>
+            <a:lnRef idx="2">
+              <a:schemeClr val="dk1">
+                <a:shade val="15000"/>
+              </a:schemeClr>
+            </a:lnRef>
+            <a:fillRef idx="1">
+              <a:schemeClr val="dk1"/>
+            </a:fillRef>
+            <a:effectRef idx="0">
+              <a:schemeClr val="dk1"/>
+            </a:effectRef>
+            <a:fontRef idx="minor">
+              <a:schemeClr val="lt1"/>
+            </a:fontRef>
+          </p:style>
+          <p:txBody>
+            <a:bodyPr rtlCol="0" anchor="ctr"/>
+            <a:lstStyle/>
+            <a:p>
+              <a:pPr algn="ctr"/>
+              <a:r>
+                <a:rPr lang="en-US" dirty="0"/>
+                <a:t>5</a:t>
+              </a:r>
+              <a:endParaRPr lang="it-IT" dirty="0"/>
+            </a:p>
+          </p:txBody>
+        </p:sp>
+      </p:grpSp>
+      <p:sp>
+        <p:nvSpPr>
+          <p:cNvPr id="19" name="Rectangle: Rounded Corners 18">
+            <a:extLst>
+              <a:ext uri="{FF2B5EF4-FFF2-40B4-BE49-F238E27FC236}">
+                <a16:creationId xmlns:a16="http://schemas.microsoft.com/office/drawing/2014/main" id="{E11075EC-6035-817A-341B-610ADB8B667D}"/>
+              </a:ext>
+            </a:extLst>
+          </p:cNvPr>
+          <p:cNvSpPr/>
+          <p:nvPr/>
+        </p:nvSpPr>
+        <p:spPr>
+          <a:xfrm>
+            <a:off x="1008339" y="5086927"/>
+            <a:ext cx="2052747" cy="1058078"/>
+          </a:xfrm>
+          <a:prstGeom prst="roundRect">
+            <a:avLst>
+              <a:gd name="adj" fmla="val 8957"/>
+            </a:avLst>
+          </a:prstGeom>
+        </p:spPr>
+        <p:style>
+          <a:lnRef idx="2">
+            <a:schemeClr val="accent1"/>
+          </a:lnRef>
+          <a:fillRef idx="1">
+            <a:schemeClr val="lt1"/>
+          </a:fillRef>
+          <a:effectRef idx="0">
+            <a:schemeClr val="accent1"/>
+          </a:effectRef>
+          <a:fontRef idx="minor">
+            <a:schemeClr val="dk1"/>
+          </a:fontRef>
+        </p:style>
+        <p:txBody>
+          <a:bodyPr rtlCol="0" anchor="ctr"/>
+          <a:lstStyle/>
+          <a:p>
+            <a:pPr algn="ctr"/>
+            <a:endParaRPr lang="it-IT"/>
+          </a:p>
+        </p:txBody>
+      </p:sp>
+      <p:sp>
+        <p:nvSpPr>
+          <p:cNvPr id="20" name="TextBox 19">
+            <a:extLst>
+              <a:ext uri="{FF2B5EF4-FFF2-40B4-BE49-F238E27FC236}">
+                <a16:creationId xmlns:a16="http://schemas.microsoft.com/office/drawing/2014/main" id="{35B48B15-D038-6586-44C2-9AEE9DCF1BEF}"/>
+              </a:ext>
+            </a:extLst>
+          </p:cNvPr>
+          <p:cNvSpPr txBox="1"/>
+          <p:nvPr/>
+        </p:nvSpPr>
+        <p:spPr>
+          <a:xfrm>
+            <a:off x="913711" y="5246634"/>
+            <a:ext cx="2242001" cy="738664"/>
+          </a:xfrm>
+          <a:prstGeom prst="rect">
+            <a:avLst/>
+          </a:prstGeom>
+          <a:noFill/>
+        </p:spPr>
+        <p:txBody>
+          <a:bodyPr wrap="square" rtlCol="0">
+            <a:spAutoFit/>
+          </a:bodyPr>
+          <a:lstStyle/>
+          <a:p>
+            <a:pPr algn="ctr"/>
+            <a:r>
+              <a:rPr lang="en-US" sz="1400" dirty="0"/>
+              <a:t>INSERIRE IMMAGINE</a:t>
+            </a:r>
+          </a:p>
+          <a:p>
+            <a:pPr algn="ctr"/>
+            <a:r>
+              <a:rPr lang="en-US" sz="1400" dirty="0"/>
+              <a:t>AMBIENTE SIMULATO</a:t>
+            </a:r>
+            <a:br>
+              <a:rPr lang="en-US" sz="1400" dirty="0"/>
+            </a:br>
+            <a:r>
+              <a:rPr lang="en-US" sz="1400" dirty="0"/>
+              <a:t>CON DRONE E OSTACOLI</a:t>
+            </a:r>
+            <a:endParaRPr lang="it-IT" sz="1400" dirty="0"/>
+          </a:p>
+        </p:txBody>
+      </p:sp>
+      <p:cxnSp>
+        <p:nvCxnSpPr>
+          <p:cNvPr id="21" name="Straight Arrow Connector 20">
+            <a:extLst>
+              <a:ext uri="{FF2B5EF4-FFF2-40B4-BE49-F238E27FC236}">
+                <a16:creationId xmlns:a16="http://schemas.microsoft.com/office/drawing/2014/main" id="{B4B0F216-838B-6FF3-2174-88052C1B5EA2}"/>
+              </a:ext>
+            </a:extLst>
+          </p:cNvPr>
+          <p:cNvCxnSpPr>
+            <a:cxnSpLocks/>
+          </p:cNvCxnSpPr>
+          <p:nvPr/>
+        </p:nvCxnSpPr>
+        <p:spPr>
+          <a:xfrm>
+            <a:off x="2003049" y="4433420"/>
+            <a:ext cx="0" cy="653507"/>
+          </a:xfrm>
+          <a:prstGeom prst="straightConnector1">
+            <a:avLst/>
+          </a:prstGeom>
+          <a:ln>
+            <a:tailEnd type="triangle"/>
+          </a:ln>
+        </p:spPr>
+        <p:style>
+          <a:lnRef idx="2">
+            <a:schemeClr val="accent1"/>
+          </a:lnRef>
+          <a:fillRef idx="0">
+            <a:schemeClr val="accent1"/>
+          </a:fillRef>
+          <a:effectRef idx="1">
+            <a:schemeClr val="accent1"/>
+          </a:effectRef>
+          <a:fontRef idx="minor">
+            <a:schemeClr val="tx1"/>
+          </a:fontRef>
+        </p:style>
+      </p:cxnSp>
+      <p:sp>
+        <p:nvSpPr>
+          <p:cNvPr id="27" name="Rectangle: Rounded Corners 26">
+            <a:extLst>
+              <a:ext uri="{FF2B5EF4-FFF2-40B4-BE49-F238E27FC236}">
+                <a16:creationId xmlns:a16="http://schemas.microsoft.com/office/drawing/2014/main" id="{88E2F9E3-935F-848D-3B91-D445F3A07C3E}"/>
+              </a:ext>
+            </a:extLst>
+          </p:cNvPr>
+          <p:cNvSpPr/>
+          <p:nvPr/>
+        </p:nvSpPr>
+        <p:spPr>
+          <a:xfrm>
+            <a:off x="3772577" y="3609247"/>
+            <a:ext cx="2052747" cy="816678"/>
+          </a:xfrm>
+          <a:prstGeom prst="roundRect">
+            <a:avLst/>
+          </a:prstGeom>
+        </p:spPr>
+        <p:style>
+          <a:lnRef idx="2">
+            <a:schemeClr val="accent1">
+              <a:shade val="15000"/>
+            </a:schemeClr>
+          </a:lnRef>
+          <a:fillRef idx="1">
+            <a:schemeClr val="accent1"/>
+          </a:fillRef>
+          <a:effectRef idx="0">
+            <a:schemeClr val="accent1"/>
+          </a:effectRef>
+          <a:fontRef idx="minor">
+            <a:schemeClr val="lt1"/>
+          </a:fontRef>
+        </p:style>
+        <p:txBody>
+          <a:bodyPr rtlCol="0" anchor="ctr"/>
+          <a:lstStyle/>
+          <a:p>
+            <a:pPr algn="ctr"/>
+            <a:r>
+              <a:rPr lang="en-US" dirty="0"/>
+              <a:t>Camera Sensors Data Collection</a:t>
+            </a:r>
+            <a:endParaRPr lang="it-IT" dirty="0"/>
+          </a:p>
+        </p:txBody>
+      </p:sp>
+      <p:sp>
+        <p:nvSpPr>
+          <p:cNvPr id="28" name="Oval 27">
+            <a:extLst>
+              <a:ext uri="{FF2B5EF4-FFF2-40B4-BE49-F238E27FC236}">
+                <a16:creationId xmlns:a16="http://schemas.microsoft.com/office/drawing/2014/main" id="{9F1D9B3A-5129-B858-9FA1-23C4681490BE}"/>
+              </a:ext>
+            </a:extLst>
+          </p:cNvPr>
+          <p:cNvSpPr/>
+          <p:nvPr/>
+        </p:nvSpPr>
+        <p:spPr>
+          <a:xfrm>
+            <a:off x="3594582" y="3429000"/>
+            <a:ext cx="355988" cy="355988"/>
+          </a:xfrm>
+          <a:prstGeom prst="ellipse">
+            <a:avLst/>
+          </a:prstGeom>
+        </p:spPr>
+        <p:style>
+          <a:lnRef idx="2">
+            <a:schemeClr val="dk1">
+              <a:shade val="15000"/>
+            </a:schemeClr>
+          </a:lnRef>
+          <a:fillRef idx="1">
+            <a:schemeClr val="dk1"/>
+          </a:fillRef>
+          <a:effectRef idx="0">
+            <a:schemeClr val="dk1"/>
+          </a:effectRef>
+          <a:fontRef idx="minor">
+            <a:schemeClr val="lt1"/>
+          </a:fontRef>
+        </p:style>
+        <p:txBody>
+          <a:bodyPr rtlCol="0" anchor="ctr"/>
+          <a:lstStyle/>
+          <a:p>
+            <a:pPr algn="ctr"/>
+            <a:r>
+              <a:rPr lang="en-US" dirty="0"/>
+              <a:t>2</a:t>
+            </a:r>
+            <a:endParaRPr lang="it-IT" dirty="0"/>
+          </a:p>
+        </p:txBody>
+      </p:sp>
+      <p:cxnSp>
+        <p:nvCxnSpPr>
+          <p:cNvPr id="35" name="Straight Arrow Connector 34">
+            <a:extLst>
+              <a:ext uri="{FF2B5EF4-FFF2-40B4-BE49-F238E27FC236}">
+                <a16:creationId xmlns:a16="http://schemas.microsoft.com/office/drawing/2014/main" id="{9D7C3AE1-04A2-1BAF-03CD-E491419A30F0}"/>
+              </a:ext>
+            </a:extLst>
+          </p:cNvPr>
+          <p:cNvCxnSpPr>
+            <a:cxnSpLocks/>
+            <a:stCxn id="27" idx="3"/>
+            <a:endCxn id="8" idx="1"/>
+          </p:cNvCxnSpPr>
+          <p:nvPr/>
+        </p:nvCxnSpPr>
+        <p:spPr>
+          <a:xfrm flipV="1">
+            <a:off x="5825324" y="4015333"/>
+            <a:ext cx="711491" cy="2253"/>
+          </a:xfrm>
+          <a:prstGeom prst="straightConnector1">
+            <a:avLst/>
+          </a:prstGeom>
+          <a:ln>
+            <a:tailEnd type="triangle"/>
+          </a:ln>
+        </p:spPr>
+        <p:style>
+          <a:lnRef idx="2">
+            <a:schemeClr val="dk1"/>
+          </a:lnRef>
+          <a:fillRef idx="0">
+            <a:schemeClr val="dk1"/>
+          </a:fillRef>
+          <a:effectRef idx="1">
+            <a:schemeClr val="dk1"/>
+          </a:effectRef>
+          <a:fontRef idx="minor">
+            <a:schemeClr val="tx1"/>
+          </a:fontRef>
+        </p:style>
+      </p:cxnSp>
+    </p:spTree>
+    <p:extLst>
+      <p:ext uri="{BB962C8B-B14F-4D97-AF65-F5344CB8AC3E}">
+        <p14:creationId xmlns:p14="http://schemas.microsoft.com/office/powerpoint/2010/main" val="2014077074"/>
+      </p:ext>
+    </p:extLst>
+  </p:cSld>
+  <p:clrMapOvr>
+    <a:masterClrMapping/>
+  </p:clrMapOvr>
+  <p:timing>
+    <p:tnLst>
+      <p:par>
+        <p:cTn id="1" dur="indefinite" restart="never" nodeType="tmRoot">
+          <p:childTnLst>
+            <p:seq concurrent="1" nextAc="seek">
+              <p:cTn id="2" dur="indefinite" nodeType="mainSeq">
+                <p:childTnLst>
+                  <p:par>
+                    <p:cTn id="3" fill="hold">
+                      <p:stCondLst>
+                        <p:cond delay="indefinite"/>
+                      </p:stCondLst>
+                      <p:childTnLst>
+                        <p:par>
+                          <p:cTn id="4" fill="hold">
+                            <p:stCondLst>
+                              <p:cond delay="0"/>
+                            </p:stCondLst>
+                            <p:childTnLst>
+                              <p:par>
+                                <p:cTn id="5" presetID="1" presetClass="emph" presetSubtype="2" fill="hold" grpId="0" nodeType="clickEffect">
+                                  <p:stCondLst>
+                                    <p:cond delay="0"/>
+                                  </p:stCondLst>
+                                  <p:childTnLst>
+                                    <p:animClr clrSpc="rgb" dir="cw">
+                                      <p:cBhvr>
+                                        <p:cTn id="6" dur="10" fill="hold"/>
+                                        <p:tgtEl>
+                                          <p:spTgt spid="27"/>
+                                        </p:tgtEl>
+                                        <p:attrNameLst>
+                                          <p:attrName>fillcolor</p:attrName>
+                                        </p:attrNameLst>
+                                      </p:cBhvr>
+                                      <p:to>
+                                        <a:schemeClr val="accent2"/>
+                                      </p:to>
+                                    </p:animClr>
+                                    <p:set>
+                                      <p:cBhvr>
+                                        <p:cTn id="7" dur="10" fill="hold"/>
+                                        <p:tgtEl>
+                                          <p:spTgt spid="27"/>
+                                        </p:tgtEl>
+                                        <p:attrNameLst>
+                                          <p:attrName>fill.type</p:attrName>
+                                        </p:attrNameLst>
+                                      </p:cBhvr>
+                                      <p:to>
+                                        <p:strVal val="solid"/>
+                                      </p:to>
+                                    </p:set>
+                                    <p:set>
+                                      <p:cBhvr>
+                                        <p:cTn id="8" dur="10" fill="hold"/>
+                                        <p:tgtEl>
+                                          <p:spTgt spid="27"/>
+                                        </p:tgtEl>
+                                        <p:attrNameLst>
+                                          <p:attrName>fill.on</p:attrName>
+                                        </p:attrNameLst>
+                                      </p:cBhvr>
+                                      <p:to>
+                                        <p:strVal val="true"/>
+                                      </p:to>
+                                    </p:set>
+                                  </p:childTnLst>
+                                </p:cTn>
+                              </p:par>
+                            </p:childTnLst>
+                          </p:cTn>
+                        </p:par>
+                      </p:childTnLst>
+                    </p:cTn>
+                  </p:par>
+                  <p:par>
+                    <p:cTn id="9" fill="hold">
+                      <p:stCondLst>
+                        <p:cond delay="indefinite"/>
+                      </p:stCondLst>
+                      <p:childTnLst>
+                        <p:par>
+                          <p:cTn id="10" fill="hold">
+                            <p:stCondLst>
+                              <p:cond delay="0"/>
+                            </p:stCondLst>
+                            <p:childTnLst>
+                              <p:par>
+                                <p:cTn id="11" presetID="1" presetClass="emph" presetSubtype="2" fill="hold" nodeType="clickEffect">
+                                  <p:stCondLst>
+                                    <p:cond delay="0"/>
+                                  </p:stCondLst>
+                                  <p:childTnLst>
+                                    <p:animClr clrSpc="rgb" dir="cw">
+                                      <p:cBhvr>
+                                        <p:cTn id="12" dur="10" fill="hold"/>
+                                        <p:tgtEl>
+                                          <p:spTgt spid="8"/>
+                                        </p:tgtEl>
+                                        <p:attrNameLst>
+                                          <p:attrName>fillcolor</p:attrName>
+                                        </p:attrNameLst>
+                                      </p:cBhvr>
+                                      <p:to>
+                                        <a:srgbClr val="196B24"/>
+                                      </p:to>
+                                    </p:animClr>
+                                    <p:set>
+                                      <p:cBhvr>
+                                        <p:cTn id="13" dur="10" fill="hold"/>
+                                        <p:tgtEl>
+                                          <p:spTgt spid="8"/>
+                                        </p:tgtEl>
+                                        <p:attrNameLst>
+                                          <p:attrName>fill.type</p:attrName>
+                                        </p:attrNameLst>
+                                      </p:cBhvr>
+                                      <p:to>
+                                        <p:strVal val="solid"/>
+                                      </p:to>
+                                    </p:set>
+                                    <p:set>
+                                      <p:cBhvr>
+                                        <p:cTn id="14" dur="10" fill="hold"/>
+                                        <p:tgtEl>
+                                          <p:spTgt spid="8"/>
+                                        </p:tgtEl>
+                                        <p:attrNameLst>
+                                          <p:attrName>fill.on</p:attrName>
+                                        </p:attrNameLst>
+                                      </p:cBhvr>
+                                      <p:to>
+                                        <p:strVal val="true"/>
+                                      </p:to>
+                                    </p:set>
+                                  </p:childTnLst>
+                                </p:cTn>
+                              </p:par>
+                              <p:par>
+                                <p:cTn id="15" presetID="1" presetClass="emph" presetSubtype="2" fill="hold" nodeType="withEffect">
+                                  <p:stCondLst>
+                                    <p:cond delay="0"/>
+                                  </p:stCondLst>
+                                  <p:childTnLst>
+                                    <p:animClr clrSpc="rgb" dir="cw">
+                                      <p:cBhvr>
+                                        <p:cTn id="16" dur="10" fill="hold"/>
+                                        <p:tgtEl>
+                                          <p:spTgt spid="9"/>
+                                        </p:tgtEl>
+                                        <p:attrNameLst>
+                                          <p:attrName>fillcolor</p:attrName>
+                                        </p:attrNameLst>
+                                      </p:cBhvr>
+                                      <p:to>
+                                        <a:srgbClr val="196B24"/>
+                                      </p:to>
+                                    </p:animClr>
+                                    <p:set>
+                                      <p:cBhvr>
+                                        <p:cTn id="17" dur="10" fill="hold"/>
+                                        <p:tgtEl>
+                                          <p:spTgt spid="9"/>
+                                        </p:tgtEl>
+                                        <p:attrNameLst>
+                                          <p:attrName>fill.type</p:attrName>
+                                        </p:attrNameLst>
+                                      </p:cBhvr>
+                                      <p:to>
+                                        <p:strVal val="solid"/>
+                                      </p:to>
+                                    </p:set>
+                                    <p:set>
+                                      <p:cBhvr>
+                                        <p:cTn id="18" dur="10" fill="hold"/>
+                                        <p:tgtEl>
+                                          <p:spTgt spid="9"/>
+                                        </p:tgtEl>
+                                        <p:attrNameLst>
+                                          <p:attrName>fill.on</p:attrName>
+                                        </p:attrNameLst>
+                                      </p:cBhvr>
+                                      <p:to>
+                                        <p:strVal val="true"/>
+                                      </p:to>
+                                    </p:set>
+                                  </p:childTnLst>
+                                </p:cTn>
+                              </p:par>
+                            </p:childTnLst>
+                          </p:cTn>
+                        </p:par>
+                      </p:childTnLst>
+                    </p:cTn>
+                  </p:par>
+                </p:childTnLst>
+              </p:cTn>
+              <p:prevCondLst>
+                <p:cond evt="onPrev" delay="0">
+                  <p:tgtEl>
+                    <p:sldTgt/>
+                  </p:tgtEl>
+                </p:cond>
+              </p:prevCondLst>
+              <p:nextCondLst>
+                <p:cond evt="onNext" delay="0">
+                  <p:tgtEl>
+                    <p:sldTgt/>
+                  </p:tgtEl>
+                </p:cond>
+              </p:nextCondLst>
+            </p:seq>
+          </p:childTnLst>
+        </p:cTn>
+      </p:par>
+    </p:tnLst>
+    <p:bldLst>
+      <p:bldP spid="27" grpId="0" animBg="1"/>
+    </p:bldLst>
+  </p:timing>
+</p:sld>
+</file>
+
+<file path=ppt/slides/slide13.xml><?xml version="1.0" encoding="utf-8"?>
+<p:sld xmlns:a="http://schemas.openxmlformats.org/drawingml/2006/main" xmlns:r="http://schemas.openxmlformats.org/officeDocument/2006/relationships" xmlns:p="http://schemas.openxmlformats.org/presentationml/2006/main">
+  <p:cSld>
+    <p:spTree>
+      <p:nvGrpSpPr>
+        <p:cNvPr id="1" name=""/>
+        <p:cNvGrpSpPr/>
+        <p:nvPr/>
+      </p:nvGrpSpPr>
+      <p:grpSpPr>
+        <a:xfrm>
+          <a:off x="0" y="0"/>
+          <a:ext cx="0" cy="0"/>
+          <a:chOff x="0" y="0"/>
+          <a:chExt cx="0" cy="0"/>
+        </a:xfrm>
+      </p:grpSpPr>
+      <p:sp>
+        <p:nvSpPr>
+          <p:cNvPr id="2" name="Titolo 1">
+            <a:extLst>
+              <a:ext uri="{FF2B5EF4-FFF2-40B4-BE49-F238E27FC236}">
+                <a16:creationId xmlns:a16="http://schemas.microsoft.com/office/drawing/2014/main" id="{D5F58EEC-3A74-ACCB-9A51-3B63C7A951AF}"/>
+              </a:ext>
+            </a:extLst>
+          </p:cNvPr>
+          <p:cNvSpPr>
+            <a:spLocks noGrp="1"/>
+          </p:cNvSpPr>
+          <p:nvPr>
+            <p:ph type="title"/>
+          </p:nvPr>
+        </p:nvSpPr>
+        <p:spPr/>
+        <p:txBody>
+          <a:bodyPr>
+            <a:normAutofit/>
+          </a:bodyPr>
+          <a:lstStyle/>
+          <a:p>
+            <a:r>
+              <a:rPr lang="en-US" dirty="0">
+                <a:latin typeface="Aptos SemiBold" panose="020B0004020202020204" pitchFamily="34" charset="0"/>
+              </a:rPr>
+              <a:t>Vision-based navigation – Cameras</a:t>
+            </a:r>
+            <a:endParaRPr lang="it-IT" dirty="0">
+              <a:latin typeface="Aptos SemiBold" panose="020B0004020202020204" pitchFamily="34" charset="0"/>
+            </a:endParaRPr>
+          </a:p>
+        </p:txBody>
+      </p:sp>
+      <p:pic>
+        <p:nvPicPr>
+          <p:cNvPr id="4" name="Immagine 3">
+            <a:extLst>
+              <a:ext uri="{FF2B5EF4-FFF2-40B4-BE49-F238E27FC236}">
+                <a16:creationId xmlns:a16="http://schemas.microsoft.com/office/drawing/2014/main" id="{CB1FFB52-928C-7EDA-3C3B-6E1F60CA0E58}"/>
+              </a:ext>
+            </a:extLst>
+          </p:cNvPr>
+          <p:cNvPicPr>
+            <a:picLocks noChangeAspect="1"/>
+          </p:cNvPicPr>
+          <p:nvPr/>
+        </p:nvPicPr>
+        <p:blipFill>
+          <a:blip r:embed="rId2"/>
+          <a:stretch>
+            <a:fillRect/>
+          </a:stretch>
+        </p:blipFill>
+        <p:spPr>
+          <a:xfrm>
+            <a:off x="838200" y="1487928"/>
+            <a:ext cx="6142782" cy="36000"/>
+          </a:xfrm>
+          <a:prstGeom prst="rect">
+            <a:avLst/>
+          </a:prstGeom>
+        </p:spPr>
+      </p:pic>
+      <p:sp>
+        <p:nvSpPr>
+          <p:cNvPr id="3" name="TextBox 2">
+            <a:extLst>
+              <a:ext uri="{FF2B5EF4-FFF2-40B4-BE49-F238E27FC236}">
+                <a16:creationId xmlns:a16="http://schemas.microsoft.com/office/drawing/2014/main" id="{36DA7C5C-738B-5849-958A-7F3D9369CCFA}"/>
+              </a:ext>
+            </a:extLst>
+          </p:cNvPr>
+          <p:cNvSpPr txBox="1"/>
+          <p:nvPr/>
+        </p:nvSpPr>
+        <p:spPr>
+          <a:xfrm>
+            <a:off x="1855223" y="2828835"/>
+            <a:ext cx="8481553" cy="1200329"/>
+          </a:xfrm>
+          <a:prstGeom prst="rect">
+            <a:avLst/>
+          </a:prstGeom>
+          <a:noFill/>
+        </p:spPr>
+        <p:txBody>
+          <a:bodyPr wrap="none" rtlCol="0">
+            <a:spAutoFit/>
+          </a:bodyPr>
+          <a:lstStyle/>
+          <a:p>
+            <a:r>
+              <a:rPr lang="en-US" dirty="0"/>
+              <a:t>TALK ABOUT:</a:t>
+            </a:r>
+          </a:p>
+          <a:p>
+            <a:pPr marL="285750" indent="-285750">
+              <a:buFontTx/>
+              <a:buChar char="-"/>
+            </a:pPr>
+            <a:r>
+              <a:rPr lang="en-US" dirty="0"/>
+              <a:t>HOW CAMERAS ARE NOT AGENTS BUT A SENSORS</a:t>
+            </a:r>
+          </a:p>
+          <a:p>
+            <a:pPr marL="285750" indent="-285750">
+              <a:buFontTx/>
+              <a:buChar char="-"/>
+            </a:pPr>
+            <a:r>
+              <a:rPr lang="it-IT" dirty="0"/>
+              <a:t>DIFFERENCE BETWEEN COLOR AND DEPTH CAMERAS</a:t>
+            </a:r>
+          </a:p>
+          <a:p>
+            <a:pPr marL="285750" indent="-285750">
+              <a:buFontTx/>
+              <a:buChar char="-"/>
+            </a:pPr>
+            <a:r>
+              <a:rPr lang="it-IT" dirty="0"/>
+              <a:t>IMAGES COPY FROM GPU TO MAIN MEMORY FOR OBSERVATION COMPUTATION</a:t>
+            </a:r>
+          </a:p>
+        </p:txBody>
+      </p:sp>
+    </p:spTree>
+    <p:extLst>
+      <p:ext uri="{BB962C8B-B14F-4D97-AF65-F5344CB8AC3E}">
+        <p14:creationId xmlns:p14="http://schemas.microsoft.com/office/powerpoint/2010/main" val="4032217374"/>
+      </p:ext>
+    </p:extLst>
+  </p:cSld>
+  <p:clrMapOvr>
+    <a:masterClrMapping/>
+  </p:clrMapOvr>
+</p:sld>
+</file>
+
+<file path=ppt/slides/slide14.xml><?xml version="1.0" encoding="utf-8"?>
+<p:sld xmlns:a="http://schemas.openxmlformats.org/drawingml/2006/main" xmlns:r="http://schemas.openxmlformats.org/officeDocument/2006/relationships" xmlns:p="http://schemas.openxmlformats.org/presentationml/2006/main">
+  <p:cSld>
+    <p:spTree>
+      <p:nvGrpSpPr>
+        <p:cNvPr id="1" name=""/>
+        <p:cNvGrpSpPr/>
+        <p:nvPr/>
+      </p:nvGrpSpPr>
+      <p:grpSpPr>
+        <a:xfrm>
+          <a:off x="0" y="0"/>
+          <a:ext cx="0" cy="0"/>
+          <a:chOff x="0" y="0"/>
+          <a:chExt cx="0" cy="0"/>
+        </a:xfrm>
+      </p:grpSpPr>
+      <p:sp>
+        <p:nvSpPr>
+          <p:cNvPr id="99" name="Rectangle: Rounded Corners 98">
+            <a:extLst>
+              <a:ext uri="{FF2B5EF4-FFF2-40B4-BE49-F238E27FC236}">
+                <a16:creationId xmlns:a16="http://schemas.microsoft.com/office/drawing/2014/main" id="{01BEA770-C534-0FAA-2E9E-0EFA58DA671F}"/>
+              </a:ext>
+            </a:extLst>
+          </p:cNvPr>
+          <p:cNvSpPr>
+            <a:spLocks/>
+          </p:cNvSpPr>
+          <p:nvPr/>
+        </p:nvSpPr>
+        <p:spPr>
+          <a:xfrm>
+            <a:off x="3141290" y="1792353"/>
+            <a:ext cx="8847510" cy="4596148"/>
+          </a:xfrm>
+          <a:prstGeom prst="roundRect">
+            <a:avLst>
+              <a:gd name="adj" fmla="val 5617"/>
+            </a:avLst>
+          </a:prstGeom>
+          <a:noFill/>
+          <a:ln>
+            <a:solidFill>
+              <a:schemeClr val="bg1">
+                <a:lumMod val="75000"/>
+              </a:schemeClr>
+            </a:solidFill>
+          </a:ln>
+        </p:spPr>
+        <p:style>
+          <a:lnRef idx="2">
+            <a:schemeClr val="accent1"/>
+          </a:lnRef>
+          <a:fillRef idx="1">
+            <a:schemeClr val="lt1"/>
+          </a:fillRef>
+          <a:effectRef idx="0">
+            <a:schemeClr val="accent1"/>
+          </a:effectRef>
+          <a:fontRef idx="minor">
+            <a:schemeClr val="dk1"/>
+          </a:fontRef>
+        </p:style>
+        <p:txBody>
+          <a:bodyPr rtlCol="0" anchor="ctr"/>
+          <a:lstStyle/>
+          <a:p>
+            <a:pPr algn="ctr"/>
+            <a:endParaRPr lang="it-IT" dirty="0"/>
+          </a:p>
+        </p:txBody>
+      </p:sp>
+      <p:sp>
+        <p:nvSpPr>
+          <p:cNvPr id="2" name="Titolo 1">
+            <a:extLst>
+              <a:ext uri="{FF2B5EF4-FFF2-40B4-BE49-F238E27FC236}">
+                <a16:creationId xmlns:a16="http://schemas.microsoft.com/office/drawing/2014/main" id="{D5F58EEC-3A74-ACCB-9A51-3B63C7A951AF}"/>
+              </a:ext>
+            </a:extLst>
+          </p:cNvPr>
+          <p:cNvSpPr>
+            <a:spLocks noGrp="1"/>
+          </p:cNvSpPr>
+          <p:nvPr>
+            <p:ph type="title"/>
+          </p:nvPr>
+        </p:nvSpPr>
+        <p:spPr/>
+        <p:txBody>
+          <a:bodyPr>
+            <a:normAutofit/>
+          </a:bodyPr>
+          <a:lstStyle/>
+          <a:p>
+            <a:r>
+              <a:rPr lang="en-US" dirty="0">
+                <a:latin typeface="Aptos SemiBold" panose="020B0004020202020204" pitchFamily="34" charset="0"/>
+              </a:rPr>
+              <a:t>Vision-based navigation – SKRL Model</a:t>
+            </a:r>
+            <a:endParaRPr lang="it-IT" dirty="0">
+              <a:latin typeface="Aptos SemiBold" panose="020B0004020202020204" pitchFamily="34" charset="0"/>
+            </a:endParaRPr>
+          </a:p>
+        </p:txBody>
+      </p:sp>
+      <p:pic>
+        <p:nvPicPr>
+          <p:cNvPr id="4" name="Immagine 3">
+            <a:extLst>
+              <a:ext uri="{FF2B5EF4-FFF2-40B4-BE49-F238E27FC236}">
+                <a16:creationId xmlns:a16="http://schemas.microsoft.com/office/drawing/2014/main" id="{CB1FFB52-928C-7EDA-3C3B-6E1F60CA0E58}"/>
+              </a:ext>
+            </a:extLst>
+          </p:cNvPr>
+          <p:cNvPicPr>
+            <a:picLocks noChangeAspect="1"/>
+          </p:cNvPicPr>
+          <p:nvPr/>
+        </p:nvPicPr>
+        <p:blipFill>
+          <a:blip r:embed="rId2"/>
+          <a:stretch>
+            <a:fillRect/>
+          </a:stretch>
+        </p:blipFill>
+        <p:spPr>
+          <a:xfrm>
+            <a:off x="838200" y="1487928"/>
+            <a:ext cx="6142782" cy="36000"/>
+          </a:xfrm>
+          <a:prstGeom prst="rect">
+            <a:avLst/>
+          </a:prstGeom>
+        </p:spPr>
+      </p:pic>
+      <p:grpSp>
+        <p:nvGrpSpPr>
+          <p:cNvPr id="126" name="Group 125">
+            <a:extLst>
+              <a:ext uri="{FF2B5EF4-FFF2-40B4-BE49-F238E27FC236}">
+                <a16:creationId xmlns:a16="http://schemas.microsoft.com/office/drawing/2014/main" id="{7B17C830-57D2-EC2C-DC21-E64DBA1B1A5E}"/>
+              </a:ext>
+            </a:extLst>
+          </p:cNvPr>
+          <p:cNvGrpSpPr/>
+          <p:nvPr/>
+        </p:nvGrpSpPr>
+        <p:grpSpPr>
+          <a:xfrm>
+            <a:off x="7837503" y="3260202"/>
+            <a:ext cx="1840679" cy="1570814"/>
+            <a:chOff x="7954172" y="3272330"/>
+            <a:chExt cx="1840679" cy="1570814"/>
+          </a:xfrm>
+        </p:grpSpPr>
+        <p:sp>
+          <p:nvSpPr>
+            <p:cNvPr id="60" name="TextBox 59">
+              <a:extLst>
+                <a:ext uri="{FF2B5EF4-FFF2-40B4-BE49-F238E27FC236}">
+                  <a16:creationId xmlns:a16="http://schemas.microsoft.com/office/drawing/2014/main" id="{63E2F909-1E46-8372-31B1-0879D5D3F3A1}"/>
+                </a:ext>
+              </a:extLst>
+            </p:cNvPr>
+            <p:cNvSpPr txBox="1"/>
+            <p:nvPr/>
+          </p:nvSpPr>
+          <p:spPr>
+            <a:xfrm>
+              <a:off x="8405473" y="3272330"/>
+              <a:ext cx="938077" cy="369332"/>
+            </a:xfrm>
+            <a:prstGeom prst="rect">
+              <a:avLst/>
+            </a:prstGeom>
+            <a:noFill/>
+          </p:spPr>
+          <p:txBody>
+            <a:bodyPr wrap="none" rtlCol="0">
+              <a:spAutoFit/>
+            </a:bodyPr>
+            <a:lstStyle/>
+            <a:p>
+              <a:r>
+                <a:rPr lang="en-US" dirty="0"/>
+                <a:t>Actions</a:t>
+              </a:r>
+              <a:endParaRPr lang="it-IT" dirty="0"/>
+            </a:p>
+          </p:txBody>
+        </p:sp>
+        <p:grpSp>
+          <p:nvGrpSpPr>
+            <p:cNvPr id="125" name="Group 124">
+              <a:extLst>
+                <a:ext uri="{FF2B5EF4-FFF2-40B4-BE49-F238E27FC236}">
+                  <a16:creationId xmlns:a16="http://schemas.microsoft.com/office/drawing/2014/main" id="{23F60516-DCBA-0817-D950-AFFA8A8C0AD2}"/>
+                </a:ext>
+              </a:extLst>
+            </p:cNvPr>
+            <p:cNvGrpSpPr/>
+            <p:nvPr/>
+          </p:nvGrpSpPr>
+          <p:grpSpPr>
+            <a:xfrm>
+              <a:off x="7954172" y="3665468"/>
+              <a:ext cx="1840679" cy="1177676"/>
+              <a:chOff x="7954172" y="3665468"/>
+              <a:chExt cx="1840679" cy="1177676"/>
+            </a:xfrm>
+          </p:grpSpPr>
+          <p:sp>
+            <p:nvSpPr>
+              <p:cNvPr id="61" name="TextBox 60">
+                <a:extLst>
+                  <a:ext uri="{FF2B5EF4-FFF2-40B4-BE49-F238E27FC236}">
+                    <a16:creationId xmlns:a16="http://schemas.microsoft.com/office/drawing/2014/main" id="{781787CE-2637-76DF-97EE-7F2695873D77}"/>
+                  </a:ext>
+                </a:extLst>
+              </p:cNvPr>
+              <p:cNvSpPr txBox="1"/>
+              <p:nvPr/>
+            </p:nvSpPr>
+            <p:spPr>
+              <a:xfrm>
+                <a:off x="8746590" y="4146839"/>
+                <a:ext cx="1048261" cy="584775"/>
+              </a:xfrm>
+              <a:prstGeom prst="rect">
+                <a:avLst/>
+              </a:prstGeom>
+              <a:noFill/>
+            </p:spPr>
+            <p:txBody>
+              <a:bodyPr wrap="square" rtlCol="0">
+                <a:spAutoFit/>
+              </a:bodyPr>
+              <a:lstStyle/>
+              <a:p>
+                <a:r>
+                  <a:rPr lang="en-US" sz="1600" dirty="0">
+                    <a:solidFill>
+                      <a:schemeClr val="accent3"/>
+                    </a:solidFill>
+                  </a:rPr>
+                  <a:t>Linear Velocities</a:t>
+                </a:r>
+                <a:endParaRPr lang="it-IT" sz="1600" dirty="0">
+                  <a:solidFill>
+                    <a:schemeClr val="accent3"/>
+                  </a:solidFill>
+                </a:endParaRPr>
+              </a:p>
+            </p:txBody>
+          </p:sp>
+          <p:pic>
+            <p:nvPicPr>
+              <p:cNvPr id="55" name="Graphic 54">
+                <a:extLst>
+                  <a:ext uri="{FF2B5EF4-FFF2-40B4-BE49-F238E27FC236}">
+                    <a16:creationId xmlns:a16="http://schemas.microsoft.com/office/drawing/2014/main" id="{6FF80E69-A9B8-6857-4502-A050C6CD1F6E}"/>
+                  </a:ext>
+                </a:extLst>
+              </p:cNvPr>
+              <p:cNvPicPr>
+                <a:picLocks noChangeAspect="1"/>
+              </p:cNvPicPr>
+              <p:nvPr/>
+            </p:nvPicPr>
+            <p:blipFill>
+              <a:blip r:embed="rId3">
+                <a:extLst>
+                  <a:ext uri="{96DAC541-7B7A-43D3-8B79-37D633B846F1}">
+                    <asvg:svgBlip xmlns:asvg="http://schemas.microsoft.com/office/drawing/2016/SVG/main" r:embed="rId4"/>
+                  </a:ext>
+                </a:extLst>
+              </a:blip>
+              <a:stretch>
+                <a:fillRect/>
+              </a:stretch>
+            </p:blipFill>
+            <p:spPr>
+              <a:xfrm>
+                <a:off x="7954172" y="3676544"/>
+                <a:ext cx="566604" cy="1166600"/>
+              </a:xfrm>
+              <a:prstGeom prst="rect">
+                <a:avLst/>
+              </a:prstGeom>
+            </p:spPr>
+          </p:pic>
+          <p:sp>
+            <p:nvSpPr>
+              <p:cNvPr id="56" name="Left Brace 55">
+                <a:extLst>
+                  <a:ext uri="{FF2B5EF4-FFF2-40B4-BE49-F238E27FC236}">
+                    <a16:creationId xmlns:a16="http://schemas.microsoft.com/office/drawing/2014/main" id="{E55727D5-1BD0-8C4B-AAEA-698B3A54B129}"/>
+                  </a:ext>
+                </a:extLst>
+              </p:cNvPr>
+              <p:cNvSpPr/>
+              <p:nvPr/>
+            </p:nvSpPr>
+            <p:spPr>
+              <a:xfrm rot="10800000">
+                <a:off x="8562498" y="4081976"/>
+                <a:ext cx="205665" cy="714502"/>
+              </a:xfrm>
+              <a:prstGeom prst="leftBrace">
+                <a:avLst>
+                  <a:gd name="adj1" fmla="val 61263"/>
+                  <a:gd name="adj2" fmla="val 50000"/>
+                </a:avLst>
+              </a:prstGeom>
+              <a:ln>
+                <a:solidFill>
+                  <a:schemeClr val="accent3"/>
+                </a:solidFill>
+              </a:ln>
+            </p:spPr>
+            <p:style>
+              <a:lnRef idx="2">
+                <a:schemeClr val="accent1"/>
+              </a:lnRef>
+              <a:fillRef idx="0">
+                <a:schemeClr val="accent1"/>
+              </a:fillRef>
+              <a:effectRef idx="1">
+                <a:schemeClr val="accent1"/>
+              </a:effectRef>
+              <a:fontRef idx="minor">
+                <a:schemeClr val="tx1"/>
+              </a:fontRef>
+            </p:style>
+            <p:txBody>
+              <a:bodyPr rtlCol="0" anchor="ctr"/>
+              <a:lstStyle/>
+              <a:p>
+                <a:pPr algn="ctr"/>
+                <a:endParaRPr lang="it-IT" dirty="0">
+                  <a:solidFill>
+                    <a:schemeClr val="accent3"/>
+                  </a:solidFill>
+                </a:endParaRPr>
+              </a:p>
+            </p:txBody>
+          </p:sp>
+          <p:cxnSp>
+            <p:nvCxnSpPr>
+              <p:cNvPr id="64" name="Straight Arrow Connector 63">
+                <a:extLst>
+                  <a:ext uri="{FF2B5EF4-FFF2-40B4-BE49-F238E27FC236}">
+                    <a16:creationId xmlns:a16="http://schemas.microsoft.com/office/drawing/2014/main" id="{A6B9ECB1-0926-FA60-A89A-58F314643D95}"/>
+                  </a:ext>
+                </a:extLst>
+              </p:cNvPr>
+              <p:cNvCxnSpPr>
+                <a:cxnSpLocks/>
+              </p:cNvCxnSpPr>
+              <p:nvPr/>
+            </p:nvCxnSpPr>
+            <p:spPr>
+              <a:xfrm>
+                <a:off x="8542191" y="3834745"/>
+                <a:ext cx="205665" cy="0"/>
+              </a:xfrm>
+              <a:prstGeom prst="straightConnector1">
+                <a:avLst/>
+              </a:prstGeom>
+              <a:ln>
+                <a:tailEnd type="triangle"/>
+              </a:ln>
+            </p:spPr>
+            <p:style>
+              <a:lnRef idx="2">
+                <a:schemeClr val="accent1"/>
+              </a:lnRef>
+              <a:fillRef idx="0">
+                <a:schemeClr val="accent1"/>
+              </a:fillRef>
+              <a:effectRef idx="1">
+                <a:schemeClr val="accent1"/>
+              </a:effectRef>
+              <a:fontRef idx="minor">
+                <a:schemeClr val="tx1"/>
+              </a:fontRef>
+            </p:style>
+          </p:cxnSp>
+          <p:sp>
+            <p:nvSpPr>
+              <p:cNvPr id="66" name="TextBox 65">
+                <a:extLst>
+                  <a:ext uri="{FF2B5EF4-FFF2-40B4-BE49-F238E27FC236}">
+                    <a16:creationId xmlns:a16="http://schemas.microsoft.com/office/drawing/2014/main" id="{4BF18E8D-5206-8716-9E36-82FA77BDCEC2}"/>
+                  </a:ext>
+                </a:extLst>
+              </p:cNvPr>
+              <p:cNvSpPr txBox="1"/>
+              <p:nvPr/>
+            </p:nvSpPr>
+            <p:spPr>
+              <a:xfrm>
+                <a:off x="8732483" y="3665468"/>
+                <a:ext cx="1001090" cy="338554"/>
+              </a:xfrm>
+              <a:prstGeom prst="rect">
+                <a:avLst/>
+              </a:prstGeom>
+              <a:noFill/>
+            </p:spPr>
+            <p:txBody>
+              <a:bodyPr wrap="square" rtlCol="0">
+                <a:spAutoFit/>
+              </a:bodyPr>
+              <a:lstStyle/>
+              <a:p>
+                <a:r>
+                  <a:rPr lang="en-US" sz="1600" dirty="0">
+                    <a:solidFill>
+                      <a:schemeClr val="accent1"/>
+                    </a:solidFill>
+                  </a:rPr>
+                  <a:t>Yaw Rate</a:t>
+                </a:r>
+                <a:endParaRPr lang="it-IT" sz="1600" dirty="0">
+                  <a:solidFill>
+                    <a:schemeClr val="accent1"/>
+                  </a:solidFill>
+                </a:endParaRPr>
+              </a:p>
+            </p:txBody>
+          </p:sp>
+        </p:grpSp>
+      </p:grpSp>
+      <p:sp>
+        <p:nvSpPr>
+          <p:cNvPr id="75" name="Rectangle: Rounded Corners 74">
+            <a:extLst>
+              <a:ext uri="{FF2B5EF4-FFF2-40B4-BE49-F238E27FC236}">
+                <a16:creationId xmlns:a16="http://schemas.microsoft.com/office/drawing/2014/main" id="{8B88C7D9-9233-AF62-C0CD-641D729C8B68}"/>
+              </a:ext>
+            </a:extLst>
+          </p:cNvPr>
+          <p:cNvSpPr/>
+          <p:nvPr/>
+        </p:nvSpPr>
+        <p:spPr>
+          <a:xfrm>
+            <a:off x="10224574" y="3896163"/>
+            <a:ext cx="1509485" cy="696684"/>
+          </a:xfrm>
+          <a:prstGeom prst="roundRect">
+            <a:avLst/>
+          </a:prstGeom>
+        </p:spPr>
+        <p:style>
+          <a:lnRef idx="2">
+            <a:schemeClr val="accent1">
+              <a:shade val="15000"/>
+            </a:schemeClr>
+          </a:lnRef>
+          <a:fillRef idx="1">
+            <a:schemeClr val="accent1"/>
+          </a:fillRef>
+          <a:effectRef idx="0">
+            <a:schemeClr val="accent1"/>
+          </a:effectRef>
+          <a:fontRef idx="minor">
+            <a:schemeClr val="lt1"/>
+          </a:fontRef>
+        </p:style>
+        <p:txBody>
+          <a:bodyPr rtlCol="0" anchor="ctr"/>
+          <a:lstStyle/>
+          <a:p>
+            <a:pPr algn="ctr"/>
+            <a:r>
+              <a:rPr lang="en-US" dirty="0"/>
+              <a:t>Flight Controller</a:t>
+            </a:r>
+            <a:endParaRPr lang="it-IT" dirty="0"/>
+          </a:p>
+        </p:txBody>
+      </p:sp>
+      <p:sp>
+        <p:nvSpPr>
+          <p:cNvPr id="76" name="Right Brace 75">
+            <a:extLst>
+              <a:ext uri="{FF2B5EF4-FFF2-40B4-BE49-F238E27FC236}">
+                <a16:creationId xmlns:a16="http://schemas.microsoft.com/office/drawing/2014/main" id="{D5381AAB-7B25-8B7A-22CF-BDB3B93194C9}"/>
+              </a:ext>
+            </a:extLst>
+          </p:cNvPr>
+          <p:cNvSpPr/>
+          <p:nvPr/>
+        </p:nvSpPr>
+        <p:spPr>
+          <a:xfrm>
+            <a:off x="9628914" y="3657995"/>
+            <a:ext cx="297038" cy="1173021"/>
+          </a:xfrm>
+          <a:prstGeom prst="rightBrace">
+            <a:avLst>
+              <a:gd name="adj1" fmla="val 0"/>
+              <a:gd name="adj2" fmla="val 50000"/>
+            </a:avLst>
+          </a:prstGeom>
+        </p:spPr>
+        <p:style>
+          <a:lnRef idx="2">
+            <a:schemeClr val="dk1"/>
+          </a:lnRef>
+          <a:fillRef idx="0">
+            <a:schemeClr val="dk1"/>
+          </a:fillRef>
+          <a:effectRef idx="1">
+            <a:schemeClr val="dk1"/>
+          </a:effectRef>
+          <a:fontRef idx="minor">
+            <a:schemeClr val="tx1"/>
+          </a:fontRef>
+        </p:style>
+        <p:txBody>
+          <a:bodyPr rtlCol="0" anchor="ctr"/>
+          <a:lstStyle/>
+          <a:p>
+            <a:pPr algn="ctr"/>
+            <a:endParaRPr lang="it-IT" dirty="0"/>
+          </a:p>
+        </p:txBody>
+      </p:sp>
+      <p:grpSp>
+        <p:nvGrpSpPr>
+          <p:cNvPr id="95" name="Group 94">
+            <a:extLst>
+              <a:ext uri="{FF2B5EF4-FFF2-40B4-BE49-F238E27FC236}">
+                <a16:creationId xmlns:a16="http://schemas.microsoft.com/office/drawing/2014/main" id="{82F5D85D-C5B4-9A3F-286A-3DC17A8D4875}"/>
+              </a:ext>
+            </a:extLst>
+          </p:cNvPr>
+          <p:cNvGrpSpPr/>
+          <p:nvPr/>
+        </p:nvGrpSpPr>
+        <p:grpSpPr>
+          <a:xfrm>
+            <a:off x="128142" y="1792353"/>
+            <a:ext cx="3202887" cy="4965480"/>
+            <a:chOff x="128142" y="1966525"/>
+            <a:chExt cx="3202887" cy="4965480"/>
+          </a:xfrm>
+        </p:grpSpPr>
+        <p:sp>
+          <p:nvSpPr>
+            <p:cNvPr id="93" name="Rectangle: Rounded Corners 92">
+              <a:extLst>
+                <a:ext uri="{FF2B5EF4-FFF2-40B4-BE49-F238E27FC236}">
+                  <a16:creationId xmlns:a16="http://schemas.microsoft.com/office/drawing/2014/main" id="{17D95BAD-CF43-12B5-D736-0F22D557D561}"/>
+                </a:ext>
+              </a:extLst>
+            </p:cNvPr>
+            <p:cNvSpPr/>
+            <p:nvPr/>
+          </p:nvSpPr>
+          <p:spPr>
+            <a:xfrm>
+              <a:off x="128142" y="1966525"/>
+              <a:ext cx="2627086" cy="4579247"/>
+            </a:xfrm>
+            <a:prstGeom prst="roundRect">
+              <a:avLst>
+                <a:gd name="adj" fmla="val 5617"/>
+              </a:avLst>
+            </a:prstGeom>
+            <a:noFill/>
+            <a:ln>
+              <a:solidFill>
+                <a:schemeClr val="bg1">
+                  <a:lumMod val="75000"/>
+                </a:schemeClr>
+              </a:solidFill>
+            </a:ln>
+          </p:spPr>
+          <p:style>
+            <a:lnRef idx="2">
+              <a:schemeClr val="accent1"/>
+            </a:lnRef>
+            <a:fillRef idx="1">
+              <a:schemeClr val="lt1"/>
+            </a:fillRef>
+            <a:effectRef idx="0">
+              <a:schemeClr val="accent1"/>
+            </a:effectRef>
+            <a:fontRef idx="minor">
+              <a:schemeClr val="dk1"/>
+            </a:fontRef>
+          </p:style>
+          <p:txBody>
+            <a:bodyPr rtlCol="0" anchor="ctr"/>
+            <a:lstStyle/>
+            <a:p>
+              <a:pPr algn="ctr"/>
+              <a:endParaRPr lang="it-IT" dirty="0"/>
+            </a:p>
+          </p:txBody>
+        </p:sp>
+        <p:grpSp>
+          <p:nvGrpSpPr>
+            <p:cNvPr id="84" name="Group 83">
+              <a:extLst>
+                <a:ext uri="{FF2B5EF4-FFF2-40B4-BE49-F238E27FC236}">
+                  <a16:creationId xmlns:a16="http://schemas.microsoft.com/office/drawing/2014/main" id="{0542501E-2185-C85B-1A7A-6F72A5C904CC}"/>
+                </a:ext>
+              </a:extLst>
+            </p:cNvPr>
+            <p:cNvGrpSpPr/>
+            <p:nvPr/>
+          </p:nvGrpSpPr>
+          <p:grpSpPr>
+            <a:xfrm>
+              <a:off x="286731" y="2489885"/>
+              <a:ext cx="2190377" cy="3884633"/>
+              <a:chOff x="1635322" y="2453615"/>
+              <a:chExt cx="2190377" cy="3884633"/>
+            </a:xfrm>
+          </p:grpSpPr>
+          <p:pic>
+            <p:nvPicPr>
+              <p:cNvPr id="13" name="Graphic 12">
+                <a:extLst>
+                  <a:ext uri="{FF2B5EF4-FFF2-40B4-BE49-F238E27FC236}">
+                    <a16:creationId xmlns:a16="http://schemas.microsoft.com/office/drawing/2014/main" id="{056C63BC-BC08-C1AB-23EF-34836002BE4A}"/>
+                  </a:ext>
+                </a:extLst>
+              </p:cNvPr>
+              <p:cNvPicPr>
+                <a:picLocks noChangeAspect="1"/>
+              </p:cNvPicPr>
+              <p:nvPr/>
+            </p:nvPicPr>
+            <p:blipFill>
+              <a:blip r:embed="rId5">
+                <a:extLst>
+                  <a:ext uri="{96DAC541-7B7A-43D3-8B79-37D633B846F1}">
+                    <asvg:svgBlip xmlns:asvg="http://schemas.microsoft.com/office/drawing/2016/SVG/main" r:embed="rId6"/>
+                  </a:ext>
+                </a:extLst>
+              </a:blip>
+              <a:stretch>
+                <a:fillRect/>
+              </a:stretch>
+            </p:blipFill>
+            <p:spPr>
+              <a:xfrm>
+                <a:off x="1635322" y="2453615"/>
+                <a:ext cx="597924" cy="3877859"/>
+              </a:xfrm>
+              <a:prstGeom prst="rect">
+                <a:avLst/>
+              </a:prstGeom>
+            </p:spPr>
+          </p:pic>
+          <p:sp>
+            <p:nvSpPr>
+              <p:cNvPr id="16" name="Left Brace 15">
+                <a:extLst>
+                  <a:ext uri="{FF2B5EF4-FFF2-40B4-BE49-F238E27FC236}">
+                    <a16:creationId xmlns:a16="http://schemas.microsoft.com/office/drawing/2014/main" id="{D698D228-FB12-BA20-2E82-94E79DFE88F3}"/>
+                  </a:ext>
+                </a:extLst>
+              </p:cNvPr>
+              <p:cNvSpPr/>
+              <p:nvPr/>
+            </p:nvSpPr>
+            <p:spPr>
+              <a:xfrm rot="10800000">
+                <a:off x="2242456" y="2453615"/>
+                <a:ext cx="205665" cy="783073"/>
+              </a:xfrm>
+              <a:prstGeom prst="leftBrace">
+                <a:avLst>
+                  <a:gd name="adj1" fmla="val 61263"/>
+                  <a:gd name="adj2" fmla="val 50000"/>
+                </a:avLst>
+              </a:prstGeom>
+            </p:spPr>
+            <p:style>
+              <a:lnRef idx="2">
+                <a:schemeClr val="accent1"/>
+              </a:lnRef>
+              <a:fillRef idx="0">
+                <a:schemeClr val="accent1"/>
+              </a:fillRef>
+              <a:effectRef idx="1">
+                <a:schemeClr val="accent1"/>
+              </a:effectRef>
+              <a:fontRef idx="minor">
+                <a:schemeClr val="tx1"/>
+              </a:fontRef>
+            </p:style>
+            <p:txBody>
+              <a:bodyPr rtlCol="0" anchor="ctr"/>
+              <a:lstStyle/>
+              <a:p>
+                <a:pPr algn="ctr"/>
+                <a:endParaRPr lang="it-IT"/>
+              </a:p>
+            </p:txBody>
+          </p:sp>
+          <p:sp>
+            <p:nvSpPr>
+              <p:cNvPr id="18" name="Left Brace 17">
+                <a:extLst>
+                  <a:ext uri="{FF2B5EF4-FFF2-40B4-BE49-F238E27FC236}">
+                    <a16:creationId xmlns:a16="http://schemas.microsoft.com/office/drawing/2014/main" id="{6A317C52-17DA-020E-BCC6-1B6F23ACD454}"/>
+                  </a:ext>
+                </a:extLst>
+              </p:cNvPr>
+              <p:cNvSpPr/>
+              <p:nvPr/>
+            </p:nvSpPr>
+            <p:spPr>
+              <a:xfrm rot="10800000">
+                <a:off x="2236501" y="3382578"/>
+                <a:ext cx="205665" cy="1097744"/>
+              </a:xfrm>
+              <a:prstGeom prst="leftBrace">
+                <a:avLst>
+                  <a:gd name="adj1" fmla="val 61263"/>
+                  <a:gd name="adj2" fmla="val 50000"/>
+                </a:avLst>
+              </a:prstGeom>
+              <a:ln>
+                <a:solidFill>
+                  <a:schemeClr val="accent2"/>
+                </a:solidFill>
+              </a:ln>
+            </p:spPr>
+            <p:style>
+              <a:lnRef idx="2">
+                <a:schemeClr val="accent1"/>
+              </a:lnRef>
+              <a:fillRef idx="0">
+                <a:schemeClr val="accent1"/>
+              </a:fillRef>
+              <a:effectRef idx="1">
+                <a:schemeClr val="accent1"/>
+              </a:effectRef>
+              <a:fontRef idx="minor">
+                <a:schemeClr val="tx1"/>
+              </a:fontRef>
+            </p:style>
+            <p:txBody>
+              <a:bodyPr rtlCol="0" anchor="ctr"/>
+              <a:lstStyle/>
+              <a:p>
+                <a:pPr algn="ctr"/>
+                <a:endParaRPr lang="it-IT"/>
+              </a:p>
+            </p:txBody>
+          </p:sp>
+          <p:sp>
+            <p:nvSpPr>
+              <p:cNvPr id="19" name="Left Brace 18">
+                <a:extLst>
+                  <a:ext uri="{FF2B5EF4-FFF2-40B4-BE49-F238E27FC236}">
+                    <a16:creationId xmlns:a16="http://schemas.microsoft.com/office/drawing/2014/main" id="{1DAE7E2A-9BEB-79B7-F4B5-888C718A7EC3}"/>
+                  </a:ext>
+                </a:extLst>
+              </p:cNvPr>
+              <p:cNvSpPr/>
+              <p:nvPr/>
+            </p:nvSpPr>
+            <p:spPr>
+              <a:xfrm rot="10800000">
+                <a:off x="2242233" y="4626212"/>
+                <a:ext cx="205665" cy="783073"/>
+              </a:xfrm>
+              <a:prstGeom prst="leftBrace">
+                <a:avLst>
+                  <a:gd name="adj1" fmla="val 61263"/>
+                  <a:gd name="adj2" fmla="val 50000"/>
+                </a:avLst>
+              </a:prstGeom>
+              <a:ln>
+                <a:solidFill>
+                  <a:schemeClr val="accent3"/>
+                </a:solidFill>
+              </a:ln>
+            </p:spPr>
+            <p:style>
+              <a:lnRef idx="2">
+                <a:schemeClr val="accent1"/>
+              </a:lnRef>
+              <a:fillRef idx="0">
+                <a:schemeClr val="accent1"/>
+              </a:fillRef>
+              <a:effectRef idx="1">
+                <a:schemeClr val="accent1"/>
+              </a:effectRef>
+              <a:fontRef idx="minor">
+                <a:schemeClr val="tx1"/>
+              </a:fontRef>
+            </p:style>
+            <p:txBody>
+              <a:bodyPr rtlCol="0" anchor="ctr"/>
+              <a:lstStyle/>
+              <a:p>
+                <a:pPr algn="ctr"/>
+                <a:endParaRPr lang="it-IT"/>
+              </a:p>
+            </p:txBody>
+          </p:sp>
+          <p:sp>
+            <p:nvSpPr>
+              <p:cNvPr id="20" name="Left Brace 19">
+                <a:extLst>
+                  <a:ext uri="{FF2B5EF4-FFF2-40B4-BE49-F238E27FC236}">
+                    <a16:creationId xmlns:a16="http://schemas.microsoft.com/office/drawing/2014/main" id="{AFF2842F-32BB-37A0-6811-23D6E23985D5}"/>
+                  </a:ext>
+                </a:extLst>
+              </p:cNvPr>
+              <p:cNvSpPr/>
+              <p:nvPr/>
+            </p:nvSpPr>
+            <p:spPr>
+              <a:xfrm rot="10800000">
+                <a:off x="2246389" y="5555175"/>
+                <a:ext cx="205665" cy="783073"/>
+              </a:xfrm>
+              <a:prstGeom prst="leftBrace">
+                <a:avLst>
+                  <a:gd name="adj1" fmla="val 61263"/>
+                  <a:gd name="adj2" fmla="val 50000"/>
+                </a:avLst>
+              </a:prstGeom>
+              <a:ln>
+                <a:solidFill>
+                  <a:schemeClr val="accent5"/>
+                </a:solidFill>
+              </a:ln>
+            </p:spPr>
+            <p:style>
+              <a:lnRef idx="2">
+                <a:schemeClr val="accent1"/>
+              </a:lnRef>
+              <a:fillRef idx="0">
+                <a:schemeClr val="accent1"/>
+              </a:fillRef>
+              <a:effectRef idx="1">
+                <a:schemeClr val="accent1"/>
+              </a:effectRef>
+              <a:fontRef idx="minor">
+                <a:schemeClr val="tx1"/>
+              </a:fontRef>
+            </p:style>
+            <p:txBody>
+              <a:bodyPr rtlCol="0" anchor="ctr"/>
+              <a:lstStyle/>
+              <a:p>
+                <a:pPr algn="ctr"/>
+                <a:endParaRPr lang="it-IT"/>
+              </a:p>
+            </p:txBody>
+          </p:sp>
+          <p:sp>
+            <p:nvSpPr>
+              <p:cNvPr id="21" name="TextBox 20">
+                <a:extLst>
+                  <a:ext uri="{FF2B5EF4-FFF2-40B4-BE49-F238E27FC236}">
+                    <a16:creationId xmlns:a16="http://schemas.microsoft.com/office/drawing/2014/main" id="{76FD191B-0468-3381-7745-EBD0C8E635A1}"/>
+                  </a:ext>
+                </a:extLst>
+              </p:cNvPr>
+              <p:cNvSpPr txBox="1"/>
+              <p:nvPr/>
+            </p:nvSpPr>
+            <p:spPr>
+              <a:xfrm>
+                <a:off x="2436750" y="2675874"/>
+                <a:ext cx="901529" cy="338554"/>
+              </a:xfrm>
+              <a:prstGeom prst="rect">
+                <a:avLst/>
+              </a:prstGeom>
+              <a:noFill/>
+            </p:spPr>
+            <p:txBody>
+              <a:bodyPr wrap="none" rtlCol="0">
+                <a:spAutoFit/>
+              </a:bodyPr>
+              <a:lstStyle/>
+              <a:p>
+                <a:r>
+                  <a:rPr lang="en-US" sz="1600" dirty="0">
+                    <a:solidFill>
+                      <a:schemeClr val="accent1"/>
+                    </a:solidFill>
+                  </a:rPr>
+                  <a:t>Position</a:t>
+                </a:r>
+                <a:endParaRPr lang="it-IT" sz="1600" dirty="0">
+                  <a:solidFill>
+                    <a:schemeClr val="accent1"/>
+                  </a:solidFill>
+                </a:endParaRPr>
+              </a:p>
+            </p:txBody>
+          </p:sp>
+          <p:sp>
+            <p:nvSpPr>
+              <p:cNvPr id="23" name="TextBox 22">
+                <a:extLst>
+                  <a:ext uri="{FF2B5EF4-FFF2-40B4-BE49-F238E27FC236}">
+                    <a16:creationId xmlns:a16="http://schemas.microsoft.com/office/drawing/2014/main" id="{6177FA51-0266-EB1B-425A-3C8E935069DF}"/>
+                  </a:ext>
+                </a:extLst>
+              </p:cNvPr>
+              <p:cNvSpPr txBox="1"/>
+              <p:nvPr/>
+            </p:nvSpPr>
+            <p:spPr>
+              <a:xfrm>
+                <a:off x="2436750" y="3762173"/>
+                <a:ext cx="1190326" cy="338554"/>
+              </a:xfrm>
+              <a:prstGeom prst="rect">
+                <a:avLst/>
+              </a:prstGeom>
+              <a:noFill/>
+            </p:spPr>
+            <p:txBody>
+              <a:bodyPr wrap="none" rtlCol="0">
+                <a:spAutoFit/>
+              </a:bodyPr>
+              <a:lstStyle/>
+              <a:p>
+                <a:r>
+                  <a:rPr lang="en-US" sz="1600" dirty="0">
+                    <a:solidFill>
+                      <a:schemeClr val="accent2"/>
+                    </a:solidFill>
+                  </a:rPr>
+                  <a:t>Orientation</a:t>
+                </a:r>
+                <a:endParaRPr lang="it-IT" sz="1600" dirty="0">
+                  <a:solidFill>
+                    <a:schemeClr val="accent2"/>
+                  </a:solidFill>
+                </a:endParaRPr>
+              </a:p>
+            </p:txBody>
+          </p:sp>
+          <p:sp>
+            <p:nvSpPr>
+              <p:cNvPr id="24" name="TextBox 23">
+                <a:extLst>
+                  <a:ext uri="{FF2B5EF4-FFF2-40B4-BE49-F238E27FC236}">
+                    <a16:creationId xmlns:a16="http://schemas.microsoft.com/office/drawing/2014/main" id="{0804D9FF-4377-1830-6203-EB50E198255C}"/>
+                  </a:ext>
+                </a:extLst>
+              </p:cNvPr>
+              <p:cNvSpPr txBox="1"/>
+              <p:nvPr/>
+            </p:nvSpPr>
+            <p:spPr>
+              <a:xfrm>
+                <a:off x="2443941" y="4721534"/>
+                <a:ext cx="1381758" cy="584775"/>
+              </a:xfrm>
+              <a:prstGeom prst="rect">
+                <a:avLst/>
+              </a:prstGeom>
+              <a:noFill/>
+            </p:spPr>
+            <p:txBody>
+              <a:bodyPr wrap="square" rtlCol="0">
+                <a:spAutoFit/>
+              </a:bodyPr>
+              <a:lstStyle/>
+              <a:p>
+                <a:r>
+                  <a:rPr lang="en-US" sz="1600" dirty="0">
+                    <a:solidFill>
+                      <a:schemeClr val="accent3"/>
+                    </a:solidFill>
+                  </a:rPr>
+                  <a:t>Linear Velocities</a:t>
+                </a:r>
+                <a:endParaRPr lang="it-IT" sz="1600" dirty="0">
+                  <a:solidFill>
+                    <a:schemeClr val="accent3"/>
+                  </a:solidFill>
+                </a:endParaRPr>
+              </a:p>
+            </p:txBody>
+          </p:sp>
+          <p:sp>
+            <p:nvSpPr>
+              <p:cNvPr id="25" name="TextBox 24">
+                <a:extLst>
+                  <a:ext uri="{FF2B5EF4-FFF2-40B4-BE49-F238E27FC236}">
+                    <a16:creationId xmlns:a16="http://schemas.microsoft.com/office/drawing/2014/main" id="{576A7512-DFE0-330C-44F2-1E87BFD03064}"/>
+                  </a:ext>
+                </a:extLst>
+              </p:cNvPr>
+              <p:cNvSpPr txBox="1"/>
+              <p:nvPr/>
+            </p:nvSpPr>
+            <p:spPr>
+              <a:xfrm>
+                <a:off x="2436750" y="5658151"/>
+                <a:ext cx="1381758" cy="584775"/>
+              </a:xfrm>
+              <a:prstGeom prst="rect">
+                <a:avLst/>
+              </a:prstGeom>
+              <a:noFill/>
+            </p:spPr>
+            <p:txBody>
+              <a:bodyPr wrap="square" rtlCol="0">
+                <a:spAutoFit/>
+              </a:bodyPr>
+              <a:lstStyle/>
+              <a:p>
+                <a:r>
+                  <a:rPr lang="en-US" sz="1600" dirty="0">
+                    <a:solidFill>
+                      <a:schemeClr val="accent5"/>
+                    </a:solidFill>
+                  </a:rPr>
+                  <a:t>Angular Velocities</a:t>
+                </a:r>
+                <a:endParaRPr lang="it-IT" sz="1600" dirty="0">
+                  <a:solidFill>
+                    <a:schemeClr val="accent5"/>
+                  </a:solidFill>
+                </a:endParaRPr>
+              </a:p>
+            </p:txBody>
+          </p:sp>
+        </p:grpSp>
+        <p:sp>
+          <p:nvSpPr>
+            <p:cNvPr id="27" name="TextBox 26">
+              <a:extLst>
+                <a:ext uri="{FF2B5EF4-FFF2-40B4-BE49-F238E27FC236}">
+                  <a16:creationId xmlns:a16="http://schemas.microsoft.com/office/drawing/2014/main" id="{198D8D6F-3E66-9323-5E0D-FE10A67C25AE}"/>
+                </a:ext>
+              </a:extLst>
+            </p:cNvPr>
+            <p:cNvSpPr txBox="1"/>
+            <p:nvPr/>
+          </p:nvSpPr>
+          <p:spPr>
+            <a:xfrm>
+              <a:off x="623218" y="2030439"/>
+              <a:ext cx="1517403" cy="369332"/>
+            </a:xfrm>
+            <a:prstGeom prst="rect">
+              <a:avLst/>
+            </a:prstGeom>
+            <a:noFill/>
+          </p:spPr>
+          <p:txBody>
+            <a:bodyPr wrap="none" rtlCol="0">
+              <a:spAutoFit/>
+            </a:bodyPr>
+            <a:lstStyle/>
+            <a:p>
+              <a:r>
+                <a:rPr lang="en-US" dirty="0"/>
+                <a:t>Observations</a:t>
+              </a:r>
+              <a:endParaRPr lang="it-IT" dirty="0"/>
+            </a:p>
+          </p:txBody>
+        </p:sp>
+        <p:sp>
+          <p:nvSpPr>
+            <p:cNvPr id="34" name="Right Brace 33">
+              <a:extLst>
+                <a:ext uri="{FF2B5EF4-FFF2-40B4-BE49-F238E27FC236}">
+                  <a16:creationId xmlns:a16="http://schemas.microsoft.com/office/drawing/2014/main" id="{BE3DF1C0-B464-5A00-45BC-AAF4C11CCE6A}"/>
+                </a:ext>
+              </a:extLst>
+            </p:cNvPr>
+            <p:cNvSpPr/>
+            <p:nvPr/>
+          </p:nvSpPr>
+          <p:spPr>
+            <a:xfrm>
+              <a:off x="2388022" y="2489432"/>
+              <a:ext cx="297038" cy="3875330"/>
+            </a:xfrm>
+            <a:prstGeom prst="rightBrace">
+              <a:avLst>
+                <a:gd name="adj1" fmla="val 0"/>
+                <a:gd name="adj2" fmla="val 50000"/>
+              </a:avLst>
+            </a:prstGeom>
+          </p:spPr>
+          <p:style>
+            <a:lnRef idx="2">
+              <a:schemeClr val="dk1"/>
+            </a:lnRef>
+            <a:fillRef idx="0">
+              <a:schemeClr val="dk1"/>
+            </a:fillRef>
+            <a:effectRef idx="1">
+              <a:schemeClr val="dk1"/>
+            </a:effectRef>
+            <a:fontRef idx="minor">
+              <a:schemeClr val="tx1"/>
+            </a:fontRef>
+          </p:style>
+          <p:txBody>
+            <a:bodyPr rtlCol="0" anchor="ctr"/>
+            <a:lstStyle/>
+            <a:p>
+              <a:pPr algn="ctr"/>
+              <a:endParaRPr lang="it-IT" dirty="0"/>
+            </a:p>
+          </p:txBody>
+        </p:sp>
+        <p:cxnSp>
+          <p:nvCxnSpPr>
+            <p:cNvPr id="87" name="Straight Arrow Connector 86">
+              <a:extLst>
+                <a:ext uri="{FF2B5EF4-FFF2-40B4-BE49-F238E27FC236}">
+                  <a16:creationId xmlns:a16="http://schemas.microsoft.com/office/drawing/2014/main" id="{954CBD1A-9292-8F69-26DF-B7936B53F9C2}"/>
+                </a:ext>
+              </a:extLst>
+            </p:cNvPr>
+            <p:cNvCxnSpPr>
+              <a:cxnSpLocks/>
+              <a:stCxn id="34" idx="1"/>
+            </p:cNvCxnSpPr>
+            <p:nvPr/>
+          </p:nvCxnSpPr>
+          <p:spPr>
+            <a:xfrm>
+              <a:off x="2685060" y="4427097"/>
+              <a:ext cx="645969" cy="0"/>
+            </a:xfrm>
+            <a:prstGeom prst="straightConnector1">
+              <a:avLst/>
+            </a:prstGeom>
+            <a:ln>
+              <a:tailEnd type="triangle"/>
+            </a:ln>
+          </p:spPr>
+          <p:style>
+            <a:lnRef idx="2">
+              <a:schemeClr val="dk1"/>
+            </a:lnRef>
+            <a:fillRef idx="0">
+              <a:schemeClr val="dk1"/>
+            </a:fillRef>
+            <a:effectRef idx="1">
+              <a:schemeClr val="dk1"/>
+            </a:effectRef>
+            <a:fontRef idx="minor">
+              <a:schemeClr val="tx1"/>
+            </a:fontRef>
+          </p:style>
+        </p:cxnSp>
+        <p:sp>
+          <p:nvSpPr>
+            <p:cNvPr id="94" name="TextBox 93">
+              <a:extLst>
+                <a:ext uri="{FF2B5EF4-FFF2-40B4-BE49-F238E27FC236}">
+                  <a16:creationId xmlns:a16="http://schemas.microsoft.com/office/drawing/2014/main" id="{B7B1045C-975A-9DA3-A360-DF885B808AB1}"/>
+                </a:ext>
+              </a:extLst>
+            </p:cNvPr>
+            <p:cNvSpPr txBox="1"/>
+            <p:nvPr/>
+          </p:nvSpPr>
+          <p:spPr>
+            <a:xfrm>
+              <a:off x="659349" y="6562673"/>
+              <a:ext cx="1445139" cy="369332"/>
+            </a:xfrm>
+            <a:prstGeom prst="rect">
+              <a:avLst/>
+            </a:prstGeom>
+            <a:noFill/>
+          </p:spPr>
+          <p:txBody>
+            <a:bodyPr wrap="none" rtlCol="0">
+              <a:spAutoFit/>
+            </a:bodyPr>
+            <a:lstStyle/>
+            <a:p>
+              <a:r>
+                <a:rPr lang="en-US" dirty="0">
+                  <a:solidFill>
+                    <a:schemeClr val="bg1">
+                      <a:lumMod val="65000"/>
+                    </a:schemeClr>
+                  </a:solidFill>
+                </a:rPr>
+                <a:t>Environment</a:t>
+              </a:r>
+              <a:endParaRPr lang="it-IT" dirty="0">
+                <a:solidFill>
+                  <a:schemeClr val="bg1">
+                    <a:lumMod val="65000"/>
+                  </a:schemeClr>
+                </a:solidFill>
+              </a:endParaRPr>
+            </a:p>
+          </p:txBody>
+        </p:sp>
+      </p:grpSp>
+      <p:sp>
+        <p:nvSpPr>
+          <p:cNvPr id="100" name="TextBox 99">
+            <a:extLst>
+              <a:ext uri="{FF2B5EF4-FFF2-40B4-BE49-F238E27FC236}">
+                <a16:creationId xmlns:a16="http://schemas.microsoft.com/office/drawing/2014/main" id="{3A45E90D-66EE-51C8-6D65-AAA93C3683D9}"/>
+              </a:ext>
+            </a:extLst>
+          </p:cNvPr>
+          <p:cNvSpPr txBox="1"/>
+          <p:nvPr/>
+        </p:nvSpPr>
+        <p:spPr>
+          <a:xfrm>
+            <a:off x="7276598" y="6382677"/>
+            <a:ext cx="759695" cy="369332"/>
+          </a:xfrm>
+          <a:prstGeom prst="rect">
+            <a:avLst/>
+          </a:prstGeom>
+          <a:noFill/>
+        </p:spPr>
+        <p:txBody>
+          <a:bodyPr wrap="none" rtlCol="0">
+            <a:spAutoFit/>
+          </a:bodyPr>
+          <a:lstStyle/>
+          <a:p>
+            <a:r>
+              <a:rPr lang="en-US" dirty="0">
+                <a:solidFill>
+                  <a:schemeClr val="bg1">
+                    <a:lumMod val="65000"/>
+                  </a:schemeClr>
+                </a:solidFill>
+              </a:rPr>
+              <a:t>Agent</a:t>
+            </a:r>
+            <a:endParaRPr lang="it-IT" dirty="0">
+              <a:solidFill>
+                <a:schemeClr val="bg1">
+                  <a:lumMod val="65000"/>
+                </a:schemeClr>
+              </a:solidFill>
+            </a:endParaRPr>
+          </a:p>
+        </p:txBody>
+      </p:sp>
+      <p:grpSp>
+        <p:nvGrpSpPr>
+          <p:cNvPr id="110" name="Group 109">
+            <a:extLst>
+              <a:ext uri="{FF2B5EF4-FFF2-40B4-BE49-F238E27FC236}">
+                <a16:creationId xmlns:a16="http://schemas.microsoft.com/office/drawing/2014/main" id="{3D5C6E0B-9A96-A746-4C82-E0C7E71457B2}"/>
+              </a:ext>
+            </a:extLst>
+          </p:cNvPr>
+          <p:cNvGrpSpPr/>
+          <p:nvPr/>
+        </p:nvGrpSpPr>
+        <p:grpSpPr>
+          <a:xfrm>
+            <a:off x="3618156" y="2507234"/>
+            <a:ext cx="3527402" cy="1668946"/>
+            <a:chOff x="3628067" y="2542757"/>
+            <a:chExt cx="3527402" cy="1668946"/>
+          </a:xfrm>
+        </p:grpSpPr>
+        <p:sp>
+          <p:nvSpPr>
+            <p:cNvPr id="6" name="Rectangle: Rounded Corners 5">
+              <a:extLst>
+                <a:ext uri="{FF2B5EF4-FFF2-40B4-BE49-F238E27FC236}">
+                  <a16:creationId xmlns:a16="http://schemas.microsoft.com/office/drawing/2014/main" id="{F8EE5151-E581-FA32-A97F-50220ED3364A}"/>
+                </a:ext>
+              </a:extLst>
+            </p:cNvPr>
+            <p:cNvSpPr/>
+            <p:nvPr/>
+          </p:nvSpPr>
+          <p:spPr>
+            <a:xfrm>
+              <a:off x="3628067" y="2542757"/>
+              <a:ext cx="3527402" cy="1668946"/>
+            </a:xfrm>
+            <a:prstGeom prst="roundRect">
+              <a:avLst/>
+            </a:prstGeom>
+          </p:spPr>
+          <p:style>
+            <a:lnRef idx="2">
+              <a:schemeClr val="accent1">
+                <a:shade val="15000"/>
+              </a:schemeClr>
+            </a:lnRef>
+            <a:fillRef idx="1">
+              <a:schemeClr val="accent1"/>
+            </a:fillRef>
+            <a:effectRef idx="0">
+              <a:schemeClr val="accent1"/>
+            </a:effectRef>
+            <a:fontRef idx="minor">
+              <a:schemeClr val="lt1"/>
+            </a:fontRef>
+          </p:style>
+          <p:txBody>
+            <a:bodyPr rtlCol="0" anchor="t" anchorCtr="0"/>
+            <a:lstStyle/>
+            <a:p>
+              <a:pPr algn="ctr"/>
+              <a:r>
+                <a:rPr lang="en-US" sz="1600" dirty="0"/>
+                <a:t>Actor Model – Gaussian CNN</a:t>
+              </a:r>
+              <a:endParaRPr lang="it-IT" sz="1600" dirty="0"/>
+            </a:p>
+          </p:txBody>
+        </p:sp>
+        <p:pic>
+          <p:nvPicPr>
+            <p:cNvPr id="105" name="Graphic 104">
+              <a:extLst>
+                <a:ext uri="{FF2B5EF4-FFF2-40B4-BE49-F238E27FC236}">
+                  <a16:creationId xmlns:a16="http://schemas.microsoft.com/office/drawing/2014/main" id="{C397CB9D-2F0E-F1C2-BDDF-6B52D42ADFED}"/>
+                </a:ext>
+              </a:extLst>
+            </p:cNvPr>
+            <p:cNvPicPr>
+              <a:picLocks noChangeAspect="1"/>
+            </p:cNvPicPr>
+            <p:nvPr/>
+          </p:nvPicPr>
+          <p:blipFill>
+            <a:blip r:embed="rId7">
+              <a:extLst>
+                <a:ext uri="{96DAC541-7B7A-43D3-8B79-37D633B846F1}">
+                  <asvg:svgBlip xmlns:asvg="http://schemas.microsoft.com/office/drawing/2016/SVG/main" r:embed="rId8"/>
+                </a:ext>
+              </a:extLst>
+            </a:blip>
+            <a:stretch>
+              <a:fillRect/>
+            </a:stretch>
+          </p:blipFill>
+          <p:spPr>
+            <a:xfrm>
+              <a:off x="3833452" y="2925355"/>
+              <a:ext cx="3116632" cy="1134328"/>
+            </a:xfrm>
+            <a:prstGeom prst="rect">
+              <a:avLst/>
+            </a:prstGeom>
+          </p:spPr>
+        </p:pic>
+      </p:grpSp>
+      <p:grpSp>
+        <p:nvGrpSpPr>
+          <p:cNvPr id="111" name="Group 110">
+            <a:extLst>
+              <a:ext uri="{FF2B5EF4-FFF2-40B4-BE49-F238E27FC236}">
+                <a16:creationId xmlns:a16="http://schemas.microsoft.com/office/drawing/2014/main" id="{CC6E2526-6A43-1FA7-E11E-298580A89389}"/>
+              </a:ext>
+            </a:extLst>
+          </p:cNvPr>
+          <p:cNvGrpSpPr/>
+          <p:nvPr/>
+        </p:nvGrpSpPr>
+        <p:grpSpPr>
+          <a:xfrm>
+            <a:off x="3618156" y="4366112"/>
+            <a:ext cx="3527402" cy="1668946"/>
+            <a:chOff x="3618156" y="4399628"/>
+            <a:chExt cx="3527402" cy="1668946"/>
+          </a:xfrm>
+        </p:grpSpPr>
+        <p:sp>
+          <p:nvSpPr>
+            <p:cNvPr id="106" name="Rectangle: Rounded Corners 105">
+              <a:extLst>
+                <a:ext uri="{FF2B5EF4-FFF2-40B4-BE49-F238E27FC236}">
+                  <a16:creationId xmlns:a16="http://schemas.microsoft.com/office/drawing/2014/main" id="{5F8C2DC7-456C-FA46-125D-19174F34536F}"/>
+                </a:ext>
+              </a:extLst>
+            </p:cNvPr>
+            <p:cNvSpPr/>
+            <p:nvPr/>
+          </p:nvSpPr>
+          <p:spPr>
+            <a:xfrm>
+              <a:off x="3618156" y="4399628"/>
+              <a:ext cx="3527402" cy="1668946"/>
+            </a:xfrm>
+            <a:prstGeom prst="roundRect">
+              <a:avLst/>
+            </a:prstGeom>
+          </p:spPr>
+          <p:style>
+            <a:lnRef idx="2">
+              <a:schemeClr val="accent1">
+                <a:shade val="15000"/>
+              </a:schemeClr>
+            </a:lnRef>
+            <a:fillRef idx="1">
+              <a:schemeClr val="accent1"/>
+            </a:fillRef>
+            <a:effectRef idx="0">
+              <a:schemeClr val="accent1"/>
+            </a:effectRef>
+            <a:fontRef idx="minor">
+              <a:schemeClr val="lt1"/>
+            </a:fontRef>
+          </p:style>
+          <p:txBody>
+            <a:bodyPr rtlCol="0" anchor="t" anchorCtr="0"/>
+            <a:lstStyle/>
+            <a:p>
+              <a:pPr algn="ctr"/>
+              <a:r>
+                <a:rPr lang="en-US" sz="1600" dirty="0"/>
+                <a:t>Critic Model – Deterministic CNN</a:t>
+              </a:r>
+              <a:endParaRPr lang="it-IT" sz="1600" dirty="0"/>
+            </a:p>
+          </p:txBody>
+        </p:sp>
+        <p:pic>
+          <p:nvPicPr>
+            <p:cNvPr id="108" name="Graphic 107">
+              <a:extLst>
+                <a:ext uri="{FF2B5EF4-FFF2-40B4-BE49-F238E27FC236}">
+                  <a16:creationId xmlns:a16="http://schemas.microsoft.com/office/drawing/2014/main" id="{DFA2D938-D3F2-5C60-2402-51359C090D24}"/>
+                </a:ext>
+              </a:extLst>
+            </p:cNvPr>
+            <p:cNvPicPr>
+              <a:picLocks noChangeAspect="1"/>
+            </p:cNvPicPr>
+            <p:nvPr/>
+          </p:nvPicPr>
+          <p:blipFill>
+            <a:blip r:embed="rId9">
+              <a:extLst>
+                <a:ext uri="{96DAC541-7B7A-43D3-8B79-37D633B846F1}">
+                  <asvg:svgBlip xmlns:asvg="http://schemas.microsoft.com/office/drawing/2016/SVG/main" r:embed="rId10"/>
+                </a:ext>
+              </a:extLst>
+            </a:blip>
+            <a:stretch>
+              <a:fillRect/>
+            </a:stretch>
+          </p:blipFill>
+          <p:spPr>
+            <a:xfrm>
+              <a:off x="4281216" y="4864532"/>
+              <a:ext cx="2201282" cy="1105482"/>
+            </a:xfrm>
+            <a:prstGeom prst="rect">
+              <a:avLst/>
+            </a:prstGeom>
+          </p:spPr>
+        </p:pic>
+      </p:grpSp>
+      <p:cxnSp>
+        <p:nvCxnSpPr>
+          <p:cNvPr id="113" name="Straight Arrow Connector 112">
+            <a:extLst>
+              <a:ext uri="{FF2B5EF4-FFF2-40B4-BE49-F238E27FC236}">
+                <a16:creationId xmlns:a16="http://schemas.microsoft.com/office/drawing/2014/main" id="{2F8F6A79-9283-29AC-A617-C01D5A692CAC}"/>
+              </a:ext>
+            </a:extLst>
+          </p:cNvPr>
+          <p:cNvCxnSpPr>
+            <a:cxnSpLocks/>
+          </p:cNvCxnSpPr>
+          <p:nvPr/>
+        </p:nvCxnSpPr>
+        <p:spPr>
+          <a:xfrm>
+            <a:off x="7291112" y="4259844"/>
+            <a:ext cx="466774" cy="0"/>
+          </a:xfrm>
+          <a:prstGeom prst="straightConnector1">
+            <a:avLst/>
+          </a:prstGeom>
+          <a:ln>
+            <a:tailEnd type="triangle"/>
+          </a:ln>
+        </p:spPr>
+        <p:style>
+          <a:lnRef idx="2">
+            <a:schemeClr val="dk1"/>
+          </a:lnRef>
+          <a:fillRef idx="0">
+            <a:schemeClr val="dk1"/>
+          </a:fillRef>
+          <a:effectRef idx="1">
+            <a:schemeClr val="dk1"/>
+          </a:effectRef>
+          <a:fontRef idx="minor">
+            <a:schemeClr val="tx1"/>
+          </a:fontRef>
+        </p:style>
+      </p:cxnSp>
+      <p:cxnSp>
+        <p:nvCxnSpPr>
+          <p:cNvPr id="128" name="Straight Arrow Connector 127">
+            <a:extLst>
+              <a:ext uri="{FF2B5EF4-FFF2-40B4-BE49-F238E27FC236}">
+                <a16:creationId xmlns:a16="http://schemas.microsoft.com/office/drawing/2014/main" id="{D60A54A8-E370-04CA-4FF7-6FDFC08B048D}"/>
+              </a:ext>
+            </a:extLst>
+          </p:cNvPr>
+          <p:cNvCxnSpPr>
+            <a:cxnSpLocks/>
+            <a:stCxn id="76" idx="1"/>
+            <a:endCxn id="75" idx="1"/>
+          </p:cNvCxnSpPr>
+          <p:nvPr/>
+        </p:nvCxnSpPr>
+        <p:spPr>
+          <a:xfrm flipV="1">
+            <a:off x="9925952" y="4244505"/>
+            <a:ext cx="298622" cy="1"/>
+          </a:xfrm>
+          <a:prstGeom prst="straightConnector1">
+            <a:avLst/>
+          </a:prstGeom>
+          <a:ln>
+            <a:tailEnd type="triangle"/>
+          </a:ln>
+        </p:spPr>
+        <p:style>
+          <a:lnRef idx="2">
+            <a:schemeClr val="dk1"/>
+          </a:lnRef>
+          <a:fillRef idx="0">
+            <a:schemeClr val="dk1"/>
+          </a:fillRef>
+          <a:effectRef idx="1">
+            <a:schemeClr val="dk1"/>
+          </a:effectRef>
+          <a:fontRef idx="minor">
+            <a:schemeClr val="tx1"/>
+          </a:fontRef>
+        </p:style>
+      </p:cxnSp>
+    </p:spTree>
+    <p:extLst>
+      <p:ext uri="{BB962C8B-B14F-4D97-AF65-F5344CB8AC3E}">
+        <p14:creationId xmlns:p14="http://schemas.microsoft.com/office/powerpoint/2010/main" val="433519343"/>
+      </p:ext>
+    </p:extLst>
+  </p:cSld>
+  <p:clrMapOvr>
+    <a:masterClrMapping/>
+  </p:clrMapOvr>
+</p:sld>
+</file>
+
+<file path=ppt/slides/slide15.xml><?xml version="1.0" encoding="utf-8"?>
+<p:sld xmlns:a="http://schemas.openxmlformats.org/drawingml/2006/main" xmlns:r="http://schemas.openxmlformats.org/officeDocument/2006/relationships" xmlns:p="http://schemas.openxmlformats.org/presentationml/2006/main">
+  <p:cSld>
+    <p:spTree>
+      <p:nvGrpSpPr>
+        <p:cNvPr id="1" name=""/>
+        <p:cNvGrpSpPr/>
+        <p:nvPr/>
+      </p:nvGrpSpPr>
+      <p:grpSpPr>
+        <a:xfrm>
+          <a:off x="0" y="0"/>
+          <a:ext cx="0" cy="0"/>
+          <a:chOff x="0" y="0"/>
+          <a:chExt cx="0" cy="0"/>
+        </a:xfrm>
+      </p:grpSpPr>
+      <p:sp>
+        <p:nvSpPr>
+          <p:cNvPr id="2" name="Titolo 1">
+            <a:extLst>
+              <a:ext uri="{FF2B5EF4-FFF2-40B4-BE49-F238E27FC236}">
+                <a16:creationId xmlns:a16="http://schemas.microsoft.com/office/drawing/2014/main" id="{D5F58EEC-3A74-ACCB-9A51-3B63C7A951AF}"/>
+              </a:ext>
+            </a:extLst>
+          </p:cNvPr>
+          <p:cNvSpPr>
+            <a:spLocks noGrp="1"/>
+          </p:cNvSpPr>
+          <p:nvPr>
+            <p:ph type="title"/>
+          </p:nvPr>
+        </p:nvSpPr>
+        <p:spPr/>
+        <p:txBody>
+          <a:bodyPr>
+            <a:normAutofit/>
+          </a:bodyPr>
+          <a:lstStyle/>
+          <a:p>
+            <a:r>
+              <a:rPr lang="en-US" dirty="0">
+                <a:latin typeface="Aptos SemiBold" panose="020B0004020202020204" pitchFamily="34" charset="0"/>
+              </a:rPr>
+              <a:t>Vision-based navigation – Issues</a:t>
+            </a:r>
+            <a:endParaRPr lang="it-IT" dirty="0">
+              <a:latin typeface="Aptos SemiBold" panose="020B0004020202020204" pitchFamily="34" charset="0"/>
+            </a:endParaRPr>
+          </a:p>
+        </p:txBody>
+      </p:sp>
+      <p:pic>
+        <p:nvPicPr>
+          <p:cNvPr id="4" name="Immagine 3">
+            <a:extLst>
+              <a:ext uri="{FF2B5EF4-FFF2-40B4-BE49-F238E27FC236}">
+                <a16:creationId xmlns:a16="http://schemas.microsoft.com/office/drawing/2014/main" id="{CB1FFB52-928C-7EDA-3C3B-6E1F60CA0E58}"/>
+              </a:ext>
+            </a:extLst>
+          </p:cNvPr>
+          <p:cNvPicPr>
+            <a:picLocks noChangeAspect="1"/>
+          </p:cNvPicPr>
+          <p:nvPr/>
+        </p:nvPicPr>
+        <p:blipFill>
+          <a:blip r:embed="rId2"/>
+          <a:stretch>
+            <a:fillRect/>
+          </a:stretch>
+        </p:blipFill>
+        <p:spPr>
+          <a:xfrm>
+            <a:off x="838200" y="1487928"/>
+            <a:ext cx="6142782" cy="36000"/>
+          </a:xfrm>
+          <a:prstGeom prst="rect">
+            <a:avLst/>
+          </a:prstGeom>
+        </p:spPr>
+      </p:pic>
+      <p:sp>
+        <p:nvSpPr>
+          <p:cNvPr id="3" name="TextBox 2">
+            <a:extLst>
+              <a:ext uri="{FF2B5EF4-FFF2-40B4-BE49-F238E27FC236}">
+                <a16:creationId xmlns:a16="http://schemas.microsoft.com/office/drawing/2014/main" id="{36DA7C5C-738B-5849-958A-7F3D9369CCFA}"/>
+              </a:ext>
+            </a:extLst>
+          </p:cNvPr>
+          <p:cNvSpPr txBox="1"/>
+          <p:nvPr/>
+        </p:nvSpPr>
+        <p:spPr>
+          <a:xfrm>
+            <a:off x="1855223" y="2828835"/>
+            <a:ext cx="8481553" cy="1200329"/>
+          </a:xfrm>
+          <a:prstGeom prst="rect">
+            <a:avLst/>
+          </a:prstGeom>
+          <a:noFill/>
+        </p:spPr>
+        <p:txBody>
+          <a:bodyPr wrap="none" rtlCol="0">
+            <a:spAutoFit/>
+          </a:bodyPr>
+          <a:lstStyle/>
+          <a:p>
+            <a:r>
+              <a:rPr lang="en-US" dirty="0"/>
+              <a:t>TALK ABOUT:</a:t>
+            </a:r>
+          </a:p>
+          <a:p>
+            <a:pPr marL="285750" indent="-285750">
+              <a:buFontTx/>
+              <a:buChar char="-"/>
+            </a:pPr>
+            <a:r>
+              <a:rPr lang="en-US" dirty="0"/>
+              <a:t>HOW CAMERAS ARE NOT AGENTS BUT A SENSORS</a:t>
+            </a:r>
+          </a:p>
+          <a:p>
+            <a:pPr marL="285750" indent="-285750">
+              <a:buFontTx/>
+              <a:buChar char="-"/>
+            </a:pPr>
+            <a:r>
+              <a:rPr lang="it-IT" dirty="0"/>
+              <a:t>DIFFERENCE BETWEEN COLOR AND DEPTH CAMERAS</a:t>
+            </a:r>
+          </a:p>
+          <a:p>
+            <a:pPr marL="285750" indent="-285750">
+              <a:buFontTx/>
+              <a:buChar char="-"/>
+            </a:pPr>
+            <a:r>
+              <a:rPr lang="it-IT" dirty="0"/>
+              <a:t>IMAGES COPY FROM GPU TO MAIN MEMORY FOR OBSERVATION COMPUTATION</a:t>
+            </a:r>
+          </a:p>
+        </p:txBody>
+      </p:sp>
+    </p:spTree>
+    <p:extLst>
+      <p:ext uri="{BB962C8B-B14F-4D97-AF65-F5344CB8AC3E}">
+        <p14:creationId xmlns:p14="http://schemas.microsoft.com/office/powerpoint/2010/main" val="1493718713"/>
+      </p:ext>
+    </p:extLst>
+  </p:cSld>
+  <p:clrMapOvr>
+    <a:masterClrMapping/>
+  </p:clrMapOvr>
+</p:sld>
+</file>
+
+<file path=ppt/slides/slide16.xml><?xml version="1.0" encoding="utf-8"?>
+<p:sld xmlns:a="http://schemas.openxmlformats.org/drawingml/2006/main" xmlns:r="http://schemas.openxmlformats.org/officeDocument/2006/relationships" xmlns:p="http://schemas.openxmlformats.org/presentationml/2006/main">
+  <p:cSld>
+    <p:spTree>
+      <p:nvGrpSpPr>
+        <p:cNvPr id="1" name=""/>
+        <p:cNvGrpSpPr/>
+        <p:nvPr/>
+      </p:nvGrpSpPr>
+      <p:grpSpPr>
+        <a:xfrm>
+          <a:off x="0" y="0"/>
+          <a:ext cx="0" cy="0"/>
+          <a:chOff x="0" y="0"/>
+          <a:chExt cx="0" cy="0"/>
+        </a:xfrm>
+      </p:grpSpPr>
+      <p:sp>
+        <p:nvSpPr>
+          <p:cNvPr id="2" name="Titolo 1">
+            <a:extLst>
+              <a:ext uri="{FF2B5EF4-FFF2-40B4-BE49-F238E27FC236}">
+                <a16:creationId xmlns:a16="http://schemas.microsoft.com/office/drawing/2014/main" id="{D5F58EEC-3A74-ACCB-9A51-3B63C7A951AF}"/>
+              </a:ext>
+            </a:extLst>
+          </p:cNvPr>
+          <p:cNvSpPr>
+            <a:spLocks noGrp="1"/>
+          </p:cNvSpPr>
+          <p:nvPr>
+            <p:ph type="title"/>
+          </p:nvPr>
+        </p:nvSpPr>
+        <p:spPr/>
+        <p:txBody>
+          <a:bodyPr>
+            <a:normAutofit/>
+          </a:bodyPr>
+          <a:lstStyle/>
+          <a:p>
+            <a:r>
+              <a:rPr lang="en-US" dirty="0">
+                <a:latin typeface="Aptos SemiBold" panose="020B0004020202020204" pitchFamily="34" charset="0"/>
+              </a:rPr>
+              <a:t>Recap</a:t>
+            </a:r>
+            <a:endParaRPr lang="it-IT" dirty="0">
+              <a:latin typeface="Aptos SemiBold" panose="020B0004020202020204" pitchFamily="34" charset="0"/>
+            </a:endParaRPr>
+          </a:p>
+        </p:txBody>
+      </p:sp>
+      <p:pic>
+        <p:nvPicPr>
+          <p:cNvPr id="4" name="Immagine 3">
+            <a:extLst>
+              <a:ext uri="{FF2B5EF4-FFF2-40B4-BE49-F238E27FC236}">
+                <a16:creationId xmlns:a16="http://schemas.microsoft.com/office/drawing/2014/main" id="{CB1FFB52-928C-7EDA-3C3B-6E1F60CA0E58}"/>
+              </a:ext>
+            </a:extLst>
+          </p:cNvPr>
+          <p:cNvPicPr>
+            <a:picLocks noChangeAspect="1"/>
+          </p:cNvPicPr>
+          <p:nvPr/>
+        </p:nvPicPr>
+        <p:blipFill>
+          <a:blip r:embed="rId2"/>
+          <a:stretch>
+            <a:fillRect/>
+          </a:stretch>
+        </p:blipFill>
+        <p:spPr>
+          <a:xfrm>
+            <a:off x="838200" y="1487928"/>
+            <a:ext cx="6142782" cy="36000"/>
+          </a:xfrm>
+          <a:prstGeom prst="rect">
+            <a:avLst/>
+          </a:prstGeom>
+        </p:spPr>
+      </p:pic>
+    </p:spTree>
+    <p:extLst>
+      <p:ext uri="{BB962C8B-B14F-4D97-AF65-F5344CB8AC3E}">
+        <p14:creationId xmlns:p14="http://schemas.microsoft.com/office/powerpoint/2010/main" val="4066872064"/>
+      </p:ext>
+    </p:extLst>
+  </p:cSld>
+  <p:clrMapOvr>
+    <a:masterClrMapping/>
+  </p:clrMapOvr>
+</p:sld>
+</file>
+
+<file path=ppt/slides/slide17.xml><?xml version="1.0" encoding="utf-8"?>
+<p:sld xmlns:a="http://schemas.openxmlformats.org/drawingml/2006/main" xmlns:r="http://schemas.openxmlformats.org/officeDocument/2006/relationships" xmlns:p="http://schemas.openxmlformats.org/presentationml/2006/main">
+  <p:cSld>
+    <p:spTree>
+      <p:nvGrpSpPr>
+        <p:cNvPr id="1" name=""/>
+        <p:cNvGrpSpPr/>
+        <p:nvPr/>
+      </p:nvGrpSpPr>
+      <p:grpSpPr>
+        <a:xfrm>
+          <a:off x="0" y="0"/>
+          <a:ext cx="0" cy="0"/>
+          <a:chOff x="0" y="0"/>
+          <a:chExt cx="0" cy="0"/>
+        </a:xfrm>
+      </p:grpSpPr>
+      <p:sp>
+        <p:nvSpPr>
+          <p:cNvPr id="2" name="Titolo 1">
+            <a:extLst>
+              <a:ext uri="{FF2B5EF4-FFF2-40B4-BE49-F238E27FC236}">
+                <a16:creationId xmlns:a16="http://schemas.microsoft.com/office/drawing/2014/main" id="{D5F58EEC-3A74-ACCB-9A51-3B63C7A951AF}"/>
+              </a:ext>
+            </a:extLst>
+          </p:cNvPr>
+          <p:cNvSpPr>
+            <a:spLocks noGrp="1"/>
+          </p:cNvSpPr>
+          <p:nvPr>
+            <p:ph type="title"/>
+          </p:nvPr>
+        </p:nvSpPr>
+        <p:spPr>
+          <a:xfrm>
+            <a:off x="838200" y="2766219"/>
+            <a:ext cx="10515600" cy="1325563"/>
+          </a:xfrm>
+        </p:spPr>
+        <p:txBody>
+          <a:bodyPr>
+            <a:normAutofit/>
+          </a:bodyPr>
+          <a:lstStyle/>
+          <a:p>
+            <a:pPr algn="ctr"/>
+            <a:r>
+              <a:rPr lang="en-US" dirty="0">
+                <a:latin typeface="Aptos SemiBold" panose="020B0004020202020204" pitchFamily="34" charset="0"/>
+              </a:rPr>
+              <a:t>Thank you for your attention</a:t>
+            </a:r>
+            <a:endParaRPr lang="it-IT" dirty="0">
+              <a:latin typeface="Aptos SemiBold" panose="020B0004020202020204" pitchFamily="34" charset="0"/>
+            </a:endParaRPr>
+          </a:p>
+        </p:txBody>
+      </p:sp>
+      <p:pic>
+        <p:nvPicPr>
+          <p:cNvPr id="4" name="Immagine 3">
+            <a:extLst>
+              <a:ext uri="{FF2B5EF4-FFF2-40B4-BE49-F238E27FC236}">
+                <a16:creationId xmlns:a16="http://schemas.microsoft.com/office/drawing/2014/main" id="{CB1FFB52-928C-7EDA-3C3B-6E1F60CA0E58}"/>
+              </a:ext>
+            </a:extLst>
+          </p:cNvPr>
+          <p:cNvPicPr>
+            <a:picLocks noChangeAspect="1"/>
+          </p:cNvPicPr>
+          <p:nvPr/>
+        </p:nvPicPr>
+        <p:blipFill>
+          <a:blip r:embed="rId2"/>
+          <a:stretch>
+            <a:fillRect/>
+          </a:stretch>
+        </p:blipFill>
+        <p:spPr>
+          <a:xfrm>
+            <a:off x="3557661" y="3914938"/>
+            <a:ext cx="5076679" cy="29752"/>
+          </a:xfrm>
+          <a:prstGeom prst="rect">
+            <a:avLst/>
+          </a:prstGeom>
+        </p:spPr>
+      </p:pic>
+    </p:spTree>
+    <p:extLst>
+      <p:ext uri="{BB962C8B-B14F-4D97-AF65-F5344CB8AC3E}">
+        <p14:creationId xmlns:p14="http://schemas.microsoft.com/office/powerpoint/2010/main" val="656616437"/>
       </p:ext>
     </p:extLst>
   </p:cSld>
@@ -20057,7 +23355,7 @@
               <a:pPr algn="ctr"/>
               <a:r>
                 <a:rPr lang="en-US" sz="1600" dirty="0"/>
-                <a:t>Actor Model - Gaussian</a:t>
+                <a:t>Actor Model – Gaussian MLP</a:t>
               </a:r>
               <a:endParaRPr lang="it-IT" sz="1600" dirty="0"/>
             </a:p>
@@ -20164,7 +23462,7 @@
               <a:pPr algn="ctr"/>
               <a:r>
                 <a:rPr lang="en-US" sz="1600" dirty="0"/>
-                <a:t>Critic Model - Deterministic</a:t>
+                <a:t>Critic Model – Deterministic MLP</a:t>
               </a:r>
               <a:endParaRPr lang="it-IT" sz="1600" dirty="0"/>
             </a:p>

--- a/Slides.pptx
+++ b/Slides.pptx
@@ -11,17 +11,18 @@
     <p:sldId id="259" r:id="rId5"/>
     <p:sldId id="260" r:id="rId6"/>
     <p:sldId id="261" r:id="rId7"/>
-    <p:sldId id="262" r:id="rId8"/>
-    <p:sldId id="263" r:id="rId9"/>
-    <p:sldId id="266" r:id="rId10"/>
-    <p:sldId id="265" r:id="rId11"/>
-    <p:sldId id="264" r:id="rId12"/>
-    <p:sldId id="267" r:id="rId13"/>
-    <p:sldId id="268" r:id="rId14"/>
-    <p:sldId id="269" r:id="rId15"/>
-    <p:sldId id="271" r:id="rId16"/>
-    <p:sldId id="272" r:id="rId17"/>
-    <p:sldId id="273" r:id="rId18"/>
+    <p:sldId id="274" r:id="rId8"/>
+    <p:sldId id="262" r:id="rId9"/>
+    <p:sldId id="263" r:id="rId10"/>
+    <p:sldId id="266" r:id="rId11"/>
+    <p:sldId id="265" r:id="rId12"/>
+    <p:sldId id="264" r:id="rId13"/>
+    <p:sldId id="267" r:id="rId14"/>
+    <p:sldId id="268" r:id="rId15"/>
+    <p:sldId id="269" r:id="rId16"/>
+    <p:sldId id="271" r:id="rId17"/>
+    <p:sldId id="272" r:id="rId18"/>
+    <p:sldId id="273" r:id="rId19"/>
   </p:sldIdLst>
   <p:sldSz cx="12192000" cy="6858000"/>
   <p:notesSz cx="6858000" cy="9144000"/>
@@ -3143,10 +3144,42 @@
             </a:lnSpc>
           </a:pPr>
           <a:r>
-            <a:rPr lang="it-IT"/>
-            <a:t>Study PPO (Proximal Policy Optimization) Reinforcement learning algorithm and SKRL libraty</a:t>
+            <a:rPr lang="it-IT" dirty="0"/>
+            <a:t>Study PPO (</a:t>
           </a:r>
-          <a:endParaRPr lang="en-US"/>
+          <a:r>
+            <a:rPr lang="it-IT" dirty="0" err="1"/>
+            <a:t>Proximal</a:t>
+          </a:r>
+          <a:r>
+            <a:rPr lang="it-IT" dirty="0"/>
+            <a:t> Policy </a:t>
+          </a:r>
+          <a:r>
+            <a:rPr lang="it-IT" dirty="0" err="1"/>
+            <a:t>Optimization</a:t>
+          </a:r>
+          <a:r>
+            <a:rPr lang="it-IT" dirty="0"/>
+            <a:t>) </a:t>
+          </a:r>
+          <a:r>
+            <a:rPr lang="it-IT" dirty="0" err="1"/>
+            <a:t>Reinforcement</a:t>
+          </a:r>
+          <a:r>
+            <a:rPr lang="it-IT" dirty="0"/>
+            <a:t> learning </a:t>
+          </a:r>
+          <a:r>
+            <a:rPr lang="it-IT" dirty="0" err="1"/>
+            <a:t>algorithm</a:t>
+          </a:r>
+          <a:r>
+            <a:rPr lang="it-IT" dirty="0"/>
+            <a:t> and SKRL library</a:t>
+          </a:r>
+          <a:endParaRPr lang="en-US" dirty="0"/>
         </a:p>
       </dgm:t>
     </dgm:pt>
@@ -3185,10 +3218,42 @@
             </a:lnSpc>
           </a:pPr>
           <a:r>
-            <a:rPr lang="it-IT"/>
-            <a:t>Create an environment using Isaac Gym </a:t>
+            <a:rPr lang="it-IT" dirty="0"/>
+            <a:t>Create an </a:t>
           </a:r>
-          <a:endParaRPr lang="en-US"/>
+          <a:r>
+            <a:rPr lang="it-IT" dirty="0" err="1"/>
+            <a:t>environment</a:t>
+          </a:r>
+          <a:r>
+            <a:rPr lang="it-IT" dirty="0"/>
+            <a:t> </a:t>
+          </a:r>
+          <a:r>
+            <a:rPr lang="it-IT" dirty="0" err="1"/>
+            <a:t>using</a:t>
+          </a:r>
+          <a:r>
+            <a:rPr lang="it-IT" dirty="0"/>
+            <a:t> Isaac Gym </a:t>
+          </a:r>
+          <a:r>
+            <a:rPr lang="it-IT" dirty="0" err="1"/>
+            <a:t>where</a:t>
+          </a:r>
+          <a:r>
+            <a:rPr lang="it-IT" dirty="0"/>
+            <a:t> agents can </a:t>
+          </a:r>
+          <a:r>
+            <a:rPr lang="it-IT" dirty="0" err="1"/>
+            <a:t>interact</a:t>
+          </a:r>
+          <a:r>
+            <a:rPr lang="it-IT" dirty="0"/>
+            <a:t> </a:t>
+          </a:r>
+          <a:endParaRPr lang="en-US" dirty="0"/>
         </a:p>
       </dgm:t>
     </dgm:pt>
@@ -3227,10 +3292,38 @@
             </a:lnSpc>
           </a:pPr>
           <a:r>
-            <a:rPr lang="it-IT"/>
-            <a:t>Implement a Neural Network to control the drone using camera images</a:t>
+            <a:rPr lang="it-IT" dirty="0" err="1"/>
+            <a:t>Implement</a:t>
           </a:r>
-          <a:endParaRPr lang="en-US"/>
+          <a:r>
+            <a:rPr lang="it-IT" dirty="0"/>
+            <a:t> a </a:t>
+          </a:r>
+          <a:r>
+            <a:rPr lang="it-IT" dirty="0" err="1"/>
+            <a:t>Neural</a:t>
+          </a:r>
+          <a:r>
+            <a:rPr lang="it-IT" dirty="0"/>
+            <a:t> Network to control the drone </a:t>
+          </a:r>
+          <a:r>
+            <a:rPr lang="it-IT" dirty="0" err="1"/>
+            <a:t>using</a:t>
+          </a:r>
+          <a:r>
+            <a:rPr lang="it-IT" dirty="0"/>
+            <a:t> camera images </a:t>
+          </a:r>
+          <a:r>
+            <a:rPr lang="it-IT" dirty="0" err="1"/>
+            <a:t>applying</a:t>
+          </a:r>
+          <a:r>
+            <a:rPr lang="it-IT" dirty="0"/>
+            <a:t> PPO</a:t>
+          </a:r>
+          <a:endParaRPr lang="en-US" dirty="0"/>
         </a:p>
       </dgm:t>
     </dgm:pt>
@@ -3680,7 +3773,7 @@
           </a:r>
           <a:r>
             <a:rPr lang="en-US" sz="2000" dirty="0"/>
-            <a:t> for seamless integration</a:t>
+            <a:t> or JAX for seamless integration</a:t>
           </a:r>
         </a:p>
       </dgm:t>
@@ -4526,10 +4619,42 @@
             <a:buNone/>
           </a:pPr>
           <a:r>
-            <a:rPr lang="it-IT" sz="1900" kern="1200"/>
-            <a:t>Study PPO (Proximal Policy Optimization) Reinforcement learning algorithm and SKRL libraty</a:t>
+            <a:rPr lang="it-IT" sz="1900" kern="1200" dirty="0"/>
+            <a:t>Study PPO (</a:t>
           </a:r>
-          <a:endParaRPr lang="en-US" sz="1900" kern="1200"/>
+          <a:r>
+            <a:rPr lang="it-IT" sz="1900" kern="1200" dirty="0" err="1"/>
+            <a:t>Proximal</a:t>
+          </a:r>
+          <a:r>
+            <a:rPr lang="it-IT" sz="1900" kern="1200" dirty="0"/>
+            <a:t> Policy </a:t>
+          </a:r>
+          <a:r>
+            <a:rPr lang="it-IT" sz="1900" kern="1200" dirty="0" err="1"/>
+            <a:t>Optimization</a:t>
+          </a:r>
+          <a:r>
+            <a:rPr lang="it-IT" sz="1900" kern="1200" dirty="0"/>
+            <a:t>) </a:t>
+          </a:r>
+          <a:r>
+            <a:rPr lang="it-IT" sz="1900" kern="1200" dirty="0" err="1"/>
+            <a:t>Reinforcement</a:t>
+          </a:r>
+          <a:r>
+            <a:rPr lang="it-IT" sz="1900" kern="1200" dirty="0"/>
+            <a:t> learning </a:t>
+          </a:r>
+          <a:r>
+            <a:rPr lang="it-IT" sz="1900" kern="1200" dirty="0" err="1"/>
+            <a:t>algorithm</a:t>
+          </a:r>
+          <a:r>
+            <a:rPr lang="it-IT" sz="1900" kern="1200" dirty="0"/>
+            <a:t> and SKRL library</a:t>
+          </a:r>
+          <a:endParaRPr lang="en-US" sz="1900" kern="1200" dirty="0"/>
         </a:p>
       </dsp:txBody>
       <dsp:txXfrm>
@@ -4686,10 +4811,42 @@
             <a:buNone/>
           </a:pPr>
           <a:r>
-            <a:rPr lang="it-IT" sz="1900" kern="1200"/>
-            <a:t>Create an environment using Isaac Gym </a:t>
+            <a:rPr lang="it-IT" sz="1900" kern="1200" dirty="0"/>
+            <a:t>Create an </a:t>
           </a:r>
-          <a:endParaRPr lang="en-US" sz="1900" kern="1200"/>
+          <a:r>
+            <a:rPr lang="it-IT" sz="1900" kern="1200" dirty="0" err="1"/>
+            <a:t>environment</a:t>
+          </a:r>
+          <a:r>
+            <a:rPr lang="it-IT" sz="1900" kern="1200" dirty="0"/>
+            <a:t> </a:t>
+          </a:r>
+          <a:r>
+            <a:rPr lang="it-IT" sz="1900" kern="1200" dirty="0" err="1"/>
+            <a:t>using</a:t>
+          </a:r>
+          <a:r>
+            <a:rPr lang="it-IT" sz="1900" kern="1200" dirty="0"/>
+            <a:t> Isaac Gym </a:t>
+          </a:r>
+          <a:r>
+            <a:rPr lang="it-IT" sz="1900" kern="1200" dirty="0" err="1"/>
+            <a:t>where</a:t>
+          </a:r>
+          <a:r>
+            <a:rPr lang="it-IT" sz="1900" kern="1200" dirty="0"/>
+            <a:t> agents can </a:t>
+          </a:r>
+          <a:r>
+            <a:rPr lang="it-IT" sz="1900" kern="1200" dirty="0" err="1"/>
+            <a:t>interact</a:t>
+          </a:r>
+          <a:r>
+            <a:rPr lang="it-IT" sz="1900" kern="1200" dirty="0"/>
+            <a:t> </a:t>
+          </a:r>
+          <a:endParaRPr lang="en-US" sz="1900" kern="1200" dirty="0"/>
         </a:p>
       </dsp:txBody>
       <dsp:txXfrm>
@@ -4846,10 +5003,38 @@
             <a:buNone/>
           </a:pPr>
           <a:r>
-            <a:rPr lang="it-IT" sz="1900" kern="1200"/>
-            <a:t>Implement a Neural Network to control the drone using camera images</a:t>
+            <a:rPr lang="it-IT" sz="1900" kern="1200" dirty="0" err="1"/>
+            <a:t>Implement</a:t>
           </a:r>
-          <a:endParaRPr lang="en-US" sz="1900" kern="1200"/>
+          <a:r>
+            <a:rPr lang="it-IT" sz="1900" kern="1200" dirty="0"/>
+            <a:t> a </a:t>
+          </a:r>
+          <a:r>
+            <a:rPr lang="it-IT" sz="1900" kern="1200" dirty="0" err="1"/>
+            <a:t>Neural</a:t>
+          </a:r>
+          <a:r>
+            <a:rPr lang="it-IT" sz="1900" kern="1200" dirty="0"/>
+            <a:t> Network to control the drone </a:t>
+          </a:r>
+          <a:r>
+            <a:rPr lang="it-IT" sz="1900" kern="1200" dirty="0" err="1"/>
+            <a:t>using</a:t>
+          </a:r>
+          <a:r>
+            <a:rPr lang="it-IT" sz="1900" kern="1200" dirty="0"/>
+            <a:t> camera images </a:t>
+          </a:r>
+          <a:r>
+            <a:rPr lang="it-IT" sz="1900" kern="1200" dirty="0" err="1"/>
+            <a:t>applying</a:t>
+          </a:r>
+          <a:r>
+            <a:rPr lang="it-IT" sz="1900" kern="1200" dirty="0"/>
+            <a:t> PPO</a:t>
+          </a:r>
+          <a:endParaRPr lang="en-US" sz="1900" kern="1200" dirty="0"/>
         </a:p>
       </dsp:txBody>
       <dsp:txXfrm>
@@ -5328,7 +5513,7 @@
           </a:r>
           <a:r>
             <a:rPr lang="en-US" sz="2000" kern="1200" dirty="0"/>
-            <a:t> for seamless integration</a:t>
+            <a:t> or JAX for seamless integration</a:t>
           </a:r>
         </a:p>
         <a:p>
@@ -10871,7 +11056,7 @@
           <a:p>
             <a:fld id="{B3FBE7C8-F44F-46A4-ADFD-275A97E64713}" type="datetimeFigureOut">
               <a:rPr lang="it-IT" smtClean="0"/>
-              <a:t>26/08/2024</a:t>
+              <a:t>31/08/2024</a:t>
             </a:fld>
             <a:endParaRPr lang="it-IT"/>
           </a:p>
@@ -10925,7 +11110,7 @@
           <a:p>
             <a:fld id="{FD32C36A-C476-4D87-9FEE-A75765A1B5AE}" type="slidenum">
               <a:rPr lang="it-IT" smtClean="0"/>
-              <a:t>‹#›</a:t>
+              <a:t>‹N›</a:t>
             </a:fld>
             <a:endParaRPr lang="it-IT"/>
           </a:p>
@@ -11069,7 +11254,7 @@
           <a:p>
             <a:fld id="{B3FBE7C8-F44F-46A4-ADFD-275A97E64713}" type="datetimeFigureOut">
               <a:rPr lang="it-IT" smtClean="0"/>
-              <a:t>26/08/2024</a:t>
+              <a:t>31/08/2024</a:t>
             </a:fld>
             <a:endParaRPr lang="it-IT"/>
           </a:p>
@@ -11123,7 +11308,7 @@
           <a:p>
             <a:fld id="{FD32C36A-C476-4D87-9FEE-A75765A1B5AE}" type="slidenum">
               <a:rPr lang="it-IT" smtClean="0"/>
-              <a:t>‹#›</a:t>
+              <a:t>‹N›</a:t>
             </a:fld>
             <a:endParaRPr lang="it-IT"/>
           </a:p>
@@ -11277,7 +11462,7 @@
           <a:p>
             <a:fld id="{B3FBE7C8-F44F-46A4-ADFD-275A97E64713}" type="datetimeFigureOut">
               <a:rPr lang="it-IT" smtClean="0"/>
-              <a:t>26/08/2024</a:t>
+              <a:t>31/08/2024</a:t>
             </a:fld>
             <a:endParaRPr lang="it-IT"/>
           </a:p>
@@ -11331,7 +11516,7 @@
           <a:p>
             <a:fld id="{FD32C36A-C476-4D87-9FEE-A75765A1B5AE}" type="slidenum">
               <a:rPr lang="it-IT" smtClean="0"/>
-              <a:t>‹#›</a:t>
+              <a:t>‹N›</a:t>
             </a:fld>
             <a:endParaRPr lang="it-IT"/>
           </a:p>
@@ -11475,7 +11660,7 @@
           <a:p>
             <a:fld id="{B3FBE7C8-F44F-46A4-ADFD-275A97E64713}" type="datetimeFigureOut">
               <a:rPr lang="it-IT" smtClean="0"/>
-              <a:t>26/08/2024</a:t>
+              <a:t>31/08/2024</a:t>
             </a:fld>
             <a:endParaRPr lang="it-IT"/>
           </a:p>
@@ -11529,7 +11714,7 @@
           <a:p>
             <a:fld id="{FD32C36A-C476-4D87-9FEE-A75765A1B5AE}" type="slidenum">
               <a:rPr lang="it-IT" smtClean="0"/>
-              <a:t>‹#›</a:t>
+              <a:t>‹N›</a:t>
             </a:fld>
             <a:endParaRPr lang="it-IT"/>
           </a:p>
@@ -11750,7 +11935,7 @@
           <a:p>
             <a:fld id="{B3FBE7C8-F44F-46A4-ADFD-275A97E64713}" type="datetimeFigureOut">
               <a:rPr lang="it-IT" smtClean="0"/>
-              <a:t>26/08/2024</a:t>
+              <a:t>31/08/2024</a:t>
             </a:fld>
             <a:endParaRPr lang="it-IT"/>
           </a:p>
@@ -11804,7 +11989,7 @@
           <a:p>
             <a:fld id="{FD32C36A-C476-4D87-9FEE-A75765A1B5AE}" type="slidenum">
               <a:rPr lang="it-IT" smtClean="0"/>
-              <a:t>‹#›</a:t>
+              <a:t>‹N›</a:t>
             </a:fld>
             <a:endParaRPr lang="it-IT"/>
           </a:p>
@@ -12015,7 +12200,7 @@
           <a:p>
             <a:fld id="{B3FBE7C8-F44F-46A4-ADFD-275A97E64713}" type="datetimeFigureOut">
               <a:rPr lang="it-IT" smtClean="0"/>
-              <a:t>26/08/2024</a:t>
+              <a:t>31/08/2024</a:t>
             </a:fld>
             <a:endParaRPr lang="it-IT"/>
           </a:p>
@@ -12069,7 +12254,7 @@
           <a:p>
             <a:fld id="{FD32C36A-C476-4D87-9FEE-A75765A1B5AE}" type="slidenum">
               <a:rPr lang="it-IT" smtClean="0"/>
-              <a:t>‹#›</a:t>
+              <a:t>‹N›</a:t>
             </a:fld>
             <a:endParaRPr lang="it-IT"/>
           </a:p>
@@ -12427,7 +12612,7 @@
           <a:p>
             <a:fld id="{B3FBE7C8-F44F-46A4-ADFD-275A97E64713}" type="datetimeFigureOut">
               <a:rPr lang="it-IT" smtClean="0"/>
-              <a:t>26/08/2024</a:t>
+              <a:t>31/08/2024</a:t>
             </a:fld>
             <a:endParaRPr lang="it-IT"/>
           </a:p>
@@ -12481,7 +12666,7 @@
           <a:p>
             <a:fld id="{FD32C36A-C476-4D87-9FEE-A75765A1B5AE}" type="slidenum">
               <a:rPr lang="it-IT" smtClean="0"/>
-              <a:t>‹#›</a:t>
+              <a:t>‹N›</a:t>
             </a:fld>
             <a:endParaRPr lang="it-IT"/>
           </a:p>
@@ -12568,7 +12753,7 @@
           <a:p>
             <a:fld id="{B3FBE7C8-F44F-46A4-ADFD-275A97E64713}" type="datetimeFigureOut">
               <a:rPr lang="it-IT" smtClean="0"/>
-              <a:t>26/08/2024</a:t>
+              <a:t>31/08/2024</a:t>
             </a:fld>
             <a:endParaRPr lang="it-IT"/>
           </a:p>
@@ -12622,7 +12807,7 @@
           <a:p>
             <a:fld id="{FD32C36A-C476-4D87-9FEE-A75765A1B5AE}" type="slidenum">
               <a:rPr lang="it-IT" smtClean="0"/>
-              <a:t>‹#›</a:t>
+              <a:t>‹N›</a:t>
             </a:fld>
             <a:endParaRPr lang="it-IT"/>
           </a:p>
@@ -12681,7 +12866,7 @@
           <a:p>
             <a:fld id="{B3FBE7C8-F44F-46A4-ADFD-275A97E64713}" type="datetimeFigureOut">
               <a:rPr lang="it-IT" smtClean="0"/>
-              <a:t>26/08/2024</a:t>
+              <a:t>31/08/2024</a:t>
             </a:fld>
             <a:endParaRPr lang="it-IT"/>
           </a:p>
@@ -12735,7 +12920,7 @@
           <a:p>
             <a:fld id="{FD32C36A-C476-4D87-9FEE-A75765A1B5AE}" type="slidenum">
               <a:rPr lang="it-IT" smtClean="0"/>
-              <a:t>‹#›</a:t>
+              <a:t>‹N›</a:t>
             </a:fld>
             <a:endParaRPr lang="it-IT"/>
           </a:p>
@@ -12992,7 +13177,7 @@
           <a:p>
             <a:fld id="{B3FBE7C8-F44F-46A4-ADFD-275A97E64713}" type="datetimeFigureOut">
               <a:rPr lang="it-IT" smtClean="0"/>
-              <a:t>26/08/2024</a:t>
+              <a:t>31/08/2024</a:t>
             </a:fld>
             <a:endParaRPr lang="it-IT"/>
           </a:p>
@@ -13046,7 +13231,7 @@
           <a:p>
             <a:fld id="{FD32C36A-C476-4D87-9FEE-A75765A1B5AE}" type="slidenum">
               <a:rPr lang="it-IT" smtClean="0"/>
-              <a:t>‹#›</a:t>
+              <a:t>‹N›</a:t>
             </a:fld>
             <a:endParaRPr lang="it-IT"/>
           </a:p>
@@ -13280,7 +13465,7 @@
           <a:p>
             <a:fld id="{B3FBE7C8-F44F-46A4-ADFD-275A97E64713}" type="datetimeFigureOut">
               <a:rPr lang="it-IT" smtClean="0"/>
-              <a:t>26/08/2024</a:t>
+              <a:t>31/08/2024</a:t>
             </a:fld>
             <a:endParaRPr lang="it-IT"/>
           </a:p>
@@ -13334,7 +13519,7 @@
           <a:p>
             <a:fld id="{FD32C36A-C476-4D87-9FEE-A75765A1B5AE}" type="slidenum">
               <a:rPr lang="it-IT" smtClean="0"/>
-              <a:t>‹#›</a:t>
+              <a:t>‹N›</a:t>
             </a:fld>
             <a:endParaRPr lang="it-IT"/>
           </a:p>
@@ -13521,7 +13706,7 @@
           <a:p>
             <a:fld id="{B3FBE7C8-F44F-46A4-ADFD-275A97E64713}" type="datetimeFigureOut">
               <a:rPr lang="it-IT" smtClean="0"/>
-              <a:t>26/08/2024</a:t>
+              <a:t>31/08/2024</a:t>
             </a:fld>
             <a:endParaRPr lang="it-IT"/>
           </a:p>
@@ -13611,7 +13796,7 @@
           <a:p>
             <a:fld id="{FD32C36A-C476-4D87-9FEE-A75765A1B5AE}" type="slidenum">
               <a:rPr lang="it-IT" smtClean="0"/>
-              <a:t>‹#›</a:t>
+              <a:t>‹N›</a:t>
             </a:fld>
             <a:endParaRPr lang="it-IT"/>
           </a:p>
@@ -14757,6 +14942,306 @@
               <a:rPr lang="en-US" dirty="0">
                 <a:latin typeface="Aptos SemiBold" panose="020B0004020202020204" pitchFamily="34" charset="0"/>
               </a:rPr>
+              <a:t>Reaching a target – Reward Function</a:t>
+            </a:r>
+            <a:endParaRPr lang="it-IT" dirty="0">
+              <a:latin typeface="Aptos SemiBold" panose="020B0004020202020204" pitchFamily="34" charset="0"/>
+            </a:endParaRPr>
+          </a:p>
+        </p:txBody>
+      </p:sp>
+      <p:pic>
+        <p:nvPicPr>
+          <p:cNvPr id="4" name="Immagine 3">
+            <a:extLst>
+              <a:ext uri="{FF2B5EF4-FFF2-40B4-BE49-F238E27FC236}">
+                <a16:creationId xmlns:a16="http://schemas.microsoft.com/office/drawing/2014/main" id="{CB1FFB52-928C-7EDA-3C3B-6E1F60CA0E58}"/>
+              </a:ext>
+            </a:extLst>
+          </p:cNvPr>
+          <p:cNvPicPr>
+            <a:picLocks noChangeAspect="1"/>
+          </p:cNvPicPr>
+          <p:nvPr/>
+        </p:nvPicPr>
+        <p:blipFill>
+          <a:blip r:embed="rId2"/>
+          <a:stretch>
+            <a:fillRect/>
+          </a:stretch>
+        </p:blipFill>
+        <p:spPr>
+          <a:xfrm>
+            <a:off x="838200" y="1487928"/>
+            <a:ext cx="6142782" cy="36000"/>
+          </a:xfrm>
+          <a:prstGeom prst="rect">
+            <a:avLst/>
+          </a:prstGeom>
+        </p:spPr>
+      </p:pic>
+      <p:sp>
+        <p:nvSpPr>
+          <p:cNvPr id="5" name="Segnaposto contenuto 2">
+            <a:extLst>
+              <a:ext uri="{FF2B5EF4-FFF2-40B4-BE49-F238E27FC236}">
+                <a16:creationId xmlns:a16="http://schemas.microsoft.com/office/drawing/2014/main" id="{5C886F07-EA7B-3583-3F0E-C33A5A18A369}"/>
+              </a:ext>
+            </a:extLst>
+          </p:cNvPr>
+          <p:cNvSpPr txBox="1">
+            <a:spLocks/>
+          </p:cNvSpPr>
+          <p:nvPr/>
+        </p:nvSpPr>
+        <p:spPr>
+          <a:xfrm>
+            <a:off x="990600" y="1978025"/>
+            <a:ext cx="4172339" cy="4351338"/>
+          </a:xfrm>
+          <a:prstGeom prst="rect">
+            <a:avLst/>
+          </a:prstGeom>
+        </p:spPr>
+        <p:txBody>
+          <a:bodyPr vert="horz" lIns="91440" tIns="45720" rIns="91440" bIns="45720" rtlCol="0">
+            <a:normAutofit/>
+          </a:bodyPr>
+          <a:lstStyle>
+            <a:lvl1pPr marL="228600" indent="-228600" algn="l" defTabSz="914400" rtl="0" eaLnBrk="1" latinLnBrk="0" hangingPunct="1">
+              <a:lnSpc>
+                <a:spcPct val="90000"/>
+              </a:lnSpc>
+              <a:spcBef>
+                <a:spcPts val="1000"/>
+              </a:spcBef>
+              <a:buFont typeface="Arial" panose="020B0604020202020204" pitchFamily="34" charset="0"/>
+              <a:buChar char="•"/>
+              <a:defRPr sz="2800" kern="1200">
+                <a:solidFill>
+                  <a:schemeClr val="tx1"/>
+                </a:solidFill>
+                <a:latin typeface="+mn-lt"/>
+                <a:ea typeface="+mn-ea"/>
+                <a:cs typeface="+mn-cs"/>
+              </a:defRPr>
+            </a:lvl1pPr>
+            <a:lvl2pPr marL="685800" indent="-228600" algn="l" defTabSz="914400" rtl="0" eaLnBrk="1" latinLnBrk="0" hangingPunct="1">
+              <a:lnSpc>
+                <a:spcPct val="90000"/>
+              </a:lnSpc>
+              <a:spcBef>
+                <a:spcPts val="500"/>
+              </a:spcBef>
+              <a:buFont typeface="Arial" panose="020B0604020202020204" pitchFamily="34" charset="0"/>
+              <a:buChar char="•"/>
+              <a:defRPr sz="2400" kern="1200">
+                <a:solidFill>
+                  <a:schemeClr val="tx1"/>
+                </a:solidFill>
+                <a:latin typeface="+mn-lt"/>
+                <a:ea typeface="+mn-ea"/>
+                <a:cs typeface="+mn-cs"/>
+              </a:defRPr>
+            </a:lvl2pPr>
+            <a:lvl3pPr marL="1143000" indent="-228600" algn="l" defTabSz="914400" rtl="0" eaLnBrk="1" latinLnBrk="0" hangingPunct="1">
+              <a:lnSpc>
+                <a:spcPct val="90000"/>
+              </a:lnSpc>
+              <a:spcBef>
+                <a:spcPts val="500"/>
+              </a:spcBef>
+              <a:buFont typeface="Arial" panose="020B0604020202020204" pitchFamily="34" charset="0"/>
+              <a:buChar char="•"/>
+              <a:defRPr sz="2000" kern="1200">
+                <a:solidFill>
+                  <a:schemeClr val="tx1"/>
+                </a:solidFill>
+                <a:latin typeface="+mn-lt"/>
+                <a:ea typeface="+mn-ea"/>
+                <a:cs typeface="+mn-cs"/>
+              </a:defRPr>
+            </a:lvl3pPr>
+            <a:lvl4pPr marL="1600200" indent="-228600" algn="l" defTabSz="914400" rtl="0" eaLnBrk="1" latinLnBrk="0" hangingPunct="1">
+              <a:lnSpc>
+                <a:spcPct val="90000"/>
+              </a:lnSpc>
+              <a:spcBef>
+                <a:spcPts val="500"/>
+              </a:spcBef>
+              <a:buFont typeface="Arial" panose="020B0604020202020204" pitchFamily="34" charset="0"/>
+              <a:buChar char="•"/>
+              <a:defRPr sz="1800" kern="1200">
+                <a:solidFill>
+                  <a:schemeClr val="tx1"/>
+                </a:solidFill>
+                <a:latin typeface="+mn-lt"/>
+                <a:ea typeface="+mn-ea"/>
+                <a:cs typeface="+mn-cs"/>
+              </a:defRPr>
+            </a:lvl4pPr>
+            <a:lvl5pPr marL="2057400" indent="-228600" algn="l" defTabSz="914400" rtl="0" eaLnBrk="1" latinLnBrk="0" hangingPunct="1">
+              <a:lnSpc>
+                <a:spcPct val="90000"/>
+              </a:lnSpc>
+              <a:spcBef>
+                <a:spcPts val="500"/>
+              </a:spcBef>
+              <a:buFont typeface="Arial" panose="020B0604020202020204" pitchFamily="34" charset="0"/>
+              <a:buChar char="•"/>
+              <a:defRPr sz="1800" kern="1200">
+                <a:solidFill>
+                  <a:schemeClr val="tx1"/>
+                </a:solidFill>
+                <a:latin typeface="+mn-lt"/>
+                <a:ea typeface="+mn-ea"/>
+                <a:cs typeface="+mn-cs"/>
+              </a:defRPr>
+            </a:lvl5pPr>
+            <a:lvl6pPr marL="2514600" indent="-228600" algn="l" defTabSz="914400" rtl="0" eaLnBrk="1" latinLnBrk="0" hangingPunct="1">
+              <a:lnSpc>
+                <a:spcPct val="90000"/>
+              </a:lnSpc>
+              <a:spcBef>
+                <a:spcPts val="500"/>
+              </a:spcBef>
+              <a:buFont typeface="Arial" panose="020B0604020202020204" pitchFamily="34" charset="0"/>
+              <a:buChar char="•"/>
+              <a:defRPr sz="1800" kern="1200">
+                <a:solidFill>
+                  <a:schemeClr val="tx1"/>
+                </a:solidFill>
+                <a:latin typeface="+mn-lt"/>
+                <a:ea typeface="+mn-ea"/>
+                <a:cs typeface="+mn-cs"/>
+              </a:defRPr>
+            </a:lvl6pPr>
+            <a:lvl7pPr marL="2971800" indent="-228600" algn="l" defTabSz="914400" rtl="0" eaLnBrk="1" latinLnBrk="0" hangingPunct="1">
+              <a:lnSpc>
+                <a:spcPct val="90000"/>
+              </a:lnSpc>
+              <a:spcBef>
+                <a:spcPts val="500"/>
+              </a:spcBef>
+              <a:buFont typeface="Arial" panose="020B0604020202020204" pitchFamily="34" charset="0"/>
+              <a:buChar char="•"/>
+              <a:defRPr sz="1800" kern="1200">
+                <a:solidFill>
+                  <a:schemeClr val="tx1"/>
+                </a:solidFill>
+                <a:latin typeface="+mn-lt"/>
+                <a:ea typeface="+mn-ea"/>
+                <a:cs typeface="+mn-cs"/>
+              </a:defRPr>
+            </a:lvl7pPr>
+            <a:lvl8pPr marL="3429000" indent="-228600" algn="l" defTabSz="914400" rtl="0" eaLnBrk="1" latinLnBrk="0" hangingPunct="1">
+              <a:lnSpc>
+                <a:spcPct val="90000"/>
+              </a:lnSpc>
+              <a:spcBef>
+                <a:spcPts val="500"/>
+              </a:spcBef>
+              <a:buFont typeface="Arial" panose="020B0604020202020204" pitchFamily="34" charset="0"/>
+              <a:buChar char="•"/>
+              <a:defRPr sz="1800" kern="1200">
+                <a:solidFill>
+                  <a:schemeClr val="tx1"/>
+                </a:solidFill>
+                <a:latin typeface="+mn-lt"/>
+                <a:ea typeface="+mn-ea"/>
+                <a:cs typeface="+mn-cs"/>
+              </a:defRPr>
+            </a:lvl8pPr>
+            <a:lvl9pPr marL="3886200" indent="-228600" algn="l" defTabSz="914400" rtl="0" eaLnBrk="1" latinLnBrk="0" hangingPunct="1">
+              <a:lnSpc>
+                <a:spcPct val="90000"/>
+              </a:lnSpc>
+              <a:spcBef>
+                <a:spcPts val="500"/>
+              </a:spcBef>
+              <a:buFont typeface="Arial" panose="020B0604020202020204" pitchFamily="34" charset="0"/>
+              <a:buChar char="•"/>
+              <a:defRPr sz="1800" kern="1200">
+                <a:solidFill>
+                  <a:schemeClr val="tx1"/>
+                </a:solidFill>
+                <a:latin typeface="+mn-lt"/>
+                <a:ea typeface="+mn-ea"/>
+                <a:cs typeface="+mn-cs"/>
+              </a:defRPr>
+            </a:lvl9pPr>
+          </a:lstStyle>
+          <a:p>
+            <a:endParaRPr lang="it-IT" sz="2400"/>
+          </a:p>
+          <a:p>
+            <a:endParaRPr lang="it-IT"/>
+          </a:p>
+          <a:p>
+            <a:endParaRPr lang="it-IT"/>
+          </a:p>
+          <a:p>
+            <a:endParaRPr lang="it-IT" dirty="0"/>
+          </a:p>
+        </p:txBody>
+      </p:sp>
+    </p:spTree>
+    <p:extLst>
+      <p:ext uri="{BB962C8B-B14F-4D97-AF65-F5344CB8AC3E}">
+        <p14:creationId xmlns:p14="http://schemas.microsoft.com/office/powerpoint/2010/main" val="2103946519"/>
+      </p:ext>
+    </p:extLst>
+  </p:cSld>
+  <p:clrMapOvr>
+    <a:masterClrMapping/>
+  </p:clrMapOvr>
+</p:sld>
+</file>
+
+<file path=ppt/slides/slide11.xml><?xml version="1.0" encoding="utf-8"?>
+<p:sld xmlns:a="http://schemas.openxmlformats.org/drawingml/2006/main" xmlns:r="http://schemas.openxmlformats.org/officeDocument/2006/relationships" xmlns:p="http://schemas.openxmlformats.org/presentationml/2006/main">
+  <p:cSld>
+    <p:spTree>
+      <p:nvGrpSpPr>
+        <p:cNvPr id="1" name=""/>
+        <p:cNvGrpSpPr/>
+        <p:nvPr/>
+      </p:nvGrpSpPr>
+      <p:grpSpPr>
+        <a:xfrm>
+          <a:off x="0" y="0"/>
+          <a:ext cx="0" cy="0"/>
+          <a:chOff x="0" y="0"/>
+          <a:chExt cx="0" cy="0"/>
+        </a:xfrm>
+      </p:grpSpPr>
+      <p:sp>
+        <p:nvSpPr>
+          <p:cNvPr id="2" name="Titolo 1">
+            <a:extLst>
+              <a:ext uri="{FF2B5EF4-FFF2-40B4-BE49-F238E27FC236}">
+                <a16:creationId xmlns:a16="http://schemas.microsoft.com/office/drawing/2014/main" id="{D5F58EEC-3A74-ACCB-9A51-3B63C7A951AF}"/>
+              </a:ext>
+            </a:extLst>
+          </p:cNvPr>
+          <p:cNvSpPr>
+            <a:spLocks noGrp="1"/>
+          </p:cNvSpPr>
+          <p:nvPr>
+            <p:ph type="title"/>
+          </p:nvPr>
+        </p:nvSpPr>
+        <p:spPr/>
+        <p:txBody>
+          <a:bodyPr>
+            <a:normAutofit/>
+          </a:bodyPr>
+          <a:lstStyle/>
+          <a:p>
+            <a:r>
+              <a:rPr lang="en-US" dirty="0">
+                <a:latin typeface="Aptos SemiBold" panose="020B0004020202020204" pitchFamily="34" charset="0"/>
+              </a:rPr>
               <a:t>Reaching a target - Training</a:t>
             </a:r>
             <a:endParaRPr lang="it-IT" dirty="0">
@@ -15049,7 +15534,7 @@
 </p:sld>
 </file>
 
-<file path=ppt/slides/slide11.xml><?xml version="1.0" encoding="utf-8"?>
+<file path=ppt/slides/slide12.xml><?xml version="1.0" encoding="utf-8"?>
 <p:sld xmlns:a="http://schemas.openxmlformats.org/drawingml/2006/main" xmlns:r="http://schemas.openxmlformats.org/officeDocument/2006/relationships" xmlns:p="http://schemas.openxmlformats.org/presentationml/2006/main">
   <p:cSld>
     <p:spTree>
@@ -15385,7 +15870,7 @@
 </p:sld>
 </file>
 
-<file path=ppt/slides/slide12.xml><?xml version="1.0" encoding="utf-8"?>
+<file path=ppt/slides/slide13.xml><?xml version="1.0" encoding="utf-8"?>
 <p:sld xmlns:a="http://schemas.openxmlformats.org/drawingml/2006/main" xmlns:r="http://schemas.openxmlformats.org/officeDocument/2006/relationships" xmlns:p="http://schemas.openxmlformats.org/presentationml/2006/main">
   <p:cSld>
     <p:spTree>
@@ -16584,7 +17069,7 @@
 </p:sld>
 </file>
 
-<file path=ppt/slides/slide13.xml><?xml version="1.0" encoding="utf-8"?>
+<file path=ppt/slides/slide14.xml><?xml version="1.0" encoding="utf-8"?>
 <p:sld xmlns:a="http://schemas.openxmlformats.org/drawingml/2006/main" xmlns:r="http://schemas.openxmlformats.org/officeDocument/2006/relationships" xmlns:p="http://schemas.openxmlformats.org/presentationml/2006/main">
   <p:cSld>
     <p:spTree>
@@ -16744,7 +17229,7 @@
 </p:sld>
 </file>
 
-<file path=ppt/slides/slide14.xml><?xml version="1.0" encoding="utf-8"?>
+<file path=ppt/slides/slide15.xml><?xml version="1.0" encoding="utf-8"?>
 <p:sld xmlns:a="http://schemas.openxmlformats.org/drawingml/2006/main" xmlns:r="http://schemas.openxmlformats.org/officeDocument/2006/relationships" xmlns:p="http://schemas.openxmlformats.org/presentationml/2006/main">
   <p:cSld>
     <p:spTree>
@@ -18321,7 +18806,7 @@
 </p:sld>
 </file>
 
-<file path=ppt/slides/slide15.xml><?xml version="1.0" encoding="utf-8"?>
+<file path=ppt/slides/slide16.xml><?xml version="1.0" encoding="utf-8"?>
 <p:sld xmlns:a="http://schemas.openxmlformats.org/drawingml/2006/main" xmlns:r="http://schemas.openxmlformats.org/officeDocument/2006/relationships" xmlns:p="http://schemas.openxmlformats.org/presentationml/2006/main">
   <p:cSld>
     <p:spTree>
@@ -18481,9 +18966,17 @@
 </p:sld>
 </file>
 
-<file path=ppt/slides/slide16.xml><?xml version="1.0" encoding="utf-8"?>
+<file path=ppt/slides/slide17.xml><?xml version="1.0" encoding="utf-8"?>
 <p:sld xmlns:a="http://schemas.openxmlformats.org/drawingml/2006/main" xmlns:r="http://schemas.openxmlformats.org/officeDocument/2006/relationships" xmlns:p="http://schemas.openxmlformats.org/presentationml/2006/main">
   <p:cSld>
+    <p:bg>
+      <p:bgPr>
+        <a:solidFill>
+          <a:schemeClr val="bg1"/>
+        </a:solidFill>
+        <a:effectLst/>
+      </p:bgPr>
+    </p:bg>
     <p:spTree>
       <p:nvGrpSpPr>
         <p:cNvPr id="1" name=""/>
@@ -18498,6 +18991,889 @@
           <a:chExt cx="0" cy="0"/>
         </a:xfrm>
       </p:grpSpPr>
+      <p:sp useBgFill="1">
+        <p:nvSpPr>
+          <p:cNvPr id="17" name="Rectangle 16">
+            <a:extLst>
+              <a:ext uri="{FF2B5EF4-FFF2-40B4-BE49-F238E27FC236}">
+                <a16:creationId xmlns:a16="http://schemas.microsoft.com/office/drawing/2014/main" id="{1C799903-48D5-4A31-A1A2-541072D9771E}"/>
+              </a:ext>
+              <a:ext uri="{C183D7F6-B498-43B3-948B-1728B52AA6E4}">
+                <adec:decorative xmlns:adec="http://schemas.microsoft.com/office/drawing/2017/decorative" val="1"/>
+              </a:ext>
+            </a:extLst>
+          </p:cNvPr>
+          <p:cNvSpPr>
+            <a:spLocks noGrp="1" noRot="1" noChangeAspect="1" noMove="1" noResize="1" noEditPoints="1" noAdjustHandles="1" noChangeArrowheads="1" noChangeShapeType="1" noTextEdit="1"/>
+          </p:cNvSpPr>
+          <p:nvPr>
+            <p:extLst>
+              <p:ext uri="{386F3935-93C4-4BCD-93E2-E3B085C9AB24}">
+                <p16:designElem xmlns:p16="http://schemas.microsoft.com/office/powerpoint/2015/main" val="1"/>
+              </p:ext>
+            </p:extLst>
+          </p:nvPr>
+        </p:nvSpPr>
+        <p:spPr>
+          <a:xfrm>
+            <a:off x="0" y="0"/>
+            <a:ext cx="12192002" cy="6858000"/>
+          </a:xfrm>
+          <a:prstGeom prst="rect">
+            <a:avLst/>
+          </a:prstGeom>
+          <a:ln>
+            <a:noFill/>
+          </a:ln>
+        </p:spPr>
+        <p:style>
+          <a:lnRef idx="2">
+            <a:schemeClr val="accent1">
+              <a:shade val="50000"/>
+            </a:schemeClr>
+          </a:lnRef>
+          <a:fillRef idx="1">
+            <a:schemeClr val="accent1"/>
+          </a:fillRef>
+          <a:effectRef idx="0">
+            <a:schemeClr val="accent1"/>
+          </a:effectRef>
+          <a:fontRef idx="minor">
+            <a:schemeClr val="lt1"/>
+          </a:fontRef>
+        </p:style>
+        <p:txBody>
+          <a:bodyPr rtlCol="0" anchor="ctr"/>
+          <a:lstStyle/>
+          <a:p>
+            <a:pPr algn="ctr"/>
+            <a:endParaRPr lang="en-US"/>
+          </a:p>
+        </p:txBody>
+      </p:sp>
+      <p:sp useBgFill="1">
+        <p:nvSpPr>
+          <p:cNvPr id="19" name="Freeform: Shape 18">
+            <a:extLst>
+              <a:ext uri="{FF2B5EF4-FFF2-40B4-BE49-F238E27FC236}">
+                <a16:creationId xmlns:a16="http://schemas.microsoft.com/office/drawing/2014/main" id="{8EFFF109-FC58-4FD3-BE05-9775A1310F55}"/>
+              </a:ext>
+              <a:ext uri="{C183D7F6-B498-43B3-948B-1728B52AA6E4}">
+                <adec:decorative xmlns:adec="http://schemas.microsoft.com/office/drawing/2017/decorative" val="1"/>
+              </a:ext>
+            </a:extLst>
+          </p:cNvPr>
+          <p:cNvSpPr>
+            <a:spLocks noGrp="1" noRot="1" noChangeAspect="1" noMove="1" noResize="1" noEditPoints="1" noAdjustHandles="1" noChangeArrowheads="1" noChangeShapeType="1" noTextEdit="1"/>
+          </p:cNvSpPr>
+          <p:nvPr>
+            <p:extLst>
+              <p:ext uri="{386F3935-93C4-4BCD-93E2-E3B085C9AB24}">
+                <p16:designElem xmlns:p16="http://schemas.microsoft.com/office/powerpoint/2015/main" val="1"/>
+              </p:ext>
+            </p:extLst>
+          </p:nvPr>
+        </p:nvSpPr>
+        <p:spPr>
+          <a:xfrm>
+            <a:off x="-1" y="0"/>
+            <a:ext cx="4818889" cy="6858000"/>
+          </a:xfrm>
+          <a:custGeom>
+            <a:avLst/>
+            <a:gdLst>
+              <a:gd name="connsiteX0" fmla="*/ 0 w 4818889"/>
+              <a:gd name="connsiteY0" fmla="*/ 0 h 6858000"/>
+              <a:gd name="connsiteX1" fmla="*/ 3605911 w 4818889"/>
+              <a:gd name="connsiteY1" fmla="*/ 0 h 6858000"/>
+              <a:gd name="connsiteX2" fmla="*/ 3668894 w 4818889"/>
+              <a:gd name="connsiteY2" fmla="*/ 69271 h 6858000"/>
+              <a:gd name="connsiteX3" fmla="*/ 4818889 w 4818889"/>
+              <a:gd name="connsiteY3" fmla="*/ 3429000 h 6858000"/>
+              <a:gd name="connsiteX4" fmla="*/ 3668894 w 4818889"/>
+              <a:gd name="connsiteY4" fmla="*/ 6788730 h 6858000"/>
+              <a:gd name="connsiteX5" fmla="*/ 3605911 w 4818889"/>
+              <a:gd name="connsiteY5" fmla="*/ 6858000 h 6858000"/>
+              <a:gd name="connsiteX6" fmla="*/ 0 w 4818889"/>
+              <a:gd name="connsiteY6" fmla="*/ 6858000 h 6858000"/>
+            </a:gdLst>
+            <a:ahLst/>
+            <a:cxnLst>
+              <a:cxn ang="0">
+                <a:pos x="connsiteX0" y="connsiteY0"/>
+              </a:cxn>
+              <a:cxn ang="0">
+                <a:pos x="connsiteX1" y="connsiteY1"/>
+              </a:cxn>
+              <a:cxn ang="0">
+                <a:pos x="connsiteX2" y="connsiteY2"/>
+              </a:cxn>
+              <a:cxn ang="0">
+                <a:pos x="connsiteX3" y="connsiteY3"/>
+              </a:cxn>
+              <a:cxn ang="0">
+                <a:pos x="connsiteX4" y="connsiteY4"/>
+              </a:cxn>
+              <a:cxn ang="0">
+                <a:pos x="connsiteX5" y="connsiteY5"/>
+              </a:cxn>
+              <a:cxn ang="0">
+                <a:pos x="connsiteX6" y="connsiteY6"/>
+              </a:cxn>
+            </a:cxnLst>
+            <a:rect l="l" t="t" r="r" b="b"/>
+            <a:pathLst>
+              <a:path w="4818889" h="6858000">
+                <a:moveTo>
+                  <a:pt x="0" y="0"/>
+                </a:moveTo>
+                <a:lnTo>
+                  <a:pt x="3605911" y="0"/>
+                </a:lnTo>
+                <a:lnTo>
+                  <a:pt x="3668894" y="69271"/>
+                </a:lnTo>
+                <a:cubicBezTo>
+                  <a:pt x="4379420" y="929100"/>
+                  <a:pt x="4818889" y="2116944"/>
+                  <a:pt x="4818889" y="3429000"/>
+                </a:cubicBezTo>
+                <a:cubicBezTo>
+                  <a:pt x="4818889" y="4741056"/>
+                  <a:pt x="4379420" y="5928900"/>
+                  <a:pt x="3668894" y="6788730"/>
+                </a:cubicBezTo>
+                <a:lnTo>
+                  <a:pt x="3605911" y="6858000"/>
+                </a:lnTo>
+                <a:lnTo>
+                  <a:pt x="0" y="6858000"/>
+                </a:lnTo>
+                <a:close/>
+              </a:path>
+            </a:pathLst>
+          </a:custGeom>
+          <a:ln w="9525">
+            <a:solidFill>
+              <a:srgbClr val="E6E6E6"/>
+            </a:solidFill>
+          </a:ln>
+          <a:effectLst>
+            <a:outerShdw blurRad="50800" dist="38100" algn="l" rotWithShape="0">
+              <a:schemeClr val="bg1">
+                <a:lumMod val="85000"/>
+                <a:alpha val="50000"/>
+              </a:schemeClr>
+            </a:outerShdw>
+          </a:effectLst>
+        </p:spPr>
+        <p:style>
+          <a:lnRef idx="2">
+            <a:schemeClr val="accent1">
+              <a:shade val="50000"/>
+            </a:schemeClr>
+          </a:lnRef>
+          <a:fillRef idx="1">
+            <a:schemeClr val="accent1"/>
+          </a:fillRef>
+          <a:effectRef idx="0">
+            <a:schemeClr val="accent1"/>
+          </a:effectRef>
+          <a:fontRef idx="minor">
+            <a:schemeClr val="lt1"/>
+          </a:fontRef>
+        </p:style>
+        <p:txBody>
+          <a:bodyPr wrap="square" rtlCol="0" anchor="ctr">
+            <a:noAutofit/>
+          </a:bodyPr>
+          <a:lstStyle/>
+          <a:p>
+            <a:pPr marL="0" marR="0" lvl="0" indent="0" algn="ctr" defTabSz="914400" rtl="0" eaLnBrk="1" fontAlgn="auto" latinLnBrk="0" hangingPunct="1">
+              <a:lnSpc>
+                <a:spcPct val="100000"/>
+              </a:lnSpc>
+              <a:spcBef>
+                <a:spcPts val="0"/>
+              </a:spcBef>
+              <a:spcAft>
+                <a:spcPts val="0"/>
+              </a:spcAft>
+              <a:buClrTx/>
+              <a:buSzTx/>
+              <a:buFontTx/>
+              <a:buNone/>
+              <a:tabLst/>
+              <a:defRPr/>
+            </a:pPr>
+            <a:endParaRPr kumimoji="0" lang="en-US" sz="1800" b="0" i="0" u="none" strike="noStrike" kern="1200" cap="none" spc="0" normalizeH="0" baseline="0" noProof="0">
+              <a:ln>
+                <a:noFill/>
+              </a:ln>
+              <a:solidFill>
+                <a:prstClr val="white"/>
+              </a:solidFill>
+              <a:effectLst/>
+              <a:uLnTx/>
+              <a:uFillTx/>
+              <a:latin typeface="Calibri" panose="020F0502020204030204"/>
+              <a:ea typeface="+mn-ea"/>
+              <a:cs typeface="+mn-cs"/>
+            </a:endParaRPr>
+          </a:p>
+        </p:txBody>
+      </p:sp>
+      <p:pic>
+        <p:nvPicPr>
+          <p:cNvPr id="376" name="Immagine 375">
+            <a:extLst>
+              <a:ext uri="{FF2B5EF4-FFF2-40B4-BE49-F238E27FC236}">
+                <a16:creationId xmlns:a16="http://schemas.microsoft.com/office/drawing/2014/main" id="{42939904-9D0E-1696-6FA6-F42D6BAF2783}"/>
+              </a:ext>
+            </a:extLst>
+          </p:cNvPr>
+          <p:cNvPicPr>
+            <a:picLocks noChangeAspect="1"/>
+          </p:cNvPicPr>
+          <p:nvPr/>
+        </p:nvPicPr>
+        <p:blipFill>
+          <a:blip r:embed="rId2"/>
+          <a:stretch>
+            <a:fillRect/>
+          </a:stretch>
+        </p:blipFill>
+        <p:spPr>
+          <a:xfrm rot="7669835">
+            <a:off x="3635186" y="5605893"/>
+            <a:ext cx="1466000" cy="729342"/>
+          </a:xfrm>
+          <a:prstGeom prst="rect">
+            <a:avLst/>
+          </a:prstGeom>
+        </p:spPr>
+      </p:pic>
+      <p:pic>
+        <p:nvPicPr>
+          <p:cNvPr id="377" name="Immagine 376">
+            <a:extLst>
+              <a:ext uri="{FF2B5EF4-FFF2-40B4-BE49-F238E27FC236}">
+                <a16:creationId xmlns:a16="http://schemas.microsoft.com/office/drawing/2014/main" id="{04900FB7-EE3E-F778-14B3-98B4B1590580}"/>
+              </a:ext>
+            </a:extLst>
+          </p:cNvPr>
+          <p:cNvPicPr>
+            <a:picLocks noChangeAspect="1"/>
+          </p:cNvPicPr>
+          <p:nvPr/>
+        </p:nvPicPr>
+        <p:blipFill>
+          <a:blip r:embed="rId2"/>
+          <a:stretch>
+            <a:fillRect/>
+          </a:stretch>
+        </p:blipFill>
+        <p:spPr>
+          <a:xfrm rot="10800000">
+            <a:off x="3631913" y="322905"/>
+            <a:ext cx="1466000" cy="729342"/>
+          </a:xfrm>
+          <a:prstGeom prst="rect">
+            <a:avLst/>
+          </a:prstGeom>
+        </p:spPr>
+      </p:pic>
+      <p:pic>
+        <p:nvPicPr>
+          <p:cNvPr id="375" name="Immagine 374">
+            <a:extLst>
+              <a:ext uri="{FF2B5EF4-FFF2-40B4-BE49-F238E27FC236}">
+                <a16:creationId xmlns:a16="http://schemas.microsoft.com/office/drawing/2014/main" id="{10F908C2-5FB2-0345-E2C2-3576B4C700DF}"/>
+              </a:ext>
+            </a:extLst>
+          </p:cNvPr>
+          <p:cNvPicPr>
+            <a:picLocks noChangeAspect="1"/>
+          </p:cNvPicPr>
+          <p:nvPr/>
+        </p:nvPicPr>
+        <p:blipFill>
+          <a:blip r:embed="rId2"/>
+          <a:stretch>
+            <a:fillRect/>
+          </a:stretch>
+        </p:blipFill>
+        <p:spPr>
+          <a:xfrm rot="5400000">
+            <a:off x="1300082" y="3085343"/>
+            <a:ext cx="6620036" cy="729342"/>
+          </a:xfrm>
+          <a:prstGeom prst="rect">
+            <a:avLst/>
+          </a:prstGeom>
+        </p:spPr>
+      </p:pic>
+      <p:sp useBgFill="1">
+        <p:nvSpPr>
+          <p:cNvPr id="371" name="Freeform: Shape 20">
+            <a:extLst>
+              <a:ext uri="{FF2B5EF4-FFF2-40B4-BE49-F238E27FC236}">
+                <a16:creationId xmlns:a16="http://schemas.microsoft.com/office/drawing/2014/main" id="{E1B96AD6-92A9-4273-A62B-96A1C3E0BA95}"/>
+              </a:ext>
+              <a:ext uri="{C183D7F6-B498-43B3-948B-1728B52AA6E4}">
+                <adec:decorative xmlns:adec="http://schemas.microsoft.com/office/drawing/2017/decorative" val="1"/>
+              </a:ext>
+            </a:extLst>
+          </p:cNvPr>
+          <p:cNvSpPr>
+            <a:spLocks noGrp="1" noRot="1" noChangeAspect="1" noMove="1" noResize="1" noEditPoints="1" noAdjustHandles="1" noChangeArrowheads="1" noChangeShapeType="1" noTextEdit="1"/>
+          </p:cNvSpPr>
+          <p:nvPr>
+            <p:extLst>
+              <p:ext uri="{386F3935-93C4-4BCD-93E2-E3B085C9AB24}">
+                <p16:designElem xmlns:p16="http://schemas.microsoft.com/office/powerpoint/2015/main" val="1"/>
+              </p:ext>
+            </p:extLst>
+          </p:nvPr>
+        </p:nvSpPr>
+        <p:spPr>
+          <a:xfrm>
+            <a:off x="1" y="0"/>
+            <a:ext cx="4811477" cy="6858000"/>
+          </a:xfrm>
+          <a:custGeom>
+            <a:avLst/>
+            <a:gdLst>
+              <a:gd name="connsiteX0" fmla="*/ 0 w 4811477"/>
+              <a:gd name="connsiteY0" fmla="*/ 0 h 6858000"/>
+              <a:gd name="connsiteX1" fmla="*/ 3598499 w 4811477"/>
+              <a:gd name="connsiteY1" fmla="*/ 0 h 6858000"/>
+              <a:gd name="connsiteX2" fmla="*/ 3661482 w 4811477"/>
+              <a:gd name="connsiteY2" fmla="*/ 69271 h 6858000"/>
+              <a:gd name="connsiteX3" fmla="*/ 4811477 w 4811477"/>
+              <a:gd name="connsiteY3" fmla="*/ 3429000 h 6858000"/>
+              <a:gd name="connsiteX4" fmla="*/ 3661482 w 4811477"/>
+              <a:gd name="connsiteY4" fmla="*/ 6788730 h 6858000"/>
+              <a:gd name="connsiteX5" fmla="*/ 3598499 w 4811477"/>
+              <a:gd name="connsiteY5" fmla="*/ 6858000 h 6858000"/>
+              <a:gd name="connsiteX6" fmla="*/ 0 w 4811477"/>
+              <a:gd name="connsiteY6" fmla="*/ 6858000 h 6858000"/>
+            </a:gdLst>
+            <a:ahLst/>
+            <a:cxnLst>
+              <a:cxn ang="0">
+                <a:pos x="connsiteX0" y="connsiteY0"/>
+              </a:cxn>
+              <a:cxn ang="0">
+                <a:pos x="connsiteX1" y="connsiteY1"/>
+              </a:cxn>
+              <a:cxn ang="0">
+                <a:pos x="connsiteX2" y="connsiteY2"/>
+              </a:cxn>
+              <a:cxn ang="0">
+                <a:pos x="connsiteX3" y="connsiteY3"/>
+              </a:cxn>
+              <a:cxn ang="0">
+                <a:pos x="connsiteX4" y="connsiteY4"/>
+              </a:cxn>
+              <a:cxn ang="0">
+                <a:pos x="connsiteX5" y="connsiteY5"/>
+              </a:cxn>
+              <a:cxn ang="0">
+                <a:pos x="connsiteX6" y="connsiteY6"/>
+              </a:cxn>
+            </a:cxnLst>
+            <a:rect l="l" t="t" r="r" b="b"/>
+            <a:pathLst>
+              <a:path w="4811477" h="6858000">
+                <a:moveTo>
+                  <a:pt x="0" y="0"/>
+                </a:moveTo>
+                <a:lnTo>
+                  <a:pt x="3598499" y="0"/>
+                </a:lnTo>
+                <a:lnTo>
+                  <a:pt x="3661482" y="69271"/>
+                </a:lnTo>
+                <a:cubicBezTo>
+                  <a:pt x="4372008" y="929100"/>
+                  <a:pt x="4811477" y="2116944"/>
+                  <a:pt x="4811477" y="3429000"/>
+                </a:cubicBezTo>
+                <a:cubicBezTo>
+                  <a:pt x="4811477" y="4741056"/>
+                  <a:pt x="4372008" y="5928900"/>
+                  <a:pt x="3661482" y="6788730"/>
+                </a:cubicBezTo>
+                <a:lnTo>
+                  <a:pt x="3598499" y="6858000"/>
+                </a:lnTo>
+                <a:lnTo>
+                  <a:pt x="0" y="6858000"/>
+                </a:lnTo>
+                <a:close/>
+              </a:path>
+            </a:pathLst>
+          </a:custGeom>
+          <a:ln w="9525">
+            <a:noFill/>
+          </a:ln>
+          <a:effectLst/>
+        </p:spPr>
+        <p:style>
+          <a:lnRef idx="2">
+            <a:schemeClr val="accent1">
+              <a:shade val="50000"/>
+            </a:schemeClr>
+          </a:lnRef>
+          <a:fillRef idx="1">
+            <a:schemeClr val="accent1"/>
+          </a:fillRef>
+          <a:effectRef idx="0">
+            <a:schemeClr val="accent1"/>
+          </a:effectRef>
+          <a:fontRef idx="minor">
+            <a:schemeClr val="lt1"/>
+          </a:fontRef>
+        </p:style>
+        <p:txBody>
+          <a:bodyPr wrap="square" rtlCol="0" anchor="ctr">
+            <a:noAutofit/>
+          </a:bodyPr>
+          <a:lstStyle/>
+          <a:p>
+            <a:pPr marL="0" marR="0" lvl="0" indent="0" algn="ctr" defTabSz="914400" rtl="0" eaLnBrk="1" fontAlgn="auto" latinLnBrk="0" hangingPunct="1">
+              <a:lnSpc>
+                <a:spcPct val="100000"/>
+              </a:lnSpc>
+              <a:spcBef>
+                <a:spcPts val="0"/>
+              </a:spcBef>
+              <a:spcAft>
+                <a:spcPts val="0"/>
+              </a:spcAft>
+              <a:buClrTx/>
+              <a:buSzTx/>
+              <a:buFontTx/>
+              <a:buNone/>
+              <a:tabLst/>
+              <a:defRPr/>
+            </a:pPr>
+            <a:endParaRPr kumimoji="0" lang="en-US" sz="1800" b="0" i="0" u="none" strike="noStrike" kern="1200" cap="none" spc="0" normalizeH="0" baseline="0" noProof="0">
+              <a:ln>
+                <a:noFill/>
+              </a:ln>
+              <a:solidFill>
+                <a:prstClr val="white"/>
+              </a:solidFill>
+              <a:effectLst/>
+              <a:uLnTx/>
+              <a:uFillTx/>
+              <a:latin typeface="Calibri" panose="020F0502020204030204"/>
+              <a:ea typeface="+mn-ea"/>
+              <a:cs typeface="+mn-cs"/>
+            </a:endParaRPr>
+          </a:p>
+        </p:txBody>
+      </p:sp>
+      <p:sp>
+        <p:nvSpPr>
+          <p:cNvPr id="372" name="Rectangle 22">
+            <a:extLst>
+              <a:ext uri="{FF2B5EF4-FFF2-40B4-BE49-F238E27FC236}">
+                <a16:creationId xmlns:a16="http://schemas.microsoft.com/office/drawing/2014/main" id="{463EEC44-1BA3-44ED-81FC-A644B04B2A44}"/>
+              </a:ext>
+              <a:ext uri="{C183D7F6-B498-43B3-948B-1728B52AA6E4}">
+                <adec:decorative xmlns:adec="http://schemas.microsoft.com/office/drawing/2017/decorative" val="1"/>
+              </a:ext>
+            </a:extLst>
+          </p:cNvPr>
+          <p:cNvSpPr>
+            <a:spLocks noGrp="1" noRot="1" noChangeAspect="1" noMove="1" noResize="1" noEditPoints="1" noAdjustHandles="1" noChangeArrowheads="1" noChangeShapeType="1" noTextEdit="1"/>
+          </p:cNvSpPr>
+          <p:nvPr>
+            <p:extLst>
+              <p:ext uri="{386F3935-93C4-4BCD-93E2-E3B085C9AB24}">
+                <p16:designElem xmlns:p16="http://schemas.microsoft.com/office/powerpoint/2015/main" val="1"/>
+              </p:ext>
+            </p:extLst>
+          </p:nvPr>
+        </p:nvSpPr>
+        <p:spPr>
+          <a:xfrm>
+            <a:off x="0" y="3102049"/>
+            <a:ext cx="128016" cy="653903"/>
+          </a:xfrm>
+          <a:prstGeom prst="rect">
+            <a:avLst/>
+          </a:prstGeom>
+          <a:solidFill>
+            <a:schemeClr val="accent2"/>
+          </a:solidFill>
+          <a:ln>
+            <a:noFill/>
+          </a:ln>
+        </p:spPr>
+        <p:style>
+          <a:lnRef idx="2">
+            <a:schemeClr val="accent1">
+              <a:shade val="50000"/>
+            </a:schemeClr>
+          </a:lnRef>
+          <a:fillRef idx="1">
+            <a:schemeClr val="accent1"/>
+          </a:fillRef>
+          <a:effectRef idx="0">
+            <a:schemeClr val="accent1"/>
+          </a:effectRef>
+          <a:fontRef idx="minor">
+            <a:schemeClr val="lt1"/>
+          </a:fontRef>
+        </p:style>
+        <p:txBody>
+          <a:bodyPr rtlCol="0" anchor="ctr"/>
+          <a:lstStyle/>
+          <a:p>
+            <a:pPr algn="ctr"/>
+            <a:endParaRPr lang="en-US">
+              <a:solidFill>
+                <a:prstClr val="white"/>
+              </a:solidFill>
+              <a:latin typeface="Calibri" panose="020F0502020204030204"/>
+            </a:endParaRPr>
+          </a:p>
+        </p:txBody>
+      </p:sp>
+      <p:sp>
+        <p:nvSpPr>
+          <p:cNvPr id="3" name="CasellaDiTesto 2">
+            <a:extLst>
+              <a:ext uri="{FF2B5EF4-FFF2-40B4-BE49-F238E27FC236}">
+                <a16:creationId xmlns:a16="http://schemas.microsoft.com/office/drawing/2014/main" id="{66E26BF6-173E-9A98-89AD-FE2F39A549BC}"/>
+              </a:ext>
+            </a:extLst>
+          </p:cNvPr>
+          <p:cNvSpPr txBox="1"/>
+          <p:nvPr/>
+        </p:nvSpPr>
+        <p:spPr>
+          <a:xfrm>
+            <a:off x="3777344" y="322905"/>
+            <a:ext cx="7630886" cy="6317380"/>
+          </a:xfrm>
+          <a:prstGeom prst="rect">
+            <a:avLst/>
+          </a:prstGeom>
+        </p:spPr>
+        <p:txBody>
+          <a:bodyPr vert="horz" lIns="91440" tIns="45720" rIns="91440" bIns="45720" rtlCol="0" anchor="ctr">
+            <a:normAutofit/>
+          </a:bodyPr>
+          <a:lstStyle/>
+          <a:p>
+            <a:pPr>
+              <a:lnSpc>
+                <a:spcPct val="90000"/>
+              </a:lnSpc>
+              <a:spcAft>
+                <a:spcPts val="600"/>
+              </a:spcAft>
+            </a:pPr>
+            <a:r>
+              <a:rPr lang="en-US" sz="2200" b="1" dirty="0"/>
+              <a:t>Practical skills acquired:</a:t>
+            </a:r>
+          </a:p>
+          <a:p>
+            <a:pPr marL="742950" lvl="1" indent="-228600">
+              <a:lnSpc>
+                <a:spcPct val="90000"/>
+              </a:lnSpc>
+              <a:spcAft>
+                <a:spcPts val="600"/>
+              </a:spcAft>
+              <a:buFont typeface="Arial" panose="020B0604020202020204" pitchFamily="34" charset="0"/>
+              <a:buChar char="•"/>
+            </a:pPr>
+            <a:r>
+              <a:rPr lang="en-US" sz="2000" b="1" dirty="0"/>
+              <a:t>Project Organization:</a:t>
+            </a:r>
+            <a:r>
+              <a:rPr lang="en-US" sz="2000" dirty="0"/>
+              <a:t> manage projects using GitHub for version control and collaboration </a:t>
+            </a:r>
+          </a:p>
+          <a:p>
+            <a:pPr marL="742950" lvl="1" indent="-228600">
+              <a:lnSpc>
+                <a:spcPct val="90000"/>
+              </a:lnSpc>
+              <a:spcAft>
+                <a:spcPts val="600"/>
+              </a:spcAft>
+              <a:buFont typeface="Arial" panose="020B0604020202020204" pitchFamily="34" charset="0"/>
+              <a:buChar char="•"/>
+            </a:pPr>
+            <a:r>
+              <a:rPr lang="en-US" sz="2000" b="1" dirty="0"/>
+              <a:t>Linux OS</a:t>
+            </a:r>
+            <a:r>
+              <a:rPr lang="en-US" sz="2000" dirty="0"/>
+              <a:t>: installing libraries, managing dependencies </a:t>
+            </a:r>
+          </a:p>
+          <a:p>
+            <a:pPr marL="742950" lvl="1" indent="-228600">
+              <a:lnSpc>
+                <a:spcPct val="90000"/>
+              </a:lnSpc>
+              <a:spcAft>
+                <a:spcPts val="600"/>
+              </a:spcAft>
+              <a:buFont typeface="Arial" panose="020B0604020202020204" pitchFamily="34" charset="0"/>
+              <a:buChar char="•"/>
+            </a:pPr>
+            <a:r>
+              <a:rPr lang="en-US" sz="2000" b="1" dirty="0"/>
+              <a:t>Docker Utilization:</a:t>
+            </a:r>
+            <a:r>
+              <a:rPr lang="en-US" sz="2000" dirty="0"/>
+              <a:t> managing containers, configuration of virtual memory.  </a:t>
+            </a:r>
+          </a:p>
+          <a:p>
+            <a:pPr marL="742950" lvl="1" indent="-228600">
+              <a:lnSpc>
+                <a:spcPct val="90000"/>
+              </a:lnSpc>
+              <a:spcAft>
+                <a:spcPts val="600"/>
+              </a:spcAft>
+              <a:buFont typeface="Arial" panose="020B0604020202020204" pitchFamily="34" charset="0"/>
+              <a:buChar char="•"/>
+            </a:pPr>
+            <a:r>
+              <a:rPr lang="en-US" sz="2000" b="1" dirty="0" err="1"/>
+              <a:t>WandB</a:t>
+            </a:r>
+            <a:r>
+              <a:rPr lang="en-US" sz="2000" b="1" dirty="0"/>
+              <a:t> Integration:</a:t>
+            </a:r>
+            <a:r>
+              <a:rPr lang="en-US" sz="2000" dirty="0"/>
+              <a:t> Learned how to monitor experiments.</a:t>
+            </a:r>
+          </a:p>
+          <a:p>
+            <a:pPr marL="742950" lvl="1" indent="-228600">
+              <a:lnSpc>
+                <a:spcPct val="90000"/>
+              </a:lnSpc>
+              <a:spcAft>
+                <a:spcPts val="600"/>
+              </a:spcAft>
+              <a:buFont typeface="Arial" panose="020B0604020202020204" pitchFamily="34" charset="0"/>
+              <a:buChar char="•"/>
+            </a:pPr>
+            <a:r>
+              <a:rPr lang="en-US" sz="2000" b="1" dirty="0"/>
+              <a:t>Python Programming:</a:t>
+            </a:r>
+            <a:r>
+              <a:rPr lang="en-US" sz="2000" dirty="0"/>
+              <a:t> Improved coding abilities with a focus on modularity and readability.</a:t>
+            </a:r>
+          </a:p>
+          <a:p>
+            <a:pPr marL="742950" lvl="1" indent="-228600">
+              <a:lnSpc>
+                <a:spcPct val="90000"/>
+              </a:lnSpc>
+              <a:spcAft>
+                <a:spcPts val="600"/>
+              </a:spcAft>
+              <a:buFont typeface="Arial" panose="020B0604020202020204" pitchFamily="34" charset="0"/>
+              <a:buChar char="•"/>
+            </a:pPr>
+            <a:r>
+              <a:rPr lang="en-US" sz="2000" b="1" dirty="0" err="1"/>
+              <a:t>IsaacGym</a:t>
+            </a:r>
+            <a:r>
+              <a:rPr lang="en-US" sz="2000" b="1" dirty="0"/>
+              <a:t> API:</a:t>
+            </a:r>
+            <a:r>
+              <a:rPr lang="en-US" sz="2000" dirty="0"/>
+              <a:t> Acquired experience in creating custom environments for RL and GPU-accelerated computing </a:t>
+            </a:r>
+          </a:p>
+          <a:p>
+            <a:pPr marL="742950" lvl="1" indent="-228600">
+              <a:lnSpc>
+                <a:spcPct val="90000"/>
+              </a:lnSpc>
+              <a:spcAft>
+                <a:spcPts val="600"/>
+              </a:spcAft>
+              <a:buFont typeface="Arial" panose="020B0604020202020204" pitchFamily="34" charset="0"/>
+              <a:buChar char="•"/>
+            </a:pPr>
+            <a:r>
+              <a:rPr lang="en-US" sz="2000" b="1" dirty="0"/>
+              <a:t>SKRL API Application:</a:t>
+            </a:r>
+            <a:r>
+              <a:rPr lang="en-US" sz="2000" dirty="0"/>
+              <a:t> Learned how to train and test reinforcement learning agents.</a:t>
+            </a:r>
+          </a:p>
+          <a:p>
+            <a:pPr marL="742950" lvl="1" indent="-228600">
+              <a:lnSpc>
+                <a:spcPct val="90000"/>
+              </a:lnSpc>
+              <a:spcAft>
+                <a:spcPts val="600"/>
+              </a:spcAft>
+              <a:buFont typeface="Arial" panose="020B0604020202020204" pitchFamily="34" charset="0"/>
+              <a:buChar char="•"/>
+            </a:pPr>
+            <a:r>
+              <a:rPr lang="en-US" sz="2000" b="1" dirty="0" err="1"/>
+              <a:t>PyTorch</a:t>
+            </a:r>
+            <a:r>
+              <a:rPr lang="en-US" sz="2000" b="1" dirty="0"/>
+              <a:t> Library :</a:t>
+            </a:r>
+            <a:r>
+              <a:rPr lang="en-US" sz="2000" dirty="0"/>
+              <a:t> Learned how to built neural networks.</a:t>
+            </a:r>
+          </a:p>
+          <a:p>
+            <a:pPr marL="514350" lvl="1">
+              <a:lnSpc>
+                <a:spcPct val="90000"/>
+              </a:lnSpc>
+              <a:spcAft>
+                <a:spcPts val="600"/>
+              </a:spcAft>
+            </a:pPr>
+            <a:endParaRPr lang="en-US" sz="2000" dirty="0"/>
+          </a:p>
+          <a:p>
+            <a:pPr>
+              <a:lnSpc>
+                <a:spcPct val="90000"/>
+              </a:lnSpc>
+              <a:spcAft>
+                <a:spcPts val="600"/>
+              </a:spcAft>
+            </a:pPr>
+            <a:r>
+              <a:rPr lang="en-US" sz="2200" b="1" dirty="0"/>
+              <a:t>Knowledge acquired:</a:t>
+            </a:r>
+          </a:p>
+          <a:p>
+            <a:pPr marL="800100" lvl="1" indent="-342900">
+              <a:lnSpc>
+                <a:spcPct val="90000"/>
+              </a:lnSpc>
+              <a:spcAft>
+                <a:spcPts val="600"/>
+              </a:spcAft>
+              <a:buFont typeface="Arial" panose="020B0604020202020204" pitchFamily="34" charset="0"/>
+              <a:buChar char="•"/>
+            </a:pPr>
+            <a:r>
+              <a:rPr lang="en-US" sz="2000" b="1" dirty="0"/>
+              <a:t>Proximal Policy Optimization RL algorithm</a:t>
+            </a:r>
+          </a:p>
+          <a:p>
+            <a:pPr marL="800100" lvl="1" indent="-342900">
+              <a:lnSpc>
+                <a:spcPct val="90000"/>
+              </a:lnSpc>
+              <a:spcAft>
+                <a:spcPts val="600"/>
+              </a:spcAft>
+              <a:buFont typeface="Arial" panose="020B0604020202020204" pitchFamily="34" charset="0"/>
+              <a:buChar char="•"/>
+            </a:pPr>
+            <a:r>
+              <a:rPr lang="en-US" sz="2000" b="1" dirty="0"/>
+              <a:t>Reward Function Design for RL</a:t>
+            </a:r>
+          </a:p>
+        </p:txBody>
+      </p:sp>
+      <p:pic>
+        <p:nvPicPr>
+          <p:cNvPr id="199" name="Immagine 198">
+            <a:extLst>
+              <a:ext uri="{FF2B5EF4-FFF2-40B4-BE49-F238E27FC236}">
+                <a16:creationId xmlns:a16="http://schemas.microsoft.com/office/drawing/2014/main" id="{6F652D64-3117-A8AD-4E32-9492C777D71A}"/>
+              </a:ext>
+            </a:extLst>
+          </p:cNvPr>
+          <p:cNvPicPr>
+            <a:picLocks noChangeAspect="1"/>
+          </p:cNvPicPr>
+          <p:nvPr/>
+        </p:nvPicPr>
+        <p:blipFill rotWithShape="1">
+          <a:blip r:embed="rId3"/>
+          <a:srcRect l="25171" t="-60173" b="-1"/>
+          <a:stretch/>
+        </p:blipFill>
+        <p:spPr>
+          <a:xfrm rot="5400000">
+            <a:off x="-1563984" y="3266815"/>
+            <a:ext cx="3384000" cy="315226"/>
+          </a:xfrm>
+          <a:prstGeom prst="rect">
+            <a:avLst/>
+          </a:prstGeom>
+        </p:spPr>
+      </p:pic>
+      <p:pic>
+        <p:nvPicPr>
+          <p:cNvPr id="373" name="Immagine 372">
+            <a:extLst>
+              <a:ext uri="{FF2B5EF4-FFF2-40B4-BE49-F238E27FC236}">
+                <a16:creationId xmlns:a16="http://schemas.microsoft.com/office/drawing/2014/main" id="{13C19BBC-FF50-ABCD-D197-61142F0C7E1E}"/>
+              </a:ext>
+            </a:extLst>
+          </p:cNvPr>
+          <p:cNvPicPr>
+            <a:picLocks noChangeAspect="1"/>
+          </p:cNvPicPr>
+          <p:nvPr/>
+        </p:nvPicPr>
+        <p:blipFill>
+          <a:blip r:embed="rId4"/>
+          <a:stretch>
+            <a:fillRect/>
+          </a:stretch>
+        </p:blipFill>
+        <p:spPr>
+          <a:xfrm>
+            <a:off x="2121773" y="0"/>
+            <a:ext cx="1741613" cy="6858000"/>
+          </a:xfrm>
+          <a:prstGeom prst="rect">
+            <a:avLst/>
+          </a:prstGeom>
+        </p:spPr>
+      </p:pic>
       <p:sp>
         <p:nvSpPr>
           <p:cNvPr id="2" name="Titolo 1">
@@ -18514,55 +19890,337 @@
             <p:ph type="title"/>
           </p:nvPr>
         </p:nvSpPr>
-        <p:spPr/>
+        <p:spPr>
+          <a:xfrm>
+            <a:off x="956653" y="1161288"/>
+            <a:ext cx="1902618" cy="4526280"/>
+          </a:xfrm>
+        </p:spPr>
         <p:txBody>
-          <a:bodyPr>
+          <a:bodyPr vert="horz" lIns="91440" tIns="45720" rIns="91440" bIns="45720" rtlCol="0" anchor="ctr">
             <a:normAutofit/>
           </a:bodyPr>
           <a:lstStyle/>
           <a:p>
             <a:r>
-              <a:rPr lang="en-US" dirty="0">
+              <a:rPr lang="en-US" kern="1200" dirty="0">
+                <a:solidFill>
+                  <a:schemeClr val="tx1"/>
+                </a:solidFill>
                 <a:latin typeface="Aptos SemiBold" panose="020B0004020202020204" pitchFamily="34" charset="0"/>
               </a:rPr>
               <a:t>Recap</a:t>
             </a:r>
-            <a:endParaRPr lang="it-IT" dirty="0">
-              <a:latin typeface="Aptos SemiBold" panose="020B0004020202020204" pitchFamily="34" charset="0"/>
-            </a:endParaRPr>
           </a:p>
         </p:txBody>
       </p:sp>
-      <p:pic>
-        <p:nvPicPr>
-          <p:cNvPr id="4" name="Immagine 3">
+      <p:sp>
+        <p:nvSpPr>
+          <p:cNvPr id="378" name="CasellaDiTesto 377">
             <a:extLst>
               <a:ext uri="{FF2B5EF4-FFF2-40B4-BE49-F238E27FC236}">
-                <a16:creationId xmlns:a16="http://schemas.microsoft.com/office/drawing/2014/main" id="{CB1FFB52-928C-7EDA-3C3B-6E1F60CA0E58}"/>
+                <a16:creationId xmlns:a16="http://schemas.microsoft.com/office/drawing/2014/main" id="{20203BA2-5F94-171A-E6D0-C696AE07B1BC}"/>
               </a:ext>
             </a:extLst>
           </p:cNvPr>
-          <p:cNvPicPr>
-            <a:picLocks noChangeAspect="1"/>
-          </p:cNvPicPr>
+          <p:cNvSpPr txBox="1"/>
           <p:nvPr/>
-        </p:nvPicPr>
-        <p:blipFill>
-          <a:blip r:embed="rId2"/>
-          <a:stretch>
-            <a:fillRect/>
-          </a:stretch>
-        </p:blipFill>
+        </p:nvSpPr>
         <p:spPr>
           <a:xfrm>
-            <a:off x="838200" y="1487928"/>
-            <a:ext cx="6142782" cy="36000"/>
+            <a:off x="4187893" y="4715040"/>
+            <a:ext cx="7448936" cy="1255524"/>
           </a:xfrm>
           <a:prstGeom prst="rect">
             <a:avLst/>
           </a:prstGeom>
         </p:spPr>
-      </p:pic>
+        <p:txBody>
+          <a:bodyPr vert="horz" lIns="91440" tIns="45720" rIns="91440" bIns="45720" rtlCol="0" anchor="ctr">
+            <a:normAutofit/>
+          </a:bodyPr>
+          <a:lstStyle/>
+          <a:p>
+            <a:pPr>
+              <a:lnSpc>
+                <a:spcPct val="90000"/>
+              </a:lnSpc>
+              <a:spcAft>
+                <a:spcPts val="600"/>
+              </a:spcAft>
+            </a:pPr>
+            <a:endParaRPr lang="en-US" sz="1900" dirty="0"/>
+          </a:p>
+        </p:txBody>
+      </p:sp>
+      <p:sp>
+        <p:nvSpPr>
+          <p:cNvPr id="379" name="Rectangle 1">
+            <a:extLst>
+              <a:ext uri="{FF2B5EF4-FFF2-40B4-BE49-F238E27FC236}">
+                <a16:creationId xmlns:a16="http://schemas.microsoft.com/office/drawing/2014/main" id="{6665D9D0-4A48-FB57-4EC3-7154DA5ED865}"/>
+              </a:ext>
+            </a:extLst>
+          </p:cNvPr>
+          <p:cNvSpPr>
+            <a:spLocks noChangeArrowheads="1"/>
+          </p:cNvSpPr>
+          <p:nvPr/>
+        </p:nvSpPr>
+        <p:spPr bwMode="auto">
+          <a:xfrm>
+            <a:off x="0" y="0"/>
+            <a:ext cx="12192000" cy="0"/>
+          </a:xfrm>
+          <a:prstGeom prst="rect">
+            <a:avLst/>
+          </a:prstGeom>
+          <a:noFill/>
+          <a:ln>
+            <a:noFill/>
+          </a:ln>
+          <a:effectLst/>
+          <a:extLst>
+            <a:ext uri="{909E8E84-426E-40DD-AFC4-6F175D3DCCD1}">
+              <a14:hiddenFill xmlns:a14="http://schemas.microsoft.com/office/drawing/2010/main">
+                <a:solidFill>
+                  <a:schemeClr val="accent1"/>
+                </a:solidFill>
+              </a14:hiddenFill>
+            </a:ext>
+            <a:ext uri="{91240B29-F687-4F45-9708-019B960494DF}">
+              <a14:hiddenLine xmlns:a14="http://schemas.microsoft.com/office/drawing/2010/main" w="9525">
+                <a:solidFill>
+                  <a:schemeClr val="tx1"/>
+                </a:solidFill>
+                <a:miter lim="800000"/>
+                <a:headEnd/>
+                <a:tailEnd/>
+              </a14:hiddenLine>
+            </a:ext>
+            <a:ext uri="{AF507438-7753-43E0-B8FC-AC1667EBCBE1}">
+              <a14:hiddenEffects xmlns:a14="http://schemas.microsoft.com/office/drawing/2010/main">
+                <a:effectLst>
+                  <a:outerShdw dist="35921" dir="2700000" algn="ctr" rotWithShape="0">
+                    <a:schemeClr val="bg2"/>
+                  </a:outerShdw>
+                </a:effectLst>
+              </a14:hiddenEffects>
+            </a:ext>
+          </a:extLst>
+        </p:spPr>
+        <p:txBody>
+          <a:bodyPr vert="horz" wrap="none" lIns="91440" tIns="45720" rIns="91440" bIns="45720" numCol="1" anchor="ctr" anchorCtr="0" compatLnSpc="1">
+            <a:prstTxWarp prst="textNoShape">
+              <a:avLst/>
+            </a:prstTxWarp>
+            <a:spAutoFit/>
+          </a:bodyPr>
+          <a:lstStyle/>
+          <a:p>
+            <a:pPr marL="0" marR="0" lvl="0" indent="0" algn="l" defTabSz="914400" rtl="0" eaLnBrk="0" fontAlgn="base" latinLnBrk="0" hangingPunct="0">
+              <a:lnSpc>
+                <a:spcPct val="100000"/>
+              </a:lnSpc>
+              <a:spcBef>
+                <a:spcPct val="0"/>
+              </a:spcBef>
+              <a:spcAft>
+                <a:spcPct val="0"/>
+              </a:spcAft>
+              <a:buClrTx/>
+              <a:buSzTx/>
+              <a:buFontTx/>
+              <a:buChar char="•"/>
+              <a:tabLst/>
+            </a:pPr>
+            <a:r>
+              <a:rPr kumimoji="0" lang="it-IT" altLang="it-IT" sz="1800" b="1" i="0" u="none" strike="noStrike" cap="none" normalizeH="0" baseline="0" dirty="0">
+                <a:ln>
+                  <a:noFill/>
+                </a:ln>
+                <a:solidFill>
+                  <a:schemeClr val="tx1"/>
+                </a:solidFill>
+                <a:effectLst/>
+                <a:latin typeface="Arial" panose="020B0604020202020204" pitchFamily="34" charset="0"/>
+              </a:rPr>
+              <a:t>SKRL API Application:</a:t>
+            </a:r>
+            <a:r>
+              <a:rPr kumimoji="0" lang="it-IT" altLang="it-IT" sz="1800" b="0" i="0" u="none" strike="noStrike" cap="none" normalizeH="0" baseline="0" dirty="0">
+                <a:ln>
+                  <a:noFill/>
+                </a:ln>
+                <a:solidFill>
+                  <a:schemeClr val="tx1"/>
+                </a:solidFill>
+                <a:effectLst/>
+                <a:latin typeface="Arial" panose="020B0604020202020204" pitchFamily="34" charset="0"/>
+              </a:rPr>
+              <a:t> </a:t>
+            </a:r>
+            <a:r>
+              <a:rPr kumimoji="0" lang="it-IT" altLang="it-IT" sz="1800" b="0" i="0" u="none" strike="noStrike" cap="none" normalizeH="0" baseline="0" dirty="0" err="1">
+                <a:ln>
+                  <a:noFill/>
+                </a:ln>
+                <a:solidFill>
+                  <a:schemeClr val="tx1"/>
+                </a:solidFill>
+                <a:effectLst/>
+                <a:latin typeface="Arial" panose="020B0604020202020204" pitchFamily="34" charset="0"/>
+              </a:rPr>
+              <a:t>Learned</a:t>
+            </a:r>
+            <a:r>
+              <a:rPr kumimoji="0" lang="it-IT" altLang="it-IT" sz="1800" b="0" i="0" u="none" strike="noStrike" cap="none" normalizeH="0" baseline="0" dirty="0">
+                <a:ln>
+                  <a:noFill/>
+                </a:ln>
+                <a:solidFill>
+                  <a:schemeClr val="tx1"/>
+                </a:solidFill>
+                <a:effectLst/>
+                <a:latin typeface="Arial" panose="020B0604020202020204" pitchFamily="34" charset="0"/>
+              </a:rPr>
+              <a:t> </a:t>
+            </a:r>
+            <a:r>
+              <a:rPr kumimoji="0" lang="it-IT" altLang="it-IT" sz="1800" b="0" i="0" u="none" strike="noStrike" cap="none" normalizeH="0" baseline="0" dirty="0" err="1">
+                <a:ln>
+                  <a:noFill/>
+                </a:ln>
+                <a:solidFill>
+                  <a:schemeClr val="tx1"/>
+                </a:solidFill>
+                <a:effectLst/>
+                <a:latin typeface="Arial" panose="020B0604020202020204" pitchFamily="34" charset="0"/>
+              </a:rPr>
+              <a:t>how</a:t>
+            </a:r>
+            <a:r>
+              <a:rPr kumimoji="0" lang="it-IT" altLang="it-IT" sz="1800" b="0" i="0" u="none" strike="noStrike" cap="none" normalizeH="0" baseline="0" dirty="0">
+                <a:ln>
+                  <a:noFill/>
+                </a:ln>
+                <a:solidFill>
+                  <a:schemeClr val="tx1"/>
+                </a:solidFill>
+                <a:effectLst/>
+                <a:latin typeface="Arial" panose="020B0604020202020204" pitchFamily="34" charset="0"/>
+              </a:rPr>
+              <a:t> to </a:t>
+            </a:r>
+            <a:r>
+              <a:rPr kumimoji="0" lang="it-IT" altLang="it-IT" sz="1800" b="0" i="0" u="none" strike="noStrike" cap="none" normalizeH="0" baseline="0" dirty="0" err="1">
+                <a:ln>
+                  <a:noFill/>
+                </a:ln>
+                <a:solidFill>
+                  <a:schemeClr val="tx1"/>
+                </a:solidFill>
+                <a:effectLst/>
+                <a:latin typeface="Arial" panose="020B0604020202020204" pitchFamily="34" charset="0"/>
+              </a:rPr>
+              <a:t>train</a:t>
+            </a:r>
+            <a:r>
+              <a:rPr kumimoji="0" lang="it-IT" altLang="it-IT" sz="1800" b="0" i="0" u="none" strike="noStrike" cap="none" normalizeH="0" baseline="0" dirty="0">
+                <a:ln>
+                  <a:noFill/>
+                </a:ln>
+                <a:solidFill>
+                  <a:schemeClr val="tx1"/>
+                </a:solidFill>
+                <a:effectLst/>
+                <a:latin typeface="Arial" panose="020B0604020202020204" pitchFamily="34" charset="0"/>
+              </a:rPr>
+              <a:t> and test </a:t>
+            </a:r>
+            <a:r>
+              <a:rPr kumimoji="0" lang="it-IT" altLang="it-IT" sz="1800" b="0" i="0" u="none" strike="noStrike" cap="none" normalizeH="0" baseline="0" dirty="0" err="1">
+                <a:ln>
+                  <a:noFill/>
+                </a:ln>
+                <a:solidFill>
+                  <a:schemeClr val="tx1"/>
+                </a:solidFill>
+                <a:effectLst/>
+                <a:latin typeface="Arial" panose="020B0604020202020204" pitchFamily="34" charset="0"/>
+              </a:rPr>
+              <a:t>reinforcement</a:t>
+            </a:r>
+            <a:r>
+              <a:rPr kumimoji="0" lang="it-IT" altLang="it-IT" sz="1800" b="0" i="0" u="none" strike="noStrike" cap="none" normalizeH="0" baseline="0" dirty="0">
+                <a:ln>
+                  <a:noFill/>
+                </a:ln>
+                <a:solidFill>
+                  <a:schemeClr val="tx1"/>
+                </a:solidFill>
+                <a:effectLst/>
+                <a:latin typeface="Arial" panose="020B0604020202020204" pitchFamily="34" charset="0"/>
+              </a:rPr>
+              <a:t> learning agents </a:t>
+            </a:r>
+            <a:r>
+              <a:rPr kumimoji="0" lang="it-IT" altLang="it-IT" sz="1800" b="0" i="0" u="none" strike="noStrike" cap="none" normalizeH="0" baseline="0" dirty="0" err="1">
+                <a:ln>
+                  <a:noFill/>
+                </a:ln>
+                <a:solidFill>
+                  <a:schemeClr val="tx1"/>
+                </a:solidFill>
+                <a:effectLst/>
+                <a:latin typeface="Arial" panose="020B0604020202020204" pitchFamily="34" charset="0"/>
+              </a:rPr>
+              <a:t>using</a:t>
+            </a:r>
+            <a:r>
+              <a:rPr kumimoji="0" lang="it-IT" altLang="it-IT" sz="1800" b="0" i="0" u="none" strike="noStrike" cap="none" normalizeH="0" baseline="0" dirty="0">
+                <a:ln>
+                  <a:noFill/>
+                </a:ln>
+                <a:solidFill>
+                  <a:schemeClr val="tx1"/>
+                </a:solidFill>
+                <a:effectLst/>
+                <a:latin typeface="Arial" panose="020B0604020202020204" pitchFamily="34" charset="0"/>
+              </a:rPr>
+              <a:t> the SKRL API.</a:t>
+            </a:r>
+          </a:p>
+          <a:p>
+            <a:pPr marL="0" marR="0" lvl="0" indent="0" algn="l" defTabSz="914400" rtl="0" eaLnBrk="0" fontAlgn="base" latinLnBrk="0" hangingPunct="0">
+              <a:lnSpc>
+                <a:spcPct val="100000"/>
+              </a:lnSpc>
+              <a:spcBef>
+                <a:spcPct val="0"/>
+              </a:spcBef>
+              <a:spcAft>
+                <a:spcPct val="0"/>
+              </a:spcAft>
+              <a:buClrTx/>
+              <a:buSzTx/>
+              <a:buFontTx/>
+              <a:buChar char="•"/>
+              <a:tabLst/>
+            </a:pPr>
+            <a:endParaRPr kumimoji="0" lang="it-IT" altLang="it-IT" sz="1800" b="0" i="0" u="none" strike="noStrike" cap="none" normalizeH="0" baseline="0" dirty="0">
+              <a:ln>
+                <a:noFill/>
+              </a:ln>
+              <a:solidFill>
+                <a:schemeClr val="tx1"/>
+              </a:solidFill>
+              <a:effectLst/>
+              <a:latin typeface="Arial" panose="020B0604020202020204" pitchFamily="34" charset="0"/>
+            </a:endParaRPr>
+          </a:p>
+        </p:txBody>
+      </p:sp>
     </p:spTree>
     <p:extLst>
       <p:ext uri="{BB962C8B-B14F-4D97-AF65-F5344CB8AC3E}">
@@ -18576,7 +20234,7 @@
 </p:sld>
 </file>
 
-<file path=ppt/slides/slide17.xml><?xml version="1.0" encoding="utf-8"?>
+<file path=ppt/slides/slide18.xml><?xml version="1.0" encoding="utf-8"?>
 <p:sld xmlns:a="http://schemas.openxmlformats.org/drawingml/2006/main" xmlns:r="http://schemas.openxmlformats.org/officeDocument/2006/relationships" xmlns:p="http://schemas.openxmlformats.org/presentationml/2006/main">
   <p:cSld>
     <p:spTree>
@@ -18746,7 +20404,7 @@
             <p:ph idx="1"/>
             <p:extLst>
               <p:ext uri="{D42A27DB-BD31-4B8C-83A1-F6EECF244321}">
-                <p14:modId xmlns:p14="http://schemas.microsoft.com/office/powerpoint/2010/main" val="2856109321"/>
+                <p14:modId xmlns:p14="http://schemas.microsoft.com/office/powerpoint/2010/main" val="2351495588"/>
               </p:ext>
             </p:extLst>
           </p:nvPr>
@@ -19381,7 +21039,7 @@
           <p:nvPr>
             <p:extLst>
               <p:ext uri="{D42A27DB-BD31-4B8C-83A1-F6EECF244321}">
-                <p14:modId xmlns:p14="http://schemas.microsoft.com/office/powerpoint/2010/main" val="3848435399"/>
+                <p14:modId xmlns:p14="http://schemas.microsoft.com/office/powerpoint/2010/main" val="1280604042"/>
               </p:ext>
             </p:extLst>
           </p:nvPr>
@@ -19432,70 +21090,91 @@
           </a:prstGeom>
         </p:spPr>
       </p:pic>
-      <p:graphicFrame>
-        <p:nvGraphicFramePr>
-          <p:cNvPr id="20" name="Segnaposto contenuto 2">
+      <p:grpSp>
+        <p:nvGrpSpPr>
+          <p:cNvPr id="3" name="Gruppo 2">
             <a:extLst>
               <a:ext uri="{FF2B5EF4-FFF2-40B4-BE49-F238E27FC236}">
-                <a16:creationId xmlns:a16="http://schemas.microsoft.com/office/drawing/2014/main" id="{7E94F868-86E3-A192-B6CA-44A47680F233}"/>
+                <a16:creationId xmlns:a16="http://schemas.microsoft.com/office/drawing/2014/main" id="{326DC74A-AB05-B25F-16FB-6868FCD7EA24}"/>
               </a:ext>
             </a:extLst>
           </p:cNvPr>
-          <p:cNvGraphicFramePr/>
-          <p:nvPr>
-            <p:extLst>
-              <p:ext uri="{D42A27DB-BD31-4B8C-83A1-F6EECF244321}">
-                <p14:modId xmlns:p14="http://schemas.microsoft.com/office/powerpoint/2010/main" val="826484068"/>
-              </p:ext>
-            </p:extLst>
-          </p:nvPr>
-        </p:nvGraphicFramePr>
-        <p:xfrm>
-          <a:off x="990600" y="1875857"/>
-          <a:ext cx="3240000" cy="4356000"/>
-        </p:xfrm>
-        <a:graphic>
-          <a:graphicData uri="http://schemas.openxmlformats.org/drawingml/2006/diagram">
-            <dgm:relIds xmlns:dgm="http://schemas.openxmlformats.org/drawingml/2006/diagram" xmlns:r="http://schemas.openxmlformats.org/officeDocument/2006/relationships" r:dm="rId9" r:lo="rId10" r:qs="rId11" r:cs="rId12"/>
-          </a:graphicData>
-        </a:graphic>
-      </p:graphicFrame>
-      <p:pic>
-        <p:nvPicPr>
-          <p:cNvPr id="24" name="Immagine 23" descr="Immagine che contiene Elementi grafici, cerchio&#10;&#10;Descrizione generata automaticamente">
-            <a:extLst>
-              <a:ext uri="{FF2B5EF4-FFF2-40B4-BE49-F238E27FC236}">
-                <a16:creationId xmlns:a16="http://schemas.microsoft.com/office/drawing/2014/main" id="{26CB6097-932E-1FEA-A72D-1AC13FF5E4D7}"/>
-              </a:ext>
-            </a:extLst>
-          </p:cNvPr>
-          <p:cNvPicPr>
-            <a:picLocks noChangeAspect="1"/>
-          </p:cNvPicPr>
+          <p:cNvGrpSpPr/>
           <p:nvPr/>
-        </p:nvPicPr>
-        <p:blipFill>
-          <a:blip r:embed="rId14">
-            <a:extLst>
-              <a:ext uri="{28A0092B-C50C-407E-A947-70E740481C1C}">
-                <a14:useLocalDpi xmlns:a14="http://schemas.microsoft.com/office/drawing/2010/main" val="0"/>
-              </a:ext>
-            </a:extLst>
-          </a:blip>
-          <a:stretch>
-            <a:fillRect/>
-          </a:stretch>
-        </p:blipFill>
-        <p:spPr>
+        </p:nvGrpSpPr>
+        <p:grpSpPr>
           <a:xfrm>
-            <a:off x="1396131" y="1978025"/>
-            <a:ext cx="399506" cy="483715"/>
+            <a:off x="990600" y="1875857"/>
+            <a:ext cx="3240000" cy="4356000"/>
+            <a:chOff x="990600" y="1875857"/>
+            <a:chExt cx="3240000" cy="4356000"/>
           </a:xfrm>
-          <a:prstGeom prst="rect">
-            <a:avLst/>
-          </a:prstGeom>
-        </p:spPr>
-      </p:pic>
+        </p:grpSpPr>
+        <p:graphicFrame>
+          <p:nvGraphicFramePr>
+            <p:cNvPr id="20" name="Segnaposto contenuto 2">
+              <a:extLst>
+                <a:ext uri="{FF2B5EF4-FFF2-40B4-BE49-F238E27FC236}">
+                  <a16:creationId xmlns:a16="http://schemas.microsoft.com/office/drawing/2014/main" id="{7E94F868-86E3-A192-B6CA-44A47680F233}"/>
+                </a:ext>
+              </a:extLst>
+            </p:cNvPr>
+            <p:cNvGraphicFramePr/>
+            <p:nvPr>
+              <p:extLst>
+                <p:ext uri="{D42A27DB-BD31-4B8C-83A1-F6EECF244321}">
+                  <p14:modId xmlns:p14="http://schemas.microsoft.com/office/powerpoint/2010/main" val="385099982"/>
+                </p:ext>
+              </p:extLst>
+            </p:nvPr>
+          </p:nvGraphicFramePr>
+          <p:xfrm>
+            <a:off x="990600" y="1875857"/>
+            <a:ext cx="3240000" cy="4356000"/>
+          </p:xfrm>
+          <a:graphic>
+            <a:graphicData uri="http://schemas.openxmlformats.org/drawingml/2006/diagram">
+              <dgm:relIds xmlns:dgm="http://schemas.openxmlformats.org/drawingml/2006/diagram" xmlns:r="http://schemas.openxmlformats.org/officeDocument/2006/relationships" r:dm="rId9" r:lo="rId10" r:qs="rId11" r:cs="rId12"/>
+            </a:graphicData>
+          </a:graphic>
+        </p:graphicFrame>
+        <p:pic>
+          <p:nvPicPr>
+            <p:cNvPr id="24" name="Immagine 23" descr="Immagine che contiene Elementi grafici, cerchio&#10;&#10;Descrizione generata automaticamente">
+              <a:extLst>
+                <a:ext uri="{FF2B5EF4-FFF2-40B4-BE49-F238E27FC236}">
+                  <a16:creationId xmlns:a16="http://schemas.microsoft.com/office/drawing/2014/main" id="{26CB6097-932E-1FEA-A72D-1AC13FF5E4D7}"/>
+                </a:ext>
+              </a:extLst>
+            </p:cNvPr>
+            <p:cNvPicPr>
+              <a:picLocks noChangeAspect="1"/>
+            </p:cNvPicPr>
+            <p:nvPr/>
+          </p:nvPicPr>
+          <p:blipFill>
+            <a:blip r:embed="rId14">
+              <a:extLst>
+                <a:ext uri="{28A0092B-C50C-407E-A947-70E740481C1C}">
+                  <a14:useLocalDpi xmlns:a14="http://schemas.microsoft.com/office/drawing/2010/main" val="0"/>
+                </a:ext>
+              </a:extLst>
+            </a:blip>
+            <a:stretch>
+              <a:fillRect/>
+            </a:stretch>
+          </p:blipFill>
+          <p:spPr>
+            <a:xfrm>
+              <a:off x="1396131" y="1978025"/>
+              <a:ext cx="399506" cy="483715"/>
+            </a:xfrm>
+            <a:prstGeom prst="rect">
+              <a:avLst/>
+            </a:prstGeom>
+          </p:spPr>
+        </p:pic>
+      </p:grpSp>
       <p:graphicFrame>
         <p:nvGraphicFramePr>
           <p:cNvPr id="27" name="Segnaposto contenuto 2">
@@ -20280,6 +21959,52 @@
       </p:grpSpPr>
       <p:sp>
         <p:nvSpPr>
+          <p:cNvPr id="108" name="Rectangle: Rounded Corners 28">
+            <a:extLst>
+              <a:ext uri="{FF2B5EF4-FFF2-40B4-BE49-F238E27FC236}">
+                <a16:creationId xmlns:a16="http://schemas.microsoft.com/office/drawing/2014/main" id="{29F1B073-A02A-5C53-1FA5-E75A257F8AE9}"/>
+              </a:ext>
+            </a:extLst>
+          </p:cNvPr>
+          <p:cNvSpPr/>
+          <p:nvPr/>
+        </p:nvSpPr>
+        <p:spPr>
+          <a:xfrm>
+            <a:off x="821099" y="2737289"/>
+            <a:ext cx="2365957" cy="2843739"/>
+          </a:xfrm>
+          <a:prstGeom prst="roundRect">
+            <a:avLst>
+              <a:gd name="adj" fmla="val 8957"/>
+            </a:avLst>
+          </a:prstGeom>
+        </p:spPr>
+        <p:style>
+          <a:lnRef idx="2">
+            <a:schemeClr val="accent1"/>
+          </a:lnRef>
+          <a:fillRef idx="1">
+            <a:schemeClr val="lt1"/>
+          </a:fillRef>
+          <a:effectRef idx="0">
+            <a:schemeClr val="accent1"/>
+          </a:effectRef>
+          <a:fontRef idx="minor">
+            <a:schemeClr val="dk1"/>
+          </a:fontRef>
+        </p:style>
+        <p:txBody>
+          <a:bodyPr rtlCol="0" anchor="ctr"/>
+          <a:lstStyle/>
+          <a:p>
+            <a:pPr algn="ctr"/>
+            <a:endParaRPr lang="it-IT"/>
+          </a:p>
+        </p:txBody>
+      </p:sp>
+      <p:sp>
+        <p:nvSpPr>
           <p:cNvPr id="2" name="Titolo 1">
             <a:extLst>
               <a:ext uri="{FF2B5EF4-FFF2-40B4-BE49-F238E27FC236}">
@@ -20305,7 +22030,7 @@
               <a:rPr lang="it-IT" dirty="0" err="1">
                 <a:latin typeface="Aptos SemiBold" panose="020B0004020202020204" pitchFamily="34" charset="0"/>
               </a:rPr>
-              <a:t>IsaacSim</a:t>
+              <a:t>IsaacGym</a:t>
             </a:r>
             <a:r>
               <a:rPr lang="it-IT" dirty="0">
@@ -20346,211 +22071,1746 @@
           </a:prstGeom>
         </p:spPr>
       </p:pic>
-      <p:sp>
-        <p:nvSpPr>
-          <p:cNvPr id="5" name="Segnaposto contenuto 2">
+      <p:grpSp>
+        <p:nvGrpSpPr>
+          <p:cNvPr id="8" name="Gruppo 7">
             <a:extLst>
               <a:ext uri="{FF2B5EF4-FFF2-40B4-BE49-F238E27FC236}">
-                <a16:creationId xmlns:a16="http://schemas.microsoft.com/office/drawing/2014/main" id="{5C886F07-EA7B-3583-3F0E-C33A5A18A369}"/>
+                <a16:creationId xmlns:a16="http://schemas.microsoft.com/office/drawing/2014/main" id="{3DD891AC-8645-5BD6-3022-16B13823C62F}"/>
               </a:ext>
             </a:extLst>
           </p:cNvPr>
-          <p:cNvSpPr txBox="1">
-            <a:spLocks/>
-          </p:cNvSpPr>
+          <p:cNvGrpSpPr/>
+          <p:nvPr/>
+        </p:nvGrpSpPr>
+        <p:grpSpPr>
+          <a:xfrm>
+            <a:off x="864696" y="3053927"/>
+            <a:ext cx="1911773" cy="418223"/>
+            <a:chOff x="838200" y="1811265"/>
+            <a:chExt cx="1911773" cy="418223"/>
+          </a:xfrm>
+        </p:grpSpPr>
+        <p:pic>
+          <p:nvPicPr>
+            <p:cNvPr id="6" name="Immagine 5" descr="Immagine che contiene schermata, clipart, design&#10;&#10;Descrizione generata automaticamente">
+              <a:extLst>
+                <a:ext uri="{FF2B5EF4-FFF2-40B4-BE49-F238E27FC236}">
+                  <a16:creationId xmlns:a16="http://schemas.microsoft.com/office/drawing/2014/main" id="{052D761E-E9F0-21D8-AE09-B9C063B0DDE7}"/>
+                </a:ext>
+              </a:extLst>
+            </p:cNvPr>
+            <p:cNvPicPr>
+              <a:picLocks noChangeAspect="1"/>
+            </p:cNvPicPr>
+            <p:nvPr/>
+          </p:nvPicPr>
+          <p:blipFill>
+            <a:blip r:embed="rId3">
+              <a:extLst>
+                <a:ext uri="{28A0092B-C50C-407E-A947-70E740481C1C}">
+                  <a14:useLocalDpi xmlns:a14="http://schemas.microsoft.com/office/drawing/2010/main" val="0"/>
+                </a:ext>
+              </a:extLst>
+            </a:blip>
+            <a:stretch>
+              <a:fillRect/>
+            </a:stretch>
+          </p:blipFill>
+          <p:spPr>
+            <a:xfrm>
+              <a:off x="838200" y="1811265"/>
+              <a:ext cx="418223" cy="418223"/>
+            </a:xfrm>
+            <a:prstGeom prst="rect">
+              <a:avLst/>
+            </a:prstGeom>
+          </p:spPr>
+        </p:pic>
+        <p:sp>
+          <p:nvSpPr>
+            <p:cNvPr id="7" name="CasellaDiTesto 6">
+              <a:extLst>
+                <a:ext uri="{FF2B5EF4-FFF2-40B4-BE49-F238E27FC236}">
+                  <a16:creationId xmlns:a16="http://schemas.microsoft.com/office/drawing/2014/main" id="{63C12F57-E966-556D-A5D9-1DD0307CEA26}"/>
+                </a:ext>
+              </a:extLst>
+            </p:cNvPr>
+            <p:cNvSpPr txBox="1"/>
+            <p:nvPr/>
+          </p:nvSpPr>
+          <p:spPr>
+            <a:xfrm>
+              <a:off x="1256423" y="1857448"/>
+              <a:ext cx="1493550" cy="369332"/>
+            </a:xfrm>
+            <a:prstGeom prst="rect">
+              <a:avLst/>
+            </a:prstGeom>
+            <a:noFill/>
+          </p:spPr>
+          <p:txBody>
+            <a:bodyPr wrap="none" rtlCol="0">
+              <a:spAutoFit/>
+            </a:bodyPr>
+            <a:lstStyle/>
+            <a:p>
+              <a:r>
+                <a:rPr lang="it-IT" i="1" dirty="0"/>
+                <a:t>Quadrotor.py</a:t>
+              </a:r>
+            </a:p>
+          </p:txBody>
+        </p:sp>
+      </p:grpSp>
+      <p:grpSp>
+        <p:nvGrpSpPr>
+          <p:cNvPr id="9" name="Gruppo 8">
+            <a:extLst>
+              <a:ext uri="{FF2B5EF4-FFF2-40B4-BE49-F238E27FC236}">
+                <a16:creationId xmlns:a16="http://schemas.microsoft.com/office/drawing/2014/main" id="{7A3695DD-0AE7-6148-9472-FCCB1E223977}"/>
+              </a:ext>
+            </a:extLst>
+          </p:cNvPr>
+          <p:cNvGrpSpPr/>
+          <p:nvPr/>
+        </p:nvGrpSpPr>
+        <p:grpSpPr>
+          <a:xfrm>
+            <a:off x="4905295" y="2987832"/>
+            <a:ext cx="1279741" cy="418223"/>
+            <a:chOff x="838200" y="1811265"/>
+            <a:chExt cx="1279741" cy="418223"/>
+          </a:xfrm>
+        </p:grpSpPr>
+        <p:pic>
+          <p:nvPicPr>
+            <p:cNvPr id="10" name="Immagine 9" descr="Immagine che contiene schermata, clipart, design&#10;&#10;Descrizione generata automaticamente">
+              <a:extLst>
+                <a:ext uri="{FF2B5EF4-FFF2-40B4-BE49-F238E27FC236}">
+                  <a16:creationId xmlns:a16="http://schemas.microsoft.com/office/drawing/2014/main" id="{6F5DCD5F-F9B7-C2D1-4E45-6D7473296871}"/>
+                </a:ext>
+              </a:extLst>
+            </p:cNvPr>
+            <p:cNvPicPr>
+              <a:picLocks noChangeAspect="1"/>
+            </p:cNvPicPr>
+            <p:nvPr/>
+          </p:nvPicPr>
+          <p:blipFill>
+            <a:blip r:embed="rId3">
+              <a:extLst>
+                <a:ext uri="{28A0092B-C50C-407E-A947-70E740481C1C}">
+                  <a14:useLocalDpi xmlns:a14="http://schemas.microsoft.com/office/drawing/2010/main" val="0"/>
+                </a:ext>
+              </a:extLst>
+            </a:blip>
+            <a:stretch>
+              <a:fillRect/>
+            </a:stretch>
+          </p:blipFill>
+          <p:spPr>
+            <a:xfrm>
+              <a:off x="838200" y="1811265"/>
+              <a:ext cx="418223" cy="418223"/>
+            </a:xfrm>
+            <a:prstGeom prst="rect">
+              <a:avLst/>
+            </a:prstGeom>
+          </p:spPr>
+        </p:pic>
+        <p:sp>
+          <p:nvSpPr>
+            <p:cNvPr id="11" name="CasellaDiTesto 10">
+              <a:extLst>
+                <a:ext uri="{FF2B5EF4-FFF2-40B4-BE49-F238E27FC236}">
+                  <a16:creationId xmlns:a16="http://schemas.microsoft.com/office/drawing/2014/main" id="{08665F29-65D1-FC5C-FE8A-1C91278D663D}"/>
+                </a:ext>
+              </a:extLst>
+            </p:cNvPr>
+            <p:cNvSpPr txBox="1"/>
+            <p:nvPr/>
+          </p:nvSpPr>
+          <p:spPr>
+            <a:xfrm>
+              <a:off x="1256423" y="1857448"/>
+              <a:ext cx="861518" cy="369332"/>
+            </a:xfrm>
+            <a:prstGeom prst="rect">
+              <a:avLst/>
+            </a:prstGeom>
+            <a:noFill/>
+          </p:spPr>
+          <p:txBody>
+            <a:bodyPr wrap="none" rtlCol="0">
+              <a:spAutoFit/>
+            </a:bodyPr>
+            <a:lstStyle/>
+            <a:p>
+              <a:r>
+                <a:rPr lang="it-IT" i="1" dirty="0"/>
+                <a:t>ppo.py</a:t>
+              </a:r>
+            </a:p>
+          </p:txBody>
+        </p:sp>
+      </p:grpSp>
+      <p:grpSp>
+        <p:nvGrpSpPr>
+          <p:cNvPr id="21" name="Gruppo 20">
+            <a:extLst>
+              <a:ext uri="{FF2B5EF4-FFF2-40B4-BE49-F238E27FC236}">
+                <a16:creationId xmlns:a16="http://schemas.microsoft.com/office/drawing/2014/main" id="{6897FBBB-E5AC-E53B-5944-592FFC254F07}"/>
+              </a:ext>
+            </a:extLst>
+          </p:cNvPr>
+          <p:cNvGrpSpPr/>
+          <p:nvPr/>
+        </p:nvGrpSpPr>
+        <p:grpSpPr>
+          <a:xfrm>
+            <a:off x="838200" y="2269880"/>
+            <a:ext cx="2257306" cy="541459"/>
+            <a:chOff x="3168196" y="1699181"/>
+            <a:chExt cx="1890188" cy="541459"/>
+          </a:xfrm>
+        </p:grpSpPr>
+        <p:grpSp>
+          <p:nvGrpSpPr>
+            <p:cNvPr id="12" name="Gruppo 11">
+              <a:extLst>
+                <a:ext uri="{FF2B5EF4-FFF2-40B4-BE49-F238E27FC236}">
+                  <a16:creationId xmlns:a16="http://schemas.microsoft.com/office/drawing/2014/main" id="{8846D46E-A944-FBE2-FC98-CB2565EF3147}"/>
+                </a:ext>
+              </a:extLst>
+            </p:cNvPr>
+            <p:cNvGrpSpPr/>
+            <p:nvPr/>
+          </p:nvGrpSpPr>
+          <p:grpSpPr>
+            <a:xfrm>
+              <a:off x="3168196" y="1699181"/>
+              <a:ext cx="1890188" cy="541459"/>
+              <a:chOff x="74633" y="0"/>
+              <a:chExt cx="3090927" cy="725006"/>
+            </a:xfrm>
+          </p:grpSpPr>
+          <p:sp>
+            <p:nvSpPr>
+              <p:cNvPr id="13" name="Rettangolo con angoli arrotondati 12">
+                <a:extLst>
+                  <a:ext uri="{FF2B5EF4-FFF2-40B4-BE49-F238E27FC236}">
+                    <a16:creationId xmlns:a16="http://schemas.microsoft.com/office/drawing/2014/main" id="{69CC8483-0F1E-8ECC-1245-CEFCED68F52D}"/>
+                  </a:ext>
+                </a:extLst>
+              </p:cNvPr>
+              <p:cNvSpPr/>
+              <p:nvPr/>
+            </p:nvSpPr>
+            <p:spPr>
+              <a:xfrm>
+                <a:off x="74633" y="0"/>
+                <a:ext cx="3090927" cy="725006"/>
+              </a:xfrm>
+              <a:prstGeom prst="roundRect">
+                <a:avLst/>
+              </a:prstGeom>
+            </p:spPr>
+            <p:style>
+              <a:lnRef idx="2">
+                <a:schemeClr val="lt1">
+                  <a:hueOff val="0"/>
+                  <a:satOff val="0"/>
+                  <a:lumOff val="0"/>
+                  <a:alphaOff val="0"/>
+                </a:schemeClr>
+              </a:lnRef>
+              <a:fillRef idx="1">
+                <a:schemeClr val="accent1">
+                  <a:hueOff val="0"/>
+                  <a:satOff val="0"/>
+                  <a:lumOff val="0"/>
+                  <a:alphaOff val="0"/>
+                </a:schemeClr>
+              </a:fillRef>
+              <a:effectRef idx="0">
+                <a:schemeClr val="accent1">
+                  <a:hueOff val="0"/>
+                  <a:satOff val="0"/>
+                  <a:lumOff val="0"/>
+                  <a:alphaOff val="0"/>
+                </a:schemeClr>
+              </a:effectRef>
+              <a:fontRef idx="minor">
+                <a:schemeClr val="lt1"/>
+              </a:fontRef>
+            </p:style>
+            <p:txBody>
+              <a:bodyPr/>
+              <a:lstStyle/>
+              <a:p>
+                <a:endParaRPr lang="it-IT"/>
+              </a:p>
+            </p:txBody>
+          </p:sp>
+          <p:sp>
+            <p:nvSpPr>
+              <p:cNvPr id="14" name="CasellaDiTesto 13">
+                <a:extLst>
+                  <a:ext uri="{FF2B5EF4-FFF2-40B4-BE49-F238E27FC236}">
+                    <a16:creationId xmlns:a16="http://schemas.microsoft.com/office/drawing/2014/main" id="{B95FAF4E-27A8-D0C0-3AC7-C8D48C9CDCC8}"/>
+                  </a:ext>
+                </a:extLst>
+              </p:cNvPr>
+              <p:cNvSpPr txBox="1"/>
+              <p:nvPr/>
+            </p:nvSpPr>
+            <p:spPr>
+              <a:xfrm>
+                <a:off x="110025" y="35392"/>
+                <a:ext cx="3020143" cy="654222"/>
+              </a:xfrm>
+              <a:prstGeom prst="rect">
+                <a:avLst/>
+              </a:prstGeom>
+            </p:spPr>
+            <p:style>
+              <a:lnRef idx="0">
+                <a:scrgbClr r="0" g="0" b="0"/>
+              </a:lnRef>
+              <a:fillRef idx="0">
+                <a:scrgbClr r="0" g="0" b="0"/>
+              </a:fillRef>
+              <a:effectRef idx="0">
+                <a:scrgbClr r="0" g="0" b="0"/>
+              </a:effectRef>
+              <a:fontRef idx="minor">
+                <a:schemeClr val="lt1"/>
+              </a:fontRef>
+            </p:style>
+            <p:txBody>
+              <a:bodyPr spcFirstLastPara="0" vert="horz" wrap="square" lIns="121920" tIns="121920" rIns="121920" bIns="121920" numCol="1" spcCol="1270" anchor="ctr" anchorCtr="0">
+                <a:noAutofit/>
+              </a:bodyPr>
+              <a:lstStyle/>
+              <a:p>
+                <a:pPr marL="0" lvl="0" indent="0" algn="ctr" defTabSz="1422400">
+                  <a:lnSpc>
+                    <a:spcPct val="90000"/>
+                  </a:lnSpc>
+                  <a:spcBef>
+                    <a:spcPct val="0"/>
+                  </a:spcBef>
+                  <a:spcAft>
+                    <a:spcPct val="35000"/>
+                  </a:spcAft>
+                  <a:buNone/>
+                </a:pPr>
+                <a:r>
+                  <a:rPr lang="it-IT" sz="2000" kern="1200" dirty="0" err="1"/>
+                  <a:t>IsaacGym</a:t>
+                </a:r>
+                <a:endParaRPr lang="en-US" sz="2400" kern="1200" dirty="0"/>
+              </a:p>
+            </p:txBody>
+          </p:sp>
+        </p:grpSp>
+        <p:pic>
+          <p:nvPicPr>
+            <p:cNvPr id="18" name="Immagine 17" descr="Immagine che contiene simbolo, Elementi grafici, logo&#10;&#10;Descrizione generata automaticamente">
+              <a:extLst>
+                <a:ext uri="{FF2B5EF4-FFF2-40B4-BE49-F238E27FC236}">
+                  <a16:creationId xmlns:a16="http://schemas.microsoft.com/office/drawing/2014/main" id="{3048E9F9-14DB-DF03-3935-D89D1383C882}"/>
+                </a:ext>
+              </a:extLst>
+            </p:cNvPr>
+            <p:cNvPicPr>
+              <a:picLocks noChangeAspect="1"/>
+            </p:cNvPicPr>
+            <p:nvPr/>
+          </p:nvPicPr>
+          <p:blipFill rotWithShape="1">
+            <a:blip r:embed="rId4">
+              <a:extLst>
+                <a:ext uri="{28A0092B-C50C-407E-A947-70E740481C1C}">
+                  <a14:useLocalDpi xmlns:a14="http://schemas.microsoft.com/office/drawing/2010/main" val="0"/>
+                </a:ext>
+              </a:extLst>
+            </a:blip>
+            <a:srcRect l="5835" t="13539" r="23829" b="38867"/>
+            <a:stretch/>
+          </p:blipFill>
+          <p:spPr>
+            <a:xfrm>
+              <a:off x="3235486" y="1880870"/>
+              <a:ext cx="262057" cy="177323"/>
+            </a:xfrm>
+            <a:prstGeom prst="rect">
+              <a:avLst/>
+            </a:prstGeom>
+          </p:spPr>
+        </p:pic>
+      </p:grpSp>
+      <p:grpSp>
+        <p:nvGrpSpPr>
+          <p:cNvPr id="15" name="Gruppo 14">
+            <a:extLst>
+              <a:ext uri="{FF2B5EF4-FFF2-40B4-BE49-F238E27FC236}">
+                <a16:creationId xmlns:a16="http://schemas.microsoft.com/office/drawing/2014/main" id="{540459AA-6990-4A6D-28D6-546FECD75E7F}"/>
+              </a:ext>
+            </a:extLst>
+          </p:cNvPr>
+          <p:cNvGrpSpPr/>
+          <p:nvPr/>
+        </p:nvGrpSpPr>
+        <p:grpSpPr>
+          <a:xfrm>
+            <a:off x="4888193" y="2309700"/>
+            <a:ext cx="4248702" cy="541459"/>
+            <a:chOff x="74633" y="0"/>
+            <a:chExt cx="3090927" cy="725006"/>
+          </a:xfrm>
+        </p:grpSpPr>
+        <p:sp>
+          <p:nvSpPr>
+            <p:cNvPr id="16" name="Rettangolo con angoli arrotondati 15">
+              <a:extLst>
+                <a:ext uri="{FF2B5EF4-FFF2-40B4-BE49-F238E27FC236}">
+                  <a16:creationId xmlns:a16="http://schemas.microsoft.com/office/drawing/2014/main" id="{C7C331FF-A77F-AD7F-B638-3AAE0A946EDE}"/>
+                </a:ext>
+              </a:extLst>
+            </p:cNvPr>
+            <p:cNvSpPr/>
+            <p:nvPr/>
+          </p:nvSpPr>
+          <p:spPr>
+            <a:xfrm>
+              <a:off x="74633" y="0"/>
+              <a:ext cx="3090927" cy="725006"/>
+            </a:xfrm>
+            <a:prstGeom prst="roundRect">
+              <a:avLst/>
+            </a:prstGeom>
+          </p:spPr>
+          <p:style>
+            <a:lnRef idx="2">
+              <a:schemeClr val="lt1">
+                <a:hueOff val="0"/>
+                <a:satOff val="0"/>
+                <a:lumOff val="0"/>
+                <a:alphaOff val="0"/>
+              </a:schemeClr>
+            </a:lnRef>
+            <a:fillRef idx="1">
+              <a:schemeClr val="accent1">
+                <a:hueOff val="0"/>
+                <a:satOff val="0"/>
+                <a:lumOff val="0"/>
+                <a:alphaOff val="0"/>
+              </a:schemeClr>
+            </a:fillRef>
+            <a:effectRef idx="0">
+              <a:schemeClr val="accent1">
+                <a:hueOff val="0"/>
+                <a:satOff val="0"/>
+                <a:lumOff val="0"/>
+                <a:alphaOff val="0"/>
+              </a:schemeClr>
+            </a:effectRef>
+            <a:fontRef idx="minor">
+              <a:schemeClr val="lt1"/>
+            </a:fontRef>
+          </p:style>
+          <p:txBody>
+            <a:bodyPr/>
+            <a:lstStyle/>
+            <a:p>
+              <a:endParaRPr lang="it-IT"/>
+            </a:p>
+          </p:txBody>
+        </p:sp>
+        <p:sp>
+          <p:nvSpPr>
+            <p:cNvPr id="17" name="CasellaDiTesto 16">
+              <a:extLst>
+                <a:ext uri="{FF2B5EF4-FFF2-40B4-BE49-F238E27FC236}">
+                  <a16:creationId xmlns:a16="http://schemas.microsoft.com/office/drawing/2014/main" id="{90A2E3A9-C950-450F-2F3D-3927BD34FC32}"/>
+                </a:ext>
+              </a:extLst>
+            </p:cNvPr>
+            <p:cNvSpPr txBox="1"/>
+            <p:nvPr/>
+          </p:nvSpPr>
+          <p:spPr>
+            <a:xfrm>
+              <a:off x="110025" y="35392"/>
+              <a:ext cx="3020143" cy="654222"/>
+            </a:xfrm>
+            <a:prstGeom prst="rect">
+              <a:avLst/>
+            </a:prstGeom>
+          </p:spPr>
+          <p:style>
+            <a:lnRef idx="0">
+              <a:scrgbClr r="0" g="0" b="0"/>
+            </a:lnRef>
+            <a:fillRef idx="0">
+              <a:scrgbClr r="0" g="0" b="0"/>
+            </a:fillRef>
+            <a:effectRef idx="0">
+              <a:scrgbClr r="0" g="0" b="0"/>
+            </a:effectRef>
+            <a:fontRef idx="minor">
+              <a:schemeClr val="lt1"/>
+            </a:fontRef>
+          </p:style>
+          <p:txBody>
+            <a:bodyPr spcFirstLastPara="0" vert="horz" wrap="square" lIns="121920" tIns="121920" rIns="121920" bIns="121920" numCol="1" spcCol="1270" anchor="ctr" anchorCtr="0">
+              <a:noAutofit/>
+            </a:bodyPr>
+            <a:lstStyle/>
+            <a:p>
+              <a:pPr marL="0" lvl="0" indent="0" algn="ctr" defTabSz="1422400">
+                <a:lnSpc>
+                  <a:spcPct val="90000"/>
+                </a:lnSpc>
+                <a:spcBef>
+                  <a:spcPct val="0"/>
+                </a:spcBef>
+                <a:spcAft>
+                  <a:spcPct val="35000"/>
+                </a:spcAft>
+                <a:buNone/>
+              </a:pPr>
+              <a:r>
+                <a:rPr lang="it-IT" sz="2000" kern="1200" dirty="0"/>
+                <a:t>SKRL</a:t>
+              </a:r>
+              <a:endParaRPr lang="en-US" sz="2400" kern="1200" dirty="0"/>
+            </a:p>
+          </p:txBody>
+        </p:sp>
+      </p:grpSp>
+      <p:sp>
+        <p:nvSpPr>
+          <p:cNvPr id="26" name="CasellaDiTesto 25">
+            <a:extLst>
+              <a:ext uri="{FF2B5EF4-FFF2-40B4-BE49-F238E27FC236}">
+                <a16:creationId xmlns:a16="http://schemas.microsoft.com/office/drawing/2014/main" id="{C1A23C85-591C-E9E6-CF39-95D9537D936D}"/>
+              </a:ext>
+            </a:extLst>
+          </p:cNvPr>
+          <p:cNvSpPr txBox="1"/>
           <p:nvPr/>
         </p:nvSpPr>
         <p:spPr>
           <a:xfrm>
-            <a:off x="990600" y="1978025"/>
-            <a:ext cx="4172339" cy="4351338"/>
+            <a:off x="894447" y="3695744"/>
+            <a:ext cx="2270493" cy="1477328"/>
+          </a:xfrm>
+          <a:prstGeom prst="rect">
+            <a:avLst/>
+          </a:prstGeom>
+          <a:noFill/>
+        </p:spPr>
+        <p:txBody>
+          <a:bodyPr wrap="none" rtlCol="0">
+            <a:spAutoFit/>
+          </a:bodyPr>
+          <a:lstStyle/>
+          <a:p>
+            <a:pPr marL="285750" indent="-285750">
+              <a:buFont typeface="Arial" panose="020B0604020202020204" pitchFamily="34" charset="0"/>
+              <a:buChar char="•"/>
+            </a:pPr>
+            <a:r>
+              <a:rPr lang="it-IT" dirty="0" err="1"/>
+              <a:t>create_sim</a:t>
+            </a:r>
+            <a:endParaRPr lang="it-IT" dirty="0"/>
+          </a:p>
+          <a:p>
+            <a:pPr marL="285750" indent="-285750">
+              <a:buFont typeface="Arial" panose="020B0604020202020204" pitchFamily="34" charset="0"/>
+              <a:buChar char="•"/>
+            </a:pPr>
+            <a:endParaRPr lang="it-IT" dirty="0"/>
+          </a:p>
+          <a:p>
+            <a:pPr marL="285750" indent="-285750">
+              <a:buFont typeface="Arial" panose="020B0604020202020204" pitchFamily="34" charset="0"/>
+              <a:buChar char="•"/>
+            </a:pPr>
+            <a:r>
+              <a:rPr lang="it-IT" dirty="0" err="1"/>
+              <a:t>pre_physics_step</a:t>
+            </a:r>
+            <a:endParaRPr lang="it-IT" dirty="0"/>
+          </a:p>
+          <a:p>
+            <a:pPr marL="285750" indent="-285750">
+              <a:buFont typeface="Arial" panose="020B0604020202020204" pitchFamily="34" charset="0"/>
+              <a:buChar char="•"/>
+            </a:pPr>
+            <a:endParaRPr lang="it-IT" dirty="0"/>
+          </a:p>
+          <a:p>
+            <a:pPr marL="285750" indent="-285750">
+              <a:buFont typeface="Arial" panose="020B0604020202020204" pitchFamily="34" charset="0"/>
+              <a:buChar char="•"/>
+            </a:pPr>
+            <a:r>
+              <a:rPr lang="it-IT" dirty="0" err="1"/>
+              <a:t>post_phisics_step</a:t>
+            </a:r>
+            <a:endParaRPr lang="it-IT" dirty="0"/>
+          </a:p>
+        </p:txBody>
+      </p:sp>
+      <p:grpSp>
+        <p:nvGrpSpPr>
+          <p:cNvPr id="103" name="Gruppo 102">
+            <a:extLst>
+              <a:ext uri="{FF2B5EF4-FFF2-40B4-BE49-F238E27FC236}">
+                <a16:creationId xmlns:a16="http://schemas.microsoft.com/office/drawing/2014/main" id="{962141BF-EEE8-0303-5173-1300D0CC1584}"/>
+              </a:ext>
+            </a:extLst>
+          </p:cNvPr>
+          <p:cNvGrpSpPr/>
+          <p:nvPr/>
+        </p:nvGrpSpPr>
+        <p:grpSpPr>
+          <a:xfrm>
+            <a:off x="9694942" y="2313102"/>
+            <a:ext cx="1480457" cy="1309008"/>
+            <a:chOff x="9635849" y="986186"/>
+            <a:chExt cx="1480457" cy="1309008"/>
+          </a:xfrm>
+        </p:grpSpPr>
+        <p:pic>
+          <p:nvPicPr>
+            <p:cNvPr id="83" name="Immagine 82" descr="Immagine che contiene cerchio, Policromia, arte, linea&#10;&#10;Descrizione generata automaticamente">
+              <a:extLst>
+                <a:ext uri="{FF2B5EF4-FFF2-40B4-BE49-F238E27FC236}">
+                  <a16:creationId xmlns:a16="http://schemas.microsoft.com/office/drawing/2014/main" id="{4FF6D1B9-44AD-BCDB-62F7-425A15CEE892}"/>
+                </a:ext>
+              </a:extLst>
+            </p:cNvPr>
+            <p:cNvPicPr>
+              <a:picLocks noChangeAspect="1"/>
+            </p:cNvPicPr>
+            <p:nvPr/>
+          </p:nvPicPr>
+          <p:blipFill>
+            <a:blip r:embed="rId5">
+              <a:extLst>
+                <a:ext uri="{28A0092B-C50C-407E-A947-70E740481C1C}">
+                  <a14:useLocalDpi xmlns:a14="http://schemas.microsoft.com/office/drawing/2010/main" val="0"/>
+                </a:ext>
+              </a:extLst>
+            </a:blip>
+            <a:stretch>
+              <a:fillRect/>
+            </a:stretch>
+          </p:blipFill>
+          <p:spPr>
+            <a:xfrm>
+              <a:off x="10025487" y="1594013"/>
+              <a:ext cx="701181" cy="701181"/>
+            </a:xfrm>
+            <a:prstGeom prst="rect">
+              <a:avLst/>
+            </a:prstGeom>
+            <a:noFill/>
+          </p:spPr>
+        </p:pic>
+        <p:grpSp>
+          <p:nvGrpSpPr>
+            <p:cNvPr id="98" name="Gruppo 97">
+              <a:extLst>
+                <a:ext uri="{FF2B5EF4-FFF2-40B4-BE49-F238E27FC236}">
+                  <a16:creationId xmlns:a16="http://schemas.microsoft.com/office/drawing/2014/main" id="{D727B5E6-519E-7042-306C-66F52D2ED3C3}"/>
+                </a:ext>
+              </a:extLst>
+            </p:cNvPr>
+            <p:cNvGrpSpPr/>
+            <p:nvPr/>
+          </p:nvGrpSpPr>
+          <p:grpSpPr>
+            <a:xfrm>
+              <a:off x="9635849" y="986186"/>
+              <a:ext cx="1480457" cy="565447"/>
+              <a:chOff x="9786257" y="566667"/>
+              <a:chExt cx="1480457" cy="565447"/>
+            </a:xfrm>
+          </p:grpSpPr>
+          <p:grpSp>
+            <p:nvGrpSpPr>
+              <p:cNvPr id="93" name="Gruppo 92">
+                <a:extLst>
+                  <a:ext uri="{FF2B5EF4-FFF2-40B4-BE49-F238E27FC236}">
+                    <a16:creationId xmlns:a16="http://schemas.microsoft.com/office/drawing/2014/main" id="{E749723A-E61E-AD78-8B2A-984669FA3D4A}"/>
+                  </a:ext>
+                </a:extLst>
+              </p:cNvPr>
+              <p:cNvGrpSpPr/>
+              <p:nvPr/>
+            </p:nvGrpSpPr>
+            <p:grpSpPr>
+              <a:xfrm>
+                <a:off x="9786257" y="566667"/>
+                <a:ext cx="1480457" cy="565447"/>
+                <a:chOff x="0" y="12602"/>
+                <a:chExt cx="3240000" cy="651923"/>
+              </a:xfrm>
+            </p:grpSpPr>
+            <p:sp>
+              <p:nvSpPr>
+                <p:cNvPr id="94" name="Rettangolo con angoli arrotondati 93">
+                  <a:extLst>
+                    <a:ext uri="{FF2B5EF4-FFF2-40B4-BE49-F238E27FC236}">
+                      <a16:creationId xmlns:a16="http://schemas.microsoft.com/office/drawing/2014/main" id="{CCF22185-518F-6237-E4AA-C166387FE087}"/>
+                    </a:ext>
+                  </a:extLst>
+                </p:cNvPr>
+                <p:cNvSpPr/>
+                <p:nvPr/>
+              </p:nvSpPr>
+              <p:spPr>
+                <a:xfrm>
+                  <a:off x="0" y="12602"/>
+                  <a:ext cx="3240000" cy="651923"/>
+                </a:xfrm>
+                <a:prstGeom prst="roundRect">
+                  <a:avLst/>
+                </a:prstGeom>
+              </p:spPr>
+              <p:style>
+                <a:lnRef idx="2">
+                  <a:schemeClr val="lt1">
+                    <a:hueOff val="0"/>
+                    <a:satOff val="0"/>
+                    <a:lumOff val="0"/>
+                    <a:alphaOff val="0"/>
+                  </a:schemeClr>
+                </a:lnRef>
+                <a:fillRef idx="1">
+                  <a:schemeClr val="accent1">
+                    <a:hueOff val="0"/>
+                    <a:satOff val="0"/>
+                    <a:lumOff val="0"/>
+                    <a:alphaOff val="0"/>
+                  </a:schemeClr>
+                </a:fillRef>
+                <a:effectRef idx="0">
+                  <a:schemeClr val="accent1">
+                    <a:hueOff val="0"/>
+                    <a:satOff val="0"/>
+                    <a:lumOff val="0"/>
+                    <a:alphaOff val="0"/>
+                  </a:schemeClr>
+                </a:effectRef>
+                <a:fontRef idx="minor">
+                  <a:schemeClr val="lt1"/>
+                </a:fontRef>
+              </p:style>
+              <p:txBody>
+                <a:bodyPr/>
+                <a:lstStyle/>
+                <a:p>
+                  <a:endParaRPr lang="it-IT"/>
+                </a:p>
+              </p:txBody>
+            </p:sp>
+            <p:sp>
+              <p:nvSpPr>
+                <p:cNvPr id="95" name="CasellaDiTesto 94">
+                  <a:extLst>
+                    <a:ext uri="{FF2B5EF4-FFF2-40B4-BE49-F238E27FC236}">
+                      <a16:creationId xmlns:a16="http://schemas.microsoft.com/office/drawing/2014/main" id="{DF79FD62-68E5-E47D-FA62-C272679B9C1E}"/>
+                    </a:ext>
+                  </a:extLst>
+                </p:cNvPr>
+                <p:cNvSpPr txBox="1"/>
+                <p:nvPr/>
+              </p:nvSpPr>
+              <p:spPr>
+                <a:xfrm>
+                  <a:off x="31824" y="44426"/>
+                  <a:ext cx="3176352" cy="588275"/>
+                </a:xfrm>
+                <a:prstGeom prst="rect">
+                  <a:avLst/>
+                </a:prstGeom>
+              </p:spPr>
+              <p:style>
+                <a:lnRef idx="0">
+                  <a:scrgbClr r="0" g="0" b="0"/>
+                </a:lnRef>
+                <a:fillRef idx="0">
+                  <a:scrgbClr r="0" g="0" b="0"/>
+                </a:fillRef>
+                <a:effectRef idx="0">
+                  <a:scrgbClr r="0" g="0" b="0"/>
+                </a:effectRef>
+                <a:fontRef idx="minor">
+                  <a:schemeClr val="lt1"/>
+                </a:fontRef>
+              </p:style>
+              <p:txBody>
+                <a:bodyPr spcFirstLastPara="0" vert="horz" wrap="square" lIns="121920" tIns="121920" rIns="121920" bIns="121920" numCol="1" spcCol="1270" anchor="ctr" anchorCtr="0">
+                  <a:noAutofit/>
+                </a:bodyPr>
+                <a:lstStyle/>
+                <a:p>
+                  <a:pPr marL="0" lvl="0" indent="0" algn="ctr" defTabSz="1422400">
+                    <a:lnSpc>
+                      <a:spcPct val="90000"/>
+                    </a:lnSpc>
+                    <a:spcBef>
+                      <a:spcPct val="0"/>
+                    </a:spcBef>
+                    <a:spcAft>
+                      <a:spcPct val="35000"/>
+                    </a:spcAft>
+                    <a:buNone/>
+                  </a:pPr>
+                  <a:r>
+                    <a:rPr lang="it-IT" sz="1600" dirty="0" err="1"/>
+                    <a:t>t</a:t>
+                  </a:r>
+                  <a:r>
+                    <a:rPr lang="it-IT" sz="1600" kern="1200" dirty="0" err="1"/>
+                    <a:t>orch.nn</a:t>
+                  </a:r>
+                  <a:endParaRPr lang="en-US" kern="1200" dirty="0"/>
+                </a:p>
+              </p:txBody>
+            </p:sp>
+          </p:grpSp>
+          <p:pic>
+            <p:nvPicPr>
+              <p:cNvPr id="97" name="Immagine 96" descr="Immagine che contiene Elementi grafici, cerchio&#10;&#10;Descrizione generata automaticamente">
+                <a:extLst>
+                  <a:ext uri="{FF2B5EF4-FFF2-40B4-BE49-F238E27FC236}">
+                    <a16:creationId xmlns:a16="http://schemas.microsoft.com/office/drawing/2014/main" id="{EEA722DC-9B30-8A03-1253-2FC15619A79D}"/>
+                  </a:ext>
+                </a:extLst>
+              </p:cNvPr>
+              <p:cNvPicPr>
+                <a:picLocks noChangeAspect="1"/>
+              </p:cNvPicPr>
+              <p:nvPr/>
+            </p:nvPicPr>
+            <p:blipFill>
+              <a:blip r:embed="rId6">
+                <a:extLst>
+                  <a:ext uri="{28A0092B-C50C-407E-A947-70E740481C1C}">
+                    <a14:useLocalDpi xmlns:a14="http://schemas.microsoft.com/office/drawing/2010/main" val="0"/>
+                  </a:ext>
+                </a:extLst>
+              </a:blip>
+              <a:stretch>
+                <a:fillRect/>
+              </a:stretch>
+            </p:blipFill>
+            <p:spPr>
+              <a:xfrm>
+                <a:off x="9914366" y="729617"/>
+                <a:ext cx="197843" cy="239545"/>
+              </a:xfrm>
+              <a:prstGeom prst="rect">
+                <a:avLst/>
+              </a:prstGeom>
+            </p:spPr>
+          </p:pic>
+        </p:grpSp>
+      </p:grpSp>
+      <p:sp>
+        <p:nvSpPr>
+          <p:cNvPr id="110" name="Rectangle: Rounded Corners 28">
+            <a:extLst>
+              <a:ext uri="{FF2B5EF4-FFF2-40B4-BE49-F238E27FC236}">
+                <a16:creationId xmlns:a16="http://schemas.microsoft.com/office/drawing/2014/main" id="{BAD96193-3517-FFBA-0AE5-5D7A09315499}"/>
+              </a:ext>
+            </a:extLst>
+          </p:cNvPr>
+          <p:cNvSpPr/>
+          <p:nvPr/>
+        </p:nvSpPr>
+        <p:spPr>
+          <a:xfrm>
+            <a:off x="3760923" y="3742184"/>
+            <a:ext cx="649358" cy="453334"/>
+          </a:xfrm>
+          <a:prstGeom prst="roundRect">
+            <a:avLst>
+              <a:gd name="adj" fmla="val 8957"/>
+            </a:avLst>
+          </a:prstGeom>
+        </p:spPr>
+        <p:style>
+          <a:lnRef idx="2">
+            <a:schemeClr val="accent1"/>
+          </a:lnRef>
+          <a:fillRef idx="1">
+            <a:schemeClr val="lt1"/>
+          </a:fillRef>
+          <a:effectRef idx="0">
+            <a:schemeClr val="accent1"/>
+          </a:effectRef>
+          <a:fontRef idx="minor">
+            <a:schemeClr val="dk1"/>
+          </a:fontRef>
+        </p:style>
+        <p:txBody>
+          <a:bodyPr rtlCol="0" anchor="ctr"/>
+          <a:lstStyle/>
+          <a:p>
+            <a:pPr algn="ctr"/>
+            <a:r>
+              <a:rPr lang="it-IT" dirty="0" err="1"/>
+              <a:t>env</a:t>
+            </a:r>
+            <a:endParaRPr lang="it-IT" dirty="0"/>
+          </a:p>
+        </p:txBody>
+      </p:sp>
+      <p:sp>
+        <p:nvSpPr>
+          <p:cNvPr id="111" name="Rectangle: Rounded Corners 28">
+            <a:extLst>
+              <a:ext uri="{FF2B5EF4-FFF2-40B4-BE49-F238E27FC236}">
+                <a16:creationId xmlns:a16="http://schemas.microsoft.com/office/drawing/2014/main" id="{AB38BA96-9544-57A9-E875-211697D1FB59}"/>
+              </a:ext>
+            </a:extLst>
+          </p:cNvPr>
+          <p:cNvSpPr/>
+          <p:nvPr/>
+        </p:nvSpPr>
+        <p:spPr>
+          <a:xfrm>
+            <a:off x="4958173" y="3735986"/>
+            <a:ext cx="1246932" cy="453334"/>
+          </a:xfrm>
+          <a:prstGeom prst="roundRect">
+            <a:avLst>
+              <a:gd name="adj" fmla="val 8957"/>
+            </a:avLst>
+          </a:prstGeom>
+        </p:spPr>
+        <p:style>
+          <a:lnRef idx="2">
+            <a:schemeClr val="accent1"/>
+          </a:lnRef>
+          <a:fillRef idx="1">
+            <a:schemeClr val="lt1"/>
+          </a:fillRef>
+          <a:effectRef idx="0">
+            <a:schemeClr val="accent1"/>
+          </a:effectRef>
+          <a:fontRef idx="minor">
+            <a:schemeClr val="dk1"/>
+          </a:fontRef>
+        </p:style>
+        <p:txBody>
+          <a:bodyPr rtlCol="0" anchor="ctr"/>
+          <a:lstStyle/>
+          <a:p>
+            <a:pPr algn="ctr"/>
+            <a:r>
+              <a:rPr lang="it-IT" dirty="0" err="1"/>
+              <a:t>wrap_env</a:t>
+            </a:r>
+            <a:endParaRPr lang="it-IT" dirty="0"/>
+          </a:p>
+        </p:txBody>
+      </p:sp>
+      <p:cxnSp>
+        <p:nvCxnSpPr>
+          <p:cNvPr id="112" name="Connettore 2 111">
+            <a:extLst>
+              <a:ext uri="{FF2B5EF4-FFF2-40B4-BE49-F238E27FC236}">
+                <a16:creationId xmlns:a16="http://schemas.microsoft.com/office/drawing/2014/main" id="{EF14A7D3-0C89-1DE1-3191-1AF44C789DD0}"/>
+              </a:ext>
+            </a:extLst>
+          </p:cNvPr>
+          <p:cNvCxnSpPr>
+            <a:cxnSpLocks/>
+          </p:cNvCxnSpPr>
+          <p:nvPr/>
+        </p:nvCxnSpPr>
+        <p:spPr>
+          <a:xfrm rot="16200000">
+            <a:off x="3457056" y="3705070"/>
+            <a:ext cx="0" cy="540000"/>
+          </a:xfrm>
+          <a:prstGeom prst="straightConnector1">
+            <a:avLst/>
+          </a:prstGeom>
+          <a:ln>
+            <a:tailEnd type="triangle"/>
+          </a:ln>
+        </p:spPr>
+        <p:style>
+          <a:lnRef idx="2">
+            <a:schemeClr val="accent1"/>
+          </a:lnRef>
+          <a:fillRef idx="0">
+            <a:schemeClr val="accent1"/>
+          </a:fillRef>
+          <a:effectRef idx="1">
+            <a:schemeClr val="accent1"/>
+          </a:effectRef>
+          <a:fontRef idx="minor">
+            <a:schemeClr val="tx1"/>
+          </a:fontRef>
+        </p:style>
+      </p:cxnSp>
+      <p:cxnSp>
+        <p:nvCxnSpPr>
+          <p:cNvPr id="114" name="Connettore 2 113">
+            <a:extLst>
+              <a:ext uri="{FF2B5EF4-FFF2-40B4-BE49-F238E27FC236}">
+                <a16:creationId xmlns:a16="http://schemas.microsoft.com/office/drawing/2014/main" id="{11E86173-71DF-6C41-1B8D-8CB8740DFB7A}"/>
+              </a:ext>
+            </a:extLst>
+          </p:cNvPr>
+          <p:cNvCxnSpPr>
+            <a:cxnSpLocks/>
+          </p:cNvCxnSpPr>
+          <p:nvPr/>
+        </p:nvCxnSpPr>
+        <p:spPr>
+          <a:xfrm rot="16200000">
+            <a:off x="4680281" y="3713825"/>
+            <a:ext cx="0" cy="540000"/>
+          </a:xfrm>
+          <a:prstGeom prst="straightConnector1">
+            <a:avLst/>
+          </a:prstGeom>
+          <a:ln>
+            <a:tailEnd type="triangle"/>
+          </a:ln>
+        </p:spPr>
+        <p:style>
+          <a:lnRef idx="2">
+            <a:schemeClr val="accent1"/>
+          </a:lnRef>
+          <a:fillRef idx="0">
+            <a:schemeClr val="accent1"/>
+          </a:fillRef>
+          <a:effectRef idx="1">
+            <a:schemeClr val="accent1"/>
+          </a:effectRef>
+          <a:fontRef idx="minor">
+            <a:schemeClr val="tx1"/>
+          </a:fontRef>
+        </p:style>
+      </p:cxnSp>
+      <p:sp>
+        <p:nvSpPr>
+          <p:cNvPr id="115" name="Rectangle: Rounded Corners 28">
+            <a:extLst>
+              <a:ext uri="{FF2B5EF4-FFF2-40B4-BE49-F238E27FC236}">
+                <a16:creationId xmlns:a16="http://schemas.microsoft.com/office/drawing/2014/main" id="{EA75CD25-7F6C-DFEF-5828-78EEECE0740A}"/>
+              </a:ext>
+            </a:extLst>
+          </p:cNvPr>
+          <p:cNvSpPr/>
+          <p:nvPr/>
+        </p:nvSpPr>
+        <p:spPr>
+          <a:xfrm>
+            <a:off x="6745105" y="3411536"/>
+            <a:ext cx="2391789" cy="1022872"/>
+          </a:xfrm>
+          <a:prstGeom prst="roundRect">
+            <a:avLst>
+              <a:gd name="adj" fmla="val 8957"/>
+            </a:avLst>
+          </a:prstGeom>
+        </p:spPr>
+        <p:style>
+          <a:lnRef idx="2">
+            <a:schemeClr val="accent1"/>
+          </a:lnRef>
+          <a:fillRef idx="1">
+            <a:schemeClr val="lt1"/>
+          </a:fillRef>
+          <a:effectRef idx="0">
+            <a:schemeClr val="accent1"/>
+          </a:effectRef>
+          <a:fontRef idx="minor">
+            <a:schemeClr val="dk1"/>
+          </a:fontRef>
+        </p:style>
+        <p:txBody>
+          <a:bodyPr rtlCol="0" anchor="ctr"/>
+          <a:lstStyle/>
+          <a:p>
+            <a:r>
+              <a:rPr lang="it-IT" dirty="0"/>
+              <a:t> - </a:t>
+            </a:r>
+            <a:r>
+              <a:rPr lang="it-IT" dirty="0" err="1"/>
+              <a:t>observation_space</a:t>
+            </a:r>
+            <a:endParaRPr lang="it-IT" dirty="0"/>
+          </a:p>
+          <a:p>
+            <a:endParaRPr lang="it-IT" dirty="0"/>
+          </a:p>
+          <a:p>
+            <a:r>
+              <a:rPr lang="it-IT" dirty="0"/>
+              <a:t> - </a:t>
+            </a:r>
+            <a:r>
+              <a:rPr lang="it-IT" dirty="0" err="1"/>
+              <a:t>action_space</a:t>
+            </a:r>
+            <a:endParaRPr lang="it-IT" dirty="0"/>
+          </a:p>
+        </p:txBody>
+      </p:sp>
+      <p:cxnSp>
+        <p:nvCxnSpPr>
+          <p:cNvPr id="116" name="Connettore 2 115">
+            <a:extLst>
+              <a:ext uri="{FF2B5EF4-FFF2-40B4-BE49-F238E27FC236}">
+                <a16:creationId xmlns:a16="http://schemas.microsoft.com/office/drawing/2014/main" id="{A7285021-935A-C9E0-12E8-0912A537BA70}"/>
+              </a:ext>
+            </a:extLst>
+          </p:cNvPr>
+          <p:cNvCxnSpPr>
+            <a:cxnSpLocks/>
+          </p:cNvCxnSpPr>
+          <p:nvPr/>
+        </p:nvCxnSpPr>
+        <p:spPr>
+          <a:xfrm rot="16200000">
+            <a:off x="6475105" y="3705070"/>
+            <a:ext cx="0" cy="540000"/>
+          </a:xfrm>
+          <a:prstGeom prst="straightConnector1">
+            <a:avLst/>
+          </a:prstGeom>
+          <a:ln>
+            <a:tailEnd type="triangle"/>
+          </a:ln>
+        </p:spPr>
+        <p:style>
+          <a:lnRef idx="2">
+            <a:schemeClr val="accent1"/>
+          </a:lnRef>
+          <a:fillRef idx="0">
+            <a:schemeClr val="accent1"/>
+          </a:fillRef>
+          <a:effectRef idx="1">
+            <a:schemeClr val="accent1"/>
+          </a:effectRef>
+          <a:fontRef idx="minor">
+            <a:schemeClr val="tx1"/>
+          </a:fontRef>
+        </p:style>
+      </p:cxnSp>
+      <p:sp>
+        <p:nvSpPr>
+          <p:cNvPr id="117" name="Rectangle: Rounded Corners 28">
+            <a:extLst>
+              <a:ext uri="{FF2B5EF4-FFF2-40B4-BE49-F238E27FC236}">
+                <a16:creationId xmlns:a16="http://schemas.microsoft.com/office/drawing/2014/main" id="{1E3E27D6-01A1-7B40-669F-072EC90BB836}"/>
+              </a:ext>
+            </a:extLst>
+          </p:cNvPr>
+          <p:cNvSpPr/>
+          <p:nvPr/>
+        </p:nvSpPr>
+        <p:spPr>
+          <a:xfrm>
+            <a:off x="9676894" y="3716174"/>
+            <a:ext cx="1643765" cy="453334"/>
+          </a:xfrm>
+          <a:prstGeom prst="roundRect">
+            <a:avLst>
+              <a:gd name="adj" fmla="val 8957"/>
+            </a:avLst>
+          </a:prstGeom>
+        </p:spPr>
+        <p:style>
+          <a:lnRef idx="2">
+            <a:schemeClr val="accent1"/>
+          </a:lnRef>
+          <a:fillRef idx="1">
+            <a:schemeClr val="lt1"/>
+          </a:fillRef>
+          <a:effectRef idx="0">
+            <a:schemeClr val="accent1"/>
+          </a:effectRef>
+          <a:fontRef idx="minor">
+            <a:schemeClr val="dk1"/>
+          </a:fontRef>
+        </p:style>
+        <p:txBody>
+          <a:bodyPr rtlCol="0" anchor="ctr"/>
+          <a:lstStyle/>
+          <a:p>
+            <a:pPr algn="ctr"/>
+            <a:r>
+              <a:rPr lang="it-IT" dirty="0"/>
+              <a:t>agent = PPO</a:t>
+            </a:r>
+          </a:p>
+        </p:txBody>
+      </p:sp>
+      <p:grpSp>
+        <p:nvGrpSpPr>
+          <p:cNvPr id="121" name="Gruppo 120">
+            <a:extLst>
+              <a:ext uri="{FF2B5EF4-FFF2-40B4-BE49-F238E27FC236}">
+                <a16:creationId xmlns:a16="http://schemas.microsoft.com/office/drawing/2014/main" id="{429FA032-20B4-4B55-1373-E6735D9CA69D}"/>
+              </a:ext>
+            </a:extLst>
+          </p:cNvPr>
+          <p:cNvGrpSpPr/>
+          <p:nvPr/>
+        </p:nvGrpSpPr>
+        <p:grpSpPr>
+          <a:xfrm>
+            <a:off x="6830295" y="5003724"/>
+            <a:ext cx="2441411" cy="453334"/>
+            <a:chOff x="7837094" y="5609885"/>
+            <a:chExt cx="2441411" cy="453334"/>
+          </a:xfrm>
+        </p:grpSpPr>
+        <p:sp>
+          <p:nvSpPr>
+            <p:cNvPr id="119" name="Rectangle: Rounded Corners 28">
+              <a:extLst>
+                <a:ext uri="{FF2B5EF4-FFF2-40B4-BE49-F238E27FC236}">
+                  <a16:creationId xmlns:a16="http://schemas.microsoft.com/office/drawing/2014/main" id="{68F61E9F-6002-85AD-5FC8-86A6703D42B2}"/>
+                </a:ext>
+              </a:extLst>
+            </p:cNvPr>
+            <p:cNvSpPr/>
+            <p:nvPr/>
+          </p:nvSpPr>
+          <p:spPr>
+            <a:xfrm>
+              <a:off x="7837094" y="5609885"/>
+              <a:ext cx="2441411" cy="453334"/>
+            </a:xfrm>
+            <a:prstGeom prst="roundRect">
+              <a:avLst>
+                <a:gd name="adj" fmla="val 8957"/>
+              </a:avLst>
+            </a:prstGeom>
+          </p:spPr>
+          <p:style>
+            <a:lnRef idx="2">
+              <a:schemeClr val="accent1"/>
+            </a:lnRef>
+            <a:fillRef idx="1">
+              <a:schemeClr val="lt1"/>
+            </a:fillRef>
+            <a:effectRef idx="0">
+              <a:schemeClr val="accent1"/>
+            </a:effectRef>
+            <a:fontRef idx="minor">
+              <a:schemeClr val="dk1"/>
+            </a:fontRef>
+          </p:style>
+          <p:txBody>
+            <a:bodyPr rtlCol="0" anchor="ctr"/>
+            <a:lstStyle/>
+            <a:p>
+              <a:r>
+                <a:rPr lang="it-IT" dirty="0"/>
+                <a:t>         </a:t>
+              </a:r>
+              <a:r>
+                <a:rPr lang="it-IT" dirty="0" err="1"/>
+                <a:t>sequential_trainer</a:t>
+              </a:r>
+              <a:endParaRPr lang="it-IT" dirty="0"/>
+            </a:p>
+          </p:txBody>
+        </p:sp>
+        <p:sp>
+          <p:nvSpPr>
+            <p:cNvPr id="120" name="Rettangolo 119" descr="Segno di spunta">
+              <a:extLst>
+                <a:ext uri="{FF2B5EF4-FFF2-40B4-BE49-F238E27FC236}">
+                  <a16:creationId xmlns:a16="http://schemas.microsoft.com/office/drawing/2014/main" id="{B10EF2C3-686C-4C1A-B29E-07F1EBB9AF6F}"/>
+                </a:ext>
+              </a:extLst>
+            </p:cNvPr>
+            <p:cNvSpPr/>
+            <p:nvPr/>
+          </p:nvSpPr>
+          <p:spPr>
+            <a:xfrm>
+              <a:off x="7858866" y="5637427"/>
+              <a:ext cx="398249" cy="398249"/>
+            </a:xfrm>
+            <a:prstGeom prst="rect">
+              <a:avLst/>
+            </a:prstGeom>
+            <a:blipFill rotWithShape="1">
+              <a:blip r:embed="rId7">
+                <a:extLst>
+                  <a:ext uri="{28A0092B-C50C-407E-A947-70E740481C1C}">
+                    <a14:useLocalDpi xmlns:a14="http://schemas.microsoft.com/office/drawing/2010/main" val="0"/>
+                  </a:ext>
+                  <a:ext uri="{96DAC541-7B7A-43D3-8B79-37D633B846F1}">
+                    <asvg:svgBlip xmlns:asvg="http://schemas.microsoft.com/office/drawing/2016/SVG/main" r:embed="rId8"/>
+                  </a:ext>
+                </a:extLst>
+              </a:blip>
+              <a:srcRect/>
+              <a:stretch>
+                <a:fillRect/>
+              </a:stretch>
+            </a:blipFill>
+          </p:spPr>
+          <p:style>
+            <a:lnRef idx="2">
+              <a:schemeClr val="lt1">
+                <a:hueOff val="0"/>
+                <a:satOff val="0"/>
+                <a:lumOff val="0"/>
+                <a:alphaOff val="0"/>
+              </a:schemeClr>
+            </a:lnRef>
+            <a:fillRef idx="1">
+              <a:scrgbClr r="0" g="0" b="0"/>
+            </a:fillRef>
+            <a:effectRef idx="0">
+              <a:schemeClr val="accent1">
+                <a:hueOff val="0"/>
+                <a:satOff val="0"/>
+                <a:lumOff val="0"/>
+                <a:alphaOff val="0"/>
+              </a:schemeClr>
+            </a:effectRef>
+            <a:fontRef idx="minor">
+              <a:schemeClr val="lt1"/>
+            </a:fontRef>
+          </p:style>
+          <p:txBody>
+            <a:bodyPr/>
+            <a:lstStyle/>
+            <a:p>
+              <a:endParaRPr lang="it-IT"/>
+            </a:p>
+          </p:txBody>
+        </p:sp>
+      </p:grpSp>
+      <p:cxnSp>
+        <p:nvCxnSpPr>
+          <p:cNvPr id="131" name="Connettore a gomito 130">
+            <a:extLst>
+              <a:ext uri="{FF2B5EF4-FFF2-40B4-BE49-F238E27FC236}">
+                <a16:creationId xmlns:a16="http://schemas.microsoft.com/office/drawing/2014/main" id="{A759EBFE-DD77-A2CB-AEB6-AF0C219F4AB6}"/>
+              </a:ext>
+            </a:extLst>
+          </p:cNvPr>
+          <p:cNvCxnSpPr>
+            <a:cxnSpLocks/>
+            <a:stCxn id="111" idx="2"/>
+          </p:cNvCxnSpPr>
+          <p:nvPr/>
+        </p:nvCxnSpPr>
+        <p:spPr>
+          <a:xfrm rot="16200000" flipH="1">
+            <a:off x="5675189" y="4095770"/>
+            <a:ext cx="1047700" cy="1234800"/>
+          </a:xfrm>
+          <a:prstGeom prst="bentConnector2">
+            <a:avLst/>
+          </a:prstGeom>
+          <a:ln>
+            <a:tailEnd type="triangle"/>
+          </a:ln>
+        </p:spPr>
+        <p:style>
+          <a:lnRef idx="2">
+            <a:schemeClr val="accent1"/>
+          </a:lnRef>
+          <a:fillRef idx="0">
+            <a:schemeClr val="accent1"/>
+          </a:fillRef>
+          <a:effectRef idx="1">
+            <a:schemeClr val="accent1"/>
+          </a:effectRef>
+          <a:fontRef idx="minor">
+            <a:schemeClr val="tx1"/>
+          </a:fontRef>
+        </p:style>
+      </p:cxnSp>
+      <p:cxnSp>
+        <p:nvCxnSpPr>
+          <p:cNvPr id="138" name="Connettore a gomito 137">
+            <a:extLst>
+              <a:ext uri="{FF2B5EF4-FFF2-40B4-BE49-F238E27FC236}">
+                <a16:creationId xmlns:a16="http://schemas.microsoft.com/office/drawing/2014/main" id="{38017773-F078-C704-B5CD-CCB1B1FC6145}"/>
+              </a:ext>
+            </a:extLst>
+          </p:cNvPr>
+          <p:cNvCxnSpPr>
+            <a:cxnSpLocks/>
+          </p:cNvCxnSpPr>
+          <p:nvPr/>
+        </p:nvCxnSpPr>
+        <p:spPr>
+          <a:xfrm rot="5400000">
+            <a:off x="9364148" y="4104771"/>
+            <a:ext cx="1047701" cy="1216800"/>
+          </a:xfrm>
+          <a:prstGeom prst="bentConnector2">
+            <a:avLst/>
+          </a:prstGeom>
+          <a:ln>
+            <a:tailEnd type="triangle"/>
+          </a:ln>
+        </p:spPr>
+        <p:style>
+          <a:lnRef idx="2">
+            <a:schemeClr val="accent1"/>
+          </a:lnRef>
+          <a:fillRef idx="0">
+            <a:schemeClr val="accent1"/>
+          </a:fillRef>
+          <a:effectRef idx="1">
+            <a:schemeClr val="accent1"/>
+          </a:effectRef>
+          <a:fontRef idx="minor">
+            <a:schemeClr val="tx1"/>
+          </a:fontRef>
+        </p:style>
+      </p:cxnSp>
+      <p:cxnSp>
+        <p:nvCxnSpPr>
+          <p:cNvPr id="140" name="Connettore 2 139">
+            <a:extLst>
+              <a:ext uri="{FF2B5EF4-FFF2-40B4-BE49-F238E27FC236}">
+                <a16:creationId xmlns:a16="http://schemas.microsoft.com/office/drawing/2014/main" id="{0592EC14-737F-0CA9-EF9C-E7BE5AA9513C}"/>
+              </a:ext>
+            </a:extLst>
+          </p:cNvPr>
+          <p:cNvCxnSpPr>
+            <a:cxnSpLocks/>
+          </p:cNvCxnSpPr>
+          <p:nvPr/>
+        </p:nvCxnSpPr>
+        <p:spPr>
+          <a:xfrm rot="16200000">
+            <a:off x="9406894" y="3713824"/>
+            <a:ext cx="0" cy="540000"/>
+          </a:xfrm>
+          <a:prstGeom prst="straightConnector1">
+            <a:avLst/>
+          </a:prstGeom>
+          <a:ln>
+            <a:tailEnd type="triangle"/>
+          </a:ln>
+        </p:spPr>
+        <p:style>
+          <a:lnRef idx="2">
+            <a:schemeClr val="accent1"/>
+          </a:lnRef>
+          <a:fillRef idx="0">
+            <a:schemeClr val="accent1"/>
+          </a:fillRef>
+          <a:effectRef idx="1">
+            <a:schemeClr val="accent1"/>
+          </a:effectRef>
+          <a:fontRef idx="minor">
+            <a:schemeClr val="tx1"/>
+          </a:fontRef>
+        </p:style>
+      </p:cxnSp>
+      <p:pic>
+        <p:nvPicPr>
+          <p:cNvPr id="147" name="Immagine 146" descr="Immagine che contiene clipart, halloween, Elementi grafici, zucca&#10;&#10;Descrizione generata automaticamente">
+            <a:extLst>
+              <a:ext uri="{FF2B5EF4-FFF2-40B4-BE49-F238E27FC236}">
+                <a16:creationId xmlns:a16="http://schemas.microsoft.com/office/drawing/2014/main" id="{C462A4E1-0593-D85E-2C6E-18690F98D208}"/>
+              </a:ext>
+            </a:extLst>
+          </p:cNvPr>
+          <p:cNvPicPr>
+            <a:picLocks noChangeAspect="1"/>
+          </p:cNvPicPr>
+          <p:nvPr/>
+        </p:nvPicPr>
+        <p:blipFill>
+          <a:blip r:embed="rId9">
+            <a:extLst>
+              <a:ext uri="{28A0092B-C50C-407E-A947-70E740481C1C}">
+                <a14:useLocalDpi xmlns:a14="http://schemas.microsoft.com/office/drawing/2010/main" val="0"/>
+              </a:ext>
+            </a:extLst>
+          </a:blip>
+          <a:stretch>
+            <a:fillRect/>
+          </a:stretch>
+        </p:blipFill>
+        <p:spPr>
+          <a:xfrm>
+            <a:off x="6211176" y="2440195"/>
+            <a:ext cx="462541" cy="243605"/>
           </a:xfrm>
           <a:prstGeom prst="rect">
             <a:avLst/>
           </a:prstGeom>
         </p:spPr>
+      </p:pic>
+      <p:sp>
+        <p:nvSpPr>
+          <p:cNvPr id="148" name="CasellaDiTesto 147">
+            <a:extLst>
+              <a:ext uri="{FF2B5EF4-FFF2-40B4-BE49-F238E27FC236}">
+                <a16:creationId xmlns:a16="http://schemas.microsoft.com/office/drawing/2014/main" id="{1FB78EC4-8FA6-F9B6-A83F-703437FA2EE6}"/>
+              </a:ext>
+            </a:extLst>
+          </p:cNvPr>
+          <p:cNvSpPr txBox="1"/>
+          <p:nvPr/>
+        </p:nvSpPr>
+        <p:spPr>
+          <a:xfrm>
+            <a:off x="6502513" y="5768884"/>
+            <a:ext cx="920445" cy="369332"/>
+          </a:xfrm>
+          <a:prstGeom prst="rect">
+            <a:avLst/>
+          </a:prstGeom>
+          <a:noFill/>
+        </p:spPr>
         <p:txBody>
-          <a:bodyPr vert="horz" lIns="91440" tIns="45720" rIns="91440" bIns="45720" rtlCol="0">
-            <a:normAutofit/>
+          <a:bodyPr wrap="none" rtlCol="0">
+            <a:spAutoFit/>
           </a:bodyPr>
-          <a:lstStyle>
-            <a:lvl1pPr marL="228600" indent="-228600" algn="l" defTabSz="914400" rtl="0" eaLnBrk="1" latinLnBrk="0" hangingPunct="1">
-              <a:lnSpc>
-                <a:spcPct val="90000"/>
-              </a:lnSpc>
-              <a:spcBef>
-                <a:spcPts val="1000"/>
-              </a:spcBef>
-              <a:buFont typeface="Arial" panose="020B0604020202020204" pitchFamily="34" charset="0"/>
-              <a:buChar char="•"/>
-              <a:defRPr sz="2800" kern="1200">
-                <a:solidFill>
-                  <a:schemeClr val="tx1"/>
-                </a:solidFill>
-                <a:latin typeface="+mn-lt"/>
-                <a:ea typeface="+mn-ea"/>
-                <a:cs typeface="+mn-cs"/>
-              </a:defRPr>
-            </a:lvl1pPr>
-            <a:lvl2pPr marL="685800" indent="-228600" algn="l" defTabSz="914400" rtl="0" eaLnBrk="1" latinLnBrk="0" hangingPunct="1">
-              <a:lnSpc>
-                <a:spcPct val="90000"/>
-              </a:lnSpc>
-              <a:spcBef>
-                <a:spcPts val="500"/>
-              </a:spcBef>
-              <a:buFont typeface="Arial" panose="020B0604020202020204" pitchFamily="34" charset="0"/>
-              <a:buChar char="•"/>
-              <a:defRPr sz="2400" kern="1200">
-                <a:solidFill>
-                  <a:schemeClr val="tx1"/>
-                </a:solidFill>
-                <a:latin typeface="+mn-lt"/>
-                <a:ea typeface="+mn-ea"/>
-                <a:cs typeface="+mn-cs"/>
-              </a:defRPr>
-            </a:lvl2pPr>
-            <a:lvl3pPr marL="1143000" indent="-228600" algn="l" defTabSz="914400" rtl="0" eaLnBrk="1" latinLnBrk="0" hangingPunct="1">
-              <a:lnSpc>
-                <a:spcPct val="90000"/>
-              </a:lnSpc>
-              <a:spcBef>
-                <a:spcPts val="500"/>
-              </a:spcBef>
-              <a:buFont typeface="Arial" panose="020B0604020202020204" pitchFamily="34" charset="0"/>
-              <a:buChar char="•"/>
-              <a:defRPr sz="2000" kern="1200">
-                <a:solidFill>
-                  <a:schemeClr val="tx1"/>
-                </a:solidFill>
-                <a:latin typeface="+mn-lt"/>
-                <a:ea typeface="+mn-ea"/>
-                <a:cs typeface="+mn-cs"/>
-              </a:defRPr>
-            </a:lvl3pPr>
-            <a:lvl4pPr marL="1600200" indent="-228600" algn="l" defTabSz="914400" rtl="0" eaLnBrk="1" latinLnBrk="0" hangingPunct="1">
-              <a:lnSpc>
-                <a:spcPct val="90000"/>
-              </a:lnSpc>
-              <a:spcBef>
-                <a:spcPts val="500"/>
-              </a:spcBef>
-              <a:buFont typeface="Arial" panose="020B0604020202020204" pitchFamily="34" charset="0"/>
-              <a:buChar char="•"/>
-              <a:defRPr sz="1800" kern="1200">
-                <a:solidFill>
-                  <a:schemeClr val="tx1"/>
-                </a:solidFill>
-                <a:latin typeface="+mn-lt"/>
-                <a:ea typeface="+mn-ea"/>
-                <a:cs typeface="+mn-cs"/>
-              </a:defRPr>
-            </a:lvl4pPr>
-            <a:lvl5pPr marL="2057400" indent="-228600" algn="l" defTabSz="914400" rtl="0" eaLnBrk="1" latinLnBrk="0" hangingPunct="1">
-              <a:lnSpc>
-                <a:spcPct val="90000"/>
-              </a:lnSpc>
-              <a:spcBef>
-                <a:spcPts val="500"/>
-              </a:spcBef>
-              <a:buFont typeface="Arial" panose="020B0604020202020204" pitchFamily="34" charset="0"/>
-              <a:buChar char="•"/>
-              <a:defRPr sz="1800" kern="1200">
-                <a:solidFill>
-                  <a:schemeClr val="tx1"/>
-                </a:solidFill>
-                <a:latin typeface="+mn-lt"/>
-                <a:ea typeface="+mn-ea"/>
-                <a:cs typeface="+mn-cs"/>
-              </a:defRPr>
-            </a:lvl5pPr>
-            <a:lvl6pPr marL="2514600" indent="-228600" algn="l" defTabSz="914400" rtl="0" eaLnBrk="1" latinLnBrk="0" hangingPunct="1">
-              <a:lnSpc>
-                <a:spcPct val="90000"/>
-              </a:lnSpc>
-              <a:spcBef>
-                <a:spcPts val="500"/>
-              </a:spcBef>
-              <a:buFont typeface="Arial" panose="020B0604020202020204" pitchFamily="34" charset="0"/>
-              <a:buChar char="•"/>
-              <a:defRPr sz="1800" kern="1200">
-                <a:solidFill>
-                  <a:schemeClr val="tx1"/>
-                </a:solidFill>
-                <a:latin typeface="+mn-lt"/>
-                <a:ea typeface="+mn-ea"/>
-                <a:cs typeface="+mn-cs"/>
-              </a:defRPr>
-            </a:lvl6pPr>
-            <a:lvl7pPr marL="2971800" indent="-228600" algn="l" defTabSz="914400" rtl="0" eaLnBrk="1" latinLnBrk="0" hangingPunct="1">
-              <a:lnSpc>
-                <a:spcPct val="90000"/>
-              </a:lnSpc>
-              <a:spcBef>
-                <a:spcPts val="500"/>
-              </a:spcBef>
-              <a:buFont typeface="Arial" panose="020B0604020202020204" pitchFamily="34" charset="0"/>
-              <a:buChar char="•"/>
-              <a:defRPr sz="1800" kern="1200">
-                <a:solidFill>
-                  <a:schemeClr val="tx1"/>
-                </a:solidFill>
-                <a:latin typeface="+mn-lt"/>
-                <a:ea typeface="+mn-ea"/>
-                <a:cs typeface="+mn-cs"/>
-              </a:defRPr>
-            </a:lvl7pPr>
-            <a:lvl8pPr marL="3429000" indent="-228600" algn="l" defTabSz="914400" rtl="0" eaLnBrk="1" latinLnBrk="0" hangingPunct="1">
-              <a:lnSpc>
-                <a:spcPct val="90000"/>
-              </a:lnSpc>
-              <a:spcBef>
-                <a:spcPts val="500"/>
-              </a:spcBef>
-              <a:buFont typeface="Arial" panose="020B0604020202020204" pitchFamily="34" charset="0"/>
-              <a:buChar char="•"/>
-              <a:defRPr sz="1800" kern="1200">
-                <a:solidFill>
-                  <a:schemeClr val="tx1"/>
-                </a:solidFill>
-                <a:latin typeface="+mn-lt"/>
-                <a:ea typeface="+mn-ea"/>
-                <a:cs typeface="+mn-cs"/>
-              </a:defRPr>
-            </a:lvl8pPr>
-            <a:lvl9pPr marL="3886200" indent="-228600" algn="l" defTabSz="914400" rtl="0" eaLnBrk="1" latinLnBrk="0" hangingPunct="1">
-              <a:lnSpc>
-                <a:spcPct val="90000"/>
-              </a:lnSpc>
-              <a:spcBef>
-                <a:spcPts val="500"/>
-              </a:spcBef>
-              <a:buFont typeface="Arial" panose="020B0604020202020204" pitchFamily="34" charset="0"/>
-              <a:buChar char="•"/>
-              <a:defRPr sz="1800" kern="1200">
-                <a:solidFill>
-                  <a:schemeClr val="tx1"/>
-                </a:solidFill>
-                <a:latin typeface="+mn-lt"/>
-                <a:ea typeface="+mn-ea"/>
-                <a:cs typeface="+mn-cs"/>
-              </a:defRPr>
-            </a:lvl9pPr>
-          </a:lstStyle>
+          <a:lstStyle/>
           <a:p>
-            <a:endParaRPr lang="it-IT" sz="2400"/>
-          </a:p>
-          <a:p>
-            <a:endParaRPr lang="it-IT"/>
-          </a:p>
-          <a:p>
-            <a:endParaRPr lang="it-IT"/>
-          </a:p>
-          <a:p>
-            <a:endParaRPr lang="it-IT" dirty="0"/>
+            <a:r>
+              <a:rPr lang="it-IT" i="1" dirty="0"/>
+              <a:t>actions</a:t>
+            </a:r>
           </a:p>
         </p:txBody>
       </p:sp>
+      <p:sp>
+        <p:nvSpPr>
+          <p:cNvPr id="149" name="CasellaDiTesto 148">
+            <a:extLst>
+              <a:ext uri="{FF2B5EF4-FFF2-40B4-BE49-F238E27FC236}">
+                <a16:creationId xmlns:a16="http://schemas.microsoft.com/office/drawing/2014/main" id="{9F89BFFD-76F3-0DCA-8B6B-4AF71DAB3614}"/>
+              </a:ext>
+            </a:extLst>
+          </p:cNvPr>
+          <p:cNvSpPr txBox="1"/>
+          <p:nvPr/>
+        </p:nvSpPr>
+        <p:spPr>
+          <a:xfrm>
+            <a:off x="3936119" y="5754211"/>
+            <a:ext cx="1938351" cy="738664"/>
+          </a:xfrm>
+          <a:prstGeom prst="rect">
+            <a:avLst/>
+          </a:prstGeom>
+          <a:ln/>
+        </p:spPr>
+        <p:style>
+          <a:lnRef idx="2">
+            <a:schemeClr val="accent1"/>
+          </a:lnRef>
+          <a:fillRef idx="1">
+            <a:schemeClr val="lt1"/>
+          </a:fillRef>
+          <a:effectRef idx="0">
+            <a:schemeClr val="accent1"/>
+          </a:effectRef>
+          <a:fontRef idx="minor">
+            <a:schemeClr val="dk1"/>
+          </a:fontRef>
+        </p:style>
+        <p:txBody>
+          <a:bodyPr wrap="none" rtlCol="0">
+            <a:spAutoFit/>
+          </a:bodyPr>
+          <a:lstStyle/>
+          <a:p>
+            <a:pPr algn="ctr"/>
+            <a:r>
+              <a:rPr lang="it-IT" sz="1400" dirty="0" err="1"/>
+              <a:t>Proportional</a:t>
+            </a:r>
+            <a:endParaRPr lang="it-IT" sz="1400" dirty="0"/>
+          </a:p>
+          <a:p>
+            <a:pPr algn="ctr"/>
+            <a:r>
+              <a:rPr lang="it-IT" sz="1400" dirty="0"/>
+              <a:t>+</a:t>
+            </a:r>
+          </a:p>
+          <a:p>
+            <a:pPr algn="ctr"/>
+            <a:r>
+              <a:rPr lang="it-IT" sz="1400" dirty="0"/>
+              <a:t>Feedback </a:t>
+            </a:r>
+            <a:r>
+              <a:rPr lang="it-IT" sz="1400" dirty="0" err="1"/>
+              <a:t>linearization</a:t>
+            </a:r>
+            <a:endParaRPr lang="it-IT" sz="1400" dirty="0"/>
+          </a:p>
+        </p:txBody>
+      </p:sp>
+      <p:cxnSp>
+        <p:nvCxnSpPr>
+          <p:cNvPr id="150" name="Connettore a gomito 149">
+            <a:extLst>
+              <a:ext uri="{FF2B5EF4-FFF2-40B4-BE49-F238E27FC236}">
+                <a16:creationId xmlns:a16="http://schemas.microsoft.com/office/drawing/2014/main" id="{D37B57D9-0598-A1F0-FA42-DF12A1BB9807}"/>
+              </a:ext>
+            </a:extLst>
+          </p:cNvPr>
+          <p:cNvCxnSpPr>
+            <a:cxnSpLocks/>
+            <a:stCxn id="119" idx="2"/>
+            <a:endCxn id="149" idx="3"/>
+          </p:cNvCxnSpPr>
+          <p:nvPr/>
+        </p:nvCxnSpPr>
+        <p:spPr>
+          <a:xfrm rot="5400000">
+            <a:off x="6629494" y="4702035"/>
+            <a:ext cx="666485" cy="2176531"/>
+          </a:xfrm>
+          <a:prstGeom prst="bentConnector2">
+            <a:avLst/>
+          </a:prstGeom>
+          <a:ln>
+            <a:tailEnd type="triangle"/>
+          </a:ln>
+        </p:spPr>
+        <p:style>
+          <a:lnRef idx="2">
+            <a:schemeClr val="accent1"/>
+          </a:lnRef>
+          <a:fillRef idx="0">
+            <a:schemeClr val="accent1"/>
+          </a:fillRef>
+          <a:effectRef idx="1">
+            <a:schemeClr val="accent1"/>
+          </a:effectRef>
+          <a:fontRef idx="minor">
+            <a:schemeClr val="tx1"/>
+          </a:fontRef>
+        </p:style>
+      </p:cxnSp>
+      <p:sp>
+        <p:nvSpPr>
+          <p:cNvPr id="154" name="CasellaDiTesto 153">
+            <a:extLst>
+              <a:ext uri="{FF2B5EF4-FFF2-40B4-BE49-F238E27FC236}">
+                <a16:creationId xmlns:a16="http://schemas.microsoft.com/office/drawing/2014/main" id="{ECA94F48-2C47-C612-2314-2BBA50565A9A}"/>
+              </a:ext>
+            </a:extLst>
+          </p:cNvPr>
+          <p:cNvSpPr txBox="1"/>
+          <p:nvPr/>
+        </p:nvSpPr>
+        <p:spPr>
+          <a:xfrm>
+            <a:off x="4396456" y="5440236"/>
+            <a:ext cx="937372" cy="307777"/>
+          </a:xfrm>
+          <a:prstGeom prst="rect">
+            <a:avLst/>
+          </a:prstGeom>
+          <a:ln>
+            <a:noFill/>
+          </a:ln>
+        </p:spPr>
+        <p:style>
+          <a:lnRef idx="2">
+            <a:schemeClr val="accent1"/>
+          </a:lnRef>
+          <a:fillRef idx="1">
+            <a:schemeClr val="lt1"/>
+          </a:fillRef>
+          <a:effectRef idx="0">
+            <a:schemeClr val="accent1"/>
+          </a:effectRef>
+          <a:fontRef idx="minor">
+            <a:schemeClr val="dk1"/>
+          </a:fontRef>
+        </p:style>
+        <p:txBody>
+          <a:bodyPr wrap="none" rtlCol="0">
+            <a:spAutoFit/>
+          </a:bodyPr>
+          <a:lstStyle/>
+          <a:p>
+            <a:pPr algn="ctr"/>
+            <a:r>
+              <a:rPr lang="it-IT" sz="1400" i="1" dirty="0"/>
+              <a:t>controller</a:t>
+            </a:r>
+          </a:p>
+        </p:txBody>
+      </p:sp>
+      <p:cxnSp>
+        <p:nvCxnSpPr>
+          <p:cNvPr id="155" name="Connettore a gomito 154">
+            <a:extLst>
+              <a:ext uri="{FF2B5EF4-FFF2-40B4-BE49-F238E27FC236}">
+                <a16:creationId xmlns:a16="http://schemas.microsoft.com/office/drawing/2014/main" id="{3E9F7DE9-1137-C614-687E-E9E36C85E9D1}"/>
+              </a:ext>
+            </a:extLst>
+          </p:cNvPr>
+          <p:cNvCxnSpPr>
+            <a:cxnSpLocks/>
+            <a:stCxn id="149" idx="1"/>
+            <a:endCxn id="108" idx="2"/>
+          </p:cNvCxnSpPr>
+          <p:nvPr/>
+        </p:nvCxnSpPr>
+        <p:spPr>
+          <a:xfrm rot="10800000">
+            <a:off x="2004079" y="5581029"/>
+            <a:ext cx="1932041" cy="542515"/>
+          </a:xfrm>
+          <a:prstGeom prst="bentConnector2">
+            <a:avLst/>
+          </a:prstGeom>
+          <a:ln>
+            <a:tailEnd type="triangle"/>
+          </a:ln>
+        </p:spPr>
+        <p:style>
+          <a:lnRef idx="2">
+            <a:schemeClr val="accent1"/>
+          </a:lnRef>
+          <a:fillRef idx="0">
+            <a:schemeClr val="accent1"/>
+          </a:fillRef>
+          <a:effectRef idx="1">
+            <a:schemeClr val="accent1"/>
+          </a:effectRef>
+          <a:fontRef idx="minor">
+            <a:schemeClr val="tx1"/>
+          </a:fontRef>
+        </p:style>
+      </p:cxnSp>
     </p:spTree>
     <p:extLst>
       <p:ext uri="{BB962C8B-B14F-4D97-AF65-F5344CB8AC3E}">
@@ -20565,6 +23825,832 @@
 </file>
 
 <file path=ppt/slides/slide7.xml><?xml version="1.0" encoding="utf-8"?>
+<p:sld xmlns:a="http://schemas.openxmlformats.org/drawingml/2006/main" xmlns:r="http://schemas.openxmlformats.org/officeDocument/2006/relationships" xmlns:p="http://schemas.openxmlformats.org/presentationml/2006/main">
+  <p:cSld>
+    <p:spTree>
+      <p:nvGrpSpPr>
+        <p:cNvPr id="1" name=""/>
+        <p:cNvGrpSpPr/>
+        <p:nvPr/>
+      </p:nvGrpSpPr>
+      <p:grpSpPr>
+        <a:xfrm>
+          <a:off x="0" y="0"/>
+          <a:ext cx="0" cy="0"/>
+          <a:chOff x="0" y="0"/>
+          <a:chExt cx="0" cy="0"/>
+        </a:xfrm>
+      </p:grpSpPr>
+      <p:sp>
+        <p:nvSpPr>
+          <p:cNvPr id="2" name="Titolo 1">
+            <a:extLst>
+              <a:ext uri="{FF2B5EF4-FFF2-40B4-BE49-F238E27FC236}">
+                <a16:creationId xmlns:a16="http://schemas.microsoft.com/office/drawing/2014/main" id="{D5F58EEC-3A74-ACCB-9A51-3B63C7A951AF}"/>
+              </a:ext>
+            </a:extLst>
+          </p:cNvPr>
+          <p:cNvSpPr>
+            <a:spLocks noGrp="1"/>
+          </p:cNvSpPr>
+          <p:nvPr>
+            <p:ph type="title"/>
+          </p:nvPr>
+        </p:nvSpPr>
+        <p:spPr/>
+        <p:txBody>
+          <a:bodyPr>
+            <a:normAutofit/>
+          </a:bodyPr>
+          <a:lstStyle/>
+          <a:p>
+            <a:r>
+              <a:rPr lang="it-IT" dirty="0" err="1">
+                <a:latin typeface="Aptos SemiBold" panose="020B0004020202020204" pitchFamily="34" charset="0"/>
+              </a:rPr>
+              <a:t>IsaacGym</a:t>
+            </a:r>
+            <a:r>
+              <a:rPr lang="it-IT" dirty="0">
+                <a:latin typeface="Aptos SemiBold" panose="020B0004020202020204" pitchFamily="34" charset="0"/>
+              </a:rPr>
+              <a:t> </a:t>
+            </a:r>
+            <a:r>
+              <a:rPr lang="it-IT" dirty="0" err="1">
+                <a:latin typeface="Aptos SemiBold" panose="020B0004020202020204" pitchFamily="34" charset="0"/>
+              </a:rPr>
+              <a:t>environment</a:t>
+            </a:r>
+            <a:r>
+              <a:rPr lang="it-IT" dirty="0">
+                <a:latin typeface="Aptos SemiBold" panose="020B0004020202020204" pitchFamily="34" charset="0"/>
+              </a:rPr>
+              <a:t> </a:t>
+            </a:r>
+            <a:r>
+              <a:rPr lang="it-IT" dirty="0" err="1">
+                <a:latin typeface="Aptos SemiBold" panose="020B0004020202020204" pitchFamily="34" charset="0"/>
+              </a:rPr>
+              <a:t>creation</a:t>
+            </a:r>
+            <a:endParaRPr lang="it-IT" dirty="0">
+              <a:latin typeface="Aptos SemiBold" panose="020B0004020202020204" pitchFamily="34" charset="0"/>
+            </a:endParaRPr>
+          </a:p>
+        </p:txBody>
+      </p:sp>
+      <p:pic>
+        <p:nvPicPr>
+          <p:cNvPr id="4" name="Immagine 3">
+            <a:extLst>
+              <a:ext uri="{FF2B5EF4-FFF2-40B4-BE49-F238E27FC236}">
+                <a16:creationId xmlns:a16="http://schemas.microsoft.com/office/drawing/2014/main" id="{CB1FFB52-928C-7EDA-3C3B-6E1F60CA0E58}"/>
+              </a:ext>
+            </a:extLst>
+          </p:cNvPr>
+          <p:cNvPicPr>
+            <a:picLocks noChangeAspect="1"/>
+          </p:cNvPicPr>
+          <p:nvPr/>
+        </p:nvPicPr>
+        <p:blipFill>
+          <a:blip r:embed="rId2"/>
+          <a:stretch>
+            <a:fillRect/>
+          </a:stretch>
+        </p:blipFill>
+        <p:spPr>
+          <a:xfrm>
+            <a:off x="838200" y="1487928"/>
+            <a:ext cx="6142782" cy="36000"/>
+          </a:xfrm>
+          <a:prstGeom prst="rect">
+            <a:avLst/>
+          </a:prstGeom>
+        </p:spPr>
+      </p:pic>
+      <p:pic>
+        <p:nvPicPr>
+          <p:cNvPr id="5" name="Immagine 4" descr="Immagine che contiene neve, strisce pedonali, aria aperta, inverno&#10;&#10;Descrizione generata automaticamente">
+            <a:extLst>
+              <a:ext uri="{FF2B5EF4-FFF2-40B4-BE49-F238E27FC236}">
+                <a16:creationId xmlns:a16="http://schemas.microsoft.com/office/drawing/2014/main" id="{1D714A25-E60E-56CF-1D03-899E8541C558}"/>
+              </a:ext>
+            </a:extLst>
+          </p:cNvPr>
+          <p:cNvPicPr>
+            <a:picLocks noChangeAspect="1"/>
+          </p:cNvPicPr>
+          <p:nvPr/>
+        </p:nvPicPr>
+        <p:blipFill>
+          <a:blip r:embed="rId3">
+            <a:extLst>
+              <a:ext uri="{28A0092B-C50C-407E-A947-70E740481C1C}">
+                <a14:useLocalDpi xmlns:a14="http://schemas.microsoft.com/office/drawing/2010/main" val="0"/>
+              </a:ext>
+            </a:extLst>
+          </a:blip>
+          <a:stretch>
+            <a:fillRect/>
+          </a:stretch>
+        </p:blipFill>
+        <p:spPr>
+          <a:xfrm>
+            <a:off x="6238280" y="2093039"/>
+            <a:ext cx="5363454" cy="3018562"/>
+          </a:xfrm>
+          <a:prstGeom prst="rect">
+            <a:avLst/>
+          </a:prstGeom>
+        </p:spPr>
+      </p:pic>
+      <p:grpSp>
+        <p:nvGrpSpPr>
+          <p:cNvPr id="34" name="Gruppo 33">
+            <a:extLst>
+              <a:ext uri="{FF2B5EF4-FFF2-40B4-BE49-F238E27FC236}">
+                <a16:creationId xmlns:a16="http://schemas.microsoft.com/office/drawing/2014/main" id="{DB2B2060-6F97-DDB8-9A6B-AB7B86380718}"/>
+              </a:ext>
+            </a:extLst>
+          </p:cNvPr>
+          <p:cNvGrpSpPr/>
+          <p:nvPr/>
+        </p:nvGrpSpPr>
+        <p:grpSpPr>
+          <a:xfrm>
+            <a:off x="838200" y="1791213"/>
+            <a:ext cx="1987286" cy="493736"/>
+            <a:chOff x="3085457" y="1903220"/>
+            <a:chExt cx="1987286" cy="493736"/>
+          </a:xfrm>
+        </p:grpSpPr>
+        <p:sp>
+          <p:nvSpPr>
+            <p:cNvPr id="28" name="CasellaDiTesto 27">
+              <a:extLst>
+                <a:ext uri="{FF2B5EF4-FFF2-40B4-BE49-F238E27FC236}">
+                  <a16:creationId xmlns:a16="http://schemas.microsoft.com/office/drawing/2014/main" id="{7BA13703-9034-899C-BC75-C114DEF23D46}"/>
+                </a:ext>
+              </a:extLst>
+            </p:cNvPr>
+            <p:cNvSpPr txBox="1"/>
+            <p:nvPr/>
+          </p:nvSpPr>
+          <p:spPr>
+            <a:xfrm>
+              <a:off x="3579193" y="1965422"/>
+              <a:ext cx="1493550" cy="369332"/>
+            </a:xfrm>
+            <a:prstGeom prst="rect">
+              <a:avLst/>
+            </a:prstGeom>
+            <a:noFill/>
+          </p:spPr>
+          <p:txBody>
+            <a:bodyPr wrap="none" rtlCol="0">
+              <a:spAutoFit/>
+            </a:bodyPr>
+            <a:lstStyle/>
+            <a:p>
+              <a:r>
+                <a:rPr lang="it-IT" i="1" dirty="0"/>
+                <a:t>Quadrotor.py</a:t>
+              </a:r>
+            </a:p>
+          </p:txBody>
+        </p:sp>
+        <p:grpSp>
+          <p:nvGrpSpPr>
+            <p:cNvPr id="33" name="Gruppo 32">
+              <a:extLst>
+                <a:ext uri="{FF2B5EF4-FFF2-40B4-BE49-F238E27FC236}">
+                  <a16:creationId xmlns:a16="http://schemas.microsoft.com/office/drawing/2014/main" id="{50D5DB5A-C6E3-77D5-721E-6175226CEA9A}"/>
+                </a:ext>
+              </a:extLst>
+            </p:cNvPr>
+            <p:cNvGrpSpPr/>
+            <p:nvPr/>
+          </p:nvGrpSpPr>
+          <p:grpSpPr>
+            <a:xfrm>
+              <a:off x="3085457" y="1903220"/>
+              <a:ext cx="493736" cy="493736"/>
+              <a:chOff x="964950" y="2028486"/>
+              <a:chExt cx="2115708" cy="2115708"/>
+            </a:xfrm>
+          </p:grpSpPr>
+          <p:pic>
+            <p:nvPicPr>
+              <p:cNvPr id="27" name="Immagine 26" descr="Immagine che contiene schermata, clipart, design&#10;&#10;Descrizione generata automaticamente">
+                <a:extLst>
+                  <a:ext uri="{FF2B5EF4-FFF2-40B4-BE49-F238E27FC236}">
+                    <a16:creationId xmlns:a16="http://schemas.microsoft.com/office/drawing/2014/main" id="{AA1F2D78-2F6F-DF31-C89C-C3520B95DA89}"/>
+                  </a:ext>
+                </a:extLst>
+              </p:cNvPr>
+              <p:cNvPicPr>
+                <a:picLocks noChangeAspect="1"/>
+              </p:cNvPicPr>
+              <p:nvPr/>
+            </p:nvPicPr>
+            <p:blipFill>
+              <a:blip r:embed="rId4">
+                <a:extLst>
+                  <a:ext uri="{28A0092B-C50C-407E-A947-70E740481C1C}">
+                    <a14:useLocalDpi xmlns:a14="http://schemas.microsoft.com/office/drawing/2010/main" val="0"/>
+                  </a:ext>
+                </a:extLst>
+              </a:blip>
+              <a:stretch>
+                <a:fillRect/>
+              </a:stretch>
+            </p:blipFill>
+            <p:spPr>
+              <a:xfrm>
+                <a:off x="964950" y="2028486"/>
+                <a:ext cx="2115708" cy="2115708"/>
+              </a:xfrm>
+              <a:prstGeom prst="rect">
+                <a:avLst/>
+              </a:prstGeom>
+            </p:spPr>
+          </p:pic>
+          <p:pic>
+            <p:nvPicPr>
+              <p:cNvPr id="29" name="Immagine 28" descr="Immagine che contiene simbolo, Elementi grafici, logo&#10;&#10;Descrizione generata automaticamente">
+                <a:extLst>
+                  <a:ext uri="{FF2B5EF4-FFF2-40B4-BE49-F238E27FC236}">
+                    <a16:creationId xmlns:a16="http://schemas.microsoft.com/office/drawing/2014/main" id="{6E51BD63-D8CE-A9F1-6C51-4071A66786F1}"/>
+                  </a:ext>
+                </a:extLst>
+              </p:cNvPr>
+              <p:cNvPicPr>
+                <a:picLocks noChangeAspect="1"/>
+              </p:cNvPicPr>
+              <p:nvPr/>
+            </p:nvPicPr>
+            <p:blipFill rotWithShape="1">
+              <a:blip r:embed="rId5">
+                <a:extLst>
+                  <a:ext uri="{28A0092B-C50C-407E-A947-70E740481C1C}">
+                    <a14:useLocalDpi xmlns:a14="http://schemas.microsoft.com/office/drawing/2010/main" val="0"/>
+                  </a:ext>
+                </a:extLst>
+              </a:blip>
+              <a:srcRect l="5835" t="13539" r="23829" b="38867"/>
+              <a:stretch/>
+            </p:blipFill>
+            <p:spPr>
+              <a:xfrm>
+                <a:off x="1296774" y="2394831"/>
+                <a:ext cx="833988" cy="472546"/>
+              </a:xfrm>
+              <a:prstGeom prst="rect">
+                <a:avLst/>
+              </a:prstGeom>
+            </p:spPr>
+          </p:pic>
+        </p:grpSp>
+      </p:grpSp>
+      <p:sp>
+        <p:nvSpPr>
+          <p:cNvPr id="35" name="Rectangle: Rounded Corners 28">
+            <a:extLst>
+              <a:ext uri="{FF2B5EF4-FFF2-40B4-BE49-F238E27FC236}">
+                <a16:creationId xmlns:a16="http://schemas.microsoft.com/office/drawing/2014/main" id="{681AAD42-4210-EAE3-A70E-836A74A64A8B}"/>
+              </a:ext>
+            </a:extLst>
+          </p:cNvPr>
+          <p:cNvSpPr/>
+          <p:nvPr/>
+        </p:nvSpPr>
+        <p:spPr>
+          <a:xfrm>
+            <a:off x="2430982" y="2491883"/>
+            <a:ext cx="1725477" cy="453334"/>
+          </a:xfrm>
+          <a:prstGeom prst="roundRect">
+            <a:avLst>
+              <a:gd name="adj" fmla="val 8957"/>
+            </a:avLst>
+          </a:prstGeom>
+        </p:spPr>
+        <p:style>
+          <a:lnRef idx="2">
+            <a:schemeClr val="accent1"/>
+          </a:lnRef>
+          <a:fillRef idx="1">
+            <a:schemeClr val="lt1"/>
+          </a:fillRef>
+          <a:effectRef idx="0">
+            <a:schemeClr val="accent1"/>
+          </a:effectRef>
+          <a:fontRef idx="minor">
+            <a:schemeClr val="dk1"/>
+          </a:fontRef>
+        </p:style>
+        <p:txBody>
+          <a:bodyPr rtlCol="0" anchor="ctr"/>
+          <a:lstStyle/>
+          <a:p>
+            <a:pPr algn="ctr"/>
+            <a:r>
+              <a:rPr lang="it-IT" dirty="0" err="1"/>
+              <a:t>create_sim</a:t>
+            </a:r>
+            <a:endParaRPr lang="it-IT" dirty="0"/>
+          </a:p>
+        </p:txBody>
+      </p:sp>
+      <p:sp>
+        <p:nvSpPr>
+          <p:cNvPr id="36" name="Rectangle: Rounded Corners 28">
+            <a:extLst>
+              <a:ext uri="{FF2B5EF4-FFF2-40B4-BE49-F238E27FC236}">
+                <a16:creationId xmlns:a16="http://schemas.microsoft.com/office/drawing/2014/main" id="{2C62D639-11DE-3CD6-B962-DF99E4CA91BC}"/>
+              </a:ext>
+            </a:extLst>
+          </p:cNvPr>
+          <p:cNvSpPr/>
+          <p:nvPr/>
+        </p:nvSpPr>
+        <p:spPr>
+          <a:xfrm>
+            <a:off x="3705109" y="3268783"/>
+            <a:ext cx="2433048" cy="453334"/>
+          </a:xfrm>
+          <a:prstGeom prst="roundRect">
+            <a:avLst>
+              <a:gd name="adj" fmla="val 8957"/>
+            </a:avLst>
+          </a:prstGeom>
+        </p:spPr>
+        <p:style>
+          <a:lnRef idx="2">
+            <a:schemeClr val="accent1"/>
+          </a:lnRef>
+          <a:fillRef idx="1">
+            <a:schemeClr val="lt1"/>
+          </a:fillRef>
+          <a:effectRef idx="0">
+            <a:schemeClr val="accent1"/>
+          </a:effectRef>
+          <a:fontRef idx="minor">
+            <a:schemeClr val="dk1"/>
+          </a:fontRef>
+        </p:style>
+        <p:txBody>
+          <a:bodyPr rtlCol="0" anchor="ctr"/>
+          <a:lstStyle/>
+          <a:p>
+            <a:pPr algn="ctr"/>
+            <a:r>
+              <a:rPr lang="it-IT" dirty="0" err="1"/>
+              <a:t>create_ground_plane</a:t>
+            </a:r>
+            <a:endParaRPr lang="it-IT" dirty="0"/>
+          </a:p>
+        </p:txBody>
+      </p:sp>
+      <p:sp>
+        <p:nvSpPr>
+          <p:cNvPr id="37" name="Rectangle: Rounded Corners 28">
+            <a:extLst>
+              <a:ext uri="{FF2B5EF4-FFF2-40B4-BE49-F238E27FC236}">
+                <a16:creationId xmlns:a16="http://schemas.microsoft.com/office/drawing/2014/main" id="{0876BB51-04FF-49D1-FE83-9A8180A58327}"/>
+              </a:ext>
+            </a:extLst>
+          </p:cNvPr>
+          <p:cNvSpPr/>
+          <p:nvPr/>
+        </p:nvSpPr>
+        <p:spPr>
+          <a:xfrm>
+            <a:off x="838200" y="3268783"/>
+            <a:ext cx="1655215" cy="453334"/>
+          </a:xfrm>
+          <a:prstGeom prst="roundRect">
+            <a:avLst>
+              <a:gd name="adj" fmla="val 8957"/>
+            </a:avLst>
+          </a:prstGeom>
+        </p:spPr>
+        <p:style>
+          <a:lnRef idx="2">
+            <a:schemeClr val="accent1"/>
+          </a:lnRef>
+          <a:fillRef idx="1">
+            <a:schemeClr val="lt1"/>
+          </a:fillRef>
+          <a:effectRef idx="0">
+            <a:schemeClr val="accent1"/>
+          </a:effectRef>
+          <a:fontRef idx="minor">
+            <a:schemeClr val="dk1"/>
+          </a:fontRef>
+        </p:style>
+        <p:txBody>
+          <a:bodyPr rtlCol="0" anchor="ctr"/>
+          <a:lstStyle/>
+          <a:p>
+            <a:pPr algn="ctr"/>
+            <a:r>
+              <a:rPr lang="it-IT" dirty="0" err="1"/>
+              <a:t>create_envs</a:t>
+            </a:r>
+            <a:endParaRPr lang="it-IT" dirty="0"/>
+          </a:p>
+        </p:txBody>
+      </p:sp>
+      <p:sp>
+        <p:nvSpPr>
+          <p:cNvPr id="38" name="Rectangle: Rounded Corners 28">
+            <a:extLst>
+              <a:ext uri="{FF2B5EF4-FFF2-40B4-BE49-F238E27FC236}">
+                <a16:creationId xmlns:a16="http://schemas.microsoft.com/office/drawing/2014/main" id="{834A7F59-BC36-CDA0-6570-48CF41703EED}"/>
+              </a:ext>
+            </a:extLst>
+          </p:cNvPr>
+          <p:cNvSpPr/>
+          <p:nvPr/>
+        </p:nvSpPr>
+        <p:spPr>
+          <a:xfrm>
+            <a:off x="838199" y="4462649"/>
+            <a:ext cx="4083433" cy="1705986"/>
+          </a:xfrm>
+          <a:prstGeom prst="roundRect">
+            <a:avLst>
+              <a:gd name="adj" fmla="val 8957"/>
+            </a:avLst>
+          </a:prstGeom>
+        </p:spPr>
+        <p:style>
+          <a:lnRef idx="2">
+            <a:schemeClr val="accent1"/>
+          </a:lnRef>
+          <a:fillRef idx="1">
+            <a:schemeClr val="lt1"/>
+          </a:fillRef>
+          <a:effectRef idx="0">
+            <a:schemeClr val="accent1"/>
+          </a:effectRef>
+          <a:fontRef idx="minor">
+            <a:schemeClr val="dk1"/>
+          </a:fontRef>
+        </p:style>
+        <p:txBody>
+          <a:bodyPr rtlCol="0" anchor="ctr"/>
+          <a:lstStyle/>
+          <a:p>
+            <a:pPr marL="285750" indent="-285750">
+              <a:buFont typeface="Arial" panose="020B0604020202020204" pitchFamily="34" charset="0"/>
+              <a:buChar char="•"/>
+            </a:pPr>
+            <a:r>
+              <a:rPr lang="it-IT" dirty="0" err="1"/>
+              <a:t>load_assets</a:t>
+            </a:r>
+            <a:r>
+              <a:rPr lang="it-IT" dirty="0"/>
+              <a:t>: </a:t>
+            </a:r>
+            <a:r>
+              <a:rPr lang="it-IT" dirty="0" err="1"/>
+              <a:t>walls</a:t>
+            </a:r>
+            <a:r>
+              <a:rPr lang="it-IT" dirty="0"/>
+              <a:t>, </a:t>
+            </a:r>
+            <a:r>
+              <a:rPr lang="it-IT" dirty="0" err="1"/>
+              <a:t>obstacles</a:t>
+            </a:r>
+            <a:r>
+              <a:rPr lang="it-IT" dirty="0"/>
+              <a:t> URDF</a:t>
+            </a:r>
+          </a:p>
+          <a:p>
+            <a:pPr marL="285750" indent="-285750">
+              <a:buFont typeface="Arial" panose="020B0604020202020204" pitchFamily="34" charset="0"/>
+              <a:buChar char="•"/>
+            </a:pPr>
+            <a:endParaRPr lang="it-IT" dirty="0"/>
+          </a:p>
+          <a:p>
+            <a:pPr marL="285750" indent="-285750">
+              <a:buFont typeface="Arial" panose="020B0604020202020204" pitchFamily="34" charset="0"/>
+              <a:buChar char="•"/>
+            </a:pPr>
+            <a:r>
+              <a:rPr lang="it-IT" dirty="0"/>
+              <a:t>For </a:t>
+            </a:r>
+            <a:r>
+              <a:rPr lang="it-IT" dirty="0" err="1"/>
+              <a:t>each</a:t>
+            </a:r>
+            <a:r>
+              <a:rPr lang="it-IT" dirty="0"/>
+              <a:t> </a:t>
+            </a:r>
+            <a:r>
+              <a:rPr lang="it-IT" dirty="0" err="1"/>
+              <a:t>environment</a:t>
+            </a:r>
+            <a:r>
+              <a:rPr lang="it-IT" dirty="0"/>
+              <a:t>:</a:t>
+            </a:r>
+          </a:p>
+          <a:p>
+            <a:pPr marL="742950" lvl="1" indent="-285750">
+              <a:buFont typeface="Arial" panose="020B0604020202020204" pitchFamily="34" charset="0"/>
+              <a:buChar char="•"/>
+            </a:pPr>
+            <a:r>
+              <a:rPr lang="it-IT" dirty="0" err="1"/>
+              <a:t>create_actor</a:t>
+            </a:r>
+            <a:r>
+              <a:rPr lang="it-IT" dirty="0"/>
+              <a:t>: </a:t>
+            </a:r>
+            <a:r>
+              <a:rPr lang="it-IT" dirty="0" err="1"/>
+              <a:t>initial</a:t>
+            </a:r>
+            <a:r>
+              <a:rPr lang="it-IT" dirty="0"/>
+              <a:t> position, </a:t>
+            </a:r>
+            <a:r>
+              <a:rPr lang="it-IT" dirty="0" err="1"/>
+              <a:t>collision</a:t>
+            </a:r>
+            <a:r>
+              <a:rPr lang="it-IT" dirty="0"/>
+              <a:t> group</a:t>
+            </a:r>
+          </a:p>
+        </p:txBody>
+      </p:sp>
+      <p:sp>
+        <p:nvSpPr>
+          <p:cNvPr id="46" name="Rectangle: Rounded Corners 28">
+            <a:extLst>
+              <a:ext uri="{FF2B5EF4-FFF2-40B4-BE49-F238E27FC236}">
+                <a16:creationId xmlns:a16="http://schemas.microsoft.com/office/drawing/2014/main" id="{A4FCE882-6800-5670-4EAD-56E999640ADF}"/>
+              </a:ext>
+            </a:extLst>
+          </p:cNvPr>
+          <p:cNvSpPr/>
+          <p:nvPr/>
+        </p:nvSpPr>
+        <p:spPr>
+          <a:xfrm>
+            <a:off x="7532078" y="5611469"/>
+            <a:ext cx="2775857" cy="557166"/>
+          </a:xfrm>
+          <a:prstGeom prst="roundRect">
+            <a:avLst>
+              <a:gd name="adj" fmla="val 8957"/>
+            </a:avLst>
+          </a:prstGeom>
+        </p:spPr>
+        <p:style>
+          <a:lnRef idx="2">
+            <a:schemeClr val="accent1"/>
+          </a:lnRef>
+          <a:fillRef idx="1">
+            <a:schemeClr val="lt1"/>
+          </a:fillRef>
+          <a:effectRef idx="0">
+            <a:schemeClr val="accent1"/>
+          </a:effectRef>
+          <a:fontRef idx="minor">
+            <a:schemeClr val="dk1"/>
+          </a:fontRef>
+        </p:style>
+        <p:txBody>
+          <a:bodyPr rtlCol="0" anchor="ctr"/>
+          <a:lstStyle/>
+          <a:p>
+            <a:pPr marL="285750" indent="-285750">
+              <a:buFont typeface="Arial" panose="020B0604020202020204" pitchFamily="34" charset="0"/>
+              <a:buChar char="•"/>
+            </a:pPr>
+            <a:r>
+              <a:rPr lang="it-IT" dirty="0" err="1">
+                <a:solidFill>
+                  <a:srgbClr val="FF0000"/>
+                </a:solidFill>
+              </a:rPr>
+              <a:t>Each</a:t>
+            </a:r>
+            <a:r>
+              <a:rPr lang="it-IT" dirty="0">
+                <a:solidFill>
+                  <a:srgbClr val="FF0000"/>
+                </a:solidFill>
+              </a:rPr>
+              <a:t> </a:t>
+            </a:r>
+            <a:r>
+              <a:rPr lang="it-IT" dirty="0" err="1">
+                <a:solidFill>
+                  <a:srgbClr val="FF0000"/>
+                </a:solidFill>
+              </a:rPr>
+              <a:t>object</a:t>
+            </a:r>
+            <a:r>
+              <a:rPr lang="it-IT" dirty="0">
+                <a:solidFill>
+                  <a:srgbClr val="FF0000"/>
+                </a:solidFill>
+              </a:rPr>
+              <a:t> </a:t>
+            </a:r>
+            <a:r>
+              <a:rPr lang="it-IT" dirty="0" err="1">
+                <a:solidFill>
+                  <a:srgbClr val="FF0000"/>
+                </a:solidFill>
+              </a:rPr>
+              <a:t>is</a:t>
+            </a:r>
+            <a:r>
+              <a:rPr lang="it-IT" dirty="0">
+                <a:solidFill>
+                  <a:srgbClr val="FF0000"/>
+                </a:solidFill>
+              </a:rPr>
+              <a:t> an </a:t>
+            </a:r>
+            <a:r>
+              <a:rPr lang="it-IT" dirty="0" err="1">
+                <a:solidFill>
+                  <a:srgbClr val="FF0000"/>
+                </a:solidFill>
+              </a:rPr>
+              <a:t>actor</a:t>
+            </a:r>
+            <a:endParaRPr lang="it-IT" dirty="0">
+              <a:solidFill>
+                <a:srgbClr val="FF0000"/>
+              </a:solidFill>
+            </a:endParaRPr>
+          </a:p>
+        </p:txBody>
+      </p:sp>
+      <p:cxnSp>
+        <p:nvCxnSpPr>
+          <p:cNvPr id="51" name="Connettore a gomito 50">
+            <a:extLst>
+              <a:ext uri="{FF2B5EF4-FFF2-40B4-BE49-F238E27FC236}">
+                <a16:creationId xmlns:a16="http://schemas.microsoft.com/office/drawing/2014/main" id="{0A3F642C-5EEA-42BD-AF1B-7A70590E53D7}"/>
+              </a:ext>
+            </a:extLst>
+          </p:cNvPr>
+          <p:cNvCxnSpPr>
+            <a:cxnSpLocks/>
+            <a:stCxn id="35" idx="1"/>
+            <a:endCxn id="37" idx="0"/>
+          </p:cNvCxnSpPr>
+          <p:nvPr/>
+        </p:nvCxnSpPr>
+        <p:spPr>
+          <a:xfrm rot="10800000" flipV="1">
+            <a:off x="1665808" y="2718549"/>
+            <a:ext cx="765174" cy="550233"/>
+          </a:xfrm>
+          <a:prstGeom prst="bentConnector2">
+            <a:avLst/>
+          </a:prstGeom>
+          <a:ln>
+            <a:tailEnd type="triangle"/>
+          </a:ln>
+        </p:spPr>
+        <p:style>
+          <a:lnRef idx="2">
+            <a:schemeClr val="accent1"/>
+          </a:lnRef>
+          <a:fillRef idx="0">
+            <a:schemeClr val="accent1"/>
+          </a:fillRef>
+          <a:effectRef idx="1">
+            <a:schemeClr val="accent1"/>
+          </a:effectRef>
+          <a:fontRef idx="minor">
+            <a:schemeClr val="tx1"/>
+          </a:fontRef>
+        </p:style>
+      </p:cxnSp>
+      <p:cxnSp>
+        <p:nvCxnSpPr>
+          <p:cNvPr id="54" name="Connettore a gomito 53">
+            <a:extLst>
+              <a:ext uri="{FF2B5EF4-FFF2-40B4-BE49-F238E27FC236}">
+                <a16:creationId xmlns:a16="http://schemas.microsoft.com/office/drawing/2014/main" id="{13FC31F6-2197-F7E3-BF8F-05E6ADB683BF}"/>
+              </a:ext>
+            </a:extLst>
+          </p:cNvPr>
+          <p:cNvCxnSpPr>
+            <a:cxnSpLocks/>
+          </p:cNvCxnSpPr>
+          <p:nvPr/>
+        </p:nvCxnSpPr>
+        <p:spPr>
+          <a:xfrm rot="10800000" flipH="1" flipV="1">
+            <a:off x="4156459" y="2711502"/>
+            <a:ext cx="765174" cy="550233"/>
+          </a:xfrm>
+          <a:prstGeom prst="bentConnector2">
+            <a:avLst/>
+          </a:prstGeom>
+          <a:ln>
+            <a:tailEnd type="triangle"/>
+          </a:ln>
+        </p:spPr>
+        <p:style>
+          <a:lnRef idx="2">
+            <a:schemeClr val="accent1"/>
+          </a:lnRef>
+          <a:fillRef idx="0">
+            <a:schemeClr val="accent1"/>
+          </a:fillRef>
+          <a:effectRef idx="1">
+            <a:schemeClr val="accent1"/>
+          </a:effectRef>
+          <a:fontRef idx="minor">
+            <a:schemeClr val="tx1"/>
+          </a:fontRef>
+        </p:style>
+      </p:cxnSp>
+      <p:cxnSp>
+        <p:nvCxnSpPr>
+          <p:cNvPr id="56" name="Connettore a gomito 55">
+            <a:extLst>
+              <a:ext uri="{FF2B5EF4-FFF2-40B4-BE49-F238E27FC236}">
+                <a16:creationId xmlns:a16="http://schemas.microsoft.com/office/drawing/2014/main" id="{ACC76A20-6733-5F63-33D4-3766DD5AAE2A}"/>
+              </a:ext>
+            </a:extLst>
+          </p:cNvPr>
+          <p:cNvCxnSpPr>
+            <a:cxnSpLocks/>
+            <a:stCxn id="37" idx="2"/>
+            <a:endCxn id="38" idx="0"/>
+          </p:cNvCxnSpPr>
+          <p:nvPr/>
+        </p:nvCxnSpPr>
+        <p:spPr>
+          <a:xfrm rot="16200000" flipH="1">
+            <a:off x="1902596" y="3485329"/>
+            <a:ext cx="740532" cy="1214108"/>
+          </a:xfrm>
+          <a:prstGeom prst="bentConnector3">
+            <a:avLst>
+              <a:gd name="adj1" fmla="val 50000"/>
+            </a:avLst>
+          </a:prstGeom>
+          <a:ln>
+            <a:tailEnd type="triangle"/>
+          </a:ln>
+        </p:spPr>
+        <p:style>
+          <a:lnRef idx="2">
+            <a:schemeClr val="accent1"/>
+          </a:lnRef>
+          <a:fillRef idx="0">
+            <a:schemeClr val="accent1"/>
+          </a:fillRef>
+          <a:effectRef idx="1">
+            <a:schemeClr val="accent1"/>
+          </a:effectRef>
+          <a:fontRef idx="minor">
+            <a:schemeClr val="tx1"/>
+          </a:fontRef>
+        </p:style>
+      </p:cxnSp>
+    </p:spTree>
+    <p:extLst>
+      <p:ext uri="{BB962C8B-B14F-4D97-AF65-F5344CB8AC3E}">
+        <p14:creationId xmlns:p14="http://schemas.microsoft.com/office/powerpoint/2010/main" val="1667550923"/>
+      </p:ext>
+    </p:extLst>
+  </p:cSld>
+  <p:clrMapOvr>
+    <a:masterClrMapping/>
+  </p:clrMapOvr>
+</p:sld>
+</file>
+
+<file path=ppt/slides/slide8.xml><?xml version="1.0" encoding="utf-8"?>
 <p:sld xmlns:a="http://schemas.openxmlformats.org/drawingml/2006/main" xmlns:r="http://schemas.openxmlformats.org/officeDocument/2006/relationships" xmlns:p="http://schemas.openxmlformats.org/presentationml/2006/main">
   <p:cSld>
     <p:spTree>
@@ -21943,7 +26029,7 @@
 </p:sld>
 </file>
 
-<file path=ppt/slides/slide8.xml><?xml version="1.0" encoding="utf-8"?>
+<file path=ppt/slides/slide9.xml><?xml version="1.0" encoding="utf-8"?>
 <p:sld xmlns:a="http://schemas.openxmlformats.org/drawingml/2006/main" xmlns:r="http://schemas.openxmlformats.org/officeDocument/2006/relationships" xmlns:p="http://schemas.openxmlformats.org/presentationml/2006/main">
   <p:cSld>
     <p:spTree>
@@ -23603,306 +27689,6 @@
 </p:sld>
 </file>
 
-<file path=ppt/slides/slide9.xml><?xml version="1.0" encoding="utf-8"?>
-<p:sld xmlns:a="http://schemas.openxmlformats.org/drawingml/2006/main" xmlns:r="http://schemas.openxmlformats.org/officeDocument/2006/relationships" xmlns:p="http://schemas.openxmlformats.org/presentationml/2006/main">
-  <p:cSld>
-    <p:spTree>
-      <p:nvGrpSpPr>
-        <p:cNvPr id="1" name=""/>
-        <p:cNvGrpSpPr/>
-        <p:nvPr/>
-      </p:nvGrpSpPr>
-      <p:grpSpPr>
-        <a:xfrm>
-          <a:off x="0" y="0"/>
-          <a:ext cx="0" cy="0"/>
-          <a:chOff x="0" y="0"/>
-          <a:chExt cx="0" cy="0"/>
-        </a:xfrm>
-      </p:grpSpPr>
-      <p:sp>
-        <p:nvSpPr>
-          <p:cNvPr id="2" name="Titolo 1">
-            <a:extLst>
-              <a:ext uri="{FF2B5EF4-FFF2-40B4-BE49-F238E27FC236}">
-                <a16:creationId xmlns:a16="http://schemas.microsoft.com/office/drawing/2014/main" id="{D5F58EEC-3A74-ACCB-9A51-3B63C7A951AF}"/>
-              </a:ext>
-            </a:extLst>
-          </p:cNvPr>
-          <p:cNvSpPr>
-            <a:spLocks noGrp="1"/>
-          </p:cNvSpPr>
-          <p:nvPr>
-            <p:ph type="title"/>
-          </p:nvPr>
-        </p:nvSpPr>
-        <p:spPr/>
-        <p:txBody>
-          <a:bodyPr>
-            <a:normAutofit/>
-          </a:bodyPr>
-          <a:lstStyle/>
-          <a:p>
-            <a:r>
-              <a:rPr lang="en-US" dirty="0">
-                <a:latin typeface="Aptos SemiBold" panose="020B0004020202020204" pitchFamily="34" charset="0"/>
-              </a:rPr>
-              <a:t>Reaching a target – Reward Function</a:t>
-            </a:r>
-            <a:endParaRPr lang="it-IT" dirty="0">
-              <a:latin typeface="Aptos SemiBold" panose="020B0004020202020204" pitchFamily="34" charset="0"/>
-            </a:endParaRPr>
-          </a:p>
-        </p:txBody>
-      </p:sp>
-      <p:pic>
-        <p:nvPicPr>
-          <p:cNvPr id="4" name="Immagine 3">
-            <a:extLst>
-              <a:ext uri="{FF2B5EF4-FFF2-40B4-BE49-F238E27FC236}">
-                <a16:creationId xmlns:a16="http://schemas.microsoft.com/office/drawing/2014/main" id="{CB1FFB52-928C-7EDA-3C3B-6E1F60CA0E58}"/>
-              </a:ext>
-            </a:extLst>
-          </p:cNvPr>
-          <p:cNvPicPr>
-            <a:picLocks noChangeAspect="1"/>
-          </p:cNvPicPr>
-          <p:nvPr/>
-        </p:nvPicPr>
-        <p:blipFill>
-          <a:blip r:embed="rId2"/>
-          <a:stretch>
-            <a:fillRect/>
-          </a:stretch>
-        </p:blipFill>
-        <p:spPr>
-          <a:xfrm>
-            <a:off x="838200" y="1487928"/>
-            <a:ext cx="6142782" cy="36000"/>
-          </a:xfrm>
-          <a:prstGeom prst="rect">
-            <a:avLst/>
-          </a:prstGeom>
-        </p:spPr>
-      </p:pic>
-      <p:sp>
-        <p:nvSpPr>
-          <p:cNvPr id="5" name="Segnaposto contenuto 2">
-            <a:extLst>
-              <a:ext uri="{FF2B5EF4-FFF2-40B4-BE49-F238E27FC236}">
-                <a16:creationId xmlns:a16="http://schemas.microsoft.com/office/drawing/2014/main" id="{5C886F07-EA7B-3583-3F0E-C33A5A18A369}"/>
-              </a:ext>
-            </a:extLst>
-          </p:cNvPr>
-          <p:cNvSpPr txBox="1">
-            <a:spLocks/>
-          </p:cNvSpPr>
-          <p:nvPr/>
-        </p:nvSpPr>
-        <p:spPr>
-          <a:xfrm>
-            <a:off x="990600" y="1978025"/>
-            <a:ext cx="4172339" cy="4351338"/>
-          </a:xfrm>
-          <a:prstGeom prst="rect">
-            <a:avLst/>
-          </a:prstGeom>
-        </p:spPr>
-        <p:txBody>
-          <a:bodyPr vert="horz" lIns="91440" tIns="45720" rIns="91440" bIns="45720" rtlCol="0">
-            <a:normAutofit/>
-          </a:bodyPr>
-          <a:lstStyle>
-            <a:lvl1pPr marL="228600" indent="-228600" algn="l" defTabSz="914400" rtl="0" eaLnBrk="1" latinLnBrk="0" hangingPunct="1">
-              <a:lnSpc>
-                <a:spcPct val="90000"/>
-              </a:lnSpc>
-              <a:spcBef>
-                <a:spcPts val="1000"/>
-              </a:spcBef>
-              <a:buFont typeface="Arial" panose="020B0604020202020204" pitchFamily="34" charset="0"/>
-              <a:buChar char="•"/>
-              <a:defRPr sz="2800" kern="1200">
-                <a:solidFill>
-                  <a:schemeClr val="tx1"/>
-                </a:solidFill>
-                <a:latin typeface="+mn-lt"/>
-                <a:ea typeface="+mn-ea"/>
-                <a:cs typeface="+mn-cs"/>
-              </a:defRPr>
-            </a:lvl1pPr>
-            <a:lvl2pPr marL="685800" indent="-228600" algn="l" defTabSz="914400" rtl="0" eaLnBrk="1" latinLnBrk="0" hangingPunct="1">
-              <a:lnSpc>
-                <a:spcPct val="90000"/>
-              </a:lnSpc>
-              <a:spcBef>
-                <a:spcPts val="500"/>
-              </a:spcBef>
-              <a:buFont typeface="Arial" panose="020B0604020202020204" pitchFamily="34" charset="0"/>
-              <a:buChar char="•"/>
-              <a:defRPr sz="2400" kern="1200">
-                <a:solidFill>
-                  <a:schemeClr val="tx1"/>
-                </a:solidFill>
-                <a:latin typeface="+mn-lt"/>
-                <a:ea typeface="+mn-ea"/>
-                <a:cs typeface="+mn-cs"/>
-              </a:defRPr>
-            </a:lvl2pPr>
-            <a:lvl3pPr marL="1143000" indent="-228600" algn="l" defTabSz="914400" rtl="0" eaLnBrk="1" latinLnBrk="0" hangingPunct="1">
-              <a:lnSpc>
-                <a:spcPct val="90000"/>
-              </a:lnSpc>
-              <a:spcBef>
-                <a:spcPts val="500"/>
-              </a:spcBef>
-              <a:buFont typeface="Arial" panose="020B0604020202020204" pitchFamily="34" charset="0"/>
-              <a:buChar char="•"/>
-              <a:defRPr sz="2000" kern="1200">
-                <a:solidFill>
-                  <a:schemeClr val="tx1"/>
-                </a:solidFill>
-                <a:latin typeface="+mn-lt"/>
-                <a:ea typeface="+mn-ea"/>
-                <a:cs typeface="+mn-cs"/>
-              </a:defRPr>
-            </a:lvl3pPr>
-            <a:lvl4pPr marL="1600200" indent="-228600" algn="l" defTabSz="914400" rtl="0" eaLnBrk="1" latinLnBrk="0" hangingPunct="1">
-              <a:lnSpc>
-                <a:spcPct val="90000"/>
-              </a:lnSpc>
-              <a:spcBef>
-                <a:spcPts val="500"/>
-              </a:spcBef>
-              <a:buFont typeface="Arial" panose="020B0604020202020204" pitchFamily="34" charset="0"/>
-              <a:buChar char="•"/>
-              <a:defRPr sz="1800" kern="1200">
-                <a:solidFill>
-                  <a:schemeClr val="tx1"/>
-                </a:solidFill>
-                <a:latin typeface="+mn-lt"/>
-                <a:ea typeface="+mn-ea"/>
-                <a:cs typeface="+mn-cs"/>
-              </a:defRPr>
-            </a:lvl4pPr>
-            <a:lvl5pPr marL="2057400" indent="-228600" algn="l" defTabSz="914400" rtl="0" eaLnBrk="1" latinLnBrk="0" hangingPunct="1">
-              <a:lnSpc>
-                <a:spcPct val="90000"/>
-              </a:lnSpc>
-              <a:spcBef>
-                <a:spcPts val="500"/>
-              </a:spcBef>
-              <a:buFont typeface="Arial" panose="020B0604020202020204" pitchFamily="34" charset="0"/>
-              <a:buChar char="•"/>
-              <a:defRPr sz="1800" kern="1200">
-                <a:solidFill>
-                  <a:schemeClr val="tx1"/>
-                </a:solidFill>
-                <a:latin typeface="+mn-lt"/>
-                <a:ea typeface="+mn-ea"/>
-                <a:cs typeface="+mn-cs"/>
-              </a:defRPr>
-            </a:lvl5pPr>
-            <a:lvl6pPr marL="2514600" indent="-228600" algn="l" defTabSz="914400" rtl="0" eaLnBrk="1" latinLnBrk="0" hangingPunct="1">
-              <a:lnSpc>
-                <a:spcPct val="90000"/>
-              </a:lnSpc>
-              <a:spcBef>
-                <a:spcPts val="500"/>
-              </a:spcBef>
-              <a:buFont typeface="Arial" panose="020B0604020202020204" pitchFamily="34" charset="0"/>
-              <a:buChar char="•"/>
-              <a:defRPr sz="1800" kern="1200">
-                <a:solidFill>
-                  <a:schemeClr val="tx1"/>
-                </a:solidFill>
-                <a:latin typeface="+mn-lt"/>
-                <a:ea typeface="+mn-ea"/>
-                <a:cs typeface="+mn-cs"/>
-              </a:defRPr>
-            </a:lvl6pPr>
-            <a:lvl7pPr marL="2971800" indent="-228600" algn="l" defTabSz="914400" rtl="0" eaLnBrk="1" latinLnBrk="0" hangingPunct="1">
-              <a:lnSpc>
-                <a:spcPct val="90000"/>
-              </a:lnSpc>
-              <a:spcBef>
-                <a:spcPts val="500"/>
-              </a:spcBef>
-              <a:buFont typeface="Arial" panose="020B0604020202020204" pitchFamily="34" charset="0"/>
-              <a:buChar char="•"/>
-              <a:defRPr sz="1800" kern="1200">
-                <a:solidFill>
-                  <a:schemeClr val="tx1"/>
-                </a:solidFill>
-                <a:latin typeface="+mn-lt"/>
-                <a:ea typeface="+mn-ea"/>
-                <a:cs typeface="+mn-cs"/>
-              </a:defRPr>
-            </a:lvl7pPr>
-            <a:lvl8pPr marL="3429000" indent="-228600" algn="l" defTabSz="914400" rtl="0" eaLnBrk="1" latinLnBrk="0" hangingPunct="1">
-              <a:lnSpc>
-                <a:spcPct val="90000"/>
-              </a:lnSpc>
-              <a:spcBef>
-                <a:spcPts val="500"/>
-              </a:spcBef>
-              <a:buFont typeface="Arial" panose="020B0604020202020204" pitchFamily="34" charset="0"/>
-              <a:buChar char="•"/>
-              <a:defRPr sz="1800" kern="1200">
-                <a:solidFill>
-                  <a:schemeClr val="tx1"/>
-                </a:solidFill>
-                <a:latin typeface="+mn-lt"/>
-                <a:ea typeface="+mn-ea"/>
-                <a:cs typeface="+mn-cs"/>
-              </a:defRPr>
-            </a:lvl8pPr>
-            <a:lvl9pPr marL="3886200" indent="-228600" algn="l" defTabSz="914400" rtl="0" eaLnBrk="1" latinLnBrk="0" hangingPunct="1">
-              <a:lnSpc>
-                <a:spcPct val="90000"/>
-              </a:lnSpc>
-              <a:spcBef>
-                <a:spcPts val="500"/>
-              </a:spcBef>
-              <a:buFont typeface="Arial" panose="020B0604020202020204" pitchFamily="34" charset="0"/>
-              <a:buChar char="•"/>
-              <a:defRPr sz="1800" kern="1200">
-                <a:solidFill>
-                  <a:schemeClr val="tx1"/>
-                </a:solidFill>
-                <a:latin typeface="+mn-lt"/>
-                <a:ea typeface="+mn-ea"/>
-                <a:cs typeface="+mn-cs"/>
-              </a:defRPr>
-            </a:lvl9pPr>
-          </a:lstStyle>
-          <a:p>
-            <a:endParaRPr lang="it-IT" sz="2400"/>
-          </a:p>
-          <a:p>
-            <a:endParaRPr lang="it-IT"/>
-          </a:p>
-          <a:p>
-            <a:endParaRPr lang="it-IT"/>
-          </a:p>
-          <a:p>
-            <a:endParaRPr lang="it-IT" dirty="0"/>
-          </a:p>
-        </p:txBody>
-      </p:sp>
-    </p:spTree>
-    <p:extLst>
-      <p:ext uri="{BB962C8B-B14F-4D97-AF65-F5344CB8AC3E}">
-        <p14:creationId xmlns:p14="http://schemas.microsoft.com/office/powerpoint/2010/main" val="2103946519"/>
-      </p:ext>
-    </p:extLst>
-  </p:cSld>
-  <p:clrMapOvr>
-    <a:masterClrMapping/>
-  </p:clrMapOvr>
-</p:sld>
-</file>
-
 <file path=ppt/theme/theme1.xml><?xml version="1.0" encoding="utf-8"?>
 <a:theme xmlns:a="http://schemas.openxmlformats.org/drawingml/2006/main" name="Tema di Office">
   <a:themeElements>
